--- a/diagrams.pptx
+++ b/diagrams.pptx
@@ -5,7 +5,7 @@
     <p:sldMasterId id="2147483648" r:id="rId1"/>
   </p:sldMasterIdLst>
   <p:notesMasterIdLst>
-    <p:notesMasterId r:id="rId8"/>
+    <p:notesMasterId r:id="rId10"/>
   </p:notesMasterIdLst>
   <p:sldIdLst>
     <p:sldId id="256" r:id="rId2"/>
@@ -13,7 +13,9 @@
     <p:sldId id="259" r:id="rId4"/>
     <p:sldId id="261" r:id="rId5"/>
     <p:sldId id="260" r:id="rId6"/>
-    <p:sldId id="258" r:id="rId7"/>
+    <p:sldId id="262" r:id="rId7"/>
+    <p:sldId id="263" r:id="rId8"/>
+    <p:sldId id="258" r:id="rId9"/>
   </p:sldIdLst>
   <p:sldSz cx="12192000" cy="6858000"/>
   <p:notesSz cx="6858000" cy="9144000"/>
@@ -213,7 +215,7 @@
           <a:p>
             <a:fld id="{E90CDB62-1D6E-D545-843F-F79DABE7A985}" type="datetimeFigureOut">
               <a:rPr lang="en-US" smtClean="0"/>
-              <a:t>9/10/23</a:t>
+              <a:t>9/11/23</a:t>
             </a:fld>
             <a:endParaRPr lang="en-US"/>
           </a:p>
@@ -714,7 +716,7 @@
           <a:p>
             <a:fld id="{FEDB6D76-5F38-E94A-AB48-092728365E3A}" type="datetimeFigureOut">
               <a:rPr lang="en-US" smtClean="0"/>
-              <a:t>9/10/23</a:t>
+              <a:t>9/11/23</a:t>
             </a:fld>
             <a:endParaRPr lang="en-US"/>
           </a:p>
@@ -914,7 +916,7 @@
           <a:p>
             <a:fld id="{FEDB6D76-5F38-E94A-AB48-092728365E3A}" type="datetimeFigureOut">
               <a:rPr lang="en-US" smtClean="0"/>
-              <a:t>9/10/23</a:t>
+              <a:t>9/11/23</a:t>
             </a:fld>
             <a:endParaRPr lang="en-US"/>
           </a:p>
@@ -1124,7 +1126,7 @@
           <a:p>
             <a:fld id="{FEDB6D76-5F38-E94A-AB48-092728365E3A}" type="datetimeFigureOut">
               <a:rPr lang="en-US" smtClean="0"/>
-              <a:t>9/10/23</a:t>
+              <a:t>9/11/23</a:t>
             </a:fld>
             <a:endParaRPr lang="en-US"/>
           </a:p>
@@ -1324,7 +1326,7 @@
           <a:p>
             <a:fld id="{FEDB6D76-5F38-E94A-AB48-092728365E3A}" type="datetimeFigureOut">
               <a:rPr lang="en-US" smtClean="0"/>
-              <a:t>9/10/23</a:t>
+              <a:t>9/11/23</a:t>
             </a:fld>
             <a:endParaRPr lang="en-US"/>
           </a:p>
@@ -1600,7 +1602,7 @@
           <a:p>
             <a:fld id="{FEDB6D76-5F38-E94A-AB48-092728365E3A}" type="datetimeFigureOut">
               <a:rPr lang="en-US" smtClean="0"/>
-              <a:t>9/10/23</a:t>
+              <a:t>9/11/23</a:t>
             </a:fld>
             <a:endParaRPr lang="en-US"/>
           </a:p>
@@ -1868,7 +1870,7 @@
           <a:p>
             <a:fld id="{FEDB6D76-5F38-E94A-AB48-092728365E3A}" type="datetimeFigureOut">
               <a:rPr lang="en-US" smtClean="0"/>
-              <a:t>9/10/23</a:t>
+              <a:t>9/11/23</a:t>
             </a:fld>
             <a:endParaRPr lang="en-US"/>
           </a:p>
@@ -2283,7 +2285,7 @@
           <a:p>
             <a:fld id="{FEDB6D76-5F38-E94A-AB48-092728365E3A}" type="datetimeFigureOut">
               <a:rPr lang="en-US" smtClean="0"/>
-              <a:t>9/10/23</a:t>
+              <a:t>9/11/23</a:t>
             </a:fld>
             <a:endParaRPr lang="en-US"/>
           </a:p>
@@ -2425,7 +2427,7 @@
           <a:p>
             <a:fld id="{FEDB6D76-5F38-E94A-AB48-092728365E3A}" type="datetimeFigureOut">
               <a:rPr lang="en-US" smtClean="0"/>
-              <a:t>9/10/23</a:t>
+              <a:t>9/11/23</a:t>
             </a:fld>
             <a:endParaRPr lang="en-US"/>
           </a:p>
@@ -2538,7 +2540,7 @@
           <a:p>
             <a:fld id="{FEDB6D76-5F38-E94A-AB48-092728365E3A}" type="datetimeFigureOut">
               <a:rPr lang="en-US" smtClean="0"/>
-              <a:t>9/10/23</a:t>
+              <a:t>9/11/23</a:t>
             </a:fld>
             <a:endParaRPr lang="en-US"/>
           </a:p>
@@ -2851,7 +2853,7 @@
           <a:p>
             <a:fld id="{FEDB6D76-5F38-E94A-AB48-092728365E3A}" type="datetimeFigureOut">
               <a:rPr lang="en-US" smtClean="0"/>
-              <a:t>9/10/23</a:t>
+              <a:t>9/11/23</a:t>
             </a:fld>
             <a:endParaRPr lang="en-US"/>
           </a:p>
@@ -3140,7 +3142,7 @@
           <a:p>
             <a:fld id="{FEDB6D76-5F38-E94A-AB48-092728365E3A}" type="datetimeFigureOut">
               <a:rPr lang="en-US" smtClean="0"/>
-              <a:t>9/10/23</a:t>
+              <a:t>9/11/23</a:t>
             </a:fld>
             <a:endParaRPr lang="en-US"/>
           </a:p>
@@ -3383,7 +3385,7 @@
           <a:p>
             <a:fld id="{FEDB6D76-5F38-E94A-AB48-092728365E3A}" type="datetimeFigureOut">
               <a:rPr lang="en-US" smtClean="0"/>
-              <a:t>9/10/23</a:t>
+              <a:t>9/11/23</a:t>
             </a:fld>
             <a:endParaRPr lang="en-US"/>
           </a:p>
@@ -16490,6 +16492,2329 @@
 </file>
 
 <file path=ppt/slides/slide6.xml><?xml version="1.0" encoding="utf-8"?>
+<p:sld xmlns:a="http://schemas.openxmlformats.org/drawingml/2006/main" xmlns:r="http://schemas.openxmlformats.org/officeDocument/2006/relationships" xmlns:p="http://schemas.openxmlformats.org/presentationml/2006/main">
+  <p:cSld>
+    <p:spTree>
+      <p:nvGrpSpPr>
+        <p:cNvPr id="1" name=""/>
+        <p:cNvGrpSpPr/>
+        <p:nvPr/>
+      </p:nvGrpSpPr>
+      <p:grpSpPr>
+        <a:xfrm>
+          <a:off x="0" y="0"/>
+          <a:ext cx="0" cy="0"/>
+          <a:chOff x="0" y="0"/>
+          <a:chExt cx="0" cy="0"/>
+        </a:xfrm>
+      </p:grpSpPr>
+      <p:sp>
+        <p:nvSpPr>
+          <p:cNvPr id="6" name="Rounded Rectangle 5">
+            <a:extLst>
+              <a:ext uri="{FF2B5EF4-FFF2-40B4-BE49-F238E27FC236}">
+                <a16:creationId xmlns:a16="http://schemas.microsoft.com/office/drawing/2014/main" id="{2ACA9C57-64BB-8ED8-44AE-01407B2E021E}"/>
+              </a:ext>
+            </a:extLst>
+          </p:cNvPr>
+          <p:cNvSpPr/>
+          <p:nvPr/>
+        </p:nvSpPr>
+        <p:spPr>
+          <a:xfrm>
+            <a:off x="5176644" y="2947029"/>
+            <a:ext cx="720000" cy="720000"/>
+          </a:xfrm>
+          <a:prstGeom prst="roundRect">
+            <a:avLst/>
+          </a:prstGeom>
+          <a:solidFill>
+            <a:schemeClr val="accent4">
+              <a:lumMod val="60000"/>
+              <a:lumOff val="40000"/>
+            </a:schemeClr>
+          </a:solidFill>
+          <a:ln w="28575">
+            <a:solidFill>
+              <a:schemeClr val="bg2">
+                <a:lumMod val="10000"/>
+              </a:schemeClr>
+            </a:solidFill>
+          </a:ln>
+        </p:spPr>
+        <p:style>
+          <a:lnRef idx="2">
+            <a:schemeClr val="accent1">
+              <a:shade val="15000"/>
+            </a:schemeClr>
+          </a:lnRef>
+          <a:fillRef idx="1">
+            <a:schemeClr val="accent1"/>
+          </a:fillRef>
+          <a:effectRef idx="0">
+            <a:schemeClr val="accent1"/>
+          </a:effectRef>
+          <a:fontRef idx="minor">
+            <a:schemeClr val="lt1"/>
+          </a:fontRef>
+        </p:style>
+        <p:txBody>
+          <a:bodyPr rtlCol="0" anchor="ctr"/>
+          <a:lstStyle/>
+          <a:p>
+            <a:pPr algn="ctr"/>
+            <a:r>
+              <a:rPr lang="en-US" sz="6000" dirty="0">
+                <a:solidFill>
+                  <a:schemeClr val="bg2">
+                    <a:lumMod val="10000"/>
+                  </a:schemeClr>
+                </a:solidFill>
+                <a:latin typeface="Consolas" panose="020B0609020204030204" pitchFamily="49" charset="0"/>
+                <a:cs typeface="Consolas" panose="020B0609020204030204" pitchFamily="49" charset="0"/>
+              </a:rPr>
+              <a:t>2</a:t>
+            </a:r>
+            <a:endParaRPr lang="en-US" sz="3200" dirty="0">
+              <a:solidFill>
+                <a:schemeClr val="bg2">
+                  <a:lumMod val="10000"/>
+                </a:schemeClr>
+              </a:solidFill>
+              <a:latin typeface="Consolas" panose="020B0609020204030204" pitchFamily="49" charset="0"/>
+              <a:cs typeface="Consolas" panose="020B0609020204030204" pitchFamily="49" charset="0"/>
+            </a:endParaRPr>
+          </a:p>
+        </p:txBody>
+      </p:sp>
+      <p:sp>
+        <p:nvSpPr>
+          <p:cNvPr id="10" name="Rounded Rectangle 9">
+            <a:extLst>
+              <a:ext uri="{FF2B5EF4-FFF2-40B4-BE49-F238E27FC236}">
+                <a16:creationId xmlns:a16="http://schemas.microsoft.com/office/drawing/2014/main" id="{784AD57D-D6B7-D45E-FC7E-E8B254705738}"/>
+              </a:ext>
+            </a:extLst>
+          </p:cNvPr>
+          <p:cNvSpPr/>
+          <p:nvPr/>
+        </p:nvSpPr>
+        <p:spPr>
+          <a:xfrm>
+            <a:off x="6179815" y="2062436"/>
+            <a:ext cx="720000" cy="720000"/>
+          </a:xfrm>
+          <a:prstGeom prst="roundRect">
+            <a:avLst/>
+          </a:prstGeom>
+          <a:solidFill>
+            <a:schemeClr val="accent4">
+              <a:lumMod val="60000"/>
+              <a:lumOff val="40000"/>
+            </a:schemeClr>
+          </a:solidFill>
+          <a:ln w="28575">
+            <a:solidFill>
+              <a:schemeClr val="bg2">
+                <a:lumMod val="10000"/>
+              </a:schemeClr>
+            </a:solidFill>
+          </a:ln>
+        </p:spPr>
+        <p:style>
+          <a:lnRef idx="2">
+            <a:schemeClr val="accent1">
+              <a:shade val="15000"/>
+            </a:schemeClr>
+          </a:lnRef>
+          <a:fillRef idx="1">
+            <a:schemeClr val="accent1"/>
+          </a:fillRef>
+          <a:effectRef idx="0">
+            <a:schemeClr val="accent1"/>
+          </a:effectRef>
+          <a:fontRef idx="minor">
+            <a:schemeClr val="lt1"/>
+          </a:fontRef>
+        </p:style>
+        <p:txBody>
+          <a:bodyPr rtlCol="0" anchor="ctr"/>
+          <a:lstStyle/>
+          <a:p>
+            <a:pPr algn="ctr"/>
+            <a:r>
+              <a:rPr lang="en-US" sz="6000" dirty="0">
+                <a:solidFill>
+                  <a:schemeClr val="bg2">
+                    <a:lumMod val="10000"/>
+                  </a:schemeClr>
+                </a:solidFill>
+                <a:latin typeface="Consolas" panose="020B0609020204030204" pitchFamily="49" charset="0"/>
+                <a:cs typeface="Consolas" panose="020B0609020204030204" pitchFamily="49" charset="0"/>
+              </a:rPr>
+              <a:t>*</a:t>
+            </a:r>
+            <a:endParaRPr lang="en-US" sz="2400" dirty="0">
+              <a:solidFill>
+                <a:schemeClr val="bg2">
+                  <a:lumMod val="10000"/>
+                </a:schemeClr>
+              </a:solidFill>
+              <a:latin typeface="Consolas" panose="020B0609020204030204" pitchFamily="49" charset="0"/>
+              <a:cs typeface="Consolas" panose="020B0609020204030204" pitchFamily="49" charset="0"/>
+            </a:endParaRPr>
+          </a:p>
+        </p:txBody>
+      </p:sp>
+      <p:sp>
+        <p:nvSpPr>
+          <p:cNvPr id="13" name="Rounded Rectangle 12">
+            <a:extLst>
+              <a:ext uri="{FF2B5EF4-FFF2-40B4-BE49-F238E27FC236}">
+                <a16:creationId xmlns:a16="http://schemas.microsoft.com/office/drawing/2014/main" id="{8D104FAF-3BDA-66BC-3972-50F7B48C3324}"/>
+              </a:ext>
+            </a:extLst>
+          </p:cNvPr>
+          <p:cNvSpPr/>
+          <p:nvPr/>
+        </p:nvSpPr>
+        <p:spPr>
+          <a:xfrm>
+            <a:off x="5177262" y="1162435"/>
+            <a:ext cx="720000" cy="720000"/>
+          </a:xfrm>
+          <a:prstGeom prst="roundRect">
+            <a:avLst/>
+          </a:prstGeom>
+          <a:solidFill>
+            <a:schemeClr val="accent4">
+              <a:lumMod val="60000"/>
+              <a:lumOff val="40000"/>
+            </a:schemeClr>
+          </a:solidFill>
+          <a:ln w="28575">
+            <a:solidFill>
+              <a:schemeClr val="bg2">
+                <a:lumMod val="10000"/>
+              </a:schemeClr>
+            </a:solidFill>
+          </a:ln>
+        </p:spPr>
+        <p:style>
+          <a:lnRef idx="2">
+            <a:schemeClr val="accent1">
+              <a:shade val="15000"/>
+            </a:schemeClr>
+          </a:lnRef>
+          <a:fillRef idx="1">
+            <a:schemeClr val="accent1"/>
+          </a:fillRef>
+          <a:effectRef idx="0">
+            <a:schemeClr val="accent1"/>
+          </a:effectRef>
+          <a:fontRef idx="minor">
+            <a:schemeClr val="lt1"/>
+          </a:fontRef>
+        </p:style>
+        <p:txBody>
+          <a:bodyPr rtlCol="0" anchor="ctr"/>
+          <a:lstStyle/>
+          <a:p>
+            <a:pPr algn="ctr"/>
+            <a:r>
+              <a:rPr lang="en-US" sz="6000" dirty="0">
+                <a:solidFill>
+                  <a:schemeClr val="bg2">
+                    <a:lumMod val="10000"/>
+                  </a:schemeClr>
+                </a:solidFill>
+                <a:latin typeface="Consolas" panose="020B0609020204030204" pitchFamily="49" charset="0"/>
+                <a:cs typeface="Consolas" panose="020B0609020204030204" pitchFamily="49" charset="0"/>
+              </a:rPr>
+              <a:t>+</a:t>
+            </a:r>
+            <a:endParaRPr lang="en-US" sz="3200" dirty="0">
+              <a:solidFill>
+                <a:schemeClr val="bg2">
+                  <a:lumMod val="10000"/>
+                </a:schemeClr>
+              </a:solidFill>
+              <a:latin typeface="Consolas" panose="020B0609020204030204" pitchFamily="49" charset="0"/>
+              <a:cs typeface="Consolas" panose="020B0609020204030204" pitchFamily="49" charset="0"/>
+            </a:endParaRPr>
+          </a:p>
+        </p:txBody>
+      </p:sp>
+      <p:sp>
+        <p:nvSpPr>
+          <p:cNvPr id="14" name="Rounded Rectangle 13">
+            <a:extLst>
+              <a:ext uri="{FF2B5EF4-FFF2-40B4-BE49-F238E27FC236}">
+                <a16:creationId xmlns:a16="http://schemas.microsoft.com/office/drawing/2014/main" id="{729A6ABA-D44A-1409-5A08-D2CF4E68A46D}"/>
+              </a:ext>
+            </a:extLst>
+          </p:cNvPr>
+          <p:cNvSpPr/>
+          <p:nvPr/>
+        </p:nvSpPr>
+        <p:spPr>
+          <a:xfrm>
+            <a:off x="4097262" y="2062436"/>
+            <a:ext cx="720000" cy="720000"/>
+          </a:xfrm>
+          <a:prstGeom prst="roundRect">
+            <a:avLst/>
+          </a:prstGeom>
+          <a:solidFill>
+            <a:schemeClr val="accent4">
+              <a:lumMod val="60000"/>
+              <a:lumOff val="40000"/>
+            </a:schemeClr>
+          </a:solidFill>
+          <a:ln w="28575">
+            <a:solidFill>
+              <a:schemeClr val="bg2">
+                <a:lumMod val="10000"/>
+              </a:schemeClr>
+            </a:solidFill>
+          </a:ln>
+        </p:spPr>
+        <p:style>
+          <a:lnRef idx="2">
+            <a:schemeClr val="accent1">
+              <a:shade val="15000"/>
+            </a:schemeClr>
+          </a:lnRef>
+          <a:fillRef idx="1">
+            <a:schemeClr val="accent1"/>
+          </a:fillRef>
+          <a:effectRef idx="0">
+            <a:schemeClr val="accent1"/>
+          </a:effectRef>
+          <a:fontRef idx="minor">
+            <a:schemeClr val="lt1"/>
+          </a:fontRef>
+        </p:style>
+        <p:txBody>
+          <a:bodyPr rtlCol="0" anchor="ctr"/>
+          <a:lstStyle/>
+          <a:p>
+            <a:pPr algn="ctr"/>
+            <a:r>
+              <a:rPr lang="en-US" sz="6600" dirty="0">
+                <a:solidFill>
+                  <a:schemeClr val="bg2">
+                    <a:lumMod val="10000"/>
+                  </a:schemeClr>
+                </a:solidFill>
+                <a:latin typeface="Consolas" panose="020B0609020204030204" pitchFamily="49" charset="0"/>
+                <a:cs typeface="Consolas" panose="020B0609020204030204" pitchFamily="49" charset="0"/>
+              </a:rPr>
+              <a:t>4</a:t>
+            </a:r>
+            <a:endParaRPr lang="en-US" sz="3200" dirty="0">
+              <a:solidFill>
+                <a:schemeClr val="bg2">
+                  <a:lumMod val="10000"/>
+                </a:schemeClr>
+              </a:solidFill>
+              <a:latin typeface="Consolas" panose="020B0609020204030204" pitchFamily="49" charset="0"/>
+              <a:cs typeface="Consolas" panose="020B0609020204030204" pitchFamily="49" charset="0"/>
+            </a:endParaRPr>
+          </a:p>
+        </p:txBody>
+      </p:sp>
+      <p:sp>
+        <p:nvSpPr>
+          <p:cNvPr id="4" name="Rounded Rectangle 3">
+            <a:extLst>
+              <a:ext uri="{FF2B5EF4-FFF2-40B4-BE49-F238E27FC236}">
+                <a16:creationId xmlns:a16="http://schemas.microsoft.com/office/drawing/2014/main" id="{89CD8E1F-5A8F-E72C-ADCA-D55941AF8AA5}"/>
+              </a:ext>
+            </a:extLst>
+          </p:cNvPr>
+          <p:cNvSpPr/>
+          <p:nvPr/>
+        </p:nvSpPr>
+        <p:spPr>
+          <a:xfrm>
+            <a:off x="7182368" y="2947029"/>
+            <a:ext cx="720000" cy="720000"/>
+          </a:xfrm>
+          <a:prstGeom prst="roundRect">
+            <a:avLst/>
+          </a:prstGeom>
+          <a:solidFill>
+            <a:schemeClr val="accent4">
+              <a:lumMod val="60000"/>
+              <a:lumOff val="40000"/>
+            </a:schemeClr>
+          </a:solidFill>
+          <a:ln w="28575">
+            <a:solidFill>
+              <a:schemeClr val="bg2">
+                <a:lumMod val="10000"/>
+              </a:schemeClr>
+            </a:solidFill>
+          </a:ln>
+        </p:spPr>
+        <p:style>
+          <a:lnRef idx="2">
+            <a:schemeClr val="accent1">
+              <a:shade val="15000"/>
+            </a:schemeClr>
+          </a:lnRef>
+          <a:fillRef idx="1">
+            <a:schemeClr val="accent1"/>
+          </a:fillRef>
+          <a:effectRef idx="0">
+            <a:schemeClr val="accent1"/>
+          </a:effectRef>
+          <a:fontRef idx="minor">
+            <a:schemeClr val="lt1"/>
+          </a:fontRef>
+        </p:style>
+        <p:txBody>
+          <a:bodyPr rtlCol="0" anchor="ctr"/>
+          <a:lstStyle/>
+          <a:p>
+            <a:pPr algn="ctr"/>
+            <a:r>
+              <a:rPr lang="en-US" sz="6000" dirty="0">
+                <a:solidFill>
+                  <a:schemeClr val="bg2">
+                    <a:lumMod val="10000"/>
+                  </a:schemeClr>
+                </a:solidFill>
+                <a:latin typeface="Consolas" panose="020B0609020204030204" pitchFamily="49" charset="0"/>
+                <a:cs typeface="Consolas" panose="020B0609020204030204" pitchFamily="49" charset="0"/>
+              </a:rPr>
+              <a:t>3</a:t>
+            </a:r>
+            <a:endParaRPr lang="en-US" sz="3200" dirty="0">
+              <a:solidFill>
+                <a:schemeClr val="bg2">
+                  <a:lumMod val="10000"/>
+                </a:schemeClr>
+              </a:solidFill>
+              <a:latin typeface="Consolas" panose="020B0609020204030204" pitchFamily="49" charset="0"/>
+              <a:cs typeface="Consolas" panose="020B0609020204030204" pitchFamily="49" charset="0"/>
+            </a:endParaRPr>
+          </a:p>
+        </p:txBody>
+      </p:sp>
+      <p:cxnSp>
+        <p:nvCxnSpPr>
+          <p:cNvPr id="2" name="Elbow Connector 1">
+            <a:extLst>
+              <a:ext uri="{FF2B5EF4-FFF2-40B4-BE49-F238E27FC236}">
+                <a16:creationId xmlns:a16="http://schemas.microsoft.com/office/drawing/2014/main" id="{954C7A70-DADB-100B-BCCD-1499699D2BD3}"/>
+              </a:ext>
+            </a:extLst>
+          </p:cNvPr>
+          <p:cNvCxnSpPr>
+            <a:cxnSpLocks/>
+            <a:stCxn id="13" idx="1"/>
+            <a:endCxn id="14" idx="0"/>
+          </p:cNvCxnSpPr>
+          <p:nvPr/>
+        </p:nvCxnSpPr>
+        <p:spPr>
+          <a:xfrm rot="10800000" flipV="1">
+            <a:off x="4457262" y="1522434"/>
+            <a:ext cx="720000" cy="540001"/>
+          </a:xfrm>
+          <a:prstGeom prst="bentConnector2">
+            <a:avLst/>
+          </a:prstGeom>
+          <a:ln w="38100">
+            <a:solidFill>
+              <a:schemeClr val="bg2">
+                <a:lumMod val="10000"/>
+              </a:schemeClr>
+            </a:solidFill>
+            <a:tailEnd type="triangle"/>
+          </a:ln>
+        </p:spPr>
+        <p:style>
+          <a:lnRef idx="1">
+            <a:schemeClr val="accent2"/>
+          </a:lnRef>
+          <a:fillRef idx="0">
+            <a:schemeClr val="accent2"/>
+          </a:fillRef>
+          <a:effectRef idx="0">
+            <a:schemeClr val="accent2"/>
+          </a:effectRef>
+          <a:fontRef idx="minor">
+            <a:schemeClr val="tx1"/>
+          </a:fontRef>
+        </p:style>
+      </p:cxnSp>
+      <p:cxnSp>
+        <p:nvCxnSpPr>
+          <p:cNvPr id="3" name="Elbow Connector 2">
+            <a:extLst>
+              <a:ext uri="{FF2B5EF4-FFF2-40B4-BE49-F238E27FC236}">
+                <a16:creationId xmlns:a16="http://schemas.microsoft.com/office/drawing/2014/main" id="{10A57B74-6E33-B241-7116-260998BB29E2}"/>
+              </a:ext>
+            </a:extLst>
+          </p:cNvPr>
+          <p:cNvCxnSpPr>
+            <a:cxnSpLocks/>
+            <a:stCxn id="13" idx="3"/>
+            <a:endCxn id="10" idx="0"/>
+          </p:cNvCxnSpPr>
+          <p:nvPr/>
+        </p:nvCxnSpPr>
+        <p:spPr>
+          <a:xfrm>
+            <a:off x="5897262" y="1522435"/>
+            <a:ext cx="642553" cy="540001"/>
+          </a:xfrm>
+          <a:prstGeom prst="bentConnector2">
+            <a:avLst/>
+          </a:prstGeom>
+          <a:ln w="38100">
+            <a:solidFill>
+              <a:schemeClr val="bg2">
+                <a:lumMod val="10000"/>
+              </a:schemeClr>
+            </a:solidFill>
+            <a:tailEnd type="triangle"/>
+          </a:ln>
+        </p:spPr>
+        <p:style>
+          <a:lnRef idx="1">
+            <a:schemeClr val="accent2"/>
+          </a:lnRef>
+          <a:fillRef idx="0">
+            <a:schemeClr val="accent2"/>
+          </a:fillRef>
+          <a:effectRef idx="0">
+            <a:schemeClr val="accent2"/>
+          </a:effectRef>
+          <a:fontRef idx="minor">
+            <a:schemeClr val="tx1"/>
+          </a:fontRef>
+        </p:style>
+      </p:cxnSp>
+      <p:cxnSp>
+        <p:nvCxnSpPr>
+          <p:cNvPr id="5" name="Elbow Connector 4">
+            <a:extLst>
+              <a:ext uri="{FF2B5EF4-FFF2-40B4-BE49-F238E27FC236}">
+                <a16:creationId xmlns:a16="http://schemas.microsoft.com/office/drawing/2014/main" id="{3F7D1F4C-72E4-4290-A5CF-0984BA66B24A}"/>
+              </a:ext>
+            </a:extLst>
+          </p:cNvPr>
+          <p:cNvCxnSpPr>
+            <a:cxnSpLocks/>
+            <a:stCxn id="10" idx="3"/>
+            <a:endCxn id="4" idx="0"/>
+          </p:cNvCxnSpPr>
+          <p:nvPr/>
+        </p:nvCxnSpPr>
+        <p:spPr>
+          <a:xfrm>
+            <a:off x="6899815" y="2422436"/>
+            <a:ext cx="642553" cy="524593"/>
+          </a:xfrm>
+          <a:prstGeom prst="bentConnector2">
+            <a:avLst/>
+          </a:prstGeom>
+          <a:ln w="38100">
+            <a:solidFill>
+              <a:schemeClr val="bg2">
+                <a:lumMod val="10000"/>
+              </a:schemeClr>
+            </a:solidFill>
+            <a:tailEnd type="triangle"/>
+          </a:ln>
+        </p:spPr>
+        <p:style>
+          <a:lnRef idx="1">
+            <a:schemeClr val="accent2"/>
+          </a:lnRef>
+          <a:fillRef idx="0">
+            <a:schemeClr val="accent2"/>
+          </a:fillRef>
+          <a:effectRef idx="0">
+            <a:schemeClr val="accent2"/>
+          </a:effectRef>
+          <a:fontRef idx="minor">
+            <a:schemeClr val="tx1"/>
+          </a:fontRef>
+        </p:style>
+      </p:cxnSp>
+      <p:cxnSp>
+        <p:nvCxnSpPr>
+          <p:cNvPr id="7" name="Elbow Connector 6">
+            <a:extLst>
+              <a:ext uri="{FF2B5EF4-FFF2-40B4-BE49-F238E27FC236}">
+                <a16:creationId xmlns:a16="http://schemas.microsoft.com/office/drawing/2014/main" id="{FCBE782F-C377-26FC-ECCE-E1CF884480A6}"/>
+              </a:ext>
+            </a:extLst>
+          </p:cNvPr>
+          <p:cNvCxnSpPr>
+            <a:cxnSpLocks/>
+            <a:stCxn id="10" idx="1"/>
+            <a:endCxn id="6" idx="0"/>
+          </p:cNvCxnSpPr>
+          <p:nvPr/>
+        </p:nvCxnSpPr>
+        <p:spPr>
+          <a:xfrm rot="10800000" flipV="1">
+            <a:off x="5536645" y="2422435"/>
+            <a:ext cx="643171" cy="524593"/>
+          </a:xfrm>
+          <a:prstGeom prst="bentConnector2">
+            <a:avLst/>
+          </a:prstGeom>
+          <a:ln w="38100">
+            <a:solidFill>
+              <a:schemeClr val="bg2">
+                <a:lumMod val="10000"/>
+              </a:schemeClr>
+            </a:solidFill>
+            <a:tailEnd type="triangle"/>
+          </a:ln>
+        </p:spPr>
+        <p:style>
+          <a:lnRef idx="1">
+            <a:schemeClr val="accent2"/>
+          </a:lnRef>
+          <a:fillRef idx="0">
+            <a:schemeClr val="accent2"/>
+          </a:fillRef>
+          <a:effectRef idx="0">
+            <a:schemeClr val="accent2"/>
+          </a:effectRef>
+          <a:fontRef idx="minor">
+            <a:schemeClr val="tx1"/>
+          </a:fontRef>
+        </p:style>
+      </p:cxnSp>
+    </p:spTree>
+    <p:extLst>
+      <p:ext uri="{BB962C8B-B14F-4D97-AF65-F5344CB8AC3E}">
+        <p14:creationId xmlns:p14="http://schemas.microsoft.com/office/powerpoint/2010/main" val="4074546643"/>
+      </p:ext>
+    </p:extLst>
+  </p:cSld>
+  <p:clrMapOvr>
+    <a:masterClrMapping/>
+  </p:clrMapOvr>
+</p:sld>
+</file>
+
+<file path=ppt/slides/slide7.xml><?xml version="1.0" encoding="utf-8"?>
+<p:sld xmlns:a="http://schemas.openxmlformats.org/drawingml/2006/main" xmlns:r="http://schemas.openxmlformats.org/officeDocument/2006/relationships" xmlns:p="http://schemas.openxmlformats.org/presentationml/2006/main">
+  <p:cSld>
+    <p:spTree>
+      <p:nvGrpSpPr>
+        <p:cNvPr id="1" name=""/>
+        <p:cNvGrpSpPr/>
+        <p:nvPr/>
+      </p:nvGrpSpPr>
+      <p:grpSpPr>
+        <a:xfrm>
+          <a:off x="0" y="0"/>
+          <a:ext cx="0" cy="0"/>
+          <a:chOff x="0" y="0"/>
+          <a:chExt cx="0" cy="0"/>
+        </a:xfrm>
+      </p:grpSpPr>
+      <p:sp>
+        <p:nvSpPr>
+          <p:cNvPr id="6" name="Rounded Rectangle 5">
+            <a:extLst>
+              <a:ext uri="{FF2B5EF4-FFF2-40B4-BE49-F238E27FC236}">
+                <a16:creationId xmlns:a16="http://schemas.microsoft.com/office/drawing/2014/main" id="{2ACA9C57-64BB-8ED8-44AE-01407B2E021E}"/>
+              </a:ext>
+            </a:extLst>
+          </p:cNvPr>
+          <p:cNvSpPr/>
+          <p:nvPr/>
+        </p:nvSpPr>
+        <p:spPr>
+          <a:xfrm>
+            <a:off x="10214988" y="1784594"/>
+            <a:ext cx="720000" cy="720000"/>
+          </a:xfrm>
+          <a:prstGeom prst="roundRect">
+            <a:avLst/>
+          </a:prstGeom>
+          <a:solidFill>
+            <a:schemeClr val="accent4">
+              <a:lumMod val="60000"/>
+              <a:lumOff val="40000"/>
+            </a:schemeClr>
+          </a:solidFill>
+          <a:ln w="28575">
+            <a:solidFill>
+              <a:schemeClr val="bg2">
+                <a:lumMod val="10000"/>
+              </a:schemeClr>
+            </a:solidFill>
+          </a:ln>
+        </p:spPr>
+        <p:style>
+          <a:lnRef idx="2">
+            <a:schemeClr val="accent1">
+              <a:shade val="15000"/>
+            </a:schemeClr>
+          </a:lnRef>
+          <a:fillRef idx="1">
+            <a:schemeClr val="accent1"/>
+          </a:fillRef>
+          <a:effectRef idx="0">
+            <a:schemeClr val="accent1"/>
+          </a:effectRef>
+          <a:fontRef idx="minor">
+            <a:schemeClr val="lt1"/>
+          </a:fontRef>
+        </p:style>
+        <p:txBody>
+          <a:bodyPr rtlCol="0" anchor="ctr"/>
+          <a:lstStyle/>
+          <a:p>
+            <a:pPr algn="ctr"/>
+            <a:r>
+              <a:rPr lang="en-US" sz="6000" dirty="0">
+                <a:solidFill>
+                  <a:schemeClr val="bg2">
+                    <a:lumMod val="10000"/>
+                  </a:schemeClr>
+                </a:solidFill>
+                <a:latin typeface="Consolas" panose="020B0609020204030204" pitchFamily="49" charset="0"/>
+                <a:cs typeface="Consolas" panose="020B0609020204030204" pitchFamily="49" charset="0"/>
+              </a:rPr>
+              <a:t>2</a:t>
+            </a:r>
+            <a:endParaRPr lang="en-US" sz="3200" dirty="0">
+              <a:solidFill>
+                <a:schemeClr val="bg2">
+                  <a:lumMod val="10000"/>
+                </a:schemeClr>
+              </a:solidFill>
+              <a:latin typeface="Consolas" panose="020B0609020204030204" pitchFamily="49" charset="0"/>
+              <a:cs typeface="Consolas" panose="020B0609020204030204" pitchFamily="49" charset="0"/>
+            </a:endParaRPr>
+          </a:p>
+        </p:txBody>
+      </p:sp>
+      <p:sp>
+        <p:nvSpPr>
+          <p:cNvPr id="10" name="Rounded Rectangle 9">
+            <a:extLst>
+              <a:ext uri="{FF2B5EF4-FFF2-40B4-BE49-F238E27FC236}">
+                <a16:creationId xmlns:a16="http://schemas.microsoft.com/office/drawing/2014/main" id="{784AD57D-D6B7-D45E-FC7E-E8B254705738}"/>
+              </a:ext>
+            </a:extLst>
+          </p:cNvPr>
+          <p:cNvSpPr/>
+          <p:nvPr/>
+        </p:nvSpPr>
+        <p:spPr>
+          <a:xfrm>
+            <a:off x="11218159" y="900001"/>
+            <a:ext cx="720000" cy="720000"/>
+          </a:xfrm>
+          <a:prstGeom prst="roundRect">
+            <a:avLst/>
+          </a:prstGeom>
+          <a:solidFill>
+            <a:schemeClr val="accent4">
+              <a:lumMod val="60000"/>
+              <a:lumOff val="40000"/>
+            </a:schemeClr>
+          </a:solidFill>
+          <a:ln w="28575">
+            <a:solidFill>
+              <a:schemeClr val="bg2">
+                <a:lumMod val="10000"/>
+              </a:schemeClr>
+            </a:solidFill>
+          </a:ln>
+        </p:spPr>
+        <p:style>
+          <a:lnRef idx="2">
+            <a:schemeClr val="accent1">
+              <a:shade val="15000"/>
+            </a:schemeClr>
+          </a:lnRef>
+          <a:fillRef idx="1">
+            <a:schemeClr val="accent1"/>
+          </a:fillRef>
+          <a:effectRef idx="0">
+            <a:schemeClr val="accent1"/>
+          </a:effectRef>
+          <a:fontRef idx="minor">
+            <a:schemeClr val="lt1"/>
+          </a:fontRef>
+        </p:style>
+        <p:txBody>
+          <a:bodyPr rtlCol="0" anchor="ctr"/>
+          <a:lstStyle/>
+          <a:p>
+            <a:pPr algn="ctr"/>
+            <a:r>
+              <a:rPr lang="en-US" sz="6000" dirty="0">
+                <a:solidFill>
+                  <a:schemeClr val="bg2">
+                    <a:lumMod val="10000"/>
+                  </a:schemeClr>
+                </a:solidFill>
+                <a:latin typeface="Consolas" panose="020B0609020204030204" pitchFamily="49" charset="0"/>
+                <a:cs typeface="Consolas" panose="020B0609020204030204" pitchFamily="49" charset="0"/>
+              </a:rPr>
+              <a:t>*</a:t>
+            </a:r>
+            <a:endParaRPr lang="en-US" sz="2400" dirty="0">
+              <a:solidFill>
+                <a:schemeClr val="bg2">
+                  <a:lumMod val="10000"/>
+                </a:schemeClr>
+              </a:solidFill>
+              <a:latin typeface="Consolas" panose="020B0609020204030204" pitchFamily="49" charset="0"/>
+              <a:cs typeface="Consolas" panose="020B0609020204030204" pitchFamily="49" charset="0"/>
+            </a:endParaRPr>
+          </a:p>
+        </p:txBody>
+      </p:sp>
+      <p:sp>
+        <p:nvSpPr>
+          <p:cNvPr id="13" name="Rounded Rectangle 12">
+            <a:extLst>
+              <a:ext uri="{FF2B5EF4-FFF2-40B4-BE49-F238E27FC236}">
+                <a16:creationId xmlns:a16="http://schemas.microsoft.com/office/drawing/2014/main" id="{8D104FAF-3BDA-66BC-3972-50F7B48C3324}"/>
+              </a:ext>
+            </a:extLst>
+          </p:cNvPr>
+          <p:cNvSpPr/>
+          <p:nvPr/>
+        </p:nvSpPr>
+        <p:spPr>
+          <a:xfrm>
+            <a:off x="10215606" y="0"/>
+            <a:ext cx="720000" cy="720000"/>
+          </a:xfrm>
+          <a:prstGeom prst="roundRect">
+            <a:avLst/>
+          </a:prstGeom>
+          <a:solidFill>
+            <a:schemeClr val="accent4">
+              <a:lumMod val="60000"/>
+              <a:lumOff val="40000"/>
+            </a:schemeClr>
+          </a:solidFill>
+          <a:ln w="28575">
+            <a:solidFill>
+              <a:schemeClr val="bg2">
+                <a:lumMod val="10000"/>
+              </a:schemeClr>
+            </a:solidFill>
+          </a:ln>
+        </p:spPr>
+        <p:style>
+          <a:lnRef idx="2">
+            <a:schemeClr val="accent1">
+              <a:shade val="15000"/>
+            </a:schemeClr>
+          </a:lnRef>
+          <a:fillRef idx="1">
+            <a:schemeClr val="accent1"/>
+          </a:fillRef>
+          <a:effectRef idx="0">
+            <a:schemeClr val="accent1"/>
+          </a:effectRef>
+          <a:fontRef idx="minor">
+            <a:schemeClr val="lt1"/>
+          </a:fontRef>
+        </p:style>
+        <p:txBody>
+          <a:bodyPr rtlCol="0" anchor="ctr"/>
+          <a:lstStyle/>
+          <a:p>
+            <a:pPr algn="ctr"/>
+            <a:r>
+              <a:rPr lang="en-US" sz="6000" dirty="0">
+                <a:solidFill>
+                  <a:schemeClr val="bg2">
+                    <a:lumMod val="10000"/>
+                  </a:schemeClr>
+                </a:solidFill>
+                <a:latin typeface="Consolas" panose="020B0609020204030204" pitchFamily="49" charset="0"/>
+                <a:cs typeface="Consolas" panose="020B0609020204030204" pitchFamily="49" charset="0"/>
+              </a:rPr>
+              <a:t>+</a:t>
+            </a:r>
+            <a:endParaRPr lang="en-US" sz="3200" dirty="0">
+              <a:solidFill>
+                <a:schemeClr val="bg2">
+                  <a:lumMod val="10000"/>
+                </a:schemeClr>
+              </a:solidFill>
+              <a:latin typeface="Consolas" panose="020B0609020204030204" pitchFamily="49" charset="0"/>
+              <a:cs typeface="Consolas" panose="020B0609020204030204" pitchFamily="49" charset="0"/>
+            </a:endParaRPr>
+          </a:p>
+        </p:txBody>
+      </p:sp>
+      <p:sp>
+        <p:nvSpPr>
+          <p:cNvPr id="14" name="Rounded Rectangle 13">
+            <a:extLst>
+              <a:ext uri="{FF2B5EF4-FFF2-40B4-BE49-F238E27FC236}">
+                <a16:creationId xmlns:a16="http://schemas.microsoft.com/office/drawing/2014/main" id="{729A6ABA-D44A-1409-5A08-D2CF4E68A46D}"/>
+              </a:ext>
+            </a:extLst>
+          </p:cNvPr>
+          <p:cNvSpPr/>
+          <p:nvPr/>
+        </p:nvSpPr>
+        <p:spPr>
+          <a:xfrm>
+            <a:off x="9135606" y="900001"/>
+            <a:ext cx="720000" cy="720000"/>
+          </a:xfrm>
+          <a:prstGeom prst="roundRect">
+            <a:avLst/>
+          </a:prstGeom>
+          <a:solidFill>
+            <a:schemeClr val="accent4">
+              <a:lumMod val="60000"/>
+              <a:lumOff val="40000"/>
+            </a:schemeClr>
+          </a:solidFill>
+          <a:ln w="28575">
+            <a:solidFill>
+              <a:schemeClr val="bg2">
+                <a:lumMod val="10000"/>
+              </a:schemeClr>
+            </a:solidFill>
+          </a:ln>
+        </p:spPr>
+        <p:style>
+          <a:lnRef idx="2">
+            <a:schemeClr val="accent1">
+              <a:shade val="15000"/>
+            </a:schemeClr>
+          </a:lnRef>
+          <a:fillRef idx="1">
+            <a:schemeClr val="accent1"/>
+          </a:fillRef>
+          <a:effectRef idx="0">
+            <a:schemeClr val="accent1"/>
+          </a:effectRef>
+          <a:fontRef idx="minor">
+            <a:schemeClr val="lt1"/>
+          </a:fontRef>
+        </p:style>
+        <p:txBody>
+          <a:bodyPr rtlCol="0" anchor="ctr"/>
+          <a:lstStyle/>
+          <a:p>
+            <a:pPr algn="ctr"/>
+            <a:r>
+              <a:rPr lang="en-US" sz="6600" dirty="0">
+                <a:solidFill>
+                  <a:schemeClr val="bg2">
+                    <a:lumMod val="10000"/>
+                  </a:schemeClr>
+                </a:solidFill>
+                <a:latin typeface="Consolas" panose="020B0609020204030204" pitchFamily="49" charset="0"/>
+                <a:cs typeface="Consolas" panose="020B0609020204030204" pitchFamily="49" charset="0"/>
+              </a:rPr>
+              <a:t>4</a:t>
+            </a:r>
+            <a:endParaRPr lang="en-US" sz="3200" dirty="0">
+              <a:solidFill>
+                <a:schemeClr val="bg2">
+                  <a:lumMod val="10000"/>
+                </a:schemeClr>
+              </a:solidFill>
+              <a:latin typeface="Consolas" panose="020B0609020204030204" pitchFamily="49" charset="0"/>
+              <a:cs typeface="Consolas" panose="020B0609020204030204" pitchFamily="49" charset="0"/>
+            </a:endParaRPr>
+          </a:p>
+        </p:txBody>
+      </p:sp>
+      <p:sp>
+        <p:nvSpPr>
+          <p:cNvPr id="4" name="Rounded Rectangle 3">
+            <a:extLst>
+              <a:ext uri="{FF2B5EF4-FFF2-40B4-BE49-F238E27FC236}">
+                <a16:creationId xmlns:a16="http://schemas.microsoft.com/office/drawing/2014/main" id="{89CD8E1F-5A8F-E72C-ADCA-D55941AF8AA5}"/>
+              </a:ext>
+            </a:extLst>
+          </p:cNvPr>
+          <p:cNvSpPr/>
+          <p:nvPr/>
+        </p:nvSpPr>
+        <p:spPr>
+          <a:xfrm>
+            <a:off x="12220712" y="1784594"/>
+            <a:ext cx="720000" cy="720000"/>
+          </a:xfrm>
+          <a:prstGeom prst="roundRect">
+            <a:avLst/>
+          </a:prstGeom>
+          <a:solidFill>
+            <a:schemeClr val="accent4">
+              <a:lumMod val="60000"/>
+              <a:lumOff val="40000"/>
+            </a:schemeClr>
+          </a:solidFill>
+          <a:ln w="28575">
+            <a:solidFill>
+              <a:schemeClr val="bg2">
+                <a:lumMod val="10000"/>
+              </a:schemeClr>
+            </a:solidFill>
+          </a:ln>
+        </p:spPr>
+        <p:style>
+          <a:lnRef idx="2">
+            <a:schemeClr val="accent1">
+              <a:shade val="15000"/>
+            </a:schemeClr>
+          </a:lnRef>
+          <a:fillRef idx="1">
+            <a:schemeClr val="accent1"/>
+          </a:fillRef>
+          <a:effectRef idx="0">
+            <a:schemeClr val="accent1"/>
+          </a:effectRef>
+          <a:fontRef idx="minor">
+            <a:schemeClr val="lt1"/>
+          </a:fontRef>
+        </p:style>
+        <p:txBody>
+          <a:bodyPr rtlCol="0" anchor="ctr"/>
+          <a:lstStyle/>
+          <a:p>
+            <a:pPr algn="ctr"/>
+            <a:r>
+              <a:rPr lang="en-US" sz="6000" dirty="0">
+                <a:solidFill>
+                  <a:schemeClr val="bg2">
+                    <a:lumMod val="10000"/>
+                  </a:schemeClr>
+                </a:solidFill>
+                <a:latin typeface="Consolas" panose="020B0609020204030204" pitchFamily="49" charset="0"/>
+                <a:cs typeface="Consolas" panose="020B0609020204030204" pitchFamily="49" charset="0"/>
+              </a:rPr>
+              <a:t>3</a:t>
+            </a:r>
+            <a:endParaRPr lang="en-US" sz="3200" dirty="0">
+              <a:solidFill>
+                <a:schemeClr val="bg2">
+                  <a:lumMod val="10000"/>
+                </a:schemeClr>
+              </a:solidFill>
+              <a:latin typeface="Consolas" panose="020B0609020204030204" pitchFamily="49" charset="0"/>
+              <a:cs typeface="Consolas" panose="020B0609020204030204" pitchFamily="49" charset="0"/>
+            </a:endParaRPr>
+          </a:p>
+        </p:txBody>
+      </p:sp>
+      <p:cxnSp>
+        <p:nvCxnSpPr>
+          <p:cNvPr id="2" name="Elbow Connector 1">
+            <a:extLst>
+              <a:ext uri="{FF2B5EF4-FFF2-40B4-BE49-F238E27FC236}">
+                <a16:creationId xmlns:a16="http://schemas.microsoft.com/office/drawing/2014/main" id="{954C7A70-DADB-100B-BCCD-1499699D2BD3}"/>
+              </a:ext>
+            </a:extLst>
+          </p:cNvPr>
+          <p:cNvCxnSpPr>
+            <a:cxnSpLocks/>
+            <a:stCxn id="13" idx="1"/>
+            <a:endCxn id="14" idx="0"/>
+          </p:cNvCxnSpPr>
+          <p:nvPr/>
+        </p:nvCxnSpPr>
+        <p:spPr>
+          <a:xfrm rot="10800000" flipV="1">
+            <a:off x="9495606" y="359999"/>
+            <a:ext cx="720000" cy="540001"/>
+          </a:xfrm>
+          <a:prstGeom prst="bentConnector2">
+            <a:avLst/>
+          </a:prstGeom>
+          <a:ln w="38100">
+            <a:solidFill>
+              <a:schemeClr val="bg2">
+                <a:lumMod val="10000"/>
+              </a:schemeClr>
+            </a:solidFill>
+            <a:tailEnd type="triangle"/>
+          </a:ln>
+        </p:spPr>
+        <p:style>
+          <a:lnRef idx="1">
+            <a:schemeClr val="accent2"/>
+          </a:lnRef>
+          <a:fillRef idx="0">
+            <a:schemeClr val="accent2"/>
+          </a:fillRef>
+          <a:effectRef idx="0">
+            <a:schemeClr val="accent2"/>
+          </a:effectRef>
+          <a:fontRef idx="minor">
+            <a:schemeClr val="tx1"/>
+          </a:fontRef>
+        </p:style>
+      </p:cxnSp>
+      <p:cxnSp>
+        <p:nvCxnSpPr>
+          <p:cNvPr id="3" name="Elbow Connector 2">
+            <a:extLst>
+              <a:ext uri="{FF2B5EF4-FFF2-40B4-BE49-F238E27FC236}">
+                <a16:creationId xmlns:a16="http://schemas.microsoft.com/office/drawing/2014/main" id="{10A57B74-6E33-B241-7116-260998BB29E2}"/>
+              </a:ext>
+            </a:extLst>
+          </p:cNvPr>
+          <p:cNvCxnSpPr>
+            <a:cxnSpLocks/>
+            <a:stCxn id="13" idx="3"/>
+            <a:endCxn id="10" idx="0"/>
+          </p:cNvCxnSpPr>
+          <p:nvPr/>
+        </p:nvCxnSpPr>
+        <p:spPr>
+          <a:xfrm>
+            <a:off x="10935606" y="360000"/>
+            <a:ext cx="642553" cy="540001"/>
+          </a:xfrm>
+          <a:prstGeom prst="bentConnector2">
+            <a:avLst/>
+          </a:prstGeom>
+          <a:ln w="38100">
+            <a:solidFill>
+              <a:schemeClr val="bg2">
+                <a:lumMod val="10000"/>
+              </a:schemeClr>
+            </a:solidFill>
+            <a:tailEnd type="triangle"/>
+          </a:ln>
+        </p:spPr>
+        <p:style>
+          <a:lnRef idx="1">
+            <a:schemeClr val="accent2"/>
+          </a:lnRef>
+          <a:fillRef idx="0">
+            <a:schemeClr val="accent2"/>
+          </a:fillRef>
+          <a:effectRef idx="0">
+            <a:schemeClr val="accent2"/>
+          </a:effectRef>
+          <a:fontRef idx="minor">
+            <a:schemeClr val="tx1"/>
+          </a:fontRef>
+        </p:style>
+      </p:cxnSp>
+      <p:cxnSp>
+        <p:nvCxnSpPr>
+          <p:cNvPr id="5" name="Elbow Connector 4">
+            <a:extLst>
+              <a:ext uri="{FF2B5EF4-FFF2-40B4-BE49-F238E27FC236}">
+                <a16:creationId xmlns:a16="http://schemas.microsoft.com/office/drawing/2014/main" id="{3F7D1F4C-72E4-4290-A5CF-0984BA66B24A}"/>
+              </a:ext>
+            </a:extLst>
+          </p:cNvPr>
+          <p:cNvCxnSpPr>
+            <a:cxnSpLocks/>
+            <a:stCxn id="10" idx="3"/>
+            <a:endCxn id="4" idx="0"/>
+          </p:cNvCxnSpPr>
+          <p:nvPr/>
+        </p:nvCxnSpPr>
+        <p:spPr>
+          <a:xfrm>
+            <a:off x="11938159" y="1260001"/>
+            <a:ext cx="642553" cy="524593"/>
+          </a:xfrm>
+          <a:prstGeom prst="bentConnector2">
+            <a:avLst/>
+          </a:prstGeom>
+          <a:ln w="38100">
+            <a:solidFill>
+              <a:schemeClr val="bg2">
+                <a:lumMod val="10000"/>
+              </a:schemeClr>
+            </a:solidFill>
+            <a:tailEnd type="triangle"/>
+          </a:ln>
+        </p:spPr>
+        <p:style>
+          <a:lnRef idx="1">
+            <a:schemeClr val="accent2"/>
+          </a:lnRef>
+          <a:fillRef idx="0">
+            <a:schemeClr val="accent2"/>
+          </a:fillRef>
+          <a:effectRef idx="0">
+            <a:schemeClr val="accent2"/>
+          </a:effectRef>
+          <a:fontRef idx="minor">
+            <a:schemeClr val="tx1"/>
+          </a:fontRef>
+        </p:style>
+      </p:cxnSp>
+      <p:cxnSp>
+        <p:nvCxnSpPr>
+          <p:cNvPr id="7" name="Elbow Connector 6">
+            <a:extLst>
+              <a:ext uri="{FF2B5EF4-FFF2-40B4-BE49-F238E27FC236}">
+                <a16:creationId xmlns:a16="http://schemas.microsoft.com/office/drawing/2014/main" id="{FCBE782F-C377-26FC-ECCE-E1CF884480A6}"/>
+              </a:ext>
+            </a:extLst>
+          </p:cNvPr>
+          <p:cNvCxnSpPr>
+            <a:cxnSpLocks/>
+            <a:stCxn id="10" idx="1"/>
+            <a:endCxn id="6" idx="0"/>
+          </p:cNvCxnSpPr>
+          <p:nvPr/>
+        </p:nvCxnSpPr>
+        <p:spPr>
+          <a:xfrm rot="10800000" flipV="1">
+            <a:off x="10574989" y="1260000"/>
+            <a:ext cx="643171" cy="524593"/>
+          </a:xfrm>
+          <a:prstGeom prst="bentConnector2">
+            <a:avLst/>
+          </a:prstGeom>
+          <a:ln w="38100">
+            <a:solidFill>
+              <a:schemeClr val="bg2">
+                <a:lumMod val="10000"/>
+              </a:schemeClr>
+            </a:solidFill>
+            <a:tailEnd type="triangle"/>
+          </a:ln>
+        </p:spPr>
+        <p:style>
+          <a:lnRef idx="1">
+            <a:schemeClr val="accent2"/>
+          </a:lnRef>
+          <a:fillRef idx="0">
+            <a:schemeClr val="accent2"/>
+          </a:fillRef>
+          <a:effectRef idx="0">
+            <a:schemeClr val="accent2"/>
+          </a:effectRef>
+          <a:fontRef idx="minor">
+            <a:schemeClr val="tx1"/>
+          </a:fontRef>
+        </p:style>
+      </p:cxnSp>
+      <p:sp>
+        <p:nvSpPr>
+          <p:cNvPr id="8" name="Rounded Rectangle 7">
+            <a:extLst>
+              <a:ext uri="{FF2B5EF4-FFF2-40B4-BE49-F238E27FC236}">
+                <a16:creationId xmlns:a16="http://schemas.microsoft.com/office/drawing/2014/main" id="{1F4EA59D-B8E7-5C4D-EE6C-D7F1E241D7C4}"/>
+              </a:ext>
+            </a:extLst>
+          </p:cNvPr>
+          <p:cNvSpPr/>
+          <p:nvPr/>
+        </p:nvSpPr>
+        <p:spPr>
+          <a:xfrm>
+            <a:off x="1883664" y="2567951"/>
+            <a:ext cx="1892808" cy="1729729"/>
+          </a:xfrm>
+          <a:prstGeom prst="roundRect">
+            <a:avLst/>
+          </a:prstGeom>
+          <a:solidFill>
+            <a:schemeClr val="accent3">
+              <a:lumMod val="40000"/>
+              <a:lumOff val="60000"/>
+            </a:schemeClr>
+          </a:solidFill>
+        </p:spPr>
+        <p:style>
+          <a:lnRef idx="2">
+            <a:schemeClr val="accent1">
+              <a:shade val="15000"/>
+            </a:schemeClr>
+          </a:lnRef>
+          <a:fillRef idx="1">
+            <a:schemeClr val="accent1"/>
+          </a:fillRef>
+          <a:effectRef idx="0">
+            <a:schemeClr val="accent1"/>
+          </a:effectRef>
+          <a:fontRef idx="minor">
+            <a:schemeClr val="lt1"/>
+          </a:fontRef>
+        </p:style>
+        <p:txBody>
+          <a:bodyPr rtlCol="0" anchor="ctr"/>
+          <a:lstStyle/>
+          <a:p>
+            <a:pPr algn="ctr"/>
+            <a:r>
+              <a:rPr lang="en-US" dirty="0">
+                <a:solidFill>
+                  <a:schemeClr val="bg2">
+                    <a:lumMod val="10000"/>
+                  </a:schemeClr>
+                </a:solidFill>
+                <a:latin typeface="Consolas" panose="020B0609020204030204" pitchFamily="49" charset="0"/>
+                <a:cs typeface="Consolas" panose="020B0609020204030204" pitchFamily="49" charset="0"/>
+              </a:rPr>
+              <a:t>ADDITION</a:t>
+            </a:r>
+          </a:p>
+          <a:p>
+            <a:pPr algn="ctr"/>
+            <a:r>
+              <a:rPr lang="en-US" dirty="0">
+                <a:solidFill>
+                  <a:schemeClr val="bg2">
+                    <a:lumMod val="10000"/>
+                  </a:schemeClr>
+                </a:solidFill>
+                <a:latin typeface="Consolas" panose="020B0609020204030204" pitchFamily="49" charset="0"/>
+                <a:cs typeface="Consolas" panose="020B0609020204030204" pitchFamily="49" charset="0"/>
+              </a:rPr>
+              <a:t>BINARY OPERATOR</a:t>
+            </a:r>
+          </a:p>
+          <a:p>
+            <a:pPr algn="ctr"/>
+            <a:endParaRPr lang="en-US" dirty="0">
+              <a:solidFill>
+                <a:schemeClr val="bg2">
+                  <a:lumMod val="10000"/>
+                </a:schemeClr>
+              </a:solidFill>
+              <a:latin typeface="Consolas" panose="020B0609020204030204" pitchFamily="49" charset="0"/>
+              <a:cs typeface="Consolas" panose="020B0609020204030204" pitchFamily="49" charset="0"/>
+            </a:endParaRPr>
+          </a:p>
+          <a:p>
+            <a:pPr algn="ctr"/>
+            <a:r>
+              <a:rPr lang="en-US" dirty="0">
+                <a:solidFill>
+                  <a:schemeClr val="bg2">
+                    <a:lumMod val="10000"/>
+                  </a:schemeClr>
+                </a:solidFill>
+                <a:latin typeface="Consolas" panose="020B0609020204030204" pitchFamily="49" charset="0"/>
+                <a:cs typeface="Consolas" panose="020B0609020204030204" pitchFamily="49" charset="0"/>
+              </a:rPr>
+              <a:t>Left child:</a:t>
+            </a:r>
+          </a:p>
+          <a:p>
+            <a:pPr algn="ctr"/>
+            <a:r>
+              <a:rPr lang="en-US" dirty="0">
+                <a:solidFill>
+                  <a:schemeClr val="bg2">
+                    <a:lumMod val="10000"/>
+                  </a:schemeClr>
+                </a:solidFill>
+                <a:latin typeface="Consolas" panose="020B0609020204030204" pitchFamily="49" charset="0"/>
+                <a:cs typeface="Consolas" panose="020B0609020204030204" pitchFamily="49" charset="0"/>
+              </a:rPr>
+              <a:t>Right child:</a:t>
+            </a:r>
+          </a:p>
+        </p:txBody>
+      </p:sp>
+      <p:sp>
+        <p:nvSpPr>
+          <p:cNvPr id="9" name="Rounded Rectangle 8">
+            <a:extLst>
+              <a:ext uri="{FF2B5EF4-FFF2-40B4-BE49-F238E27FC236}">
+                <a16:creationId xmlns:a16="http://schemas.microsoft.com/office/drawing/2014/main" id="{C1ED0B6C-377C-0A47-86E1-663B8E8F069C}"/>
+              </a:ext>
+            </a:extLst>
+          </p:cNvPr>
+          <p:cNvSpPr/>
+          <p:nvPr/>
+        </p:nvSpPr>
+        <p:spPr>
+          <a:xfrm>
+            <a:off x="1523664" y="2207951"/>
+            <a:ext cx="720000" cy="720000"/>
+          </a:xfrm>
+          <a:prstGeom prst="roundRect">
+            <a:avLst/>
+          </a:prstGeom>
+          <a:solidFill>
+            <a:schemeClr val="accent4">
+              <a:lumMod val="60000"/>
+              <a:lumOff val="40000"/>
+            </a:schemeClr>
+          </a:solidFill>
+          <a:ln w="28575">
+            <a:solidFill>
+              <a:schemeClr val="bg2">
+                <a:lumMod val="10000"/>
+              </a:schemeClr>
+            </a:solidFill>
+          </a:ln>
+        </p:spPr>
+        <p:style>
+          <a:lnRef idx="2">
+            <a:schemeClr val="accent1">
+              <a:shade val="15000"/>
+            </a:schemeClr>
+          </a:lnRef>
+          <a:fillRef idx="1">
+            <a:schemeClr val="accent1"/>
+          </a:fillRef>
+          <a:effectRef idx="0">
+            <a:schemeClr val="accent1"/>
+          </a:effectRef>
+          <a:fontRef idx="minor">
+            <a:schemeClr val="lt1"/>
+          </a:fontRef>
+        </p:style>
+        <p:txBody>
+          <a:bodyPr rtlCol="0" anchor="ctr"/>
+          <a:lstStyle/>
+          <a:p>
+            <a:pPr algn="ctr"/>
+            <a:r>
+              <a:rPr lang="en-US" sz="6000" dirty="0">
+                <a:solidFill>
+                  <a:schemeClr val="bg2">
+                    <a:lumMod val="10000"/>
+                  </a:schemeClr>
+                </a:solidFill>
+                <a:latin typeface="Consolas" panose="020B0609020204030204" pitchFamily="49" charset="0"/>
+                <a:cs typeface="Consolas" panose="020B0609020204030204" pitchFamily="49" charset="0"/>
+              </a:rPr>
+              <a:t>+</a:t>
+            </a:r>
+            <a:endParaRPr lang="en-US" sz="3200" dirty="0">
+              <a:solidFill>
+                <a:schemeClr val="bg2">
+                  <a:lumMod val="10000"/>
+                </a:schemeClr>
+              </a:solidFill>
+              <a:latin typeface="Consolas" panose="020B0609020204030204" pitchFamily="49" charset="0"/>
+              <a:cs typeface="Consolas" panose="020B0609020204030204" pitchFamily="49" charset="0"/>
+            </a:endParaRPr>
+          </a:p>
+        </p:txBody>
+      </p:sp>
+      <p:sp>
+        <p:nvSpPr>
+          <p:cNvPr id="12" name="Rounded Rectangle 11">
+            <a:extLst>
+              <a:ext uri="{FF2B5EF4-FFF2-40B4-BE49-F238E27FC236}">
+                <a16:creationId xmlns:a16="http://schemas.microsoft.com/office/drawing/2014/main" id="{F2EB5AF1-644F-A19F-A590-ACA89F0E6C23}"/>
+              </a:ext>
+            </a:extLst>
+          </p:cNvPr>
+          <p:cNvSpPr/>
+          <p:nvPr/>
+        </p:nvSpPr>
+        <p:spPr>
+          <a:xfrm>
+            <a:off x="4779024" y="2504595"/>
+            <a:ext cx="1892808" cy="851253"/>
+          </a:xfrm>
+          <a:prstGeom prst="roundRect">
+            <a:avLst/>
+          </a:prstGeom>
+          <a:solidFill>
+            <a:schemeClr val="accent3">
+              <a:lumMod val="40000"/>
+              <a:lumOff val="60000"/>
+            </a:schemeClr>
+          </a:solidFill>
+        </p:spPr>
+        <p:style>
+          <a:lnRef idx="2">
+            <a:schemeClr val="accent1">
+              <a:shade val="15000"/>
+            </a:schemeClr>
+          </a:lnRef>
+          <a:fillRef idx="1">
+            <a:schemeClr val="accent1"/>
+          </a:fillRef>
+          <a:effectRef idx="0">
+            <a:schemeClr val="accent1"/>
+          </a:effectRef>
+          <a:fontRef idx="minor">
+            <a:schemeClr val="lt1"/>
+          </a:fontRef>
+        </p:style>
+        <p:txBody>
+          <a:bodyPr rtlCol="0" anchor="ctr"/>
+          <a:lstStyle/>
+          <a:p>
+            <a:pPr algn="ctr"/>
+            <a:r>
+              <a:rPr lang="en-US" dirty="0">
+                <a:solidFill>
+                  <a:schemeClr val="bg2">
+                    <a:lumMod val="10000"/>
+                  </a:schemeClr>
+                </a:solidFill>
+                <a:latin typeface="Consolas" panose="020B0609020204030204" pitchFamily="49" charset="0"/>
+                <a:cs typeface="Consolas" panose="020B0609020204030204" pitchFamily="49" charset="0"/>
+              </a:rPr>
+              <a:t>INTEGER</a:t>
+            </a:r>
+          </a:p>
+          <a:p>
+            <a:pPr algn="ctr"/>
+            <a:endParaRPr lang="en-US" dirty="0">
+              <a:solidFill>
+                <a:schemeClr val="bg2">
+                  <a:lumMod val="10000"/>
+                </a:schemeClr>
+              </a:solidFill>
+              <a:latin typeface="Consolas" panose="020B0609020204030204" pitchFamily="49" charset="0"/>
+              <a:cs typeface="Consolas" panose="020B0609020204030204" pitchFamily="49" charset="0"/>
+            </a:endParaRPr>
+          </a:p>
+          <a:p>
+            <a:pPr algn="ctr"/>
+            <a:r>
+              <a:rPr lang="en-US" dirty="0">
+                <a:solidFill>
+                  <a:schemeClr val="bg2">
+                    <a:lumMod val="10000"/>
+                  </a:schemeClr>
+                </a:solidFill>
+                <a:latin typeface="Consolas" panose="020B0609020204030204" pitchFamily="49" charset="0"/>
+                <a:cs typeface="Consolas" panose="020B0609020204030204" pitchFamily="49" charset="0"/>
+              </a:rPr>
+              <a:t>Value: 4</a:t>
+            </a:r>
+          </a:p>
+        </p:txBody>
+      </p:sp>
+      <p:sp>
+        <p:nvSpPr>
+          <p:cNvPr id="15" name="Rounded Rectangle 14">
+            <a:extLst>
+              <a:ext uri="{FF2B5EF4-FFF2-40B4-BE49-F238E27FC236}">
+                <a16:creationId xmlns:a16="http://schemas.microsoft.com/office/drawing/2014/main" id="{D378D9DA-77A8-C62D-4760-A6D1C9C549BA}"/>
+              </a:ext>
+            </a:extLst>
+          </p:cNvPr>
+          <p:cNvSpPr/>
+          <p:nvPr/>
+        </p:nvSpPr>
+        <p:spPr>
+          <a:xfrm>
+            <a:off x="4419024" y="2144594"/>
+            <a:ext cx="720000" cy="720000"/>
+          </a:xfrm>
+          <a:prstGeom prst="roundRect">
+            <a:avLst/>
+          </a:prstGeom>
+          <a:solidFill>
+            <a:schemeClr val="accent4">
+              <a:lumMod val="60000"/>
+              <a:lumOff val="40000"/>
+            </a:schemeClr>
+          </a:solidFill>
+          <a:ln w="28575">
+            <a:solidFill>
+              <a:schemeClr val="bg2">
+                <a:lumMod val="10000"/>
+              </a:schemeClr>
+            </a:solidFill>
+          </a:ln>
+        </p:spPr>
+        <p:style>
+          <a:lnRef idx="2">
+            <a:schemeClr val="accent1">
+              <a:shade val="15000"/>
+            </a:schemeClr>
+          </a:lnRef>
+          <a:fillRef idx="1">
+            <a:schemeClr val="accent1"/>
+          </a:fillRef>
+          <a:effectRef idx="0">
+            <a:schemeClr val="accent1"/>
+          </a:effectRef>
+          <a:fontRef idx="minor">
+            <a:schemeClr val="lt1"/>
+          </a:fontRef>
+        </p:style>
+        <p:txBody>
+          <a:bodyPr rtlCol="0" anchor="ctr"/>
+          <a:lstStyle/>
+          <a:p>
+            <a:pPr algn="ctr"/>
+            <a:r>
+              <a:rPr lang="en-US" sz="6000" dirty="0">
+                <a:solidFill>
+                  <a:schemeClr val="bg2">
+                    <a:lumMod val="10000"/>
+                  </a:schemeClr>
+                </a:solidFill>
+                <a:latin typeface="Consolas" panose="020B0609020204030204" pitchFamily="49" charset="0"/>
+                <a:cs typeface="Consolas" panose="020B0609020204030204" pitchFamily="49" charset="0"/>
+              </a:rPr>
+              <a:t>4</a:t>
+            </a:r>
+            <a:endParaRPr lang="en-US" sz="3200" dirty="0">
+              <a:solidFill>
+                <a:schemeClr val="bg2">
+                  <a:lumMod val="10000"/>
+                </a:schemeClr>
+              </a:solidFill>
+              <a:latin typeface="Consolas" panose="020B0609020204030204" pitchFamily="49" charset="0"/>
+              <a:cs typeface="Consolas" panose="020B0609020204030204" pitchFamily="49" charset="0"/>
+            </a:endParaRPr>
+          </a:p>
+        </p:txBody>
+      </p:sp>
+      <p:sp>
+        <p:nvSpPr>
+          <p:cNvPr id="19" name="Rounded Rectangle 18">
+            <a:extLst>
+              <a:ext uri="{FF2B5EF4-FFF2-40B4-BE49-F238E27FC236}">
+                <a16:creationId xmlns:a16="http://schemas.microsoft.com/office/drawing/2014/main" id="{E82866EE-524F-42B0-D13E-E97D1ADF7A15}"/>
+              </a:ext>
+            </a:extLst>
+          </p:cNvPr>
+          <p:cNvSpPr/>
+          <p:nvPr/>
+        </p:nvSpPr>
+        <p:spPr>
+          <a:xfrm>
+            <a:off x="4779024" y="4075850"/>
+            <a:ext cx="1892808" cy="1694014"/>
+          </a:xfrm>
+          <a:prstGeom prst="roundRect">
+            <a:avLst/>
+          </a:prstGeom>
+          <a:solidFill>
+            <a:schemeClr val="accent3">
+              <a:lumMod val="40000"/>
+              <a:lumOff val="60000"/>
+            </a:schemeClr>
+          </a:solidFill>
+        </p:spPr>
+        <p:style>
+          <a:lnRef idx="2">
+            <a:schemeClr val="accent1">
+              <a:shade val="15000"/>
+            </a:schemeClr>
+          </a:lnRef>
+          <a:fillRef idx="1">
+            <a:schemeClr val="accent1"/>
+          </a:fillRef>
+          <a:effectRef idx="0">
+            <a:schemeClr val="accent1"/>
+          </a:effectRef>
+          <a:fontRef idx="minor">
+            <a:schemeClr val="lt1"/>
+          </a:fontRef>
+        </p:style>
+        <p:txBody>
+          <a:bodyPr rtlCol="0" anchor="ctr"/>
+          <a:lstStyle/>
+          <a:p>
+            <a:pPr algn="ctr"/>
+            <a:r>
+              <a:rPr lang="en-US" dirty="0">
+                <a:solidFill>
+                  <a:schemeClr val="bg2">
+                    <a:lumMod val="10000"/>
+                  </a:schemeClr>
+                </a:solidFill>
+                <a:latin typeface="Consolas" panose="020B0609020204030204" pitchFamily="49" charset="0"/>
+                <a:cs typeface="Consolas" panose="020B0609020204030204" pitchFamily="49" charset="0"/>
+              </a:rPr>
+              <a:t>MULTIPLY</a:t>
+            </a:r>
+          </a:p>
+          <a:p>
+            <a:pPr algn="ctr"/>
+            <a:r>
+              <a:rPr lang="en-US" dirty="0">
+                <a:solidFill>
+                  <a:schemeClr val="bg2">
+                    <a:lumMod val="10000"/>
+                  </a:schemeClr>
+                </a:solidFill>
+                <a:latin typeface="Consolas" panose="020B0609020204030204" pitchFamily="49" charset="0"/>
+                <a:cs typeface="Consolas" panose="020B0609020204030204" pitchFamily="49" charset="0"/>
+              </a:rPr>
+              <a:t>BINARY OPERATOR</a:t>
+            </a:r>
+          </a:p>
+          <a:p>
+            <a:pPr algn="ctr"/>
+            <a:endParaRPr lang="en-US" dirty="0">
+              <a:solidFill>
+                <a:schemeClr val="bg2">
+                  <a:lumMod val="10000"/>
+                </a:schemeClr>
+              </a:solidFill>
+              <a:latin typeface="Consolas" panose="020B0609020204030204" pitchFamily="49" charset="0"/>
+              <a:cs typeface="Consolas" panose="020B0609020204030204" pitchFamily="49" charset="0"/>
+            </a:endParaRPr>
+          </a:p>
+          <a:p>
+            <a:pPr algn="ctr"/>
+            <a:r>
+              <a:rPr lang="en-US" dirty="0">
+                <a:solidFill>
+                  <a:schemeClr val="bg2">
+                    <a:lumMod val="10000"/>
+                  </a:schemeClr>
+                </a:solidFill>
+                <a:latin typeface="Consolas" panose="020B0609020204030204" pitchFamily="49" charset="0"/>
+                <a:cs typeface="Consolas" panose="020B0609020204030204" pitchFamily="49" charset="0"/>
+              </a:rPr>
+              <a:t>Left child:</a:t>
+            </a:r>
+          </a:p>
+          <a:p>
+            <a:pPr algn="ctr"/>
+            <a:r>
+              <a:rPr lang="en-US" dirty="0">
+                <a:solidFill>
+                  <a:schemeClr val="bg2">
+                    <a:lumMod val="10000"/>
+                  </a:schemeClr>
+                </a:solidFill>
+                <a:latin typeface="Consolas" panose="020B0609020204030204" pitchFamily="49" charset="0"/>
+                <a:cs typeface="Consolas" panose="020B0609020204030204" pitchFamily="49" charset="0"/>
+              </a:rPr>
+              <a:t>Right child:</a:t>
+            </a:r>
+          </a:p>
+        </p:txBody>
+      </p:sp>
+      <p:sp>
+        <p:nvSpPr>
+          <p:cNvPr id="20" name="Rounded Rectangle 19">
+            <a:extLst>
+              <a:ext uri="{FF2B5EF4-FFF2-40B4-BE49-F238E27FC236}">
+                <a16:creationId xmlns:a16="http://schemas.microsoft.com/office/drawing/2014/main" id="{BB2E3CC2-583A-CCC5-D617-786672B0CD1B}"/>
+              </a:ext>
+            </a:extLst>
+          </p:cNvPr>
+          <p:cNvSpPr/>
+          <p:nvPr/>
+        </p:nvSpPr>
+        <p:spPr>
+          <a:xfrm>
+            <a:off x="4419024" y="3715849"/>
+            <a:ext cx="720000" cy="720000"/>
+          </a:xfrm>
+          <a:prstGeom prst="roundRect">
+            <a:avLst/>
+          </a:prstGeom>
+          <a:solidFill>
+            <a:schemeClr val="accent4">
+              <a:lumMod val="60000"/>
+              <a:lumOff val="40000"/>
+            </a:schemeClr>
+          </a:solidFill>
+          <a:ln w="28575">
+            <a:solidFill>
+              <a:schemeClr val="bg2">
+                <a:lumMod val="10000"/>
+              </a:schemeClr>
+            </a:solidFill>
+          </a:ln>
+        </p:spPr>
+        <p:style>
+          <a:lnRef idx="2">
+            <a:schemeClr val="accent1">
+              <a:shade val="15000"/>
+            </a:schemeClr>
+          </a:lnRef>
+          <a:fillRef idx="1">
+            <a:schemeClr val="accent1"/>
+          </a:fillRef>
+          <a:effectRef idx="0">
+            <a:schemeClr val="accent1"/>
+          </a:effectRef>
+          <a:fontRef idx="minor">
+            <a:schemeClr val="lt1"/>
+          </a:fontRef>
+        </p:style>
+        <p:txBody>
+          <a:bodyPr rtlCol="0" anchor="ctr"/>
+          <a:lstStyle/>
+          <a:p>
+            <a:pPr algn="ctr"/>
+            <a:r>
+              <a:rPr lang="en-US" sz="6000" dirty="0">
+                <a:solidFill>
+                  <a:schemeClr val="bg2">
+                    <a:lumMod val="10000"/>
+                  </a:schemeClr>
+                </a:solidFill>
+                <a:latin typeface="Consolas" panose="020B0609020204030204" pitchFamily="49" charset="0"/>
+                <a:cs typeface="Consolas" panose="020B0609020204030204" pitchFamily="49" charset="0"/>
+              </a:rPr>
+              <a:t>*</a:t>
+            </a:r>
+            <a:endParaRPr lang="en-US" sz="3200" dirty="0">
+              <a:solidFill>
+                <a:schemeClr val="bg2">
+                  <a:lumMod val="10000"/>
+                </a:schemeClr>
+              </a:solidFill>
+              <a:latin typeface="Consolas" panose="020B0609020204030204" pitchFamily="49" charset="0"/>
+              <a:cs typeface="Consolas" panose="020B0609020204030204" pitchFamily="49" charset="0"/>
+            </a:endParaRPr>
+          </a:p>
+        </p:txBody>
+      </p:sp>
+      <p:sp>
+        <p:nvSpPr>
+          <p:cNvPr id="35" name="Rounded Rectangle 34">
+            <a:extLst>
+              <a:ext uri="{FF2B5EF4-FFF2-40B4-BE49-F238E27FC236}">
+                <a16:creationId xmlns:a16="http://schemas.microsoft.com/office/drawing/2014/main" id="{DBCD2BAA-7E81-A854-B339-BF25E04D8818}"/>
+              </a:ext>
+            </a:extLst>
+          </p:cNvPr>
+          <p:cNvSpPr/>
+          <p:nvPr/>
+        </p:nvSpPr>
+        <p:spPr>
+          <a:xfrm>
+            <a:off x="7602894" y="3069001"/>
+            <a:ext cx="1892808" cy="851253"/>
+          </a:xfrm>
+          <a:prstGeom prst="roundRect">
+            <a:avLst/>
+          </a:prstGeom>
+          <a:solidFill>
+            <a:schemeClr val="accent3">
+              <a:lumMod val="40000"/>
+              <a:lumOff val="60000"/>
+            </a:schemeClr>
+          </a:solidFill>
+        </p:spPr>
+        <p:style>
+          <a:lnRef idx="2">
+            <a:schemeClr val="accent1">
+              <a:shade val="15000"/>
+            </a:schemeClr>
+          </a:lnRef>
+          <a:fillRef idx="1">
+            <a:schemeClr val="accent1"/>
+          </a:fillRef>
+          <a:effectRef idx="0">
+            <a:schemeClr val="accent1"/>
+          </a:effectRef>
+          <a:fontRef idx="minor">
+            <a:schemeClr val="lt1"/>
+          </a:fontRef>
+        </p:style>
+        <p:txBody>
+          <a:bodyPr rtlCol="0" anchor="ctr"/>
+          <a:lstStyle/>
+          <a:p>
+            <a:pPr algn="ctr"/>
+            <a:r>
+              <a:rPr lang="en-US" dirty="0">
+                <a:solidFill>
+                  <a:schemeClr val="bg2">
+                    <a:lumMod val="10000"/>
+                  </a:schemeClr>
+                </a:solidFill>
+                <a:latin typeface="Consolas" panose="020B0609020204030204" pitchFamily="49" charset="0"/>
+                <a:cs typeface="Consolas" panose="020B0609020204030204" pitchFamily="49" charset="0"/>
+              </a:rPr>
+              <a:t>INTEGER</a:t>
+            </a:r>
+          </a:p>
+          <a:p>
+            <a:pPr algn="ctr"/>
+            <a:endParaRPr lang="en-US" dirty="0">
+              <a:solidFill>
+                <a:schemeClr val="bg2">
+                  <a:lumMod val="10000"/>
+                </a:schemeClr>
+              </a:solidFill>
+              <a:latin typeface="Consolas" panose="020B0609020204030204" pitchFamily="49" charset="0"/>
+              <a:cs typeface="Consolas" panose="020B0609020204030204" pitchFamily="49" charset="0"/>
+            </a:endParaRPr>
+          </a:p>
+          <a:p>
+            <a:pPr algn="ctr"/>
+            <a:r>
+              <a:rPr lang="en-US" dirty="0">
+                <a:solidFill>
+                  <a:schemeClr val="bg2">
+                    <a:lumMod val="10000"/>
+                  </a:schemeClr>
+                </a:solidFill>
+                <a:latin typeface="Consolas" panose="020B0609020204030204" pitchFamily="49" charset="0"/>
+                <a:cs typeface="Consolas" panose="020B0609020204030204" pitchFamily="49" charset="0"/>
+              </a:rPr>
+              <a:t>Value: 4</a:t>
+            </a:r>
+          </a:p>
+        </p:txBody>
+      </p:sp>
+      <p:sp>
+        <p:nvSpPr>
+          <p:cNvPr id="36" name="Rounded Rectangle 35">
+            <a:extLst>
+              <a:ext uri="{FF2B5EF4-FFF2-40B4-BE49-F238E27FC236}">
+                <a16:creationId xmlns:a16="http://schemas.microsoft.com/office/drawing/2014/main" id="{75EDB15D-8983-8D58-0C81-A1C75182B18A}"/>
+              </a:ext>
+            </a:extLst>
+          </p:cNvPr>
+          <p:cNvSpPr/>
+          <p:nvPr/>
+        </p:nvSpPr>
+        <p:spPr>
+          <a:xfrm>
+            <a:off x="7242894" y="2709000"/>
+            <a:ext cx="720000" cy="720000"/>
+          </a:xfrm>
+          <a:prstGeom prst="roundRect">
+            <a:avLst/>
+          </a:prstGeom>
+          <a:solidFill>
+            <a:schemeClr val="accent4">
+              <a:lumMod val="60000"/>
+              <a:lumOff val="40000"/>
+            </a:schemeClr>
+          </a:solidFill>
+          <a:ln w="28575">
+            <a:solidFill>
+              <a:schemeClr val="bg2">
+                <a:lumMod val="10000"/>
+              </a:schemeClr>
+            </a:solidFill>
+          </a:ln>
+        </p:spPr>
+        <p:style>
+          <a:lnRef idx="2">
+            <a:schemeClr val="accent1">
+              <a:shade val="15000"/>
+            </a:schemeClr>
+          </a:lnRef>
+          <a:fillRef idx="1">
+            <a:schemeClr val="accent1"/>
+          </a:fillRef>
+          <a:effectRef idx="0">
+            <a:schemeClr val="accent1"/>
+          </a:effectRef>
+          <a:fontRef idx="minor">
+            <a:schemeClr val="lt1"/>
+          </a:fontRef>
+        </p:style>
+        <p:txBody>
+          <a:bodyPr rtlCol="0" anchor="ctr"/>
+          <a:lstStyle/>
+          <a:p>
+            <a:pPr algn="ctr"/>
+            <a:r>
+              <a:rPr lang="en-US" sz="6000" dirty="0">
+                <a:solidFill>
+                  <a:schemeClr val="bg2">
+                    <a:lumMod val="10000"/>
+                  </a:schemeClr>
+                </a:solidFill>
+                <a:latin typeface="Consolas" panose="020B0609020204030204" pitchFamily="49" charset="0"/>
+                <a:cs typeface="Consolas" panose="020B0609020204030204" pitchFamily="49" charset="0"/>
+              </a:rPr>
+              <a:t>2</a:t>
+            </a:r>
+            <a:endParaRPr lang="en-US" sz="3200" dirty="0">
+              <a:solidFill>
+                <a:schemeClr val="bg2">
+                  <a:lumMod val="10000"/>
+                </a:schemeClr>
+              </a:solidFill>
+              <a:latin typeface="Consolas" panose="020B0609020204030204" pitchFamily="49" charset="0"/>
+              <a:cs typeface="Consolas" panose="020B0609020204030204" pitchFamily="49" charset="0"/>
+            </a:endParaRPr>
+          </a:p>
+        </p:txBody>
+      </p:sp>
+      <p:sp>
+        <p:nvSpPr>
+          <p:cNvPr id="37" name="Rounded Rectangle 36">
+            <a:extLst>
+              <a:ext uri="{FF2B5EF4-FFF2-40B4-BE49-F238E27FC236}">
+                <a16:creationId xmlns:a16="http://schemas.microsoft.com/office/drawing/2014/main" id="{2D10465E-1F9C-7341-0C8C-17613210BB0D}"/>
+              </a:ext>
+            </a:extLst>
+          </p:cNvPr>
+          <p:cNvSpPr/>
+          <p:nvPr/>
+        </p:nvSpPr>
+        <p:spPr>
+          <a:xfrm>
+            <a:off x="7602894" y="4640256"/>
+            <a:ext cx="1892808" cy="851253"/>
+          </a:xfrm>
+          <a:prstGeom prst="roundRect">
+            <a:avLst/>
+          </a:prstGeom>
+          <a:solidFill>
+            <a:schemeClr val="accent3">
+              <a:lumMod val="40000"/>
+              <a:lumOff val="60000"/>
+            </a:schemeClr>
+          </a:solidFill>
+        </p:spPr>
+        <p:style>
+          <a:lnRef idx="2">
+            <a:schemeClr val="accent1">
+              <a:shade val="15000"/>
+            </a:schemeClr>
+          </a:lnRef>
+          <a:fillRef idx="1">
+            <a:schemeClr val="accent1"/>
+          </a:fillRef>
+          <a:effectRef idx="0">
+            <a:schemeClr val="accent1"/>
+          </a:effectRef>
+          <a:fontRef idx="minor">
+            <a:schemeClr val="lt1"/>
+          </a:fontRef>
+        </p:style>
+        <p:txBody>
+          <a:bodyPr rtlCol="0" anchor="ctr"/>
+          <a:lstStyle/>
+          <a:p>
+            <a:pPr algn="ctr"/>
+            <a:r>
+              <a:rPr lang="en-US" dirty="0">
+                <a:solidFill>
+                  <a:schemeClr val="bg2">
+                    <a:lumMod val="10000"/>
+                  </a:schemeClr>
+                </a:solidFill>
+                <a:latin typeface="Consolas" panose="020B0609020204030204" pitchFamily="49" charset="0"/>
+                <a:cs typeface="Consolas" panose="020B0609020204030204" pitchFamily="49" charset="0"/>
+              </a:rPr>
+              <a:t>INTEGER</a:t>
+            </a:r>
+          </a:p>
+          <a:p>
+            <a:pPr algn="ctr"/>
+            <a:endParaRPr lang="en-US" dirty="0">
+              <a:solidFill>
+                <a:schemeClr val="bg2">
+                  <a:lumMod val="10000"/>
+                </a:schemeClr>
+              </a:solidFill>
+              <a:latin typeface="Consolas" panose="020B0609020204030204" pitchFamily="49" charset="0"/>
+              <a:cs typeface="Consolas" panose="020B0609020204030204" pitchFamily="49" charset="0"/>
+            </a:endParaRPr>
+          </a:p>
+          <a:p>
+            <a:pPr algn="ctr"/>
+            <a:r>
+              <a:rPr lang="en-US" dirty="0">
+                <a:solidFill>
+                  <a:schemeClr val="bg2">
+                    <a:lumMod val="10000"/>
+                  </a:schemeClr>
+                </a:solidFill>
+                <a:latin typeface="Consolas" panose="020B0609020204030204" pitchFamily="49" charset="0"/>
+                <a:cs typeface="Consolas" panose="020B0609020204030204" pitchFamily="49" charset="0"/>
+              </a:rPr>
+              <a:t>Value: 4</a:t>
+            </a:r>
+          </a:p>
+        </p:txBody>
+      </p:sp>
+      <p:sp>
+        <p:nvSpPr>
+          <p:cNvPr id="38" name="Rounded Rectangle 37">
+            <a:extLst>
+              <a:ext uri="{FF2B5EF4-FFF2-40B4-BE49-F238E27FC236}">
+                <a16:creationId xmlns:a16="http://schemas.microsoft.com/office/drawing/2014/main" id="{14E258C9-F097-7936-2D83-45E0A89EA576}"/>
+              </a:ext>
+            </a:extLst>
+          </p:cNvPr>
+          <p:cNvSpPr/>
+          <p:nvPr/>
+        </p:nvSpPr>
+        <p:spPr>
+          <a:xfrm>
+            <a:off x="7242894" y="4280255"/>
+            <a:ext cx="720000" cy="720000"/>
+          </a:xfrm>
+          <a:prstGeom prst="roundRect">
+            <a:avLst/>
+          </a:prstGeom>
+          <a:solidFill>
+            <a:schemeClr val="accent4">
+              <a:lumMod val="60000"/>
+              <a:lumOff val="40000"/>
+            </a:schemeClr>
+          </a:solidFill>
+          <a:ln w="28575">
+            <a:solidFill>
+              <a:schemeClr val="bg2">
+                <a:lumMod val="10000"/>
+              </a:schemeClr>
+            </a:solidFill>
+          </a:ln>
+        </p:spPr>
+        <p:style>
+          <a:lnRef idx="2">
+            <a:schemeClr val="accent1">
+              <a:shade val="15000"/>
+            </a:schemeClr>
+          </a:lnRef>
+          <a:fillRef idx="1">
+            <a:schemeClr val="accent1"/>
+          </a:fillRef>
+          <a:effectRef idx="0">
+            <a:schemeClr val="accent1"/>
+          </a:effectRef>
+          <a:fontRef idx="minor">
+            <a:schemeClr val="lt1"/>
+          </a:fontRef>
+        </p:style>
+        <p:txBody>
+          <a:bodyPr rtlCol="0" anchor="ctr"/>
+          <a:lstStyle/>
+          <a:p>
+            <a:pPr algn="ctr"/>
+            <a:r>
+              <a:rPr lang="en-US" sz="6000" dirty="0">
+                <a:solidFill>
+                  <a:schemeClr val="bg2">
+                    <a:lumMod val="10000"/>
+                  </a:schemeClr>
+                </a:solidFill>
+                <a:latin typeface="Consolas" panose="020B0609020204030204" pitchFamily="49" charset="0"/>
+                <a:cs typeface="Consolas" panose="020B0609020204030204" pitchFamily="49" charset="0"/>
+              </a:rPr>
+              <a:t>3</a:t>
+            </a:r>
+            <a:endParaRPr lang="en-US" sz="3200" dirty="0">
+              <a:solidFill>
+                <a:schemeClr val="bg2">
+                  <a:lumMod val="10000"/>
+                </a:schemeClr>
+              </a:solidFill>
+              <a:latin typeface="Consolas" panose="020B0609020204030204" pitchFamily="49" charset="0"/>
+              <a:cs typeface="Consolas" panose="020B0609020204030204" pitchFamily="49" charset="0"/>
+            </a:endParaRPr>
+          </a:p>
+        </p:txBody>
+      </p:sp>
+      <p:cxnSp>
+        <p:nvCxnSpPr>
+          <p:cNvPr id="42" name="Curved Connector 41">
+            <a:extLst>
+              <a:ext uri="{FF2B5EF4-FFF2-40B4-BE49-F238E27FC236}">
+                <a16:creationId xmlns:a16="http://schemas.microsoft.com/office/drawing/2014/main" id="{B6159870-FD07-61FB-DFB3-AA514F941B72}"/>
+              </a:ext>
+            </a:extLst>
+          </p:cNvPr>
+          <p:cNvCxnSpPr>
+            <a:cxnSpLocks/>
+            <a:endCxn id="15" idx="1"/>
+          </p:cNvCxnSpPr>
+          <p:nvPr/>
+        </p:nvCxnSpPr>
+        <p:spPr>
+          <a:xfrm rot="5400000" flipH="1" flipV="1">
+            <a:off x="3335474" y="2766075"/>
+            <a:ext cx="1345030" cy="822069"/>
+          </a:xfrm>
+          <a:prstGeom prst="curvedConnector2">
+            <a:avLst/>
+          </a:prstGeom>
+          <a:ln w="38100">
+            <a:solidFill>
+              <a:schemeClr val="tx1"/>
+            </a:solidFill>
+            <a:headEnd type="oval" w="med" len="med"/>
+            <a:tailEnd type="triangle" w="med" len="med"/>
+          </a:ln>
+        </p:spPr>
+        <p:style>
+          <a:lnRef idx="1">
+            <a:schemeClr val="accent1"/>
+          </a:lnRef>
+          <a:fillRef idx="0">
+            <a:schemeClr val="accent1"/>
+          </a:fillRef>
+          <a:effectRef idx="0">
+            <a:schemeClr val="accent1"/>
+          </a:effectRef>
+          <a:fontRef idx="minor">
+            <a:schemeClr val="tx1"/>
+          </a:fontRef>
+        </p:style>
+      </p:cxnSp>
+      <p:cxnSp>
+        <p:nvCxnSpPr>
+          <p:cNvPr id="49" name="Curved Connector 48">
+            <a:extLst>
+              <a:ext uri="{FF2B5EF4-FFF2-40B4-BE49-F238E27FC236}">
+                <a16:creationId xmlns:a16="http://schemas.microsoft.com/office/drawing/2014/main" id="{E265D506-0922-0921-D773-3E81482987A6}"/>
+              </a:ext>
+            </a:extLst>
+          </p:cNvPr>
+          <p:cNvCxnSpPr>
+            <a:cxnSpLocks/>
+            <a:endCxn id="36" idx="1"/>
+          </p:cNvCxnSpPr>
+          <p:nvPr/>
+        </p:nvCxnSpPr>
+        <p:spPr>
+          <a:xfrm rot="5400000" flipH="1" flipV="1">
+            <a:off x="5704586" y="3820078"/>
+            <a:ext cx="2289386" cy="787230"/>
+          </a:xfrm>
+          <a:prstGeom prst="curvedConnector2">
+            <a:avLst/>
+          </a:prstGeom>
+          <a:ln w="38100">
+            <a:solidFill>
+              <a:schemeClr val="tx1"/>
+            </a:solidFill>
+            <a:headEnd type="oval" w="med" len="med"/>
+            <a:tailEnd type="triangle" w="med" len="med"/>
+          </a:ln>
+        </p:spPr>
+        <p:style>
+          <a:lnRef idx="1">
+            <a:schemeClr val="accent1"/>
+          </a:lnRef>
+          <a:fillRef idx="0">
+            <a:schemeClr val="accent1"/>
+          </a:fillRef>
+          <a:effectRef idx="0">
+            <a:schemeClr val="accent1"/>
+          </a:effectRef>
+          <a:fontRef idx="minor">
+            <a:schemeClr val="tx1"/>
+          </a:fontRef>
+        </p:style>
+      </p:cxnSp>
+      <p:cxnSp>
+        <p:nvCxnSpPr>
+          <p:cNvPr id="52" name="Curved Connector 51">
+            <a:extLst>
+              <a:ext uri="{FF2B5EF4-FFF2-40B4-BE49-F238E27FC236}">
+                <a16:creationId xmlns:a16="http://schemas.microsoft.com/office/drawing/2014/main" id="{7D12112D-5030-308C-5ACB-E14F42A4A753}"/>
+              </a:ext>
+            </a:extLst>
+          </p:cNvPr>
+          <p:cNvCxnSpPr>
+            <a:cxnSpLocks/>
+            <a:endCxn id="38" idx="1"/>
+          </p:cNvCxnSpPr>
+          <p:nvPr/>
+        </p:nvCxnSpPr>
+        <p:spPr>
+          <a:xfrm rot="5400000" flipH="1" flipV="1">
+            <a:off x="6386669" y="4776480"/>
+            <a:ext cx="992450" cy="720000"/>
+          </a:xfrm>
+          <a:prstGeom prst="curvedConnector2">
+            <a:avLst/>
+          </a:prstGeom>
+          <a:ln w="38100">
+            <a:solidFill>
+              <a:schemeClr val="tx1"/>
+            </a:solidFill>
+            <a:headEnd type="oval" w="med" len="med"/>
+            <a:tailEnd type="triangle" w="med" len="med"/>
+          </a:ln>
+        </p:spPr>
+        <p:style>
+          <a:lnRef idx="1">
+            <a:schemeClr val="accent1"/>
+          </a:lnRef>
+          <a:fillRef idx="0">
+            <a:schemeClr val="accent1"/>
+          </a:fillRef>
+          <a:effectRef idx="0">
+            <a:schemeClr val="accent1"/>
+          </a:effectRef>
+          <a:fontRef idx="minor">
+            <a:schemeClr val="tx1"/>
+          </a:fontRef>
+        </p:style>
+      </p:cxnSp>
+      <p:cxnSp>
+        <p:nvCxnSpPr>
+          <p:cNvPr id="63" name="Straight Arrow Connector 62">
+            <a:extLst>
+              <a:ext uri="{FF2B5EF4-FFF2-40B4-BE49-F238E27FC236}">
+                <a16:creationId xmlns:a16="http://schemas.microsoft.com/office/drawing/2014/main" id="{F2594078-E9DA-3936-F787-7895509BB53F}"/>
+              </a:ext>
+            </a:extLst>
+          </p:cNvPr>
+          <p:cNvCxnSpPr>
+            <a:cxnSpLocks/>
+            <a:endCxn id="20" idx="1"/>
+          </p:cNvCxnSpPr>
+          <p:nvPr/>
+        </p:nvCxnSpPr>
+        <p:spPr>
+          <a:xfrm flipV="1">
+            <a:off x="3596954" y="4075849"/>
+            <a:ext cx="822070" cy="58716"/>
+          </a:xfrm>
+          <a:prstGeom prst="straightConnector1">
+            <a:avLst/>
+          </a:prstGeom>
+          <a:ln w="38100">
+            <a:solidFill>
+              <a:schemeClr val="tx1"/>
+            </a:solidFill>
+            <a:headEnd type="oval" w="med" len="med"/>
+            <a:tailEnd type="triangle" w="med" len="med"/>
+          </a:ln>
+        </p:spPr>
+        <p:style>
+          <a:lnRef idx="1">
+            <a:schemeClr val="accent1"/>
+          </a:lnRef>
+          <a:fillRef idx="0">
+            <a:schemeClr val="accent1"/>
+          </a:fillRef>
+          <a:effectRef idx="0">
+            <a:schemeClr val="accent1"/>
+          </a:effectRef>
+          <a:fontRef idx="minor">
+            <a:schemeClr val="tx1"/>
+          </a:fontRef>
+        </p:style>
+      </p:cxnSp>
+    </p:spTree>
+    <p:extLst>
+      <p:ext uri="{BB962C8B-B14F-4D97-AF65-F5344CB8AC3E}">
+        <p14:creationId xmlns:p14="http://schemas.microsoft.com/office/powerpoint/2010/main" val="2575124604"/>
+      </p:ext>
+    </p:extLst>
+  </p:cSld>
+  <p:clrMapOvr>
+    <a:masterClrMapping/>
+  </p:clrMapOvr>
+</p:sld>
+</file>
+
+<file path=ppt/slides/slide8.xml><?xml version="1.0" encoding="utf-8"?>
 <p:sld xmlns:a="http://schemas.openxmlformats.org/drawingml/2006/main" xmlns:r="http://schemas.openxmlformats.org/officeDocument/2006/relationships" xmlns:p="http://schemas.openxmlformats.org/presentationml/2006/main">
   <p:cSld>
     <p:spTree>

--- a/diagrams.pptx
+++ b/diagrams.pptx
@@ -5,7 +5,7 @@
     <p:sldMasterId id="2147483648" r:id="rId1"/>
   </p:sldMasterIdLst>
   <p:notesMasterIdLst>
-    <p:notesMasterId r:id="rId10"/>
+    <p:notesMasterId r:id="rId11"/>
   </p:notesMasterIdLst>
   <p:sldIdLst>
     <p:sldId id="256" r:id="rId2"/>
@@ -15,7 +15,8 @@
     <p:sldId id="260" r:id="rId6"/>
     <p:sldId id="262" r:id="rId7"/>
     <p:sldId id="263" r:id="rId8"/>
-    <p:sldId id="258" r:id="rId9"/>
+    <p:sldId id="264" r:id="rId9"/>
+    <p:sldId id="258" r:id="rId10"/>
   </p:sldIdLst>
   <p:sldSz cx="12192000" cy="6858000"/>
   <p:notesSz cx="6858000" cy="9144000"/>
@@ -215,7 +216,7 @@
           <a:p>
             <a:fld id="{E90CDB62-1D6E-D545-843F-F79DABE7A985}" type="datetimeFigureOut">
               <a:rPr lang="en-US" smtClean="0"/>
-              <a:t>9/11/23</a:t>
+              <a:t>9/12/23</a:t>
             </a:fld>
             <a:endParaRPr lang="en-US"/>
           </a:p>
@@ -716,7 +717,7 @@
           <a:p>
             <a:fld id="{FEDB6D76-5F38-E94A-AB48-092728365E3A}" type="datetimeFigureOut">
               <a:rPr lang="en-US" smtClean="0"/>
-              <a:t>9/11/23</a:t>
+              <a:t>9/12/23</a:t>
             </a:fld>
             <a:endParaRPr lang="en-US"/>
           </a:p>
@@ -916,7 +917,7 @@
           <a:p>
             <a:fld id="{FEDB6D76-5F38-E94A-AB48-092728365E3A}" type="datetimeFigureOut">
               <a:rPr lang="en-US" smtClean="0"/>
-              <a:t>9/11/23</a:t>
+              <a:t>9/12/23</a:t>
             </a:fld>
             <a:endParaRPr lang="en-US"/>
           </a:p>
@@ -1126,7 +1127,7 @@
           <a:p>
             <a:fld id="{FEDB6D76-5F38-E94A-AB48-092728365E3A}" type="datetimeFigureOut">
               <a:rPr lang="en-US" smtClean="0"/>
-              <a:t>9/11/23</a:t>
+              <a:t>9/12/23</a:t>
             </a:fld>
             <a:endParaRPr lang="en-US"/>
           </a:p>
@@ -1326,7 +1327,7 @@
           <a:p>
             <a:fld id="{FEDB6D76-5F38-E94A-AB48-092728365E3A}" type="datetimeFigureOut">
               <a:rPr lang="en-US" smtClean="0"/>
-              <a:t>9/11/23</a:t>
+              <a:t>9/12/23</a:t>
             </a:fld>
             <a:endParaRPr lang="en-US"/>
           </a:p>
@@ -1602,7 +1603,7 @@
           <a:p>
             <a:fld id="{FEDB6D76-5F38-E94A-AB48-092728365E3A}" type="datetimeFigureOut">
               <a:rPr lang="en-US" smtClean="0"/>
-              <a:t>9/11/23</a:t>
+              <a:t>9/12/23</a:t>
             </a:fld>
             <a:endParaRPr lang="en-US"/>
           </a:p>
@@ -1870,7 +1871,7 @@
           <a:p>
             <a:fld id="{FEDB6D76-5F38-E94A-AB48-092728365E3A}" type="datetimeFigureOut">
               <a:rPr lang="en-US" smtClean="0"/>
-              <a:t>9/11/23</a:t>
+              <a:t>9/12/23</a:t>
             </a:fld>
             <a:endParaRPr lang="en-US"/>
           </a:p>
@@ -2285,7 +2286,7 @@
           <a:p>
             <a:fld id="{FEDB6D76-5F38-E94A-AB48-092728365E3A}" type="datetimeFigureOut">
               <a:rPr lang="en-US" smtClean="0"/>
-              <a:t>9/11/23</a:t>
+              <a:t>9/12/23</a:t>
             </a:fld>
             <a:endParaRPr lang="en-US"/>
           </a:p>
@@ -2427,7 +2428,7 @@
           <a:p>
             <a:fld id="{FEDB6D76-5F38-E94A-AB48-092728365E3A}" type="datetimeFigureOut">
               <a:rPr lang="en-US" smtClean="0"/>
-              <a:t>9/11/23</a:t>
+              <a:t>9/12/23</a:t>
             </a:fld>
             <a:endParaRPr lang="en-US"/>
           </a:p>
@@ -2540,7 +2541,7 @@
           <a:p>
             <a:fld id="{FEDB6D76-5F38-E94A-AB48-092728365E3A}" type="datetimeFigureOut">
               <a:rPr lang="en-US" smtClean="0"/>
-              <a:t>9/11/23</a:t>
+              <a:t>9/12/23</a:t>
             </a:fld>
             <a:endParaRPr lang="en-US"/>
           </a:p>
@@ -2853,7 +2854,7 @@
           <a:p>
             <a:fld id="{FEDB6D76-5F38-E94A-AB48-092728365E3A}" type="datetimeFigureOut">
               <a:rPr lang="en-US" smtClean="0"/>
-              <a:t>9/11/23</a:t>
+              <a:t>9/12/23</a:t>
             </a:fld>
             <a:endParaRPr lang="en-US"/>
           </a:p>
@@ -3142,7 +3143,7 @@
           <a:p>
             <a:fld id="{FEDB6D76-5F38-E94A-AB48-092728365E3A}" type="datetimeFigureOut">
               <a:rPr lang="en-US" smtClean="0"/>
-              <a:t>9/11/23</a:t>
+              <a:t>9/12/23</a:t>
             </a:fld>
             <a:endParaRPr lang="en-US"/>
           </a:p>
@@ -3385,7 +3386,7 @@
           <a:p>
             <a:fld id="{FEDB6D76-5F38-E94A-AB48-092728365E3A}" type="datetimeFigureOut">
               <a:rPr lang="en-US" smtClean="0"/>
-              <a:t>9/11/23</a:t>
+              <a:t>9/12/23</a:t>
             </a:fld>
             <a:endParaRPr lang="en-US"/>
           </a:p>
@@ -17127,10 +17128,10 @@
       </p:grpSpPr>
       <p:sp>
         <p:nvSpPr>
-          <p:cNvPr id="6" name="Rounded Rectangle 5">
-            <a:extLst>
-              <a:ext uri="{FF2B5EF4-FFF2-40B4-BE49-F238E27FC236}">
-                <a16:creationId xmlns:a16="http://schemas.microsoft.com/office/drawing/2014/main" id="{2ACA9C57-64BB-8ED8-44AE-01407B2E021E}"/>
+          <p:cNvPr id="27" name="Rounded Rectangle 26">
+            <a:extLst>
+              <a:ext uri="{FF2B5EF4-FFF2-40B4-BE49-F238E27FC236}">
+                <a16:creationId xmlns:a16="http://schemas.microsoft.com/office/drawing/2014/main" id="{1AFCA639-6D83-FEF4-02E1-9CB10D431E6C}"/>
               </a:ext>
             </a:extLst>
           </p:cNvPr>
@@ -17139,25 +17140,18 @@
         </p:nvSpPr>
         <p:spPr>
           <a:xfrm>
-            <a:off x="10214988" y="1784594"/>
-            <a:ext cx="720000" cy="720000"/>
+            <a:off x="2344351" y="1191365"/>
+            <a:ext cx="2343912" cy="827520"/>
           </a:xfrm>
           <a:prstGeom prst="roundRect">
             <a:avLst/>
           </a:prstGeom>
           <a:solidFill>
-            <a:schemeClr val="accent4">
-              <a:lumMod val="60000"/>
-              <a:lumOff val="40000"/>
+            <a:schemeClr val="accent3">
+              <a:lumMod val="40000"/>
+              <a:lumOff val="60000"/>
             </a:schemeClr>
           </a:solidFill>
-          <a:ln w="28575">
-            <a:solidFill>
-              <a:schemeClr val="bg2">
-                <a:lumMod val="10000"/>
-              </a:schemeClr>
-            </a:solidFill>
-          </a:ln>
         </p:spPr>
         <p:style>
           <a:lnRef idx="2">
@@ -17181,7 +17175,7 @@
           <a:p>
             <a:pPr algn="ctr"/>
             <a:r>
-              <a:rPr lang="en-US" sz="6000" dirty="0">
+              <a:rPr lang="en-US" dirty="0">
                 <a:solidFill>
                   <a:schemeClr val="bg2">
                     <a:lumMod val="10000"/>
@@ -17190,26 +17184,17 @@
                 <a:latin typeface="Consolas" panose="020B0609020204030204" pitchFamily="49" charset="0"/>
                 <a:cs typeface="Consolas" panose="020B0609020204030204" pitchFamily="49" charset="0"/>
               </a:rPr>
-              <a:t>2</a:t>
+              <a:t>BINARY OPERATOR</a:t>
             </a:r>
-            <a:endParaRPr lang="en-US" sz="3200" dirty="0">
-              <a:solidFill>
-                <a:schemeClr val="bg2">
-                  <a:lumMod val="10000"/>
-                </a:schemeClr>
-              </a:solidFill>
-              <a:latin typeface="Consolas" panose="020B0609020204030204" pitchFamily="49" charset="0"/>
-              <a:cs typeface="Consolas" panose="020B0609020204030204" pitchFamily="49" charset="0"/>
-            </a:endParaRPr>
           </a:p>
         </p:txBody>
       </p:sp>
       <p:sp>
         <p:nvSpPr>
-          <p:cNvPr id="10" name="Rounded Rectangle 9">
-            <a:extLst>
-              <a:ext uri="{FF2B5EF4-FFF2-40B4-BE49-F238E27FC236}">
-                <a16:creationId xmlns:a16="http://schemas.microsoft.com/office/drawing/2014/main" id="{784AD57D-D6B7-D45E-FC7E-E8B254705738}"/>
+          <p:cNvPr id="9" name="Rounded Rectangle 8">
+            <a:extLst>
+              <a:ext uri="{FF2B5EF4-FFF2-40B4-BE49-F238E27FC236}">
+                <a16:creationId xmlns:a16="http://schemas.microsoft.com/office/drawing/2014/main" id="{C1ED0B6C-377C-0A47-86E1-663B8E8F069C}"/>
               </a:ext>
             </a:extLst>
           </p:cNvPr>
@@ -17218,86 +17203,7 @@
         </p:nvSpPr>
         <p:spPr>
           <a:xfrm>
-            <a:off x="11218159" y="900001"/>
-            <a:ext cx="720000" cy="720000"/>
-          </a:xfrm>
-          <a:prstGeom prst="roundRect">
-            <a:avLst/>
-          </a:prstGeom>
-          <a:solidFill>
-            <a:schemeClr val="accent4">
-              <a:lumMod val="60000"/>
-              <a:lumOff val="40000"/>
-            </a:schemeClr>
-          </a:solidFill>
-          <a:ln w="28575">
-            <a:solidFill>
-              <a:schemeClr val="bg2">
-                <a:lumMod val="10000"/>
-              </a:schemeClr>
-            </a:solidFill>
-          </a:ln>
-        </p:spPr>
-        <p:style>
-          <a:lnRef idx="2">
-            <a:schemeClr val="accent1">
-              <a:shade val="15000"/>
-            </a:schemeClr>
-          </a:lnRef>
-          <a:fillRef idx="1">
-            <a:schemeClr val="accent1"/>
-          </a:fillRef>
-          <a:effectRef idx="0">
-            <a:schemeClr val="accent1"/>
-          </a:effectRef>
-          <a:fontRef idx="minor">
-            <a:schemeClr val="lt1"/>
-          </a:fontRef>
-        </p:style>
-        <p:txBody>
-          <a:bodyPr rtlCol="0" anchor="ctr"/>
-          <a:lstStyle/>
-          <a:p>
-            <a:pPr algn="ctr"/>
-            <a:r>
-              <a:rPr lang="en-US" sz="6000" dirty="0">
-                <a:solidFill>
-                  <a:schemeClr val="bg2">
-                    <a:lumMod val="10000"/>
-                  </a:schemeClr>
-                </a:solidFill>
-                <a:latin typeface="Consolas" panose="020B0609020204030204" pitchFamily="49" charset="0"/>
-                <a:cs typeface="Consolas" panose="020B0609020204030204" pitchFamily="49" charset="0"/>
-              </a:rPr>
-              <a:t>*</a:t>
-            </a:r>
-            <a:endParaRPr lang="en-US" sz="2400" dirty="0">
-              <a:solidFill>
-                <a:schemeClr val="bg2">
-                  <a:lumMod val="10000"/>
-                </a:schemeClr>
-              </a:solidFill>
-              <a:latin typeface="Consolas" panose="020B0609020204030204" pitchFamily="49" charset="0"/>
-              <a:cs typeface="Consolas" panose="020B0609020204030204" pitchFamily="49" charset="0"/>
-            </a:endParaRPr>
-          </a:p>
-        </p:txBody>
-      </p:sp>
-      <p:sp>
-        <p:nvSpPr>
-          <p:cNvPr id="13" name="Rounded Rectangle 12">
-            <a:extLst>
-              <a:ext uri="{FF2B5EF4-FFF2-40B4-BE49-F238E27FC236}">
-                <a16:creationId xmlns:a16="http://schemas.microsoft.com/office/drawing/2014/main" id="{8D104FAF-3BDA-66BC-3972-50F7B48C3324}"/>
-              </a:ext>
-            </a:extLst>
-          </p:cNvPr>
-          <p:cNvSpPr/>
-          <p:nvPr/>
-        </p:nvSpPr>
-        <p:spPr>
-          <a:xfrm>
-            <a:off x="10215606" y="0"/>
+            <a:off x="3156307" y="725335"/>
             <a:ext cx="720000" cy="720000"/>
           </a:xfrm>
           <a:prstGeom prst="roundRect">
@@ -17362,12 +17268,229 @@
           </a:p>
         </p:txBody>
       </p:sp>
+      <p:grpSp>
+        <p:nvGrpSpPr>
+          <p:cNvPr id="31" name="Group 30">
+            <a:extLst>
+              <a:ext uri="{FF2B5EF4-FFF2-40B4-BE49-F238E27FC236}">
+                <a16:creationId xmlns:a16="http://schemas.microsoft.com/office/drawing/2014/main" id="{483B606E-0D89-4CC2-BF5F-1C4831E28C62}"/>
+              </a:ext>
+            </a:extLst>
+          </p:cNvPr>
+          <p:cNvGrpSpPr/>
+          <p:nvPr/>
+        </p:nvGrpSpPr>
+        <p:grpSpPr>
+          <a:xfrm>
+            <a:off x="2459413" y="1768019"/>
+            <a:ext cx="2113788" cy="518564"/>
+            <a:chOff x="2156460" y="3297006"/>
+            <a:chExt cx="2113788" cy="518564"/>
+          </a:xfrm>
+        </p:grpSpPr>
+        <p:sp>
+          <p:nvSpPr>
+            <p:cNvPr id="30" name="Rounded Rectangle 29">
+              <a:extLst>
+                <a:ext uri="{FF2B5EF4-FFF2-40B4-BE49-F238E27FC236}">
+                  <a16:creationId xmlns:a16="http://schemas.microsoft.com/office/drawing/2014/main" id="{CED091DE-8BF1-6EA6-D67C-41D20789BFE4}"/>
+                </a:ext>
+              </a:extLst>
+            </p:cNvPr>
+            <p:cNvSpPr/>
+            <p:nvPr/>
+          </p:nvSpPr>
+          <p:spPr>
+            <a:xfrm>
+              <a:off x="2468118" y="3405412"/>
+              <a:ext cx="1490472" cy="284920"/>
+            </a:xfrm>
+            <a:prstGeom prst="roundRect">
+              <a:avLst/>
+            </a:prstGeom>
+            <a:solidFill>
+              <a:schemeClr val="bg1">
+                <a:lumMod val="85000"/>
+              </a:schemeClr>
+            </a:solidFill>
+          </p:spPr>
+          <p:style>
+            <a:lnRef idx="2">
+              <a:schemeClr val="accent1">
+                <a:shade val="15000"/>
+              </a:schemeClr>
+            </a:lnRef>
+            <a:fillRef idx="1">
+              <a:schemeClr val="accent1"/>
+            </a:fillRef>
+            <a:effectRef idx="0">
+              <a:schemeClr val="accent1"/>
+            </a:effectRef>
+            <a:fontRef idx="minor">
+              <a:schemeClr val="lt1"/>
+            </a:fontRef>
+          </p:style>
+          <p:txBody>
+            <a:bodyPr rtlCol="0" anchor="ctr"/>
+            <a:lstStyle/>
+            <a:p>
+              <a:pPr algn="ctr"/>
+              <a:r>
+                <a:rPr lang="en-US" dirty="0">
+                  <a:solidFill>
+                    <a:schemeClr val="bg2">
+                      <a:lumMod val="10000"/>
+                    </a:schemeClr>
+                  </a:solidFill>
+                  <a:latin typeface="Consolas" panose="020B0609020204030204" pitchFamily="49" charset="0"/>
+                  <a:cs typeface="Consolas" panose="020B0609020204030204" pitchFamily="49" charset="0"/>
+                </a:rPr>
+                <a:t>Children</a:t>
+              </a:r>
+            </a:p>
+          </p:txBody>
+        </p:sp>
+        <p:sp>
+          <p:nvSpPr>
+            <p:cNvPr id="28" name="Rounded Rectangle 27">
+              <a:extLst>
+                <a:ext uri="{FF2B5EF4-FFF2-40B4-BE49-F238E27FC236}">
+                  <a16:creationId xmlns:a16="http://schemas.microsoft.com/office/drawing/2014/main" id="{71FA3798-204F-A86C-0FDF-7F690D8958D6}"/>
+                </a:ext>
+              </a:extLst>
+            </p:cNvPr>
+            <p:cNvSpPr/>
+            <p:nvPr/>
+          </p:nvSpPr>
+          <p:spPr>
+            <a:xfrm>
+              <a:off x="2156460" y="3297006"/>
+              <a:ext cx="501732" cy="501732"/>
+            </a:xfrm>
+            <a:prstGeom prst="roundRect">
+              <a:avLst/>
+            </a:prstGeom>
+            <a:solidFill>
+              <a:srgbClr val="F79ED1"/>
+            </a:solidFill>
+            <a:ln w="28575">
+              <a:solidFill>
+                <a:schemeClr val="bg2">
+                  <a:lumMod val="10000"/>
+                </a:schemeClr>
+              </a:solidFill>
+            </a:ln>
+          </p:spPr>
+          <p:style>
+            <a:lnRef idx="2">
+              <a:schemeClr val="accent1">
+                <a:shade val="15000"/>
+              </a:schemeClr>
+            </a:lnRef>
+            <a:fillRef idx="1">
+              <a:schemeClr val="accent1"/>
+            </a:fillRef>
+            <a:effectRef idx="0">
+              <a:schemeClr val="accent1"/>
+            </a:effectRef>
+            <a:fontRef idx="minor">
+              <a:schemeClr val="lt1"/>
+            </a:fontRef>
+          </p:style>
+          <p:txBody>
+            <a:bodyPr rtlCol="0" anchor="ctr"/>
+            <a:lstStyle/>
+            <a:p>
+              <a:pPr algn="ctr"/>
+              <a:r>
+                <a:rPr lang="en-US" sz="3200" dirty="0">
+                  <a:solidFill>
+                    <a:schemeClr val="bg2">
+                      <a:lumMod val="10000"/>
+                    </a:schemeClr>
+                  </a:solidFill>
+                  <a:latin typeface="Consolas" panose="020B0609020204030204" pitchFamily="49" charset="0"/>
+                  <a:cs typeface="Consolas" panose="020B0609020204030204" pitchFamily="49" charset="0"/>
+                </a:rPr>
+                <a:t>L</a:t>
+              </a:r>
+            </a:p>
+          </p:txBody>
+        </p:sp>
+        <p:sp>
+          <p:nvSpPr>
+            <p:cNvPr id="29" name="Rounded Rectangle 28">
+              <a:extLst>
+                <a:ext uri="{FF2B5EF4-FFF2-40B4-BE49-F238E27FC236}">
+                  <a16:creationId xmlns:a16="http://schemas.microsoft.com/office/drawing/2014/main" id="{F6123942-4988-7CB3-D457-761BA6F71E73}"/>
+                </a:ext>
+              </a:extLst>
+            </p:cNvPr>
+            <p:cNvSpPr/>
+            <p:nvPr/>
+          </p:nvSpPr>
+          <p:spPr>
+            <a:xfrm>
+              <a:off x="3768516" y="3313838"/>
+              <a:ext cx="501732" cy="501732"/>
+            </a:xfrm>
+            <a:prstGeom prst="roundRect">
+              <a:avLst/>
+            </a:prstGeom>
+            <a:solidFill>
+              <a:srgbClr val="F79ED1"/>
+            </a:solidFill>
+            <a:ln w="28575">
+              <a:solidFill>
+                <a:schemeClr val="bg2">
+                  <a:lumMod val="10000"/>
+                </a:schemeClr>
+              </a:solidFill>
+            </a:ln>
+          </p:spPr>
+          <p:style>
+            <a:lnRef idx="2">
+              <a:schemeClr val="accent1">
+                <a:shade val="15000"/>
+              </a:schemeClr>
+            </a:lnRef>
+            <a:fillRef idx="1">
+              <a:schemeClr val="accent1"/>
+            </a:fillRef>
+            <a:effectRef idx="0">
+              <a:schemeClr val="accent1"/>
+            </a:effectRef>
+            <a:fontRef idx="minor">
+              <a:schemeClr val="lt1"/>
+            </a:fontRef>
+          </p:style>
+          <p:txBody>
+            <a:bodyPr rtlCol="0" anchor="ctr"/>
+            <a:lstStyle/>
+            <a:p>
+              <a:pPr algn="ctr"/>
+              <a:r>
+                <a:rPr lang="en-US" sz="3200" dirty="0">
+                  <a:solidFill>
+                    <a:schemeClr val="bg2">
+                      <a:lumMod val="10000"/>
+                    </a:schemeClr>
+                  </a:solidFill>
+                  <a:latin typeface="Consolas" panose="020B0609020204030204" pitchFamily="49" charset="0"/>
+                  <a:cs typeface="Consolas" panose="020B0609020204030204" pitchFamily="49" charset="0"/>
+                </a:rPr>
+                <a:t>R</a:t>
+              </a:r>
+            </a:p>
+          </p:txBody>
+        </p:sp>
+      </p:grpSp>
       <p:sp>
         <p:nvSpPr>
-          <p:cNvPr id="14" name="Rounded Rectangle 13">
-            <a:extLst>
-              <a:ext uri="{FF2B5EF4-FFF2-40B4-BE49-F238E27FC236}">
-                <a16:creationId xmlns:a16="http://schemas.microsoft.com/office/drawing/2014/main" id="{729A6ABA-D44A-1409-5A08-D2CF4E68A46D}"/>
+          <p:cNvPr id="32" name="Rounded Rectangle 31">
+            <a:extLst>
+              <a:ext uri="{FF2B5EF4-FFF2-40B4-BE49-F238E27FC236}">
+                <a16:creationId xmlns:a16="http://schemas.microsoft.com/office/drawing/2014/main" id="{CECEEA32-38A0-CFF9-061B-9AE7E638345E}"/>
               </a:ext>
             </a:extLst>
           </p:cNvPr>
@@ -17376,358 +17499,8 @@
         </p:nvSpPr>
         <p:spPr>
           <a:xfrm>
-            <a:off x="9135606" y="900001"/>
-            <a:ext cx="720000" cy="720000"/>
-          </a:xfrm>
-          <a:prstGeom prst="roundRect">
-            <a:avLst/>
-          </a:prstGeom>
-          <a:solidFill>
-            <a:schemeClr val="accent4">
-              <a:lumMod val="60000"/>
-              <a:lumOff val="40000"/>
-            </a:schemeClr>
-          </a:solidFill>
-          <a:ln w="28575">
-            <a:solidFill>
-              <a:schemeClr val="bg2">
-                <a:lumMod val="10000"/>
-              </a:schemeClr>
-            </a:solidFill>
-          </a:ln>
-        </p:spPr>
-        <p:style>
-          <a:lnRef idx="2">
-            <a:schemeClr val="accent1">
-              <a:shade val="15000"/>
-            </a:schemeClr>
-          </a:lnRef>
-          <a:fillRef idx="1">
-            <a:schemeClr val="accent1"/>
-          </a:fillRef>
-          <a:effectRef idx="0">
-            <a:schemeClr val="accent1"/>
-          </a:effectRef>
-          <a:fontRef idx="minor">
-            <a:schemeClr val="lt1"/>
-          </a:fontRef>
-        </p:style>
-        <p:txBody>
-          <a:bodyPr rtlCol="0" anchor="ctr"/>
-          <a:lstStyle/>
-          <a:p>
-            <a:pPr algn="ctr"/>
-            <a:r>
-              <a:rPr lang="en-US" sz="6600" dirty="0">
-                <a:solidFill>
-                  <a:schemeClr val="bg2">
-                    <a:lumMod val="10000"/>
-                  </a:schemeClr>
-                </a:solidFill>
-                <a:latin typeface="Consolas" panose="020B0609020204030204" pitchFamily="49" charset="0"/>
-                <a:cs typeface="Consolas" panose="020B0609020204030204" pitchFamily="49" charset="0"/>
-              </a:rPr>
-              <a:t>4</a:t>
-            </a:r>
-            <a:endParaRPr lang="en-US" sz="3200" dirty="0">
-              <a:solidFill>
-                <a:schemeClr val="bg2">
-                  <a:lumMod val="10000"/>
-                </a:schemeClr>
-              </a:solidFill>
-              <a:latin typeface="Consolas" panose="020B0609020204030204" pitchFamily="49" charset="0"/>
-              <a:cs typeface="Consolas" panose="020B0609020204030204" pitchFamily="49" charset="0"/>
-            </a:endParaRPr>
-          </a:p>
-        </p:txBody>
-      </p:sp>
-      <p:sp>
-        <p:nvSpPr>
-          <p:cNvPr id="4" name="Rounded Rectangle 3">
-            <a:extLst>
-              <a:ext uri="{FF2B5EF4-FFF2-40B4-BE49-F238E27FC236}">
-                <a16:creationId xmlns:a16="http://schemas.microsoft.com/office/drawing/2014/main" id="{89CD8E1F-5A8F-E72C-ADCA-D55941AF8AA5}"/>
-              </a:ext>
-            </a:extLst>
-          </p:cNvPr>
-          <p:cNvSpPr/>
-          <p:nvPr/>
-        </p:nvSpPr>
-        <p:spPr>
-          <a:xfrm>
-            <a:off x="12220712" y="1784594"/>
-            <a:ext cx="720000" cy="720000"/>
-          </a:xfrm>
-          <a:prstGeom prst="roundRect">
-            <a:avLst/>
-          </a:prstGeom>
-          <a:solidFill>
-            <a:schemeClr val="accent4">
-              <a:lumMod val="60000"/>
-              <a:lumOff val="40000"/>
-            </a:schemeClr>
-          </a:solidFill>
-          <a:ln w="28575">
-            <a:solidFill>
-              <a:schemeClr val="bg2">
-                <a:lumMod val="10000"/>
-              </a:schemeClr>
-            </a:solidFill>
-          </a:ln>
-        </p:spPr>
-        <p:style>
-          <a:lnRef idx="2">
-            <a:schemeClr val="accent1">
-              <a:shade val="15000"/>
-            </a:schemeClr>
-          </a:lnRef>
-          <a:fillRef idx="1">
-            <a:schemeClr val="accent1"/>
-          </a:fillRef>
-          <a:effectRef idx="0">
-            <a:schemeClr val="accent1"/>
-          </a:effectRef>
-          <a:fontRef idx="minor">
-            <a:schemeClr val="lt1"/>
-          </a:fontRef>
-        </p:style>
-        <p:txBody>
-          <a:bodyPr rtlCol="0" anchor="ctr"/>
-          <a:lstStyle/>
-          <a:p>
-            <a:pPr algn="ctr"/>
-            <a:r>
-              <a:rPr lang="en-US" sz="6000" dirty="0">
-                <a:solidFill>
-                  <a:schemeClr val="bg2">
-                    <a:lumMod val="10000"/>
-                  </a:schemeClr>
-                </a:solidFill>
-                <a:latin typeface="Consolas" panose="020B0609020204030204" pitchFamily="49" charset="0"/>
-                <a:cs typeface="Consolas" panose="020B0609020204030204" pitchFamily="49" charset="0"/>
-              </a:rPr>
-              <a:t>3</a:t>
-            </a:r>
-            <a:endParaRPr lang="en-US" sz="3200" dirty="0">
-              <a:solidFill>
-                <a:schemeClr val="bg2">
-                  <a:lumMod val="10000"/>
-                </a:schemeClr>
-              </a:solidFill>
-              <a:latin typeface="Consolas" panose="020B0609020204030204" pitchFamily="49" charset="0"/>
-              <a:cs typeface="Consolas" panose="020B0609020204030204" pitchFamily="49" charset="0"/>
-            </a:endParaRPr>
-          </a:p>
-        </p:txBody>
-      </p:sp>
-      <p:cxnSp>
-        <p:nvCxnSpPr>
-          <p:cNvPr id="2" name="Elbow Connector 1">
-            <a:extLst>
-              <a:ext uri="{FF2B5EF4-FFF2-40B4-BE49-F238E27FC236}">
-                <a16:creationId xmlns:a16="http://schemas.microsoft.com/office/drawing/2014/main" id="{954C7A70-DADB-100B-BCCD-1499699D2BD3}"/>
-              </a:ext>
-            </a:extLst>
-          </p:cNvPr>
-          <p:cNvCxnSpPr>
-            <a:cxnSpLocks/>
-            <a:stCxn id="13" idx="1"/>
-            <a:endCxn id="14" idx="0"/>
-          </p:cNvCxnSpPr>
-          <p:nvPr/>
-        </p:nvCxnSpPr>
-        <p:spPr>
-          <a:xfrm rot="10800000" flipV="1">
-            <a:off x="9495606" y="359999"/>
-            <a:ext cx="720000" cy="540001"/>
-          </a:xfrm>
-          <a:prstGeom prst="bentConnector2">
-            <a:avLst/>
-          </a:prstGeom>
-          <a:ln w="38100">
-            <a:solidFill>
-              <a:schemeClr val="bg2">
-                <a:lumMod val="10000"/>
-              </a:schemeClr>
-            </a:solidFill>
-            <a:tailEnd type="triangle"/>
-          </a:ln>
-        </p:spPr>
-        <p:style>
-          <a:lnRef idx="1">
-            <a:schemeClr val="accent2"/>
-          </a:lnRef>
-          <a:fillRef idx="0">
-            <a:schemeClr val="accent2"/>
-          </a:fillRef>
-          <a:effectRef idx="0">
-            <a:schemeClr val="accent2"/>
-          </a:effectRef>
-          <a:fontRef idx="minor">
-            <a:schemeClr val="tx1"/>
-          </a:fontRef>
-        </p:style>
-      </p:cxnSp>
-      <p:cxnSp>
-        <p:nvCxnSpPr>
-          <p:cNvPr id="3" name="Elbow Connector 2">
-            <a:extLst>
-              <a:ext uri="{FF2B5EF4-FFF2-40B4-BE49-F238E27FC236}">
-                <a16:creationId xmlns:a16="http://schemas.microsoft.com/office/drawing/2014/main" id="{10A57B74-6E33-B241-7116-260998BB29E2}"/>
-              </a:ext>
-            </a:extLst>
-          </p:cNvPr>
-          <p:cNvCxnSpPr>
-            <a:cxnSpLocks/>
-            <a:stCxn id="13" idx="3"/>
-            <a:endCxn id="10" idx="0"/>
-          </p:cNvCxnSpPr>
-          <p:nvPr/>
-        </p:nvCxnSpPr>
-        <p:spPr>
-          <a:xfrm>
-            <a:off x="10935606" y="360000"/>
-            <a:ext cx="642553" cy="540001"/>
-          </a:xfrm>
-          <a:prstGeom prst="bentConnector2">
-            <a:avLst/>
-          </a:prstGeom>
-          <a:ln w="38100">
-            <a:solidFill>
-              <a:schemeClr val="bg2">
-                <a:lumMod val="10000"/>
-              </a:schemeClr>
-            </a:solidFill>
-            <a:tailEnd type="triangle"/>
-          </a:ln>
-        </p:spPr>
-        <p:style>
-          <a:lnRef idx="1">
-            <a:schemeClr val="accent2"/>
-          </a:lnRef>
-          <a:fillRef idx="0">
-            <a:schemeClr val="accent2"/>
-          </a:fillRef>
-          <a:effectRef idx="0">
-            <a:schemeClr val="accent2"/>
-          </a:effectRef>
-          <a:fontRef idx="minor">
-            <a:schemeClr val="tx1"/>
-          </a:fontRef>
-        </p:style>
-      </p:cxnSp>
-      <p:cxnSp>
-        <p:nvCxnSpPr>
-          <p:cNvPr id="5" name="Elbow Connector 4">
-            <a:extLst>
-              <a:ext uri="{FF2B5EF4-FFF2-40B4-BE49-F238E27FC236}">
-                <a16:creationId xmlns:a16="http://schemas.microsoft.com/office/drawing/2014/main" id="{3F7D1F4C-72E4-4290-A5CF-0984BA66B24A}"/>
-              </a:ext>
-            </a:extLst>
-          </p:cNvPr>
-          <p:cNvCxnSpPr>
-            <a:cxnSpLocks/>
-            <a:stCxn id="10" idx="3"/>
-            <a:endCxn id="4" idx="0"/>
-          </p:cNvCxnSpPr>
-          <p:nvPr/>
-        </p:nvCxnSpPr>
-        <p:spPr>
-          <a:xfrm>
-            <a:off x="11938159" y="1260001"/>
-            <a:ext cx="642553" cy="524593"/>
-          </a:xfrm>
-          <a:prstGeom prst="bentConnector2">
-            <a:avLst/>
-          </a:prstGeom>
-          <a:ln w="38100">
-            <a:solidFill>
-              <a:schemeClr val="bg2">
-                <a:lumMod val="10000"/>
-              </a:schemeClr>
-            </a:solidFill>
-            <a:tailEnd type="triangle"/>
-          </a:ln>
-        </p:spPr>
-        <p:style>
-          <a:lnRef idx="1">
-            <a:schemeClr val="accent2"/>
-          </a:lnRef>
-          <a:fillRef idx="0">
-            <a:schemeClr val="accent2"/>
-          </a:fillRef>
-          <a:effectRef idx="0">
-            <a:schemeClr val="accent2"/>
-          </a:effectRef>
-          <a:fontRef idx="minor">
-            <a:schemeClr val="tx1"/>
-          </a:fontRef>
-        </p:style>
-      </p:cxnSp>
-      <p:cxnSp>
-        <p:nvCxnSpPr>
-          <p:cNvPr id="7" name="Elbow Connector 6">
-            <a:extLst>
-              <a:ext uri="{FF2B5EF4-FFF2-40B4-BE49-F238E27FC236}">
-                <a16:creationId xmlns:a16="http://schemas.microsoft.com/office/drawing/2014/main" id="{FCBE782F-C377-26FC-ECCE-E1CF884480A6}"/>
-              </a:ext>
-            </a:extLst>
-          </p:cNvPr>
-          <p:cNvCxnSpPr>
-            <a:cxnSpLocks/>
-            <a:stCxn id="10" idx="1"/>
-            <a:endCxn id="6" idx="0"/>
-          </p:cNvCxnSpPr>
-          <p:nvPr/>
-        </p:nvCxnSpPr>
-        <p:spPr>
-          <a:xfrm rot="10800000" flipV="1">
-            <a:off x="10574989" y="1260000"/>
-            <a:ext cx="643171" cy="524593"/>
-          </a:xfrm>
-          <a:prstGeom prst="bentConnector2">
-            <a:avLst/>
-          </a:prstGeom>
-          <a:ln w="38100">
-            <a:solidFill>
-              <a:schemeClr val="bg2">
-                <a:lumMod val="10000"/>
-              </a:schemeClr>
-            </a:solidFill>
-            <a:tailEnd type="triangle"/>
-          </a:ln>
-        </p:spPr>
-        <p:style>
-          <a:lnRef idx="1">
-            <a:schemeClr val="accent2"/>
-          </a:lnRef>
-          <a:fillRef idx="0">
-            <a:schemeClr val="accent2"/>
-          </a:fillRef>
-          <a:effectRef idx="0">
-            <a:schemeClr val="accent2"/>
-          </a:effectRef>
-          <a:fontRef idx="minor">
-            <a:schemeClr val="tx1"/>
-          </a:fontRef>
-        </p:style>
-      </p:cxnSp>
-      <p:sp>
-        <p:nvSpPr>
-          <p:cNvPr id="8" name="Rounded Rectangle 7">
-            <a:extLst>
-              <a:ext uri="{FF2B5EF4-FFF2-40B4-BE49-F238E27FC236}">
-                <a16:creationId xmlns:a16="http://schemas.microsoft.com/office/drawing/2014/main" id="{1F4EA59D-B8E7-5C4D-EE6C-D7F1E241D7C4}"/>
-              </a:ext>
-            </a:extLst>
-          </p:cNvPr>
-          <p:cNvSpPr/>
-          <p:nvPr/>
-        </p:nvSpPr>
-        <p:spPr>
-          <a:xfrm>
-            <a:off x="1883664" y="2567951"/>
-            <a:ext cx="1892808" cy="1729729"/>
+            <a:off x="3792811" y="2849284"/>
+            <a:ext cx="2343912" cy="827520"/>
           </a:xfrm>
           <a:prstGeom prst="roundRect">
             <a:avLst/>
@@ -17770,9 +17543,2581 @@
                 <a:latin typeface="Consolas" panose="020B0609020204030204" pitchFamily="49" charset="0"/>
                 <a:cs typeface="Consolas" panose="020B0609020204030204" pitchFamily="49" charset="0"/>
               </a:rPr>
-              <a:t>ADDITION</a:t>
+              <a:t>BINARY OPERATOR</a:t>
             </a:r>
           </a:p>
+        </p:txBody>
+      </p:sp>
+      <p:sp>
+        <p:nvSpPr>
+          <p:cNvPr id="33" name="Rounded Rectangle 32">
+            <a:extLst>
+              <a:ext uri="{FF2B5EF4-FFF2-40B4-BE49-F238E27FC236}">
+                <a16:creationId xmlns:a16="http://schemas.microsoft.com/office/drawing/2014/main" id="{4FFDF8C1-04F7-7624-09E9-C36025433735}"/>
+              </a:ext>
+            </a:extLst>
+          </p:cNvPr>
+          <p:cNvSpPr/>
+          <p:nvPr/>
+        </p:nvSpPr>
+        <p:spPr>
+          <a:xfrm>
+            <a:off x="4604767" y="2383254"/>
+            <a:ext cx="720000" cy="720000"/>
+          </a:xfrm>
+          <a:prstGeom prst="roundRect">
+            <a:avLst/>
+          </a:prstGeom>
+          <a:solidFill>
+            <a:schemeClr val="accent4">
+              <a:lumMod val="60000"/>
+              <a:lumOff val="40000"/>
+            </a:schemeClr>
+          </a:solidFill>
+          <a:ln w="28575">
+            <a:solidFill>
+              <a:schemeClr val="bg2">
+                <a:lumMod val="10000"/>
+              </a:schemeClr>
+            </a:solidFill>
+          </a:ln>
+        </p:spPr>
+        <p:style>
+          <a:lnRef idx="2">
+            <a:schemeClr val="accent1">
+              <a:shade val="15000"/>
+            </a:schemeClr>
+          </a:lnRef>
+          <a:fillRef idx="1">
+            <a:schemeClr val="accent1"/>
+          </a:fillRef>
+          <a:effectRef idx="0">
+            <a:schemeClr val="accent1"/>
+          </a:effectRef>
+          <a:fontRef idx="minor">
+            <a:schemeClr val="lt1"/>
+          </a:fontRef>
+        </p:style>
+        <p:txBody>
+          <a:bodyPr rtlCol="0" anchor="ctr"/>
+          <a:lstStyle/>
+          <a:p>
+            <a:pPr algn="ctr"/>
+            <a:r>
+              <a:rPr lang="en-US" sz="6000" dirty="0">
+                <a:solidFill>
+                  <a:schemeClr val="bg2">
+                    <a:lumMod val="10000"/>
+                  </a:schemeClr>
+                </a:solidFill>
+                <a:latin typeface="Consolas" panose="020B0609020204030204" pitchFamily="49" charset="0"/>
+                <a:cs typeface="Consolas" panose="020B0609020204030204" pitchFamily="49" charset="0"/>
+              </a:rPr>
+              <a:t>*</a:t>
+            </a:r>
+            <a:endParaRPr lang="en-US" sz="3200" dirty="0">
+              <a:solidFill>
+                <a:schemeClr val="bg2">
+                  <a:lumMod val="10000"/>
+                </a:schemeClr>
+              </a:solidFill>
+              <a:latin typeface="Consolas" panose="020B0609020204030204" pitchFamily="49" charset="0"/>
+              <a:cs typeface="Consolas" panose="020B0609020204030204" pitchFamily="49" charset="0"/>
+            </a:endParaRPr>
+          </a:p>
+        </p:txBody>
+      </p:sp>
+      <p:grpSp>
+        <p:nvGrpSpPr>
+          <p:cNvPr id="34" name="Group 33">
+            <a:extLst>
+              <a:ext uri="{FF2B5EF4-FFF2-40B4-BE49-F238E27FC236}">
+                <a16:creationId xmlns:a16="http://schemas.microsoft.com/office/drawing/2014/main" id="{CA3655B1-A3E3-90F7-85C5-9141A9B2E980}"/>
+              </a:ext>
+            </a:extLst>
+          </p:cNvPr>
+          <p:cNvGrpSpPr/>
+          <p:nvPr/>
+        </p:nvGrpSpPr>
+        <p:grpSpPr>
+          <a:xfrm>
+            <a:off x="3907873" y="3425938"/>
+            <a:ext cx="2113788" cy="518564"/>
+            <a:chOff x="2156460" y="3297006"/>
+            <a:chExt cx="2113788" cy="518564"/>
+          </a:xfrm>
+        </p:grpSpPr>
+        <p:sp>
+          <p:nvSpPr>
+            <p:cNvPr id="39" name="Rounded Rectangle 38">
+              <a:extLst>
+                <a:ext uri="{FF2B5EF4-FFF2-40B4-BE49-F238E27FC236}">
+                  <a16:creationId xmlns:a16="http://schemas.microsoft.com/office/drawing/2014/main" id="{B9F118BD-DF7C-C264-64CD-440AE875C9F8}"/>
+                </a:ext>
+              </a:extLst>
+            </p:cNvPr>
+            <p:cNvSpPr/>
+            <p:nvPr/>
+          </p:nvSpPr>
+          <p:spPr>
+            <a:xfrm>
+              <a:off x="2468118" y="3405412"/>
+              <a:ext cx="1490472" cy="284920"/>
+            </a:xfrm>
+            <a:prstGeom prst="roundRect">
+              <a:avLst/>
+            </a:prstGeom>
+            <a:solidFill>
+              <a:schemeClr val="bg1">
+                <a:lumMod val="85000"/>
+              </a:schemeClr>
+            </a:solidFill>
+          </p:spPr>
+          <p:style>
+            <a:lnRef idx="2">
+              <a:schemeClr val="accent1">
+                <a:shade val="15000"/>
+              </a:schemeClr>
+            </a:lnRef>
+            <a:fillRef idx="1">
+              <a:schemeClr val="accent1"/>
+            </a:fillRef>
+            <a:effectRef idx="0">
+              <a:schemeClr val="accent1"/>
+            </a:effectRef>
+            <a:fontRef idx="minor">
+              <a:schemeClr val="lt1"/>
+            </a:fontRef>
+          </p:style>
+          <p:txBody>
+            <a:bodyPr rtlCol="0" anchor="ctr"/>
+            <a:lstStyle/>
+            <a:p>
+              <a:pPr algn="ctr"/>
+              <a:r>
+                <a:rPr lang="en-US" dirty="0">
+                  <a:solidFill>
+                    <a:schemeClr val="bg2">
+                      <a:lumMod val="10000"/>
+                    </a:schemeClr>
+                  </a:solidFill>
+                  <a:latin typeface="Consolas" panose="020B0609020204030204" pitchFamily="49" charset="0"/>
+                  <a:cs typeface="Consolas" panose="020B0609020204030204" pitchFamily="49" charset="0"/>
+                </a:rPr>
+                <a:t>Children</a:t>
+              </a:r>
+            </a:p>
+          </p:txBody>
+        </p:sp>
+        <p:sp>
+          <p:nvSpPr>
+            <p:cNvPr id="40" name="Rounded Rectangle 39">
+              <a:extLst>
+                <a:ext uri="{FF2B5EF4-FFF2-40B4-BE49-F238E27FC236}">
+                  <a16:creationId xmlns:a16="http://schemas.microsoft.com/office/drawing/2014/main" id="{8219A2EE-DD47-BF7C-4264-2D944B1982E6}"/>
+                </a:ext>
+              </a:extLst>
+            </p:cNvPr>
+            <p:cNvSpPr/>
+            <p:nvPr/>
+          </p:nvSpPr>
+          <p:spPr>
+            <a:xfrm>
+              <a:off x="2156460" y="3297006"/>
+              <a:ext cx="501732" cy="501732"/>
+            </a:xfrm>
+            <a:prstGeom prst="roundRect">
+              <a:avLst/>
+            </a:prstGeom>
+            <a:solidFill>
+              <a:srgbClr val="F79ED1"/>
+            </a:solidFill>
+            <a:ln w="28575">
+              <a:solidFill>
+                <a:schemeClr val="bg2">
+                  <a:lumMod val="10000"/>
+                </a:schemeClr>
+              </a:solidFill>
+            </a:ln>
+          </p:spPr>
+          <p:style>
+            <a:lnRef idx="2">
+              <a:schemeClr val="accent1">
+                <a:shade val="15000"/>
+              </a:schemeClr>
+            </a:lnRef>
+            <a:fillRef idx="1">
+              <a:schemeClr val="accent1"/>
+            </a:fillRef>
+            <a:effectRef idx="0">
+              <a:schemeClr val="accent1"/>
+            </a:effectRef>
+            <a:fontRef idx="minor">
+              <a:schemeClr val="lt1"/>
+            </a:fontRef>
+          </p:style>
+          <p:txBody>
+            <a:bodyPr rtlCol="0" anchor="ctr"/>
+            <a:lstStyle/>
+            <a:p>
+              <a:pPr algn="ctr"/>
+              <a:r>
+                <a:rPr lang="en-US" sz="3200" dirty="0">
+                  <a:solidFill>
+                    <a:schemeClr val="bg2">
+                      <a:lumMod val="10000"/>
+                    </a:schemeClr>
+                  </a:solidFill>
+                  <a:latin typeface="Consolas" panose="020B0609020204030204" pitchFamily="49" charset="0"/>
+                  <a:cs typeface="Consolas" panose="020B0609020204030204" pitchFamily="49" charset="0"/>
+                </a:rPr>
+                <a:t>L</a:t>
+              </a:r>
+            </a:p>
+          </p:txBody>
+        </p:sp>
+        <p:sp>
+          <p:nvSpPr>
+            <p:cNvPr id="41" name="Rounded Rectangle 40">
+              <a:extLst>
+                <a:ext uri="{FF2B5EF4-FFF2-40B4-BE49-F238E27FC236}">
+                  <a16:creationId xmlns:a16="http://schemas.microsoft.com/office/drawing/2014/main" id="{C0113023-F23F-C591-A160-BF47E2BEF4AD}"/>
+                </a:ext>
+              </a:extLst>
+            </p:cNvPr>
+            <p:cNvSpPr/>
+            <p:nvPr/>
+          </p:nvSpPr>
+          <p:spPr>
+            <a:xfrm>
+              <a:off x="3768516" y="3313838"/>
+              <a:ext cx="501732" cy="501732"/>
+            </a:xfrm>
+            <a:prstGeom prst="roundRect">
+              <a:avLst/>
+            </a:prstGeom>
+            <a:solidFill>
+              <a:srgbClr val="F79ED1"/>
+            </a:solidFill>
+            <a:ln w="28575">
+              <a:solidFill>
+                <a:schemeClr val="bg2">
+                  <a:lumMod val="10000"/>
+                </a:schemeClr>
+              </a:solidFill>
+            </a:ln>
+          </p:spPr>
+          <p:style>
+            <a:lnRef idx="2">
+              <a:schemeClr val="accent1">
+                <a:shade val="15000"/>
+              </a:schemeClr>
+            </a:lnRef>
+            <a:fillRef idx="1">
+              <a:schemeClr val="accent1"/>
+            </a:fillRef>
+            <a:effectRef idx="0">
+              <a:schemeClr val="accent1"/>
+            </a:effectRef>
+            <a:fontRef idx="minor">
+              <a:schemeClr val="lt1"/>
+            </a:fontRef>
+          </p:style>
+          <p:txBody>
+            <a:bodyPr rtlCol="0" anchor="ctr"/>
+            <a:lstStyle/>
+            <a:p>
+              <a:pPr algn="ctr"/>
+              <a:r>
+                <a:rPr lang="en-US" sz="3200" dirty="0">
+                  <a:solidFill>
+                    <a:schemeClr val="bg2">
+                      <a:lumMod val="10000"/>
+                    </a:schemeClr>
+                  </a:solidFill>
+                  <a:latin typeface="Consolas" panose="020B0609020204030204" pitchFamily="49" charset="0"/>
+                  <a:cs typeface="Consolas" panose="020B0609020204030204" pitchFamily="49" charset="0"/>
+                </a:rPr>
+                <a:t>R</a:t>
+              </a:r>
+            </a:p>
+          </p:txBody>
+        </p:sp>
+      </p:grpSp>
+      <p:sp>
+        <p:nvSpPr>
+          <p:cNvPr id="43" name="Rounded Rectangle 42">
+            <a:extLst>
+              <a:ext uri="{FF2B5EF4-FFF2-40B4-BE49-F238E27FC236}">
+                <a16:creationId xmlns:a16="http://schemas.microsoft.com/office/drawing/2014/main" id="{C2CC7086-9013-4543-FE42-BC57319D1F42}"/>
+              </a:ext>
+            </a:extLst>
+          </p:cNvPr>
+          <p:cNvSpPr/>
+          <p:nvPr/>
+        </p:nvSpPr>
+        <p:spPr>
+          <a:xfrm>
+            <a:off x="1224347" y="2862844"/>
+            <a:ext cx="1709167" cy="827520"/>
+          </a:xfrm>
+          <a:prstGeom prst="roundRect">
+            <a:avLst/>
+          </a:prstGeom>
+          <a:solidFill>
+            <a:schemeClr val="accent2">
+              <a:lumMod val="40000"/>
+              <a:lumOff val="60000"/>
+            </a:schemeClr>
+          </a:solidFill>
+        </p:spPr>
+        <p:style>
+          <a:lnRef idx="2">
+            <a:schemeClr val="accent1">
+              <a:shade val="15000"/>
+            </a:schemeClr>
+          </a:lnRef>
+          <a:fillRef idx="1">
+            <a:schemeClr val="accent1"/>
+          </a:fillRef>
+          <a:effectRef idx="0">
+            <a:schemeClr val="accent1"/>
+          </a:effectRef>
+          <a:fontRef idx="minor">
+            <a:schemeClr val="lt1"/>
+          </a:fontRef>
+        </p:style>
+        <p:txBody>
+          <a:bodyPr rtlCol="0" anchor="ctr"/>
+          <a:lstStyle/>
+          <a:p>
+            <a:pPr algn="ctr"/>
+            <a:r>
+              <a:rPr lang="en-US" dirty="0">
+                <a:solidFill>
+                  <a:schemeClr val="bg2">
+                    <a:lumMod val="10000"/>
+                  </a:schemeClr>
+                </a:solidFill>
+                <a:latin typeface="Consolas" panose="020B0609020204030204" pitchFamily="49" charset="0"/>
+                <a:cs typeface="Consolas" panose="020B0609020204030204" pitchFamily="49" charset="0"/>
+              </a:rPr>
+              <a:t>INTEGER</a:t>
+            </a:r>
+          </a:p>
+        </p:txBody>
+      </p:sp>
+      <p:sp>
+        <p:nvSpPr>
+          <p:cNvPr id="44" name="Rounded Rectangle 43">
+            <a:extLst>
+              <a:ext uri="{FF2B5EF4-FFF2-40B4-BE49-F238E27FC236}">
+                <a16:creationId xmlns:a16="http://schemas.microsoft.com/office/drawing/2014/main" id="{C37F6742-3B34-F16E-5AE5-24B9D3D856AA}"/>
+              </a:ext>
+            </a:extLst>
+          </p:cNvPr>
+          <p:cNvSpPr/>
+          <p:nvPr/>
+        </p:nvSpPr>
+        <p:spPr>
+          <a:xfrm>
+            <a:off x="1718930" y="2396814"/>
+            <a:ext cx="720000" cy="720000"/>
+          </a:xfrm>
+          <a:prstGeom prst="roundRect">
+            <a:avLst/>
+          </a:prstGeom>
+          <a:solidFill>
+            <a:schemeClr val="accent4">
+              <a:lumMod val="60000"/>
+              <a:lumOff val="40000"/>
+            </a:schemeClr>
+          </a:solidFill>
+          <a:ln w="28575">
+            <a:solidFill>
+              <a:schemeClr val="bg2">
+                <a:lumMod val="10000"/>
+              </a:schemeClr>
+            </a:solidFill>
+          </a:ln>
+        </p:spPr>
+        <p:style>
+          <a:lnRef idx="2">
+            <a:schemeClr val="accent1">
+              <a:shade val="15000"/>
+            </a:schemeClr>
+          </a:lnRef>
+          <a:fillRef idx="1">
+            <a:schemeClr val="accent1"/>
+          </a:fillRef>
+          <a:effectRef idx="0">
+            <a:schemeClr val="accent1"/>
+          </a:effectRef>
+          <a:fontRef idx="minor">
+            <a:schemeClr val="lt1"/>
+          </a:fontRef>
+        </p:style>
+        <p:txBody>
+          <a:bodyPr rtlCol="0" anchor="ctr"/>
+          <a:lstStyle/>
+          <a:p>
+            <a:pPr algn="ctr"/>
+            <a:r>
+              <a:rPr lang="en-GB" sz="5400" b="1" i="0" dirty="0">
+                <a:solidFill>
+                  <a:schemeClr val="bg2">
+                    <a:lumMod val="10000"/>
+                  </a:schemeClr>
+                </a:solidFill>
+                <a:effectLst/>
+                <a:latin typeface="arial" panose="020B0604020202020204" pitchFamily="34" charset="0"/>
+              </a:rPr>
+              <a:t>𝑥</a:t>
+            </a:r>
+            <a:endParaRPr lang="en-US" sz="2800" dirty="0">
+              <a:solidFill>
+                <a:schemeClr val="bg2">
+                  <a:lumMod val="10000"/>
+                </a:schemeClr>
+              </a:solidFill>
+              <a:latin typeface="Consolas" panose="020B0609020204030204" pitchFamily="49" charset="0"/>
+              <a:cs typeface="Consolas" panose="020B0609020204030204" pitchFamily="49" charset="0"/>
+            </a:endParaRPr>
+          </a:p>
+        </p:txBody>
+      </p:sp>
+      <p:grpSp>
+        <p:nvGrpSpPr>
+          <p:cNvPr id="45" name="Group 44">
+            <a:extLst>
+              <a:ext uri="{FF2B5EF4-FFF2-40B4-BE49-F238E27FC236}">
+                <a16:creationId xmlns:a16="http://schemas.microsoft.com/office/drawing/2014/main" id="{51CA7DE0-D3E9-D580-59A3-09D6B6B690A1}"/>
+              </a:ext>
+            </a:extLst>
+          </p:cNvPr>
+          <p:cNvGrpSpPr/>
+          <p:nvPr/>
+        </p:nvGrpSpPr>
+        <p:grpSpPr>
+          <a:xfrm>
+            <a:off x="1428097" y="3439498"/>
+            <a:ext cx="1301666" cy="501732"/>
+            <a:chOff x="3110438" y="3297006"/>
+            <a:chExt cx="1301666" cy="501732"/>
+          </a:xfrm>
+        </p:grpSpPr>
+        <p:sp>
+          <p:nvSpPr>
+            <p:cNvPr id="46" name="Rounded Rectangle 45">
+              <a:extLst>
+                <a:ext uri="{FF2B5EF4-FFF2-40B4-BE49-F238E27FC236}">
+                  <a16:creationId xmlns:a16="http://schemas.microsoft.com/office/drawing/2014/main" id="{CC55BDD5-E9A7-61A5-CBCC-E1257C3D9744}"/>
+                </a:ext>
+              </a:extLst>
+            </p:cNvPr>
+            <p:cNvSpPr/>
+            <p:nvPr/>
+          </p:nvSpPr>
+          <p:spPr>
+            <a:xfrm>
+              <a:off x="3110438" y="3405412"/>
+              <a:ext cx="848152" cy="284920"/>
+            </a:xfrm>
+            <a:prstGeom prst="roundRect">
+              <a:avLst/>
+            </a:prstGeom>
+            <a:solidFill>
+              <a:schemeClr val="bg1">
+                <a:lumMod val="85000"/>
+              </a:schemeClr>
+            </a:solidFill>
+          </p:spPr>
+          <p:style>
+            <a:lnRef idx="2">
+              <a:schemeClr val="accent1">
+                <a:shade val="15000"/>
+              </a:schemeClr>
+            </a:lnRef>
+            <a:fillRef idx="1">
+              <a:schemeClr val="accent1"/>
+            </a:fillRef>
+            <a:effectRef idx="0">
+              <a:schemeClr val="accent1"/>
+            </a:effectRef>
+            <a:fontRef idx="minor">
+              <a:schemeClr val="lt1"/>
+            </a:fontRef>
+          </p:style>
+          <p:txBody>
+            <a:bodyPr rtlCol="0" anchor="ctr"/>
+            <a:lstStyle/>
+            <a:p>
+              <a:pPr algn="ctr"/>
+              <a:r>
+                <a:rPr lang="en-US" dirty="0">
+                  <a:solidFill>
+                    <a:schemeClr val="bg2">
+                      <a:lumMod val="10000"/>
+                    </a:schemeClr>
+                  </a:solidFill>
+                  <a:latin typeface="Consolas" panose="020B0609020204030204" pitchFamily="49" charset="0"/>
+                  <a:cs typeface="Consolas" panose="020B0609020204030204" pitchFamily="49" charset="0"/>
+                </a:rPr>
+                <a:t>Value</a:t>
+              </a:r>
+            </a:p>
+          </p:txBody>
+        </p:sp>
+        <p:sp>
+          <p:nvSpPr>
+            <p:cNvPr id="48" name="Rounded Rectangle 47">
+              <a:extLst>
+                <a:ext uri="{FF2B5EF4-FFF2-40B4-BE49-F238E27FC236}">
+                  <a16:creationId xmlns:a16="http://schemas.microsoft.com/office/drawing/2014/main" id="{F6FFE1E6-D605-230B-9F97-B3A51FAF2CA1}"/>
+                </a:ext>
+              </a:extLst>
+            </p:cNvPr>
+            <p:cNvSpPr/>
+            <p:nvPr/>
+          </p:nvSpPr>
+          <p:spPr>
+            <a:xfrm>
+              <a:off x="3910372" y="3297006"/>
+              <a:ext cx="501732" cy="501732"/>
+            </a:xfrm>
+            <a:prstGeom prst="roundRect">
+              <a:avLst/>
+            </a:prstGeom>
+            <a:solidFill>
+              <a:srgbClr val="F79ED1"/>
+            </a:solidFill>
+            <a:ln w="28575">
+              <a:solidFill>
+                <a:schemeClr val="bg2">
+                  <a:lumMod val="10000"/>
+                </a:schemeClr>
+              </a:solidFill>
+            </a:ln>
+          </p:spPr>
+          <p:style>
+            <a:lnRef idx="2">
+              <a:schemeClr val="accent1">
+                <a:shade val="15000"/>
+              </a:schemeClr>
+            </a:lnRef>
+            <a:fillRef idx="1">
+              <a:schemeClr val="accent1"/>
+            </a:fillRef>
+            <a:effectRef idx="0">
+              <a:schemeClr val="accent1"/>
+            </a:effectRef>
+            <a:fontRef idx="minor">
+              <a:schemeClr val="lt1"/>
+            </a:fontRef>
+          </p:style>
+          <p:txBody>
+            <a:bodyPr rtlCol="0" anchor="ctr"/>
+            <a:lstStyle/>
+            <a:p>
+              <a:pPr algn="ctr"/>
+              <a:r>
+                <a:rPr lang="en-US" sz="3200" dirty="0">
+                  <a:solidFill>
+                    <a:schemeClr val="bg2">
+                      <a:lumMod val="10000"/>
+                    </a:schemeClr>
+                  </a:solidFill>
+                  <a:latin typeface="Consolas" panose="020B0609020204030204" pitchFamily="49" charset="0"/>
+                  <a:cs typeface="Consolas" panose="020B0609020204030204" pitchFamily="49" charset="0"/>
+                </a:rPr>
+                <a:t>4</a:t>
+              </a:r>
+            </a:p>
+          </p:txBody>
+        </p:sp>
+      </p:grpSp>
+      <p:sp>
+        <p:nvSpPr>
+          <p:cNvPr id="77" name="Bent Arrow 76">
+            <a:extLst>
+              <a:ext uri="{FF2B5EF4-FFF2-40B4-BE49-F238E27FC236}">
+                <a16:creationId xmlns:a16="http://schemas.microsoft.com/office/drawing/2014/main" id="{71132F1F-F118-B374-E846-AB193B328970}"/>
+              </a:ext>
+            </a:extLst>
+          </p:cNvPr>
+          <p:cNvSpPr/>
+          <p:nvPr/>
+        </p:nvSpPr>
+        <p:spPr>
+          <a:xfrm rot="16200000" flipH="1">
+            <a:off x="1955494" y="1938009"/>
+            <a:ext cx="501733" cy="501732"/>
+          </a:xfrm>
+          <a:prstGeom prst="bentArrow">
+            <a:avLst/>
+          </a:prstGeom>
+          <a:solidFill>
+            <a:schemeClr val="accent5"/>
+          </a:solidFill>
+          <a:ln w="28575"/>
+        </p:spPr>
+        <p:style>
+          <a:lnRef idx="2">
+            <a:schemeClr val="accent1">
+              <a:shade val="15000"/>
+            </a:schemeClr>
+          </a:lnRef>
+          <a:fillRef idx="1">
+            <a:schemeClr val="accent1"/>
+          </a:fillRef>
+          <a:effectRef idx="0">
+            <a:schemeClr val="accent1"/>
+          </a:effectRef>
+          <a:fontRef idx="minor">
+            <a:schemeClr val="lt1"/>
+          </a:fontRef>
+        </p:style>
+        <p:txBody>
+          <a:bodyPr rtlCol="0" anchor="ctr"/>
+          <a:lstStyle/>
+          <a:p>
+            <a:pPr algn="ctr"/>
+            <a:endParaRPr lang="en-US">
+              <a:solidFill>
+                <a:schemeClr val="tx1"/>
+              </a:solidFill>
+            </a:endParaRPr>
+          </a:p>
+        </p:txBody>
+      </p:sp>
+      <p:sp>
+        <p:nvSpPr>
+          <p:cNvPr id="78" name="Bent Arrow 77">
+            <a:extLst>
+              <a:ext uri="{FF2B5EF4-FFF2-40B4-BE49-F238E27FC236}">
+                <a16:creationId xmlns:a16="http://schemas.microsoft.com/office/drawing/2014/main" id="{4DDE7B00-6B40-4089-C0C2-824CC5054A28}"/>
+              </a:ext>
+            </a:extLst>
+          </p:cNvPr>
+          <p:cNvSpPr/>
+          <p:nvPr/>
+        </p:nvSpPr>
+        <p:spPr>
+          <a:xfrm rot="16200000" flipH="1" flipV="1">
+            <a:off x="4579864" y="1931218"/>
+            <a:ext cx="501733" cy="504000"/>
+          </a:xfrm>
+          <a:prstGeom prst="bentArrow">
+            <a:avLst/>
+          </a:prstGeom>
+          <a:solidFill>
+            <a:schemeClr val="accent5"/>
+          </a:solidFill>
+          <a:ln w="28575"/>
+        </p:spPr>
+        <p:style>
+          <a:lnRef idx="2">
+            <a:schemeClr val="accent1">
+              <a:shade val="15000"/>
+            </a:schemeClr>
+          </a:lnRef>
+          <a:fillRef idx="1">
+            <a:schemeClr val="accent1"/>
+          </a:fillRef>
+          <a:effectRef idx="0">
+            <a:schemeClr val="accent1"/>
+          </a:effectRef>
+          <a:fontRef idx="minor">
+            <a:schemeClr val="lt1"/>
+          </a:fontRef>
+        </p:style>
+        <p:txBody>
+          <a:bodyPr rtlCol="0" anchor="ctr"/>
+          <a:lstStyle/>
+          <a:p>
+            <a:pPr algn="ctr"/>
+            <a:endParaRPr lang="en-US">
+              <a:solidFill>
+                <a:schemeClr val="tx1"/>
+              </a:solidFill>
+            </a:endParaRPr>
+          </a:p>
+        </p:txBody>
+      </p:sp>
+      <p:sp>
+        <p:nvSpPr>
+          <p:cNvPr id="79" name="Rounded Rectangle 78">
+            <a:extLst>
+              <a:ext uri="{FF2B5EF4-FFF2-40B4-BE49-F238E27FC236}">
+                <a16:creationId xmlns:a16="http://schemas.microsoft.com/office/drawing/2014/main" id="{D5B51C3B-6B8B-F80B-A05A-EC2292153936}"/>
+              </a:ext>
+            </a:extLst>
+          </p:cNvPr>
+          <p:cNvSpPr/>
+          <p:nvPr/>
+        </p:nvSpPr>
+        <p:spPr>
+          <a:xfrm>
+            <a:off x="2665969" y="4534323"/>
+            <a:ext cx="1709167" cy="827520"/>
+          </a:xfrm>
+          <a:prstGeom prst="roundRect">
+            <a:avLst/>
+          </a:prstGeom>
+          <a:solidFill>
+            <a:schemeClr val="accent2">
+              <a:lumMod val="40000"/>
+              <a:lumOff val="60000"/>
+            </a:schemeClr>
+          </a:solidFill>
+        </p:spPr>
+        <p:style>
+          <a:lnRef idx="2">
+            <a:schemeClr val="accent1">
+              <a:shade val="15000"/>
+            </a:schemeClr>
+          </a:lnRef>
+          <a:fillRef idx="1">
+            <a:schemeClr val="accent1"/>
+          </a:fillRef>
+          <a:effectRef idx="0">
+            <a:schemeClr val="accent1"/>
+          </a:effectRef>
+          <a:fontRef idx="minor">
+            <a:schemeClr val="lt1"/>
+          </a:fontRef>
+        </p:style>
+        <p:txBody>
+          <a:bodyPr rtlCol="0" anchor="ctr"/>
+          <a:lstStyle/>
+          <a:p>
+            <a:pPr algn="ctr"/>
+            <a:r>
+              <a:rPr lang="en-US" dirty="0">
+                <a:solidFill>
+                  <a:schemeClr val="bg2">
+                    <a:lumMod val="10000"/>
+                  </a:schemeClr>
+                </a:solidFill>
+                <a:latin typeface="Consolas" panose="020B0609020204030204" pitchFamily="49" charset="0"/>
+                <a:cs typeface="Consolas" panose="020B0609020204030204" pitchFamily="49" charset="0"/>
+              </a:rPr>
+              <a:t>INTEGER</a:t>
+            </a:r>
+          </a:p>
+        </p:txBody>
+      </p:sp>
+      <p:sp>
+        <p:nvSpPr>
+          <p:cNvPr id="80" name="Rounded Rectangle 79">
+            <a:extLst>
+              <a:ext uri="{FF2B5EF4-FFF2-40B4-BE49-F238E27FC236}">
+                <a16:creationId xmlns:a16="http://schemas.microsoft.com/office/drawing/2014/main" id="{93E62EFB-E2E2-0B60-D19F-043FC9C0BB5F}"/>
+              </a:ext>
+            </a:extLst>
+          </p:cNvPr>
+          <p:cNvSpPr/>
+          <p:nvPr/>
+        </p:nvSpPr>
+        <p:spPr>
+          <a:xfrm>
+            <a:off x="3160552" y="4068293"/>
+            <a:ext cx="720000" cy="720000"/>
+          </a:xfrm>
+          <a:prstGeom prst="roundRect">
+            <a:avLst/>
+          </a:prstGeom>
+          <a:solidFill>
+            <a:schemeClr val="accent4">
+              <a:lumMod val="60000"/>
+              <a:lumOff val="40000"/>
+            </a:schemeClr>
+          </a:solidFill>
+          <a:ln w="28575">
+            <a:solidFill>
+              <a:schemeClr val="bg2">
+                <a:lumMod val="10000"/>
+              </a:schemeClr>
+            </a:solidFill>
+          </a:ln>
+        </p:spPr>
+        <p:style>
+          <a:lnRef idx="2">
+            <a:schemeClr val="accent1">
+              <a:shade val="15000"/>
+            </a:schemeClr>
+          </a:lnRef>
+          <a:fillRef idx="1">
+            <a:schemeClr val="accent1"/>
+          </a:fillRef>
+          <a:effectRef idx="0">
+            <a:schemeClr val="accent1"/>
+          </a:effectRef>
+          <a:fontRef idx="minor">
+            <a:schemeClr val="lt1"/>
+          </a:fontRef>
+        </p:style>
+        <p:txBody>
+          <a:bodyPr rtlCol="0" anchor="ctr"/>
+          <a:lstStyle/>
+          <a:p>
+            <a:pPr algn="ctr"/>
+            <a:r>
+              <a:rPr lang="en-GB" sz="5400" b="1" i="0" dirty="0">
+                <a:solidFill>
+                  <a:schemeClr val="bg2">
+                    <a:lumMod val="10000"/>
+                  </a:schemeClr>
+                </a:solidFill>
+                <a:effectLst/>
+                <a:latin typeface="arial" panose="020B0604020202020204" pitchFamily="34" charset="0"/>
+              </a:rPr>
+              <a:t>𝑥</a:t>
+            </a:r>
+            <a:endParaRPr lang="en-US" sz="2800" dirty="0">
+              <a:solidFill>
+                <a:schemeClr val="bg2">
+                  <a:lumMod val="10000"/>
+                </a:schemeClr>
+              </a:solidFill>
+              <a:latin typeface="Consolas" panose="020B0609020204030204" pitchFamily="49" charset="0"/>
+              <a:cs typeface="Consolas" panose="020B0609020204030204" pitchFamily="49" charset="0"/>
+            </a:endParaRPr>
+          </a:p>
+        </p:txBody>
+      </p:sp>
+      <p:grpSp>
+        <p:nvGrpSpPr>
+          <p:cNvPr id="81" name="Group 80">
+            <a:extLst>
+              <a:ext uri="{FF2B5EF4-FFF2-40B4-BE49-F238E27FC236}">
+                <a16:creationId xmlns:a16="http://schemas.microsoft.com/office/drawing/2014/main" id="{958BEA03-D0F2-3B2D-9F72-4954A42D0B3C}"/>
+              </a:ext>
+            </a:extLst>
+          </p:cNvPr>
+          <p:cNvGrpSpPr/>
+          <p:nvPr/>
+        </p:nvGrpSpPr>
+        <p:grpSpPr>
+          <a:xfrm>
+            <a:off x="2869719" y="5110977"/>
+            <a:ext cx="1301666" cy="501732"/>
+            <a:chOff x="3110438" y="3297006"/>
+            <a:chExt cx="1301666" cy="501732"/>
+          </a:xfrm>
+        </p:grpSpPr>
+        <p:sp>
+          <p:nvSpPr>
+            <p:cNvPr id="82" name="Rounded Rectangle 81">
+              <a:extLst>
+                <a:ext uri="{FF2B5EF4-FFF2-40B4-BE49-F238E27FC236}">
+                  <a16:creationId xmlns:a16="http://schemas.microsoft.com/office/drawing/2014/main" id="{B9600DAF-2458-119C-6048-580F2F2C0C31}"/>
+                </a:ext>
+              </a:extLst>
+            </p:cNvPr>
+            <p:cNvSpPr/>
+            <p:nvPr/>
+          </p:nvSpPr>
+          <p:spPr>
+            <a:xfrm>
+              <a:off x="3110438" y="3405412"/>
+              <a:ext cx="848152" cy="284920"/>
+            </a:xfrm>
+            <a:prstGeom prst="roundRect">
+              <a:avLst/>
+            </a:prstGeom>
+            <a:solidFill>
+              <a:schemeClr val="bg1">
+                <a:lumMod val="85000"/>
+              </a:schemeClr>
+            </a:solidFill>
+          </p:spPr>
+          <p:style>
+            <a:lnRef idx="2">
+              <a:schemeClr val="accent1">
+                <a:shade val="15000"/>
+              </a:schemeClr>
+            </a:lnRef>
+            <a:fillRef idx="1">
+              <a:schemeClr val="accent1"/>
+            </a:fillRef>
+            <a:effectRef idx="0">
+              <a:schemeClr val="accent1"/>
+            </a:effectRef>
+            <a:fontRef idx="minor">
+              <a:schemeClr val="lt1"/>
+            </a:fontRef>
+          </p:style>
+          <p:txBody>
+            <a:bodyPr rtlCol="0" anchor="ctr"/>
+            <a:lstStyle/>
+            <a:p>
+              <a:pPr algn="ctr"/>
+              <a:r>
+                <a:rPr lang="en-US" dirty="0">
+                  <a:solidFill>
+                    <a:schemeClr val="bg2">
+                      <a:lumMod val="10000"/>
+                    </a:schemeClr>
+                  </a:solidFill>
+                  <a:latin typeface="Consolas" panose="020B0609020204030204" pitchFamily="49" charset="0"/>
+                  <a:cs typeface="Consolas" panose="020B0609020204030204" pitchFamily="49" charset="0"/>
+                </a:rPr>
+                <a:t>Value</a:t>
+              </a:r>
+            </a:p>
+          </p:txBody>
+        </p:sp>
+        <p:sp>
+          <p:nvSpPr>
+            <p:cNvPr id="83" name="Rounded Rectangle 82">
+              <a:extLst>
+                <a:ext uri="{FF2B5EF4-FFF2-40B4-BE49-F238E27FC236}">
+                  <a16:creationId xmlns:a16="http://schemas.microsoft.com/office/drawing/2014/main" id="{3544DB4B-A76E-C622-7A27-D46848896D0B}"/>
+                </a:ext>
+              </a:extLst>
+            </p:cNvPr>
+            <p:cNvSpPr/>
+            <p:nvPr/>
+          </p:nvSpPr>
+          <p:spPr>
+            <a:xfrm>
+              <a:off x="3910372" y="3297006"/>
+              <a:ext cx="501732" cy="501732"/>
+            </a:xfrm>
+            <a:prstGeom prst="roundRect">
+              <a:avLst/>
+            </a:prstGeom>
+            <a:solidFill>
+              <a:srgbClr val="F79ED1"/>
+            </a:solidFill>
+            <a:ln w="28575">
+              <a:solidFill>
+                <a:schemeClr val="bg2">
+                  <a:lumMod val="10000"/>
+                </a:schemeClr>
+              </a:solidFill>
+            </a:ln>
+          </p:spPr>
+          <p:style>
+            <a:lnRef idx="2">
+              <a:schemeClr val="accent1">
+                <a:shade val="15000"/>
+              </a:schemeClr>
+            </a:lnRef>
+            <a:fillRef idx="1">
+              <a:schemeClr val="accent1"/>
+            </a:fillRef>
+            <a:effectRef idx="0">
+              <a:schemeClr val="accent1"/>
+            </a:effectRef>
+            <a:fontRef idx="minor">
+              <a:schemeClr val="lt1"/>
+            </a:fontRef>
+          </p:style>
+          <p:txBody>
+            <a:bodyPr rtlCol="0" anchor="ctr"/>
+            <a:lstStyle/>
+            <a:p>
+              <a:pPr algn="ctr"/>
+              <a:r>
+                <a:rPr lang="en-US" sz="3200" dirty="0">
+                  <a:solidFill>
+                    <a:schemeClr val="bg2">
+                      <a:lumMod val="10000"/>
+                    </a:schemeClr>
+                  </a:solidFill>
+                  <a:latin typeface="Consolas" panose="020B0609020204030204" pitchFamily="49" charset="0"/>
+                  <a:cs typeface="Consolas" panose="020B0609020204030204" pitchFamily="49" charset="0"/>
+                </a:rPr>
+                <a:t>2</a:t>
+              </a:r>
+            </a:p>
+          </p:txBody>
+        </p:sp>
+      </p:grpSp>
+      <p:sp>
+        <p:nvSpPr>
+          <p:cNvPr id="84" name="Bent Arrow 83">
+            <a:extLst>
+              <a:ext uri="{FF2B5EF4-FFF2-40B4-BE49-F238E27FC236}">
+                <a16:creationId xmlns:a16="http://schemas.microsoft.com/office/drawing/2014/main" id="{BB98CFEF-2CE3-56C1-802A-EB5B09AED286}"/>
+              </a:ext>
+            </a:extLst>
+          </p:cNvPr>
+          <p:cNvSpPr/>
+          <p:nvPr/>
+        </p:nvSpPr>
+        <p:spPr>
+          <a:xfrm rot="16200000" flipH="1">
+            <a:off x="3397116" y="3609488"/>
+            <a:ext cx="501733" cy="501732"/>
+          </a:xfrm>
+          <a:prstGeom prst="bentArrow">
+            <a:avLst/>
+          </a:prstGeom>
+          <a:solidFill>
+            <a:schemeClr val="accent5"/>
+          </a:solidFill>
+          <a:ln w="28575"/>
+        </p:spPr>
+        <p:style>
+          <a:lnRef idx="2">
+            <a:schemeClr val="accent1">
+              <a:shade val="15000"/>
+            </a:schemeClr>
+          </a:lnRef>
+          <a:fillRef idx="1">
+            <a:schemeClr val="accent1"/>
+          </a:fillRef>
+          <a:effectRef idx="0">
+            <a:schemeClr val="accent1"/>
+          </a:effectRef>
+          <a:fontRef idx="minor">
+            <a:schemeClr val="lt1"/>
+          </a:fontRef>
+        </p:style>
+        <p:txBody>
+          <a:bodyPr rtlCol="0" anchor="ctr"/>
+          <a:lstStyle/>
+          <a:p>
+            <a:pPr algn="ctr"/>
+            <a:endParaRPr lang="en-US">
+              <a:solidFill>
+                <a:schemeClr val="tx1"/>
+              </a:solidFill>
+            </a:endParaRPr>
+          </a:p>
+        </p:txBody>
+      </p:sp>
+      <p:sp>
+        <p:nvSpPr>
+          <p:cNvPr id="85" name="Rounded Rectangle 84">
+            <a:extLst>
+              <a:ext uri="{FF2B5EF4-FFF2-40B4-BE49-F238E27FC236}">
+                <a16:creationId xmlns:a16="http://schemas.microsoft.com/office/drawing/2014/main" id="{74D13F88-D26C-F32F-AB2A-5CC37348D141}"/>
+              </a:ext>
+            </a:extLst>
+          </p:cNvPr>
+          <p:cNvSpPr/>
+          <p:nvPr/>
+        </p:nvSpPr>
+        <p:spPr>
+          <a:xfrm>
+            <a:off x="5558029" y="4538252"/>
+            <a:ext cx="1709167" cy="827520"/>
+          </a:xfrm>
+          <a:prstGeom prst="roundRect">
+            <a:avLst/>
+          </a:prstGeom>
+          <a:solidFill>
+            <a:schemeClr val="accent2">
+              <a:lumMod val="40000"/>
+              <a:lumOff val="60000"/>
+            </a:schemeClr>
+          </a:solidFill>
+        </p:spPr>
+        <p:style>
+          <a:lnRef idx="2">
+            <a:schemeClr val="accent1">
+              <a:shade val="15000"/>
+            </a:schemeClr>
+          </a:lnRef>
+          <a:fillRef idx="1">
+            <a:schemeClr val="accent1"/>
+          </a:fillRef>
+          <a:effectRef idx="0">
+            <a:schemeClr val="accent1"/>
+          </a:effectRef>
+          <a:fontRef idx="minor">
+            <a:schemeClr val="lt1"/>
+          </a:fontRef>
+        </p:style>
+        <p:txBody>
+          <a:bodyPr rtlCol="0" anchor="ctr"/>
+          <a:lstStyle/>
+          <a:p>
+            <a:pPr algn="ctr"/>
+            <a:r>
+              <a:rPr lang="en-US" dirty="0">
+                <a:solidFill>
+                  <a:schemeClr val="bg2">
+                    <a:lumMod val="10000"/>
+                  </a:schemeClr>
+                </a:solidFill>
+                <a:latin typeface="Consolas" panose="020B0609020204030204" pitchFamily="49" charset="0"/>
+                <a:cs typeface="Consolas" panose="020B0609020204030204" pitchFamily="49" charset="0"/>
+              </a:rPr>
+              <a:t>INTEGER</a:t>
+            </a:r>
+          </a:p>
+        </p:txBody>
+      </p:sp>
+      <p:sp>
+        <p:nvSpPr>
+          <p:cNvPr id="86" name="Rounded Rectangle 85">
+            <a:extLst>
+              <a:ext uri="{FF2B5EF4-FFF2-40B4-BE49-F238E27FC236}">
+                <a16:creationId xmlns:a16="http://schemas.microsoft.com/office/drawing/2014/main" id="{7A3F4B4B-8656-043A-F20B-D64C3C2F9C74}"/>
+              </a:ext>
+            </a:extLst>
+          </p:cNvPr>
+          <p:cNvSpPr/>
+          <p:nvPr/>
+        </p:nvSpPr>
+        <p:spPr>
+          <a:xfrm>
+            <a:off x="6052612" y="4072222"/>
+            <a:ext cx="720000" cy="720000"/>
+          </a:xfrm>
+          <a:prstGeom prst="roundRect">
+            <a:avLst/>
+          </a:prstGeom>
+          <a:solidFill>
+            <a:schemeClr val="accent4">
+              <a:lumMod val="60000"/>
+              <a:lumOff val="40000"/>
+            </a:schemeClr>
+          </a:solidFill>
+          <a:ln w="28575">
+            <a:solidFill>
+              <a:schemeClr val="bg2">
+                <a:lumMod val="10000"/>
+              </a:schemeClr>
+            </a:solidFill>
+          </a:ln>
+        </p:spPr>
+        <p:style>
+          <a:lnRef idx="2">
+            <a:schemeClr val="accent1">
+              <a:shade val="15000"/>
+            </a:schemeClr>
+          </a:lnRef>
+          <a:fillRef idx="1">
+            <a:schemeClr val="accent1"/>
+          </a:fillRef>
+          <a:effectRef idx="0">
+            <a:schemeClr val="accent1"/>
+          </a:effectRef>
+          <a:fontRef idx="minor">
+            <a:schemeClr val="lt1"/>
+          </a:fontRef>
+        </p:style>
+        <p:txBody>
+          <a:bodyPr rtlCol="0" anchor="ctr"/>
+          <a:lstStyle/>
+          <a:p>
+            <a:pPr algn="ctr"/>
+            <a:r>
+              <a:rPr lang="en-GB" sz="5400" b="1" i="0" dirty="0">
+                <a:solidFill>
+                  <a:schemeClr val="bg2">
+                    <a:lumMod val="10000"/>
+                  </a:schemeClr>
+                </a:solidFill>
+                <a:effectLst/>
+                <a:latin typeface="arial" panose="020B0604020202020204" pitchFamily="34" charset="0"/>
+              </a:rPr>
+              <a:t>𝑥</a:t>
+            </a:r>
+            <a:endParaRPr lang="en-US" sz="2800" dirty="0">
+              <a:solidFill>
+                <a:schemeClr val="bg2">
+                  <a:lumMod val="10000"/>
+                </a:schemeClr>
+              </a:solidFill>
+              <a:latin typeface="Consolas" panose="020B0609020204030204" pitchFamily="49" charset="0"/>
+              <a:cs typeface="Consolas" panose="020B0609020204030204" pitchFamily="49" charset="0"/>
+            </a:endParaRPr>
+          </a:p>
+        </p:txBody>
+      </p:sp>
+      <p:grpSp>
+        <p:nvGrpSpPr>
+          <p:cNvPr id="87" name="Group 86">
+            <a:extLst>
+              <a:ext uri="{FF2B5EF4-FFF2-40B4-BE49-F238E27FC236}">
+                <a16:creationId xmlns:a16="http://schemas.microsoft.com/office/drawing/2014/main" id="{BDD072F0-42E6-E9ED-F5E8-D2C67142FEFA}"/>
+              </a:ext>
+            </a:extLst>
+          </p:cNvPr>
+          <p:cNvGrpSpPr/>
+          <p:nvPr/>
+        </p:nvGrpSpPr>
+        <p:grpSpPr>
+          <a:xfrm>
+            <a:off x="5761779" y="5114906"/>
+            <a:ext cx="1301666" cy="501732"/>
+            <a:chOff x="3110438" y="3297006"/>
+            <a:chExt cx="1301666" cy="501732"/>
+          </a:xfrm>
+        </p:grpSpPr>
+        <p:sp>
+          <p:nvSpPr>
+            <p:cNvPr id="88" name="Rounded Rectangle 87">
+              <a:extLst>
+                <a:ext uri="{FF2B5EF4-FFF2-40B4-BE49-F238E27FC236}">
+                  <a16:creationId xmlns:a16="http://schemas.microsoft.com/office/drawing/2014/main" id="{66F98A37-6417-C0C8-3E02-05DA24E3F821}"/>
+                </a:ext>
+              </a:extLst>
+            </p:cNvPr>
+            <p:cNvSpPr/>
+            <p:nvPr/>
+          </p:nvSpPr>
+          <p:spPr>
+            <a:xfrm>
+              <a:off x="3110438" y="3405412"/>
+              <a:ext cx="848152" cy="284920"/>
+            </a:xfrm>
+            <a:prstGeom prst="roundRect">
+              <a:avLst/>
+            </a:prstGeom>
+            <a:solidFill>
+              <a:schemeClr val="bg1">
+                <a:lumMod val="85000"/>
+              </a:schemeClr>
+            </a:solidFill>
+          </p:spPr>
+          <p:style>
+            <a:lnRef idx="2">
+              <a:schemeClr val="accent1">
+                <a:shade val="15000"/>
+              </a:schemeClr>
+            </a:lnRef>
+            <a:fillRef idx="1">
+              <a:schemeClr val="accent1"/>
+            </a:fillRef>
+            <a:effectRef idx="0">
+              <a:schemeClr val="accent1"/>
+            </a:effectRef>
+            <a:fontRef idx="minor">
+              <a:schemeClr val="lt1"/>
+            </a:fontRef>
+          </p:style>
+          <p:txBody>
+            <a:bodyPr rtlCol="0" anchor="ctr"/>
+            <a:lstStyle/>
+            <a:p>
+              <a:pPr algn="ctr"/>
+              <a:r>
+                <a:rPr lang="en-US" dirty="0">
+                  <a:solidFill>
+                    <a:schemeClr val="bg2">
+                      <a:lumMod val="10000"/>
+                    </a:schemeClr>
+                  </a:solidFill>
+                  <a:latin typeface="Consolas" panose="020B0609020204030204" pitchFamily="49" charset="0"/>
+                  <a:cs typeface="Consolas" panose="020B0609020204030204" pitchFamily="49" charset="0"/>
+                </a:rPr>
+                <a:t>Value</a:t>
+              </a:r>
+            </a:p>
+          </p:txBody>
+        </p:sp>
+        <p:sp>
+          <p:nvSpPr>
+            <p:cNvPr id="89" name="Rounded Rectangle 88">
+              <a:extLst>
+                <a:ext uri="{FF2B5EF4-FFF2-40B4-BE49-F238E27FC236}">
+                  <a16:creationId xmlns:a16="http://schemas.microsoft.com/office/drawing/2014/main" id="{5EAE26D7-8C07-9F61-4F4B-CEF62E62DE52}"/>
+                </a:ext>
+              </a:extLst>
+            </p:cNvPr>
+            <p:cNvSpPr/>
+            <p:nvPr/>
+          </p:nvSpPr>
+          <p:spPr>
+            <a:xfrm>
+              <a:off x="3910372" y="3297006"/>
+              <a:ext cx="501732" cy="501732"/>
+            </a:xfrm>
+            <a:prstGeom prst="roundRect">
+              <a:avLst/>
+            </a:prstGeom>
+            <a:solidFill>
+              <a:srgbClr val="F79ED1"/>
+            </a:solidFill>
+            <a:ln w="28575">
+              <a:solidFill>
+                <a:schemeClr val="bg2">
+                  <a:lumMod val="10000"/>
+                </a:schemeClr>
+              </a:solidFill>
+            </a:ln>
+          </p:spPr>
+          <p:style>
+            <a:lnRef idx="2">
+              <a:schemeClr val="accent1">
+                <a:shade val="15000"/>
+              </a:schemeClr>
+            </a:lnRef>
+            <a:fillRef idx="1">
+              <a:schemeClr val="accent1"/>
+            </a:fillRef>
+            <a:effectRef idx="0">
+              <a:schemeClr val="accent1"/>
+            </a:effectRef>
+            <a:fontRef idx="minor">
+              <a:schemeClr val="lt1"/>
+            </a:fontRef>
+          </p:style>
+          <p:txBody>
+            <a:bodyPr rtlCol="0" anchor="ctr"/>
+            <a:lstStyle/>
+            <a:p>
+              <a:pPr algn="ctr"/>
+              <a:r>
+                <a:rPr lang="en-US" sz="3200" dirty="0">
+                  <a:solidFill>
+                    <a:schemeClr val="bg2">
+                      <a:lumMod val="10000"/>
+                    </a:schemeClr>
+                  </a:solidFill>
+                  <a:latin typeface="Consolas" panose="020B0609020204030204" pitchFamily="49" charset="0"/>
+                  <a:cs typeface="Consolas" panose="020B0609020204030204" pitchFamily="49" charset="0"/>
+                </a:rPr>
+                <a:t>3</a:t>
+              </a:r>
+            </a:p>
+          </p:txBody>
+        </p:sp>
+      </p:grpSp>
+      <p:sp>
+        <p:nvSpPr>
+          <p:cNvPr id="90" name="Bent Arrow 89">
+            <a:extLst>
+              <a:ext uri="{FF2B5EF4-FFF2-40B4-BE49-F238E27FC236}">
+                <a16:creationId xmlns:a16="http://schemas.microsoft.com/office/drawing/2014/main" id="{99BDF777-8B4B-131D-CC97-2B174AC039FD}"/>
+              </a:ext>
+            </a:extLst>
+          </p:cNvPr>
+          <p:cNvSpPr/>
+          <p:nvPr/>
+        </p:nvSpPr>
+        <p:spPr>
+          <a:xfrm rot="16200000" flipH="1" flipV="1">
+            <a:off x="6035004" y="3608354"/>
+            <a:ext cx="501733" cy="504000"/>
+          </a:xfrm>
+          <a:prstGeom prst="bentArrow">
+            <a:avLst/>
+          </a:prstGeom>
+          <a:solidFill>
+            <a:schemeClr val="accent5"/>
+          </a:solidFill>
+          <a:ln w="28575"/>
+        </p:spPr>
+        <p:style>
+          <a:lnRef idx="2">
+            <a:schemeClr val="accent1">
+              <a:shade val="15000"/>
+            </a:schemeClr>
+          </a:lnRef>
+          <a:fillRef idx="1">
+            <a:schemeClr val="accent1"/>
+          </a:fillRef>
+          <a:effectRef idx="0">
+            <a:schemeClr val="accent1"/>
+          </a:effectRef>
+          <a:fontRef idx="minor">
+            <a:schemeClr val="lt1"/>
+          </a:fontRef>
+        </p:style>
+        <p:txBody>
+          <a:bodyPr rtlCol="0" anchor="ctr"/>
+          <a:lstStyle/>
+          <a:p>
+            <a:pPr algn="ctr"/>
+            <a:endParaRPr lang="en-US">
+              <a:solidFill>
+                <a:schemeClr val="tx1"/>
+              </a:solidFill>
+            </a:endParaRPr>
+          </a:p>
+        </p:txBody>
+      </p:sp>
+    </p:spTree>
+    <p:extLst>
+      <p:ext uri="{BB962C8B-B14F-4D97-AF65-F5344CB8AC3E}">
+        <p14:creationId xmlns:p14="http://schemas.microsoft.com/office/powerpoint/2010/main" val="2575124604"/>
+      </p:ext>
+    </p:extLst>
+  </p:cSld>
+  <p:clrMapOvr>
+    <a:masterClrMapping/>
+  </p:clrMapOvr>
+</p:sld>
+</file>
+
+<file path=ppt/slides/slide8.xml><?xml version="1.0" encoding="utf-8"?>
+<p:sld xmlns:a="http://schemas.openxmlformats.org/drawingml/2006/main" xmlns:r="http://schemas.openxmlformats.org/officeDocument/2006/relationships" xmlns:p="http://schemas.openxmlformats.org/presentationml/2006/main">
+  <p:cSld>
+    <p:spTree>
+      <p:nvGrpSpPr>
+        <p:cNvPr id="1" name=""/>
+        <p:cNvGrpSpPr/>
+        <p:nvPr/>
+      </p:nvGrpSpPr>
+      <p:grpSpPr>
+        <a:xfrm>
+          <a:off x="0" y="0"/>
+          <a:ext cx="0" cy="0"/>
+          <a:chOff x="0" y="0"/>
+          <a:chExt cx="0" cy="0"/>
+        </a:xfrm>
+      </p:grpSpPr>
+      <p:sp>
+        <p:nvSpPr>
+          <p:cNvPr id="71" name="Rounded Rectangle 70">
+            <a:extLst>
+              <a:ext uri="{FF2B5EF4-FFF2-40B4-BE49-F238E27FC236}">
+                <a16:creationId xmlns:a16="http://schemas.microsoft.com/office/drawing/2014/main" id="{D0C81BFC-6B79-15E6-9391-E74199196656}"/>
+              </a:ext>
+            </a:extLst>
+          </p:cNvPr>
+          <p:cNvSpPr/>
+          <p:nvPr/>
+        </p:nvSpPr>
+        <p:spPr>
+          <a:xfrm>
+            <a:off x="5563781" y="5942289"/>
+            <a:ext cx="1709167" cy="1932352"/>
+          </a:xfrm>
+          <a:prstGeom prst="roundRect">
+            <a:avLst/>
+          </a:prstGeom>
+          <a:solidFill>
+            <a:schemeClr val="accent2">
+              <a:lumMod val="40000"/>
+              <a:lumOff val="60000"/>
+            </a:schemeClr>
+          </a:solidFill>
+        </p:spPr>
+        <p:style>
+          <a:lnRef idx="2">
+            <a:schemeClr val="accent1">
+              <a:shade val="15000"/>
+            </a:schemeClr>
+          </a:lnRef>
+          <a:fillRef idx="1">
+            <a:schemeClr val="accent1"/>
+          </a:fillRef>
+          <a:effectRef idx="0">
+            <a:schemeClr val="accent1"/>
+          </a:effectRef>
+          <a:fontRef idx="minor">
+            <a:schemeClr val="lt1"/>
+          </a:fontRef>
+        </p:style>
+        <p:txBody>
+          <a:bodyPr rtlCol="0" anchor="ctr"/>
+          <a:lstStyle/>
+          <a:p>
+            <a:pPr algn="ctr"/>
+            <a:r>
+              <a:rPr lang="en-US" dirty="0">
+                <a:solidFill>
+                  <a:schemeClr val="bg2">
+                    <a:lumMod val="10000"/>
+                  </a:schemeClr>
+                </a:solidFill>
+                <a:latin typeface="Consolas" panose="020B0609020204030204" pitchFamily="49" charset="0"/>
+                <a:cs typeface="Consolas" panose="020B0609020204030204" pitchFamily="49" charset="0"/>
+              </a:rPr>
+              <a:t>INTEGER</a:t>
+            </a:r>
+          </a:p>
+          <a:p>
+            <a:pPr algn="ctr"/>
+            <a:endParaRPr lang="en-US" dirty="0">
+              <a:solidFill>
+                <a:schemeClr val="bg2">
+                  <a:lumMod val="10000"/>
+                </a:schemeClr>
+              </a:solidFill>
+              <a:latin typeface="Consolas" panose="020B0609020204030204" pitchFamily="49" charset="0"/>
+              <a:cs typeface="Consolas" panose="020B0609020204030204" pitchFamily="49" charset="0"/>
+            </a:endParaRPr>
+          </a:p>
+          <a:p>
+            <a:pPr algn="ctr"/>
+            <a:endParaRPr lang="en-US" dirty="0">
+              <a:solidFill>
+                <a:schemeClr val="bg2">
+                  <a:lumMod val="10000"/>
+                </a:schemeClr>
+              </a:solidFill>
+              <a:latin typeface="Consolas" panose="020B0609020204030204" pitchFamily="49" charset="0"/>
+              <a:cs typeface="Consolas" panose="020B0609020204030204" pitchFamily="49" charset="0"/>
+            </a:endParaRPr>
+          </a:p>
+          <a:p>
+            <a:pPr algn="ctr"/>
+            <a:endParaRPr lang="en-US" dirty="0">
+              <a:solidFill>
+                <a:schemeClr val="bg2">
+                  <a:lumMod val="10000"/>
+                </a:schemeClr>
+              </a:solidFill>
+              <a:latin typeface="Consolas" panose="020B0609020204030204" pitchFamily="49" charset="0"/>
+              <a:cs typeface="Consolas" panose="020B0609020204030204" pitchFamily="49" charset="0"/>
+            </a:endParaRPr>
+          </a:p>
+          <a:p>
+            <a:pPr algn="ctr"/>
+            <a:endParaRPr lang="en-US" dirty="0">
+              <a:solidFill>
+                <a:schemeClr val="bg2">
+                  <a:lumMod val="10000"/>
+                </a:schemeClr>
+              </a:solidFill>
+              <a:latin typeface="Consolas" panose="020B0609020204030204" pitchFamily="49" charset="0"/>
+              <a:cs typeface="Consolas" panose="020B0609020204030204" pitchFamily="49" charset="0"/>
+            </a:endParaRPr>
+          </a:p>
+          <a:p>
+            <a:pPr algn="ctr"/>
+            <a:endParaRPr lang="en-US" dirty="0">
+              <a:solidFill>
+                <a:schemeClr val="bg2">
+                  <a:lumMod val="10000"/>
+                </a:schemeClr>
+              </a:solidFill>
+              <a:latin typeface="Consolas" panose="020B0609020204030204" pitchFamily="49" charset="0"/>
+              <a:cs typeface="Consolas" panose="020B0609020204030204" pitchFamily="49" charset="0"/>
+            </a:endParaRPr>
+          </a:p>
+        </p:txBody>
+      </p:sp>
+      <p:sp>
+        <p:nvSpPr>
+          <p:cNvPr id="72" name="Rounded Rectangle 71">
+            <a:extLst>
+              <a:ext uri="{FF2B5EF4-FFF2-40B4-BE49-F238E27FC236}">
+                <a16:creationId xmlns:a16="http://schemas.microsoft.com/office/drawing/2014/main" id="{1C2001C6-4841-9E73-C38D-46C8CFD4027C}"/>
+              </a:ext>
+            </a:extLst>
+          </p:cNvPr>
+          <p:cNvSpPr/>
+          <p:nvPr/>
+        </p:nvSpPr>
+        <p:spPr>
+          <a:xfrm>
+            <a:off x="6058364" y="5352397"/>
+            <a:ext cx="720000" cy="720000"/>
+          </a:xfrm>
+          <a:prstGeom prst="roundRect">
+            <a:avLst/>
+          </a:prstGeom>
+          <a:solidFill>
+            <a:schemeClr val="accent4">
+              <a:lumMod val="60000"/>
+              <a:lumOff val="40000"/>
+            </a:schemeClr>
+          </a:solidFill>
+          <a:ln w="28575">
+            <a:solidFill>
+              <a:schemeClr val="bg2">
+                <a:lumMod val="10000"/>
+              </a:schemeClr>
+            </a:solidFill>
+          </a:ln>
+        </p:spPr>
+        <p:style>
+          <a:lnRef idx="2">
+            <a:schemeClr val="accent1">
+              <a:shade val="15000"/>
+            </a:schemeClr>
+          </a:lnRef>
+          <a:fillRef idx="1">
+            <a:schemeClr val="accent1"/>
+          </a:fillRef>
+          <a:effectRef idx="0">
+            <a:schemeClr val="accent1"/>
+          </a:effectRef>
+          <a:fontRef idx="minor">
+            <a:schemeClr val="lt1"/>
+          </a:fontRef>
+        </p:style>
+        <p:txBody>
+          <a:bodyPr rtlCol="0" anchor="ctr"/>
+          <a:lstStyle/>
+          <a:p>
+            <a:pPr algn="ctr"/>
+            <a:r>
+              <a:rPr lang="en-GB" sz="5400" b="1" i="0" dirty="0">
+                <a:solidFill>
+                  <a:schemeClr val="bg2">
+                    <a:lumMod val="10000"/>
+                  </a:schemeClr>
+                </a:solidFill>
+                <a:effectLst/>
+                <a:latin typeface="arial" panose="020B0604020202020204" pitchFamily="34" charset="0"/>
+              </a:rPr>
+              <a:t>𝑥</a:t>
+            </a:r>
+            <a:endParaRPr lang="en-US" sz="2800" dirty="0">
+              <a:solidFill>
+                <a:schemeClr val="bg2">
+                  <a:lumMod val="10000"/>
+                </a:schemeClr>
+              </a:solidFill>
+              <a:latin typeface="Consolas" panose="020B0609020204030204" pitchFamily="49" charset="0"/>
+              <a:cs typeface="Consolas" panose="020B0609020204030204" pitchFamily="49" charset="0"/>
+            </a:endParaRPr>
+          </a:p>
+        </p:txBody>
+      </p:sp>
+      <p:grpSp>
+        <p:nvGrpSpPr>
+          <p:cNvPr id="73" name="Group 72">
+            <a:extLst>
+              <a:ext uri="{FF2B5EF4-FFF2-40B4-BE49-F238E27FC236}">
+                <a16:creationId xmlns:a16="http://schemas.microsoft.com/office/drawing/2014/main" id="{F31815AC-7E48-BAA3-E1D8-FD863B32220C}"/>
+              </a:ext>
+            </a:extLst>
+          </p:cNvPr>
+          <p:cNvGrpSpPr/>
+          <p:nvPr/>
+        </p:nvGrpSpPr>
+        <p:grpSpPr>
+          <a:xfrm>
+            <a:off x="5767531" y="7614966"/>
+            <a:ext cx="1301666" cy="501732"/>
+            <a:chOff x="3110438" y="3297006"/>
+            <a:chExt cx="1301666" cy="501732"/>
+          </a:xfrm>
+        </p:grpSpPr>
+        <p:sp>
+          <p:nvSpPr>
+            <p:cNvPr id="74" name="Rounded Rectangle 73">
+              <a:extLst>
+                <a:ext uri="{FF2B5EF4-FFF2-40B4-BE49-F238E27FC236}">
+                  <a16:creationId xmlns:a16="http://schemas.microsoft.com/office/drawing/2014/main" id="{A668FB5D-6A74-0329-B959-5F20E9C53722}"/>
+                </a:ext>
+              </a:extLst>
+            </p:cNvPr>
+            <p:cNvSpPr/>
+            <p:nvPr/>
+          </p:nvSpPr>
+          <p:spPr>
+            <a:xfrm>
+              <a:off x="3110438" y="3405412"/>
+              <a:ext cx="848152" cy="284920"/>
+            </a:xfrm>
+            <a:prstGeom prst="roundRect">
+              <a:avLst/>
+            </a:prstGeom>
+            <a:solidFill>
+              <a:schemeClr val="bg1">
+                <a:lumMod val="85000"/>
+              </a:schemeClr>
+            </a:solidFill>
+          </p:spPr>
+          <p:style>
+            <a:lnRef idx="2">
+              <a:schemeClr val="accent1">
+                <a:shade val="15000"/>
+              </a:schemeClr>
+            </a:lnRef>
+            <a:fillRef idx="1">
+              <a:schemeClr val="accent1"/>
+            </a:fillRef>
+            <a:effectRef idx="0">
+              <a:schemeClr val="accent1"/>
+            </a:effectRef>
+            <a:fontRef idx="minor">
+              <a:schemeClr val="lt1"/>
+            </a:fontRef>
+          </p:style>
+          <p:txBody>
+            <a:bodyPr rtlCol="0" anchor="ctr"/>
+            <a:lstStyle/>
+            <a:p>
+              <a:pPr algn="ctr"/>
+              <a:r>
+                <a:rPr lang="en-US" dirty="0">
+                  <a:solidFill>
+                    <a:schemeClr val="bg2">
+                      <a:lumMod val="10000"/>
+                    </a:schemeClr>
+                  </a:solidFill>
+                  <a:latin typeface="Consolas" panose="020B0609020204030204" pitchFamily="49" charset="0"/>
+                  <a:cs typeface="Consolas" panose="020B0609020204030204" pitchFamily="49" charset="0"/>
+                </a:rPr>
+                <a:t>Value</a:t>
+              </a:r>
+            </a:p>
+          </p:txBody>
+        </p:sp>
+        <p:sp>
+          <p:nvSpPr>
+            <p:cNvPr id="75" name="Rounded Rectangle 74">
+              <a:extLst>
+                <a:ext uri="{FF2B5EF4-FFF2-40B4-BE49-F238E27FC236}">
+                  <a16:creationId xmlns:a16="http://schemas.microsoft.com/office/drawing/2014/main" id="{D3A48326-E14D-1D9E-7566-7598EFB04143}"/>
+                </a:ext>
+              </a:extLst>
+            </p:cNvPr>
+            <p:cNvSpPr/>
+            <p:nvPr/>
+          </p:nvSpPr>
+          <p:spPr>
+            <a:xfrm>
+              <a:off x="3910372" y="3297006"/>
+              <a:ext cx="501732" cy="501732"/>
+            </a:xfrm>
+            <a:prstGeom prst="roundRect">
+              <a:avLst/>
+            </a:prstGeom>
+            <a:solidFill>
+              <a:srgbClr val="F79ED1"/>
+            </a:solidFill>
+            <a:ln w="28575">
+              <a:solidFill>
+                <a:schemeClr val="bg2">
+                  <a:lumMod val="10000"/>
+                </a:schemeClr>
+              </a:solidFill>
+            </a:ln>
+          </p:spPr>
+          <p:style>
+            <a:lnRef idx="2">
+              <a:schemeClr val="accent1">
+                <a:shade val="15000"/>
+              </a:schemeClr>
+            </a:lnRef>
+            <a:fillRef idx="1">
+              <a:schemeClr val="accent1"/>
+            </a:fillRef>
+            <a:effectRef idx="0">
+              <a:schemeClr val="accent1"/>
+            </a:effectRef>
+            <a:fontRef idx="minor">
+              <a:schemeClr val="lt1"/>
+            </a:fontRef>
+          </p:style>
+          <p:txBody>
+            <a:bodyPr rtlCol="0" anchor="ctr"/>
+            <a:lstStyle/>
+            <a:p>
+              <a:pPr algn="ctr"/>
+              <a:r>
+                <a:rPr lang="en-US" sz="3200" dirty="0">
+                  <a:solidFill>
+                    <a:schemeClr val="bg2">
+                      <a:lumMod val="10000"/>
+                    </a:schemeClr>
+                  </a:solidFill>
+                  <a:latin typeface="Consolas" panose="020B0609020204030204" pitchFamily="49" charset="0"/>
+                  <a:cs typeface="Consolas" panose="020B0609020204030204" pitchFamily="49" charset="0"/>
+                </a:rPr>
+                <a:t>3</a:t>
+              </a:r>
+            </a:p>
+          </p:txBody>
+        </p:sp>
+      </p:grpSp>
+      <p:sp>
+        <p:nvSpPr>
+          <p:cNvPr id="76" name="Rounded Rectangle 75">
+            <a:extLst>
+              <a:ext uri="{FF2B5EF4-FFF2-40B4-BE49-F238E27FC236}">
+                <a16:creationId xmlns:a16="http://schemas.microsoft.com/office/drawing/2014/main" id="{7FE0BAD1-D328-15C1-7177-52DD58E8E657}"/>
+              </a:ext>
+            </a:extLst>
+          </p:cNvPr>
+          <p:cNvSpPr/>
+          <p:nvPr/>
+        </p:nvSpPr>
+        <p:spPr>
+          <a:xfrm>
+            <a:off x="5416754" y="6711748"/>
+            <a:ext cx="2029734" cy="780087"/>
+          </a:xfrm>
+          <a:prstGeom prst="roundRect">
+            <a:avLst/>
+          </a:prstGeom>
+          <a:solidFill>
+            <a:schemeClr val="accent4">
+              <a:lumMod val="20000"/>
+              <a:lumOff val="80000"/>
+            </a:schemeClr>
+          </a:solidFill>
+          <a:ln w="28575"/>
+        </p:spPr>
+        <p:style>
+          <a:lnRef idx="2">
+            <a:schemeClr val="accent1">
+              <a:shade val="15000"/>
+            </a:schemeClr>
+          </a:lnRef>
+          <a:fillRef idx="1">
+            <a:schemeClr val="accent1"/>
+          </a:fillRef>
+          <a:effectRef idx="0">
+            <a:schemeClr val="accent1"/>
+          </a:effectRef>
+          <a:fontRef idx="minor">
+            <a:schemeClr val="lt1"/>
+          </a:fontRef>
+        </p:style>
+        <p:txBody>
+          <a:bodyPr rtlCol="0" anchor="ctr"/>
+          <a:lstStyle/>
+          <a:p>
+            <a:pPr algn="ctr"/>
+            <a:r>
+              <a:rPr lang="en-US" dirty="0">
+                <a:solidFill>
+                  <a:schemeClr val="bg2">
+                    <a:lumMod val="10000"/>
+                  </a:schemeClr>
+                </a:solidFill>
+                <a:latin typeface="Consolas" panose="020B0609020204030204" pitchFamily="49" charset="0"/>
+                <a:cs typeface="Consolas" panose="020B0609020204030204" pitchFamily="49" charset="0"/>
+              </a:rPr>
+              <a:t>return</a:t>
+            </a:r>
+          </a:p>
+          <a:p>
+            <a:pPr algn="ctr"/>
+            <a:endParaRPr lang="en-US" b="1" dirty="0">
+              <a:solidFill>
+                <a:schemeClr val="bg2">
+                  <a:lumMod val="10000"/>
+                </a:schemeClr>
+              </a:solidFill>
+              <a:latin typeface="Consolas" panose="020B0609020204030204" pitchFamily="49" charset="0"/>
+              <a:cs typeface="Consolas" panose="020B0609020204030204" pitchFamily="49" charset="0"/>
+            </a:endParaRPr>
+          </a:p>
+        </p:txBody>
+      </p:sp>
+      <p:sp>
+        <p:nvSpPr>
+          <p:cNvPr id="91" name="Rounded Rectangle 90">
+            <a:extLst>
+              <a:ext uri="{FF2B5EF4-FFF2-40B4-BE49-F238E27FC236}">
+                <a16:creationId xmlns:a16="http://schemas.microsoft.com/office/drawing/2014/main" id="{4A05B699-3A54-1E75-EB6B-58D15D442D77}"/>
+              </a:ext>
+            </a:extLst>
+          </p:cNvPr>
+          <p:cNvSpPr/>
+          <p:nvPr/>
+        </p:nvSpPr>
+        <p:spPr>
+          <a:xfrm>
+            <a:off x="5678948" y="6490481"/>
+            <a:ext cx="1490472" cy="284400"/>
+          </a:xfrm>
+          <a:prstGeom prst="roundRect">
+            <a:avLst/>
+          </a:prstGeom>
+          <a:solidFill>
+            <a:schemeClr val="accent5">
+              <a:lumMod val="40000"/>
+              <a:lumOff val="60000"/>
+            </a:schemeClr>
+          </a:solidFill>
+        </p:spPr>
+        <p:style>
+          <a:lnRef idx="2">
+            <a:schemeClr val="accent1">
+              <a:shade val="15000"/>
+            </a:schemeClr>
+          </a:lnRef>
+          <a:fillRef idx="1">
+            <a:schemeClr val="accent1"/>
+          </a:fillRef>
+          <a:effectRef idx="0">
+            <a:schemeClr val="accent1"/>
+          </a:effectRef>
+          <a:fontRef idx="minor">
+            <a:schemeClr val="lt1"/>
+          </a:fontRef>
+        </p:style>
+        <p:txBody>
+          <a:bodyPr rtlCol="0" anchor="ctr"/>
+          <a:lstStyle/>
+          <a:p>
+            <a:pPr algn="ctr"/>
+            <a:r>
+              <a:rPr lang="en-US" dirty="0">
+                <a:solidFill>
+                  <a:schemeClr val="bg2">
+                    <a:lumMod val="10000"/>
+                  </a:schemeClr>
+                </a:solidFill>
+                <a:latin typeface="Consolas" panose="020B0609020204030204" pitchFamily="49" charset="0"/>
+                <a:cs typeface="Consolas" panose="020B0609020204030204" pitchFamily="49" charset="0"/>
+              </a:rPr>
+              <a:t>eval()</a:t>
+            </a:r>
+          </a:p>
+        </p:txBody>
+      </p:sp>
+      <p:sp>
+        <p:nvSpPr>
+          <p:cNvPr id="92" name="Rounded Rectangle 91">
+            <a:extLst>
+              <a:ext uri="{FF2B5EF4-FFF2-40B4-BE49-F238E27FC236}">
+                <a16:creationId xmlns:a16="http://schemas.microsoft.com/office/drawing/2014/main" id="{9882045C-4C58-E2C1-8317-BA1B00932439}"/>
+              </a:ext>
+            </a:extLst>
+          </p:cNvPr>
+          <p:cNvSpPr/>
+          <p:nvPr/>
+        </p:nvSpPr>
+        <p:spPr>
+          <a:xfrm>
+            <a:off x="6007545" y="7103952"/>
+            <a:ext cx="848152" cy="284920"/>
+          </a:xfrm>
+          <a:prstGeom prst="roundRect">
+            <a:avLst/>
+          </a:prstGeom>
+          <a:solidFill>
+            <a:schemeClr val="bg1">
+              <a:lumMod val="85000"/>
+            </a:schemeClr>
+          </a:solidFill>
+        </p:spPr>
+        <p:style>
+          <a:lnRef idx="2">
+            <a:schemeClr val="accent1">
+              <a:shade val="15000"/>
+            </a:schemeClr>
+          </a:lnRef>
+          <a:fillRef idx="1">
+            <a:schemeClr val="accent1"/>
+          </a:fillRef>
+          <a:effectRef idx="0">
+            <a:schemeClr val="accent1"/>
+          </a:effectRef>
+          <a:fontRef idx="minor">
+            <a:schemeClr val="lt1"/>
+          </a:fontRef>
+        </p:style>
+        <p:txBody>
+          <a:bodyPr rtlCol="0" anchor="ctr"/>
+          <a:lstStyle/>
+          <a:p>
+            <a:pPr algn="ctr"/>
+            <a:r>
+              <a:rPr lang="en-US" dirty="0">
+                <a:solidFill>
+                  <a:schemeClr val="bg2">
+                    <a:lumMod val="10000"/>
+                  </a:schemeClr>
+                </a:solidFill>
+                <a:latin typeface="Consolas" panose="020B0609020204030204" pitchFamily="49" charset="0"/>
+                <a:cs typeface="Consolas" panose="020B0609020204030204" pitchFamily="49" charset="0"/>
+              </a:rPr>
+              <a:t>Value</a:t>
+            </a:r>
+          </a:p>
+        </p:txBody>
+      </p:sp>
+      <p:sp>
+        <p:nvSpPr>
+          <p:cNvPr id="63" name="Rounded Rectangle 62">
+            <a:extLst>
+              <a:ext uri="{FF2B5EF4-FFF2-40B4-BE49-F238E27FC236}">
+                <a16:creationId xmlns:a16="http://schemas.microsoft.com/office/drawing/2014/main" id="{8C84BBEA-3EF0-2102-3FD1-DDBD848BBADB}"/>
+              </a:ext>
+            </a:extLst>
+          </p:cNvPr>
+          <p:cNvSpPr/>
+          <p:nvPr/>
+        </p:nvSpPr>
+        <p:spPr>
+          <a:xfrm>
+            <a:off x="2687051" y="5942289"/>
+            <a:ext cx="1709167" cy="1932352"/>
+          </a:xfrm>
+          <a:prstGeom prst="roundRect">
+            <a:avLst/>
+          </a:prstGeom>
+          <a:solidFill>
+            <a:schemeClr val="accent2">
+              <a:lumMod val="40000"/>
+              <a:lumOff val="60000"/>
+            </a:schemeClr>
+          </a:solidFill>
+        </p:spPr>
+        <p:style>
+          <a:lnRef idx="2">
+            <a:schemeClr val="accent1">
+              <a:shade val="15000"/>
+            </a:schemeClr>
+          </a:lnRef>
+          <a:fillRef idx="1">
+            <a:schemeClr val="accent1"/>
+          </a:fillRef>
+          <a:effectRef idx="0">
+            <a:schemeClr val="accent1"/>
+          </a:effectRef>
+          <a:fontRef idx="minor">
+            <a:schemeClr val="lt1"/>
+          </a:fontRef>
+        </p:style>
+        <p:txBody>
+          <a:bodyPr rtlCol="0" anchor="ctr"/>
+          <a:lstStyle/>
+          <a:p>
+            <a:pPr algn="ctr"/>
+            <a:r>
+              <a:rPr lang="en-US" dirty="0">
+                <a:solidFill>
+                  <a:schemeClr val="bg2">
+                    <a:lumMod val="10000"/>
+                  </a:schemeClr>
+                </a:solidFill>
+                <a:latin typeface="Consolas" panose="020B0609020204030204" pitchFamily="49" charset="0"/>
+                <a:cs typeface="Consolas" panose="020B0609020204030204" pitchFamily="49" charset="0"/>
+              </a:rPr>
+              <a:t>INTEGER</a:t>
+            </a:r>
+          </a:p>
+          <a:p>
+            <a:pPr algn="ctr"/>
+            <a:endParaRPr lang="en-US" dirty="0">
+              <a:solidFill>
+                <a:schemeClr val="bg2">
+                  <a:lumMod val="10000"/>
+                </a:schemeClr>
+              </a:solidFill>
+              <a:latin typeface="Consolas" panose="020B0609020204030204" pitchFamily="49" charset="0"/>
+              <a:cs typeface="Consolas" panose="020B0609020204030204" pitchFamily="49" charset="0"/>
+            </a:endParaRPr>
+          </a:p>
+          <a:p>
+            <a:pPr algn="ctr"/>
+            <a:endParaRPr lang="en-US" dirty="0">
+              <a:solidFill>
+                <a:schemeClr val="bg2">
+                  <a:lumMod val="10000"/>
+                </a:schemeClr>
+              </a:solidFill>
+              <a:latin typeface="Consolas" panose="020B0609020204030204" pitchFamily="49" charset="0"/>
+              <a:cs typeface="Consolas" panose="020B0609020204030204" pitchFamily="49" charset="0"/>
+            </a:endParaRPr>
+          </a:p>
+          <a:p>
+            <a:pPr algn="ctr"/>
+            <a:endParaRPr lang="en-US" dirty="0">
+              <a:solidFill>
+                <a:schemeClr val="bg2">
+                  <a:lumMod val="10000"/>
+                </a:schemeClr>
+              </a:solidFill>
+              <a:latin typeface="Consolas" panose="020B0609020204030204" pitchFamily="49" charset="0"/>
+              <a:cs typeface="Consolas" panose="020B0609020204030204" pitchFamily="49" charset="0"/>
+            </a:endParaRPr>
+          </a:p>
+          <a:p>
+            <a:pPr algn="ctr"/>
+            <a:endParaRPr lang="en-US" dirty="0">
+              <a:solidFill>
+                <a:schemeClr val="bg2">
+                  <a:lumMod val="10000"/>
+                </a:schemeClr>
+              </a:solidFill>
+              <a:latin typeface="Consolas" panose="020B0609020204030204" pitchFamily="49" charset="0"/>
+              <a:cs typeface="Consolas" panose="020B0609020204030204" pitchFamily="49" charset="0"/>
+            </a:endParaRPr>
+          </a:p>
+          <a:p>
+            <a:pPr algn="ctr"/>
+            <a:endParaRPr lang="en-US" dirty="0">
+              <a:solidFill>
+                <a:schemeClr val="bg2">
+                  <a:lumMod val="10000"/>
+                </a:schemeClr>
+              </a:solidFill>
+              <a:latin typeface="Consolas" panose="020B0609020204030204" pitchFamily="49" charset="0"/>
+              <a:cs typeface="Consolas" panose="020B0609020204030204" pitchFamily="49" charset="0"/>
+            </a:endParaRPr>
+          </a:p>
+        </p:txBody>
+      </p:sp>
+      <p:sp>
+        <p:nvSpPr>
+          <p:cNvPr id="64" name="Rounded Rectangle 63">
+            <a:extLst>
+              <a:ext uri="{FF2B5EF4-FFF2-40B4-BE49-F238E27FC236}">
+                <a16:creationId xmlns:a16="http://schemas.microsoft.com/office/drawing/2014/main" id="{A450CC08-6B1D-1B45-3C2F-0510AA89760C}"/>
+              </a:ext>
+            </a:extLst>
+          </p:cNvPr>
+          <p:cNvSpPr/>
+          <p:nvPr/>
+        </p:nvSpPr>
+        <p:spPr>
+          <a:xfrm>
+            <a:off x="3181634" y="5352397"/>
+            <a:ext cx="720000" cy="720000"/>
+          </a:xfrm>
+          <a:prstGeom prst="roundRect">
+            <a:avLst/>
+          </a:prstGeom>
+          <a:solidFill>
+            <a:schemeClr val="accent4">
+              <a:lumMod val="60000"/>
+              <a:lumOff val="40000"/>
+            </a:schemeClr>
+          </a:solidFill>
+          <a:ln w="28575">
+            <a:solidFill>
+              <a:schemeClr val="bg2">
+                <a:lumMod val="10000"/>
+              </a:schemeClr>
+            </a:solidFill>
+          </a:ln>
+        </p:spPr>
+        <p:style>
+          <a:lnRef idx="2">
+            <a:schemeClr val="accent1">
+              <a:shade val="15000"/>
+            </a:schemeClr>
+          </a:lnRef>
+          <a:fillRef idx="1">
+            <a:schemeClr val="accent1"/>
+          </a:fillRef>
+          <a:effectRef idx="0">
+            <a:schemeClr val="accent1"/>
+          </a:effectRef>
+          <a:fontRef idx="minor">
+            <a:schemeClr val="lt1"/>
+          </a:fontRef>
+        </p:style>
+        <p:txBody>
+          <a:bodyPr rtlCol="0" anchor="ctr"/>
+          <a:lstStyle/>
+          <a:p>
+            <a:pPr algn="ctr"/>
+            <a:r>
+              <a:rPr lang="en-GB" sz="5400" b="1" i="0" dirty="0">
+                <a:solidFill>
+                  <a:schemeClr val="bg2">
+                    <a:lumMod val="10000"/>
+                  </a:schemeClr>
+                </a:solidFill>
+                <a:effectLst/>
+                <a:latin typeface="arial" panose="020B0604020202020204" pitchFamily="34" charset="0"/>
+              </a:rPr>
+              <a:t>𝑥</a:t>
+            </a:r>
+            <a:endParaRPr lang="en-US" sz="2800" dirty="0">
+              <a:solidFill>
+                <a:schemeClr val="bg2">
+                  <a:lumMod val="10000"/>
+                </a:schemeClr>
+              </a:solidFill>
+              <a:latin typeface="Consolas" panose="020B0609020204030204" pitchFamily="49" charset="0"/>
+              <a:cs typeface="Consolas" panose="020B0609020204030204" pitchFamily="49" charset="0"/>
+            </a:endParaRPr>
+          </a:p>
+        </p:txBody>
+      </p:sp>
+      <p:grpSp>
+        <p:nvGrpSpPr>
+          <p:cNvPr id="65" name="Group 64">
+            <a:extLst>
+              <a:ext uri="{FF2B5EF4-FFF2-40B4-BE49-F238E27FC236}">
+                <a16:creationId xmlns:a16="http://schemas.microsoft.com/office/drawing/2014/main" id="{59A3B4BF-EBF5-BBE0-4516-1724B2B3DC32}"/>
+              </a:ext>
+            </a:extLst>
+          </p:cNvPr>
+          <p:cNvGrpSpPr/>
+          <p:nvPr/>
+        </p:nvGrpSpPr>
+        <p:grpSpPr>
+          <a:xfrm>
+            <a:off x="2890801" y="7614966"/>
+            <a:ext cx="1301666" cy="501732"/>
+            <a:chOff x="3110438" y="3297006"/>
+            <a:chExt cx="1301666" cy="501732"/>
+          </a:xfrm>
+        </p:grpSpPr>
+        <p:sp>
+          <p:nvSpPr>
+            <p:cNvPr id="66" name="Rounded Rectangle 65">
+              <a:extLst>
+                <a:ext uri="{FF2B5EF4-FFF2-40B4-BE49-F238E27FC236}">
+                  <a16:creationId xmlns:a16="http://schemas.microsoft.com/office/drawing/2014/main" id="{A877FE23-F5C8-827B-69A5-64838563FCCF}"/>
+                </a:ext>
+              </a:extLst>
+            </p:cNvPr>
+            <p:cNvSpPr/>
+            <p:nvPr/>
+          </p:nvSpPr>
+          <p:spPr>
+            <a:xfrm>
+              <a:off x="3110438" y="3405412"/>
+              <a:ext cx="848152" cy="284920"/>
+            </a:xfrm>
+            <a:prstGeom prst="roundRect">
+              <a:avLst/>
+            </a:prstGeom>
+            <a:solidFill>
+              <a:schemeClr val="bg1">
+                <a:lumMod val="85000"/>
+              </a:schemeClr>
+            </a:solidFill>
+          </p:spPr>
+          <p:style>
+            <a:lnRef idx="2">
+              <a:schemeClr val="accent1">
+                <a:shade val="15000"/>
+              </a:schemeClr>
+            </a:lnRef>
+            <a:fillRef idx="1">
+              <a:schemeClr val="accent1"/>
+            </a:fillRef>
+            <a:effectRef idx="0">
+              <a:schemeClr val="accent1"/>
+            </a:effectRef>
+            <a:fontRef idx="minor">
+              <a:schemeClr val="lt1"/>
+            </a:fontRef>
+          </p:style>
+          <p:txBody>
+            <a:bodyPr rtlCol="0" anchor="ctr"/>
+            <a:lstStyle/>
+            <a:p>
+              <a:pPr algn="ctr"/>
+              <a:r>
+                <a:rPr lang="en-US" dirty="0">
+                  <a:solidFill>
+                    <a:schemeClr val="bg2">
+                      <a:lumMod val="10000"/>
+                    </a:schemeClr>
+                  </a:solidFill>
+                  <a:latin typeface="Consolas" panose="020B0609020204030204" pitchFamily="49" charset="0"/>
+                  <a:cs typeface="Consolas" panose="020B0609020204030204" pitchFamily="49" charset="0"/>
+                </a:rPr>
+                <a:t>Value</a:t>
+              </a:r>
+            </a:p>
+          </p:txBody>
+        </p:sp>
+        <p:sp>
+          <p:nvSpPr>
+            <p:cNvPr id="67" name="Rounded Rectangle 66">
+              <a:extLst>
+                <a:ext uri="{FF2B5EF4-FFF2-40B4-BE49-F238E27FC236}">
+                  <a16:creationId xmlns:a16="http://schemas.microsoft.com/office/drawing/2014/main" id="{8DAF238A-EBE7-6D43-5AB2-ECD15741CAB5}"/>
+                </a:ext>
+              </a:extLst>
+            </p:cNvPr>
+            <p:cNvSpPr/>
+            <p:nvPr/>
+          </p:nvSpPr>
+          <p:spPr>
+            <a:xfrm>
+              <a:off x="3910372" y="3297006"/>
+              <a:ext cx="501732" cy="501732"/>
+            </a:xfrm>
+            <a:prstGeom prst="roundRect">
+              <a:avLst/>
+            </a:prstGeom>
+            <a:solidFill>
+              <a:srgbClr val="F79ED1"/>
+            </a:solidFill>
+            <a:ln w="28575">
+              <a:solidFill>
+                <a:schemeClr val="bg2">
+                  <a:lumMod val="10000"/>
+                </a:schemeClr>
+              </a:solidFill>
+            </a:ln>
+          </p:spPr>
+          <p:style>
+            <a:lnRef idx="2">
+              <a:schemeClr val="accent1">
+                <a:shade val="15000"/>
+              </a:schemeClr>
+            </a:lnRef>
+            <a:fillRef idx="1">
+              <a:schemeClr val="accent1"/>
+            </a:fillRef>
+            <a:effectRef idx="0">
+              <a:schemeClr val="accent1"/>
+            </a:effectRef>
+            <a:fontRef idx="minor">
+              <a:schemeClr val="lt1"/>
+            </a:fontRef>
+          </p:style>
+          <p:txBody>
+            <a:bodyPr rtlCol="0" anchor="ctr"/>
+            <a:lstStyle/>
+            <a:p>
+              <a:pPr algn="ctr"/>
+              <a:r>
+                <a:rPr lang="en-US" sz="3200" dirty="0">
+                  <a:solidFill>
+                    <a:schemeClr val="bg2">
+                      <a:lumMod val="10000"/>
+                    </a:schemeClr>
+                  </a:solidFill>
+                  <a:latin typeface="Consolas" panose="020B0609020204030204" pitchFamily="49" charset="0"/>
+                  <a:cs typeface="Consolas" panose="020B0609020204030204" pitchFamily="49" charset="0"/>
+                </a:rPr>
+                <a:t>2</a:t>
+              </a:r>
+            </a:p>
+          </p:txBody>
+        </p:sp>
+      </p:grpSp>
+      <p:sp>
+        <p:nvSpPr>
+          <p:cNvPr id="68" name="Rounded Rectangle 67">
+            <a:extLst>
+              <a:ext uri="{FF2B5EF4-FFF2-40B4-BE49-F238E27FC236}">
+                <a16:creationId xmlns:a16="http://schemas.microsoft.com/office/drawing/2014/main" id="{4D7CDC73-88CD-14BD-FF1B-C4490F97E2F4}"/>
+              </a:ext>
+            </a:extLst>
+          </p:cNvPr>
+          <p:cNvSpPr/>
+          <p:nvPr/>
+        </p:nvSpPr>
+        <p:spPr>
+          <a:xfrm>
+            <a:off x="2508125" y="6711748"/>
+            <a:ext cx="2029734" cy="780087"/>
+          </a:xfrm>
+          <a:prstGeom prst="roundRect">
+            <a:avLst/>
+          </a:prstGeom>
+          <a:solidFill>
+            <a:schemeClr val="accent4">
+              <a:lumMod val="20000"/>
+              <a:lumOff val="80000"/>
+            </a:schemeClr>
+          </a:solidFill>
+          <a:ln w="28575"/>
+        </p:spPr>
+        <p:style>
+          <a:lnRef idx="2">
+            <a:schemeClr val="accent1">
+              <a:shade val="15000"/>
+            </a:schemeClr>
+          </a:lnRef>
+          <a:fillRef idx="1">
+            <a:schemeClr val="accent1"/>
+          </a:fillRef>
+          <a:effectRef idx="0">
+            <a:schemeClr val="accent1"/>
+          </a:effectRef>
+          <a:fontRef idx="minor">
+            <a:schemeClr val="lt1"/>
+          </a:fontRef>
+        </p:style>
+        <p:txBody>
+          <a:bodyPr rtlCol="0" anchor="ctr"/>
+          <a:lstStyle/>
+          <a:p>
+            <a:pPr algn="ctr"/>
+            <a:r>
+              <a:rPr lang="en-US" dirty="0">
+                <a:solidFill>
+                  <a:schemeClr val="bg2">
+                    <a:lumMod val="10000"/>
+                  </a:schemeClr>
+                </a:solidFill>
+                <a:latin typeface="Consolas" panose="020B0609020204030204" pitchFamily="49" charset="0"/>
+                <a:cs typeface="Consolas" panose="020B0609020204030204" pitchFamily="49" charset="0"/>
+              </a:rPr>
+              <a:t>return</a:t>
+            </a:r>
+          </a:p>
+          <a:p>
+            <a:pPr algn="ctr"/>
+            <a:endParaRPr lang="en-US" b="1" dirty="0">
+              <a:solidFill>
+                <a:schemeClr val="bg2">
+                  <a:lumMod val="10000"/>
+                </a:schemeClr>
+              </a:solidFill>
+              <a:latin typeface="Consolas" panose="020B0609020204030204" pitchFamily="49" charset="0"/>
+              <a:cs typeface="Consolas" panose="020B0609020204030204" pitchFamily="49" charset="0"/>
+            </a:endParaRPr>
+          </a:p>
+        </p:txBody>
+      </p:sp>
+      <p:sp>
+        <p:nvSpPr>
+          <p:cNvPr id="69" name="Rounded Rectangle 68">
+            <a:extLst>
+              <a:ext uri="{FF2B5EF4-FFF2-40B4-BE49-F238E27FC236}">
+                <a16:creationId xmlns:a16="http://schemas.microsoft.com/office/drawing/2014/main" id="{E4E3BACC-2ADE-5152-C59E-E44C63A684E5}"/>
+              </a:ext>
+            </a:extLst>
+          </p:cNvPr>
+          <p:cNvSpPr/>
+          <p:nvPr/>
+        </p:nvSpPr>
+        <p:spPr>
+          <a:xfrm>
+            <a:off x="2785368" y="6490481"/>
+            <a:ext cx="1490472" cy="284400"/>
+          </a:xfrm>
+          <a:prstGeom prst="roundRect">
+            <a:avLst/>
+          </a:prstGeom>
+          <a:solidFill>
+            <a:schemeClr val="accent5">
+              <a:lumMod val="40000"/>
+              <a:lumOff val="60000"/>
+            </a:schemeClr>
+          </a:solidFill>
+        </p:spPr>
+        <p:style>
+          <a:lnRef idx="2">
+            <a:schemeClr val="accent1">
+              <a:shade val="15000"/>
+            </a:schemeClr>
+          </a:lnRef>
+          <a:fillRef idx="1">
+            <a:schemeClr val="accent1"/>
+          </a:fillRef>
+          <a:effectRef idx="0">
+            <a:schemeClr val="accent1"/>
+          </a:effectRef>
+          <a:fontRef idx="minor">
+            <a:schemeClr val="lt1"/>
+          </a:fontRef>
+        </p:style>
+        <p:txBody>
+          <a:bodyPr rtlCol="0" anchor="ctr"/>
+          <a:lstStyle/>
+          <a:p>
+            <a:pPr algn="ctr"/>
+            <a:r>
+              <a:rPr lang="en-US" dirty="0">
+                <a:solidFill>
+                  <a:schemeClr val="bg2">
+                    <a:lumMod val="10000"/>
+                  </a:schemeClr>
+                </a:solidFill>
+                <a:latin typeface="Consolas" panose="020B0609020204030204" pitchFamily="49" charset="0"/>
+                <a:cs typeface="Consolas" panose="020B0609020204030204" pitchFamily="49" charset="0"/>
+              </a:rPr>
+              <a:t>eval()</a:t>
+            </a:r>
+          </a:p>
+        </p:txBody>
+      </p:sp>
+      <p:sp>
+        <p:nvSpPr>
+          <p:cNvPr id="70" name="Rounded Rectangle 69">
+            <a:extLst>
+              <a:ext uri="{FF2B5EF4-FFF2-40B4-BE49-F238E27FC236}">
+                <a16:creationId xmlns:a16="http://schemas.microsoft.com/office/drawing/2014/main" id="{0F8A360F-F592-6F04-4F9C-7041925B3AF2}"/>
+              </a:ext>
+            </a:extLst>
+          </p:cNvPr>
+          <p:cNvSpPr/>
+          <p:nvPr/>
+        </p:nvSpPr>
+        <p:spPr>
+          <a:xfrm>
+            <a:off x="3098916" y="7104726"/>
+            <a:ext cx="848152" cy="284920"/>
+          </a:xfrm>
+          <a:prstGeom prst="roundRect">
+            <a:avLst/>
+          </a:prstGeom>
+          <a:solidFill>
+            <a:schemeClr val="bg1">
+              <a:lumMod val="85000"/>
+            </a:schemeClr>
+          </a:solidFill>
+        </p:spPr>
+        <p:style>
+          <a:lnRef idx="2">
+            <a:schemeClr val="accent1">
+              <a:shade val="15000"/>
+            </a:schemeClr>
+          </a:lnRef>
+          <a:fillRef idx="1">
+            <a:schemeClr val="accent1"/>
+          </a:fillRef>
+          <a:effectRef idx="0">
+            <a:schemeClr val="accent1"/>
+          </a:effectRef>
+          <a:fontRef idx="minor">
+            <a:schemeClr val="lt1"/>
+          </a:fontRef>
+        </p:style>
+        <p:txBody>
+          <a:bodyPr rtlCol="0" anchor="ctr"/>
+          <a:lstStyle/>
+          <a:p>
+            <a:pPr algn="ctr"/>
+            <a:r>
+              <a:rPr lang="en-US" dirty="0">
+                <a:solidFill>
+                  <a:schemeClr val="bg2">
+                    <a:lumMod val="10000"/>
+                  </a:schemeClr>
+                </a:solidFill>
+                <a:latin typeface="Consolas" panose="020B0609020204030204" pitchFamily="49" charset="0"/>
+                <a:cs typeface="Consolas" panose="020B0609020204030204" pitchFamily="49" charset="0"/>
+              </a:rPr>
+              <a:t>Value</a:t>
+            </a:r>
+          </a:p>
+        </p:txBody>
+      </p:sp>
+      <p:sp>
+        <p:nvSpPr>
+          <p:cNvPr id="20" name="Rounded Rectangle 19">
+            <a:extLst>
+              <a:ext uri="{FF2B5EF4-FFF2-40B4-BE49-F238E27FC236}">
+                <a16:creationId xmlns:a16="http://schemas.microsoft.com/office/drawing/2014/main" id="{EF1D24F8-13B0-C022-180B-2896690DDA56}"/>
+              </a:ext>
+            </a:extLst>
+          </p:cNvPr>
+          <p:cNvSpPr/>
+          <p:nvPr/>
+        </p:nvSpPr>
+        <p:spPr>
+          <a:xfrm>
+            <a:off x="3799034" y="2986706"/>
+            <a:ext cx="2343912" cy="2018885"/>
+          </a:xfrm>
+          <a:prstGeom prst="roundRect">
+            <a:avLst/>
+          </a:prstGeom>
+          <a:solidFill>
+            <a:schemeClr val="accent3">
+              <a:lumMod val="40000"/>
+              <a:lumOff val="60000"/>
+            </a:schemeClr>
+          </a:solidFill>
+        </p:spPr>
+        <p:style>
+          <a:lnRef idx="2">
+            <a:schemeClr val="accent1">
+              <a:shade val="15000"/>
+            </a:schemeClr>
+          </a:lnRef>
+          <a:fillRef idx="1">
+            <a:schemeClr val="accent1"/>
+          </a:fillRef>
+          <a:effectRef idx="0">
+            <a:schemeClr val="accent1"/>
+          </a:effectRef>
+          <a:fontRef idx="minor">
+            <a:schemeClr val="lt1"/>
+          </a:fontRef>
+        </p:style>
+        <p:txBody>
+          <a:bodyPr rtlCol="0" anchor="ctr"/>
+          <a:lstStyle/>
           <a:p>
             <a:pPr algn="ctr"/>
             <a:r>
@@ -17802,8 +20147,111 @@
           </a:p>
           <a:p>
             <a:pPr algn="ctr"/>
+            <a:endParaRPr lang="en-US" dirty="0">
+              <a:solidFill>
+                <a:schemeClr val="bg2">
+                  <a:lumMod val="10000"/>
+                </a:schemeClr>
+              </a:solidFill>
+              <a:latin typeface="Consolas" panose="020B0609020204030204" pitchFamily="49" charset="0"/>
+              <a:cs typeface="Consolas" panose="020B0609020204030204" pitchFamily="49" charset="0"/>
+            </a:endParaRPr>
+          </a:p>
+          <a:p>
+            <a:pPr algn="ctr"/>
+            <a:endParaRPr lang="en-US" dirty="0">
+              <a:solidFill>
+                <a:schemeClr val="bg2">
+                  <a:lumMod val="10000"/>
+                </a:schemeClr>
+              </a:solidFill>
+              <a:latin typeface="Consolas" panose="020B0609020204030204" pitchFamily="49" charset="0"/>
+              <a:cs typeface="Consolas" panose="020B0609020204030204" pitchFamily="49" charset="0"/>
+            </a:endParaRPr>
+          </a:p>
+          <a:p>
+            <a:pPr algn="ctr"/>
+            <a:endParaRPr lang="en-US" dirty="0">
+              <a:solidFill>
+                <a:schemeClr val="bg2">
+                  <a:lumMod val="10000"/>
+                </a:schemeClr>
+              </a:solidFill>
+              <a:latin typeface="Consolas" panose="020B0609020204030204" pitchFamily="49" charset="0"/>
+              <a:cs typeface="Consolas" panose="020B0609020204030204" pitchFamily="49" charset="0"/>
+            </a:endParaRPr>
+          </a:p>
+          <a:p>
+            <a:pPr algn="ctr"/>
+            <a:endParaRPr lang="en-US" dirty="0">
+              <a:solidFill>
+                <a:schemeClr val="bg2">
+                  <a:lumMod val="10000"/>
+                </a:schemeClr>
+              </a:solidFill>
+              <a:latin typeface="Consolas" panose="020B0609020204030204" pitchFamily="49" charset="0"/>
+              <a:cs typeface="Consolas" panose="020B0609020204030204" pitchFamily="49" charset="0"/>
+            </a:endParaRPr>
+          </a:p>
+        </p:txBody>
+      </p:sp>
+      <p:sp>
+        <p:nvSpPr>
+          <p:cNvPr id="21" name="Rounded Rectangle 20">
+            <a:extLst>
+              <a:ext uri="{FF2B5EF4-FFF2-40B4-BE49-F238E27FC236}">
+                <a16:creationId xmlns:a16="http://schemas.microsoft.com/office/drawing/2014/main" id="{BA65DF73-2A42-3AE5-27CB-91E985B63F59}"/>
+              </a:ext>
+            </a:extLst>
+          </p:cNvPr>
+          <p:cNvSpPr/>
+          <p:nvPr/>
+        </p:nvSpPr>
+        <p:spPr>
+          <a:xfrm>
+            <a:off x="4610990" y="2396814"/>
+            <a:ext cx="720000" cy="720000"/>
+          </a:xfrm>
+          <a:prstGeom prst="roundRect">
+            <a:avLst/>
+          </a:prstGeom>
+          <a:solidFill>
+            <a:schemeClr val="accent4">
+              <a:lumMod val="60000"/>
+              <a:lumOff val="40000"/>
+            </a:schemeClr>
+          </a:solidFill>
+          <a:ln w="28575">
+            <a:solidFill>
+              <a:schemeClr val="bg2">
+                <a:lumMod val="10000"/>
+              </a:schemeClr>
+            </a:solidFill>
+          </a:ln>
+        </p:spPr>
+        <p:style>
+          <a:lnRef idx="2">
+            <a:schemeClr val="accent1">
+              <a:shade val="15000"/>
+            </a:schemeClr>
+          </a:lnRef>
+          <a:fillRef idx="1">
+            <a:schemeClr val="accent1"/>
+          </a:fillRef>
+          <a:effectRef idx="0">
+            <a:schemeClr val="accent1"/>
+          </a:effectRef>
+          <a:fontRef idx="minor">
+            <a:schemeClr val="lt1"/>
+          </a:fontRef>
+        </p:style>
+        <p:txBody>
+          <a:bodyPr rtlCol="0" anchor="ctr"/>
+          <a:lstStyle/>
+          <a:p>
+            <a:pPr algn="ctr"/>
             <a:r>
-              <a:rPr lang="en-US" dirty="0">
+              <a:rPr lang="en-US" sz="6000" dirty="0">
                 <a:solidFill>
                   <a:schemeClr val="bg2">
                     <a:lumMod val="10000"/>
@@ -17812,9 +20260,392 @@
                 <a:latin typeface="Consolas" panose="020B0609020204030204" pitchFamily="49" charset="0"/>
                 <a:cs typeface="Consolas" panose="020B0609020204030204" pitchFamily="49" charset="0"/>
               </a:rPr>
-              <a:t>Left child:</a:t>
+              <a:t>*</a:t>
             </a:r>
-          </a:p>
+            <a:endParaRPr lang="en-US" sz="3200" dirty="0">
+              <a:solidFill>
+                <a:schemeClr val="bg2">
+                  <a:lumMod val="10000"/>
+                </a:schemeClr>
+              </a:solidFill>
+              <a:latin typeface="Consolas" panose="020B0609020204030204" pitchFamily="49" charset="0"/>
+              <a:cs typeface="Consolas" panose="020B0609020204030204" pitchFamily="49" charset="0"/>
+            </a:endParaRPr>
+          </a:p>
+        </p:txBody>
+      </p:sp>
+      <p:grpSp>
+        <p:nvGrpSpPr>
+          <p:cNvPr id="22" name="Group 21">
+            <a:extLst>
+              <a:ext uri="{FF2B5EF4-FFF2-40B4-BE49-F238E27FC236}">
+                <a16:creationId xmlns:a16="http://schemas.microsoft.com/office/drawing/2014/main" id="{BCA7D417-6577-D37A-35A8-61E5736C0CA0}"/>
+              </a:ext>
+            </a:extLst>
+          </p:cNvPr>
+          <p:cNvGrpSpPr/>
+          <p:nvPr/>
+        </p:nvGrpSpPr>
+        <p:grpSpPr>
+          <a:xfrm>
+            <a:off x="3914096" y="4754725"/>
+            <a:ext cx="2113788" cy="518564"/>
+            <a:chOff x="2156460" y="3297006"/>
+            <a:chExt cx="2113788" cy="518564"/>
+          </a:xfrm>
+        </p:grpSpPr>
+        <p:sp>
+          <p:nvSpPr>
+            <p:cNvPr id="23" name="Rounded Rectangle 22">
+              <a:extLst>
+                <a:ext uri="{FF2B5EF4-FFF2-40B4-BE49-F238E27FC236}">
+                  <a16:creationId xmlns:a16="http://schemas.microsoft.com/office/drawing/2014/main" id="{4FD76393-ECC7-70CF-0532-3789CD8AC342}"/>
+                </a:ext>
+              </a:extLst>
+            </p:cNvPr>
+            <p:cNvSpPr/>
+            <p:nvPr/>
+          </p:nvSpPr>
+          <p:spPr>
+            <a:xfrm>
+              <a:off x="2468118" y="3405412"/>
+              <a:ext cx="1490472" cy="284920"/>
+            </a:xfrm>
+            <a:prstGeom prst="roundRect">
+              <a:avLst/>
+            </a:prstGeom>
+            <a:solidFill>
+              <a:schemeClr val="bg1">
+                <a:lumMod val="85000"/>
+              </a:schemeClr>
+            </a:solidFill>
+          </p:spPr>
+          <p:style>
+            <a:lnRef idx="2">
+              <a:schemeClr val="accent1">
+                <a:shade val="15000"/>
+              </a:schemeClr>
+            </a:lnRef>
+            <a:fillRef idx="1">
+              <a:schemeClr val="accent1"/>
+            </a:fillRef>
+            <a:effectRef idx="0">
+              <a:schemeClr val="accent1"/>
+            </a:effectRef>
+            <a:fontRef idx="minor">
+              <a:schemeClr val="lt1"/>
+            </a:fontRef>
+          </p:style>
+          <p:txBody>
+            <a:bodyPr rtlCol="0" anchor="ctr"/>
+            <a:lstStyle/>
+            <a:p>
+              <a:pPr algn="ctr"/>
+              <a:r>
+                <a:rPr lang="en-US" dirty="0">
+                  <a:solidFill>
+                    <a:schemeClr val="bg2">
+                      <a:lumMod val="10000"/>
+                    </a:schemeClr>
+                  </a:solidFill>
+                  <a:latin typeface="Consolas" panose="020B0609020204030204" pitchFamily="49" charset="0"/>
+                  <a:cs typeface="Consolas" panose="020B0609020204030204" pitchFamily="49" charset="0"/>
+                </a:rPr>
+                <a:t>Children</a:t>
+              </a:r>
+            </a:p>
+          </p:txBody>
+        </p:sp>
+        <p:sp>
+          <p:nvSpPr>
+            <p:cNvPr id="24" name="Rounded Rectangle 23">
+              <a:extLst>
+                <a:ext uri="{FF2B5EF4-FFF2-40B4-BE49-F238E27FC236}">
+                  <a16:creationId xmlns:a16="http://schemas.microsoft.com/office/drawing/2014/main" id="{26896A4C-C74E-BC9E-964A-F0EE5C42C256}"/>
+                </a:ext>
+              </a:extLst>
+            </p:cNvPr>
+            <p:cNvSpPr/>
+            <p:nvPr/>
+          </p:nvSpPr>
+          <p:spPr>
+            <a:xfrm>
+              <a:off x="2156460" y="3297006"/>
+              <a:ext cx="501732" cy="501732"/>
+            </a:xfrm>
+            <a:prstGeom prst="roundRect">
+              <a:avLst/>
+            </a:prstGeom>
+            <a:solidFill>
+              <a:srgbClr val="F79ED1"/>
+            </a:solidFill>
+            <a:ln w="28575">
+              <a:solidFill>
+                <a:schemeClr val="bg2">
+                  <a:lumMod val="10000"/>
+                </a:schemeClr>
+              </a:solidFill>
+            </a:ln>
+          </p:spPr>
+          <p:style>
+            <a:lnRef idx="2">
+              <a:schemeClr val="accent1">
+                <a:shade val="15000"/>
+              </a:schemeClr>
+            </a:lnRef>
+            <a:fillRef idx="1">
+              <a:schemeClr val="accent1"/>
+            </a:fillRef>
+            <a:effectRef idx="0">
+              <a:schemeClr val="accent1"/>
+            </a:effectRef>
+            <a:fontRef idx="minor">
+              <a:schemeClr val="lt1"/>
+            </a:fontRef>
+          </p:style>
+          <p:txBody>
+            <a:bodyPr rtlCol="0" anchor="ctr"/>
+            <a:lstStyle/>
+            <a:p>
+              <a:pPr algn="ctr"/>
+              <a:r>
+                <a:rPr lang="en-US" sz="3200" dirty="0">
+                  <a:solidFill>
+                    <a:schemeClr val="bg2">
+                      <a:lumMod val="10000"/>
+                    </a:schemeClr>
+                  </a:solidFill>
+                  <a:latin typeface="Consolas" panose="020B0609020204030204" pitchFamily="49" charset="0"/>
+                  <a:cs typeface="Consolas" panose="020B0609020204030204" pitchFamily="49" charset="0"/>
+                </a:rPr>
+                <a:t>L</a:t>
+              </a:r>
+            </a:p>
+          </p:txBody>
+        </p:sp>
+        <p:sp>
+          <p:nvSpPr>
+            <p:cNvPr id="25" name="Rounded Rectangle 24">
+              <a:extLst>
+                <a:ext uri="{FF2B5EF4-FFF2-40B4-BE49-F238E27FC236}">
+                  <a16:creationId xmlns:a16="http://schemas.microsoft.com/office/drawing/2014/main" id="{F9732D2C-53AC-BABD-91B6-09B50BE9C2A2}"/>
+                </a:ext>
+              </a:extLst>
+            </p:cNvPr>
+            <p:cNvSpPr/>
+            <p:nvPr/>
+          </p:nvSpPr>
+          <p:spPr>
+            <a:xfrm>
+              <a:off x="3768516" y="3313838"/>
+              <a:ext cx="501732" cy="501732"/>
+            </a:xfrm>
+            <a:prstGeom prst="roundRect">
+              <a:avLst/>
+            </a:prstGeom>
+            <a:solidFill>
+              <a:srgbClr val="F79ED1"/>
+            </a:solidFill>
+            <a:ln w="28575">
+              <a:solidFill>
+                <a:schemeClr val="bg2">
+                  <a:lumMod val="10000"/>
+                </a:schemeClr>
+              </a:solidFill>
+            </a:ln>
+          </p:spPr>
+          <p:style>
+            <a:lnRef idx="2">
+              <a:schemeClr val="accent1">
+                <a:shade val="15000"/>
+              </a:schemeClr>
+            </a:lnRef>
+            <a:fillRef idx="1">
+              <a:schemeClr val="accent1"/>
+            </a:fillRef>
+            <a:effectRef idx="0">
+              <a:schemeClr val="accent1"/>
+            </a:effectRef>
+            <a:fontRef idx="minor">
+              <a:schemeClr val="lt1"/>
+            </a:fontRef>
+          </p:style>
+          <p:txBody>
+            <a:bodyPr rtlCol="0" anchor="ctr"/>
+            <a:lstStyle/>
+            <a:p>
+              <a:pPr algn="ctr"/>
+              <a:r>
+                <a:rPr lang="en-US" sz="3200" dirty="0">
+                  <a:solidFill>
+                    <a:schemeClr val="bg2">
+                      <a:lumMod val="10000"/>
+                    </a:schemeClr>
+                  </a:solidFill>
+                  <a:latin typeface="Consolas" panose="020B0609020204030204" pitchFamily="49" charset="0"/>
+                  <a:cs typeface="Consolas" panose="020B0609020204030204" pitchFamily="49" charset="0"/>
+                </a:rPr>
+                <a:t>R</a:t>
+              </a:r>
+            </a:p>
+          </p:txBody>
+        </p:sp>
+      </p:grpSp>
+      <p:sp>
+        <p:nvSpPr>
+          <p:cNvPr id="26" name="Bent Arrow 25">
+            <a:extLst>
+              <a:ext uri="{FF2B5EF4-FFF2-40B4-BE49-F238E27FC236}">
+                <a16:creationId xmlns:a16="http://schemas.microsoft.com/office/drawing/2014/main" id="{1E8B9CDE-E16B-01C4-2967-9D345BA097B4}"/>
+              </a:ext>
+            </a:extLst>
+          </p:cNvPr>
+          <p:cNvSpPr/>
+          <p:nvPr/>
+        </p:nvSpPr>
+        <p:spPr>
+          <a:xfrm rot="16200000" flipH="1">
+            <a:off x="3410177" y="4924715"/>
+            <a:ext cx="501733" cy="501732"/>
+          </a:xfrm>
+          <a:prstGeom prst="bentArrow">
+            <a:avLst/>
+          </a:prstGeom>
+          <a:solidFill>
+            <a:schemeClr val="accent5"/>
+          </a:solidFill>
+          <a:ln w="28575"/>
+        </p:spPr>
+        <p:style>
+          <a:lnRef idx="2">
+            <a:schemeClr val="accent1">
+              <a:shade val="15000"/>
+            </a:schemeClr>
+          </a:lnRef>
+          <a:fillRef idx="1">
+            <a:schemeClr val="accent1"/>
+          </a:fillRef>
+          <a:effectRef idx="0">
+            <a:schemeClr val="accent1"/>
+          </a:effectRef>
+          <a:fontRef idx="minor">
+            <a:schemeClr val="lt1"/>
+          </a:fontRef>
+        </p:style>
+        <p:txBody>
+          <a:bodyPr rtlCol="0" anchor="ctr"/>
+          <a:lstStyle/>
+          <a:p>
+            <a:pPr algn="ctr"/>
+            <a:endParaRPr lang="en-US">
+              <a:solidFill>
+                <a:schemeClr val="tx1"/>
+              </a:solidFill>
+            </a:endParaRPr>
+          </a:p>
+        </p:txBody>
+      </p:sp>
+      <p:sp>
+        <p:nvSpPr>
+          <p:cNvPr id="35" name="Bent Arrow 34">
+            <a:extLst>
+              <a:ext uri="{FF2B5EF4-FFF2-40B4-BE49-F238E27FC236}">
+                <a16:creationId xmlns:a16="http://schemas.microsoft.com/office/drawing/2014/main" id="{09803D04-B356-0BEF-2488-2F3CA935ADFB}"/>
+              </a:ext>
+            </a:extLst>
+          </p:cNvPr>
+          <p:cNvSpPr/>
+          <p:nvPr/>
+        </p:nvSpPr>
+        <p:spPr>
+          <a:xfrm rot="16200000" flipH="1" flipV="1">
+            <a:off x="6034547" y="4917924"/>
+            <a:ext cx="501733" cy="504000"/>
+          </a:xfrm>
+          <a:prstGeom prst="bentArrow">
+            <a:avLst/>
+          </a:prstGeom>
+          <a:solidFill>
+            <a:schemeClr val="accent5"/>
+          </a:solidFill>
+          <a:ln w="28575"/>
+        </p:spPr>
+        <p:style>
+          <a:lnRef idx="2">
+            <a:schemeClr val="accent1">
+              <a:shade val="15000"/>
+            </a:schemeClr>
+          </a:lnRef>
+          <a:fillRef idx="1">
+            <a:schemeClr val="accent1"/>
+          </a:fillRef>
+          <a:effectRef idx="0">
+            <a:schemeClr val="accent1"/>
+          </a:effectRef>
+          <a:fontRef idx="minor">
+            <a:schemeClr val="lt1"/>
+          </a:fontRef>
+        </p:style>
+        <p:txBody>
+          <a:bodyPr rtlCol="0" anchor="ctr"/>
+          <a:lstStyle/>
+          <a:p>
+            <a:pPr algn="ctr"/>
+            <a:endParaRPr lang="en-US">
+              <a:solidFill>
+                <a:schemeClr val="tx1"/>
+              </a:solidFill>
+            </a:endParaRPr>
+          </a:p>
+        </p:txBody>
+      </p:sp>
+      <p:sp>
+        <p:nvSpPr>
+          <p:cNvPr id="36" name="Rounded Rectangle 35">
+            <a:extLst>
+              <a:ext uri="{FF2B5EF4-FFF2-40B4-BE49-F238E27FC236}">
+                <a16:creationId xmlns:a16="http://schemas.microsoft.com/office/drawing/2014/main" id="{25EB9564-7F86-E842-5BFC-CD7FD78118AB}"/>
+              </a:ext>
+            </a:extLst>
+          </p:cNvPr>
+          <p:cNvSpPr/>
+          <p:nvPr/>
+        </p:nvSpPr>
+        <p:spPr>
+          <a:xfrm>
+            <a:off x="3606401" y="3760060"/>
+            <a:ext cx="2729178" cy="919507"/>
+          </a:xfrm>
+          <a:prstGeom prst="roundRect">
+            <a:avLst/>
+          </a:prstGeom>
+          <a:solidFill>
+            <a:schemeClr val="accent4">
+              <a:lumMod val="20000"/>
+              <a:lumOff val="80000"/>
+            </a:schemeClr>
+          </a:solidFill>
+          <a:ln w="28575"/>
+        </p:spPr>
+        <p:style>
+          <a:lnRef idx="2">
+            <a:schemeClr val="accent1">
+              <a:shade val="15000"/>
+            </a:schemeClr>
+          </a:lnRef>
+          <a:fillRef idx="1">
+            <a:schemeClr val="accent1"/>
+          </a:fillRef>
+          <a:effectRef idx="0">
+            <a:schemeClr val="accent1"/>
+          </a:effectRef>
+          <a:fontRef idx="minor">
+            <a:schemeClr val="lt1"/>
+          </a:fontRef>
+        </p:style>
+        <p:txBody>
+          <a:bodyPr rtlCol="0" anchor="ctr"/>
+          <a:lstStyle/>
           <a:p>
             <a:pPr algn="ctr"/>
             <a:r>
@@ -17827,8 +20658,537 @@
                 <a:latin typeface="Consolas" panose="020B0609020204030204" pitchFamily="49" charset="0"/>
                 <a:cs typeface="Consolas" panose="020B0609020204030204" pitchFamily="49" charset="0"/>
               </a:rPr>
-              <a:t>Right child:</a:t>
+              <a:t>return</a:t>
             </a:r>
+          </a:p>
+          <a:p>
+            <a:pPr algn="ctr"/>
+            <a:endParaRPr lang="en-US" dirty="0">
+              <a:solidFill>
+                <a:schemeClr val="bg2">
+                  <a:lumMod val="10000"/>
+                </a:schemeClr>
+              </a:solidFill>
+              <a:latin typeface="Consolas" panose="020B0609020204030204" pitchFamily="49" charset="0"/>
+              <a:cs typeface="Consolas" panose="020B0609020204030204" pitchFamily="49" charset="0"/>
+            </a:endParaRPr>
+          </a:p>
+          <a:p>
+            <a:pPr algn="ctr"/>
+            <a:endParaRPr lang="en-US" b="1" dirty="0">
+              <a:solidFill>
+                <a:schemeClr val="bg2">
+                  <a:lumMod val="10000"/>
+                </a:schemeClr>
+              </a:solidFill>
+              <a:latin typeface="Consolas" panose="020B0609020204030204" pitchFamily="49" charset="0"/>
+              <a:cs typeface="Consolas" panose="020B0609020204030204" pitchFamily="49" charset="0"/>
+            </a:endParaRPr>
+          </a:p>
+        </p:txBody>
+      </p:sp>
+      <p:sp>
+        <p:nvSpPr>
+          <p:cNvPr id="37" name="Rounded Rectangle 36">
+            <a:extLst>
+              <a:ext uri="{FF2B5EF4-FFF2-40B4-BE49-F238E27FC236}">
+                <a16:creationId xmlns:a16="http://schemas.microsoft.com/office/drawing/2014/main" id="{D94EDD11-D4E1-8DB5-A794-3BFC187FB8BC}"/>
+              </a:ext>
+            </a:extLst>
+          </p:cNvPr>
+          <p:cNvSpPr/>
+          <p:nvPr/>
+        </p:nvSpPr>
+        <p:spPr>
+          <a:xfrm>
+            <a:off x="4225754" y="3538793"/>
+            <a:ext cx="1490472" cy="284400"/>
+          </a:xfrm>
+          <a:prstGeom prst="roundRect">
+            <a:avLst/>
+          </a:prstGeom>
+          <a:solidFill>
+            <a:schemeClr val="accent5">
+              <a:lumMod val="40000"/>
+              <a:lumOff val="60000"/>
+            </a:schemeClr>
+          </a:solidFill>
+        </p:spPr>
+        <p:style>
+          <a:lnRef idx="2">
+            <a:schemeClr val="accent1">
+              <a:shade val="15000"/>
+            </a:schemeClr>
+          </a:lnRef>
+          <a:fillRef idx="1">
+            <a:schemeClr val="accent1"/>
+          </a:fillRef>
+          <a:effectRef idx="0">
+            <a:schemeClr val="accent1"/>
+          </a:effectRef>
+          <a:fontRef idx="minor">
+            <a:schemeClr val="lt1"/>
+          </a:fontRef>
+        </p:style>
+        <p:txBody>
+          <a:bodyPr rtlCol="0" anchor="ctr"/>
+          <a:lstStyle/>
+          <a:p>
+            <a:pPr algn="ctr"/>
+            <a:r>
+              <a:rPr lang="en-US" dirty="0">
+                <a:solidFill>
+                  <a:schemeClr val="bg2">
+                    <a:lumMod val="10000"/>
+                  </a:schemeClr>
+                </a:solidFill>
+                <a:latin typeface="Consolas" panose="020B0609020204030204" pitchFamily="49" charset="0"/>
+                <a:cs typeface="Consolas" panose="020B0609020204030204" pitchFamily="49" charset="0"/>
+              </a:rPr>
+              <a:t>eval()</a:t>
+            </a:r>
+          </a:p>
+        </p:txBody>
+      </p:sp>
+      <p:grpSp>
+        <p:nvGrpSpPr>
+          <p:cNvPr id="38" name="Group 37">
+            <a:extLst>
+              <a:ext uri="{FF2B5EF4-FFF2-40B4-BE49-F238E27FC236}">
+                <a16:creationId xmlns:a16="http://schemas.microsoft.com/office/drawing/2014/main" id="{A1082EA8-BA3C-E85A-F3C9-7DB7FA5D5553}"/>
+              </a:ext>
+            </a:extLst>
+          </p:cNvPr>
+          <p:cNvGrpSpPr/>
+          <p:nvPr/>
+        </p:nvGrpSpPr>
+        <p:grpSpPr>
+          <a:xfrm>
+            <a:off x="3655733" y="4078685"/>
+            <a:ext cx="2630514" cy="555935"/>
+            <a:chOff x="6618333" y="2061199"/>
+            <a:chExt cx="2630514" cy="555935"/>
+          </a:xfrm>
+        </p:grpSpPr>
+        <p:sp>
+          <p:nvSpPr>
+            <p:cNvPr id="42" name="Rounded Rectangle 41">
+              <a:extLst>
+                <a:ext uri="{FF2B5EF4-FFF2-40B4-BE49-F238E27FC236}">
+                  <a16:creationId xmlns:a16="http://schemas.microsoft.com/office/drawing/2014/main" id="{75A474E6-BE83-1E1B-3A48-9F783022D60A}"/>
+                </a:ext>
+              </a:extLst>
+            </p:cNvPr>
+            <p:cNvSpPr/>
+            <p:nvPr/>
+          </p:nvSpPr>
+          <p:spPr>
+            <a:xfrm>
+              <a:off x="6618333" y="2169865"/>
+              <a:ext cx="754880" cy="284400"/>
+            </a:xfrm>
+            <a:prstGeom prst="roundRect">
+              <a:avLst/>
+            </a:prstGeom>
+            <a:solidFill>
+              <a:schemeClr val="accent5">
+                <a:lumMod val="40000"/>
+                <a:lumOff val="60000"/>
+              </a:schemeClr>
+            </a:solidFill>
+          </p:spPr>
+          <p:style>
+            <a:lnRef idx="2">
+              <a:schemeClr val="accent1">
+                <a:shade val="15000"/>
+              </a:schemeClr>
+            </a:lnRef>
+            <a:fillRef idx="1">
+              <a:schemeClr val="accent1"/>
+            </a:fillRef>
+            <a:effectRef idx="0">
+              <a:schemeClr val="accent1"/>
+            </a:effectRef>
+            <a:fontRef idx="minor">
+              <a:schemeClr val="lt1"/>
+            </a:fontRef>
+          </p:style>
+          <p:txBody>
+            <a:bodyPr rtlCol="0" anchor="ctr"/>
+            <a:lstStyle/>
+            <a:p>
+              <a:pPr algn="ctr"/>
+              <a:r>
+                <a:rPr lang="en-US" dirty="0">
+                  <a:solidFill>
+                    <a:schemeClr val="bg2">
+                      <a:lumMod val="10000"/>
+                    </a:schemeClr>
+                  </a:solidFill>
+                  <a:latin typeface="Consolas" panose="020B0609020204030204" pitchFamily="49" charset="0"/>
+                  <a:cs typeface="Consolas" panose="020B0609020204030204" pitchFamily="49" charset="0"/>
+                </a:rPr>
+                <a:t>eval</a:t>
+              </a:r>
+            </a:p>
+          </p:txBody>
+        </p:sp>
+        <p:sp>
+          <p:nvSpPr>
+            <p:cNvPr id="47" name="Rounded Rectangle 46">
+              <a:extLst>
+                <a:ext uri="{FF2B5EF4-FFF2-40B4-BE49-F238E27FC236}">
+                  <a16:creationId xmlns:a16="http://schemas.microsoft.com/office/drawing/2014/main" id="{820C7CA2-50FB-A6BC-714D-174265A1F418}"/>
+                </a:ext>
+              </a:extLst>
+            </p:cNvPr>
+            <p:cNvSpPr/>
+            <p:nvPr/>
+          </p:nvSpPr>
+          <p:spPr>
+            <a:xfrm>
+              <a:off x="7300376" y="2061199"/>
+              <a:ext cx="501732" cy="501732"/>
+            </a:xfrm>
+            <a:prstGeom prst="roundRect">
+              <a:avLst/>
+            </a:prstGeom>
+            <a:solidFill>
+              <a:srgbClr val="F79ED1"/>
+            </a:solidFill>
+            <a:ln w="28575">
+              <a:solidFill>
+                <a:schemeClr val="bg2">
+                  <a:lumMod val="10000"/>
+                </a:schemeClr>
+              </a:solidFill>
+            </a:ln>
+          </p:spPr>
+          <p:style>
+            <a:lnRef idx="2">
+              <a:schemeClr val="accent1">
+                <a:shade val="15000"/>
+              </a:schemeClr>
+            </a:lnRef>
+            <a:fillRef idx="1">
+              <a:schemeClr val="accent1"/>
+            </a:fillRef>
+            <a:effectRef idx="0">
+              <a:schemeClr val="accent1"/>
+            </a:effectRef>
+            <a:fontRef idx="minor">
+              <a:schemeClr val="lt1"/>
+            </a:fontRef>
+          </p:style>
+          <p:txBody>
+            <a:bodyPr rtlCol="0" anchor="ctr"/>
+            <a:lstStyle/>
+            <a:p>
+              <a:pPr algn="ctr"/>
+              <a:r>
+                <a:rPr lang="en-US" sz="3200" dirty="0">
+                  <a:solidFill>
+                    <a:schemeClr val="bg2">
+                      <a:lumMod val="10000"/>
+                    </a:schemeClr>
+                  </a:solidFill>
+                  <a:latin typeface="Consolas" panose="020B0609020204030204" pitchFamily="49" charset="0"/>
+                  <a:cs typeface="Consolas" panose="020B0609020204030204" pitchFamily="49" charset="0"/>
+                </a:rPr>
+                <a:t>L</a:t>
+              </a:r>
+            </a:p>
+          </p:txBody>
+        </p:sp>
+        <p:sp>
+          <p:nvSpPr>
+            <p:cNvPr id="49" name="TextBox 48">
+              <a:extLst>
+                <a:ext uri="{FF2B5EF4-FFF2-40B4-BE49-F238E27FC236}">
+                  <a16:creationId xmlns:a16="http://schemas.microsoft.com/office/drawing/2014/main" id="{4A17C87A-867E-BFDC-F582-27000E6EE2C6}"/>
+                </a:ext>
+              </a:extLst>
+            </p:cNvPr>
+            <p:cNvSpPr txBox="1"/>
+            <p:nvPr/>
+          </p:nvSpPr>
+          <p:spPr>
+            <a:xfrm>
+              <a:off x="7754851" y="2093914"/>
+              <a:ext cx="342019" cy="523220"/>
+            </a:xfrm>
+            <a:prstGeom prst="rect">
+              <a:avLst/>
+            </a:prstGeom>
+            <a:noFill/>
+          </p:spPr>
+          <p:txBody>
+            <a:bodyPr wrap="square" rtlCol="0">
+              <a:spAutoFit/>
+            </a:bodyPr>
+            <a:lstStyle/>
+            <a:p>
+              <a:r>
+                <a:rPr lang="en-US" sz="2800" b="1" dirty="0">
+                  <a:latin typeface="Consolas" panose="020B0609020204030204" pitchFamily="49" charset="0"/>
+                  <a:cs typeface="Consolas" panose="020B0609020204030204" pitchFamily="49" charset="0"/>
+                </a:rPr>
+                <a:t>*</a:t>
+              </a:r>
+            </a:p>
+          </p:txBody>
+        </p:sp>
+        <p:sp>
+          <p:nvSpPr>
+            <p:cNvPr id="50" name="Rounded Rectangle 49">
+              <a:extLst>
+                <a:ext uri="{FF2B5EF4-FFF2-40B4-BE49-F238E27FC236}">
+                  <a16:creationId xmlns:a16="http://schemas.microsoft.com/office/drawing/2014/main" id="{0F4272A3-512E-D48A-6D51-32E335E8C9B9}"/>
+                </a:ext>
+              </a:extLst>
+            </p:cNvPr>
+            <p:cNvSpPr/>
+            <p:nvPr/>
+          </p:nvSpPr>
+          <p:spPr>
+            <a:xfrm>
+              <a:off x="8065072" y="2169865"/>
+              <a:ext cx="754880" cy="284400"/>
+            </a:xfrm>
+            <a:prstGeom prst="roundRect">
+              <a:avLst/>
+            </a:prstGeom>
+            <a:solidFill>
+              <a:schemeClr val="accent5">
+                <a:lumMod val="40000"/>
+                <a:lumOff val="60000"/>
+              </a:schemeClr>
+            </a:solidFill>
+          </p:spPr>
+          <p:style>
+            <a:lnRef idx="2">
+              <a:schemeClr val="accent1">
+                <a:shade val="15000"/>
+              </a:schemeClr>
+            </a:lnRef>
+            <a:fillRef idx="1">
+              <a:schemeClr val="accent1"/>
+            </a:fillRef>
+            <a:effectRef idx="0">
+              <a:schemeClr val="accent1"/>
+            </a:effectRef>
+            <a:fontRef idx="minor">
+              <a:schemeClr val="lt1"/>
+            </a:fontRef>
+          </p:style>
+          <p:txBody>
+            <a:bodyPr rtlCol="0" anchor="ctr"/>
+            <a:lstStyle/>
+            <a:p>
+              <a:pPr algn="ctr"/>
+              <a:r>
+                <a:rPr lang="en-US" dirty="0">
+                  <a:solidFill>
+                    <a:schemeClr val="bg2">
+                      <a:lumMod val="10000"/>
+                    </a:schemeClr>
+                  </a:solidFill>
+                  <a:latin typeface="Consolas" panose="020B0609020204030204" pitchFamily="49" charset="0"/>
+                  <a:cs typeface="Consolas" panose="020B0609020204030204" pitchFamily="49" charset="0"/>
+                </a:rPr>
+                <a:t>eval</a:t>
+              </a:r>
+            </a:p>
+          </p:txBody>
+        </p:sp>
+        <p:sp>
+          <p:nvSpPr>
+            <p:cNvPr id="51" name="Rounded Rectangle 50">
+              <a:extLst>
+                <a:ext uri="{FF2B5EF4-FFF2-40B4-BE49-F238E27FC236}">
+                  <a16:creationId xmlns:a16="http://schemas.microsoft.com/office/drawing/2014/main" id="{F0437843-CDE9-23FC-9984-5D640606A7DC}"/>
+                </a:ext>
+              </a:extLst>
+            </p:cNvPr>
+            <p:cNvSpPr/>
+            <p:nvPr/>
+          </p:nvSpPr>
+          <p:spPr>
+            <a:xfrm>
+              <a:off x="8747115" y="2061199"/>
+              <a:ext cx="501732" cy="501732"/>
+            </a:xfrm>
+            <a:prstGeom prst="roundRect">
+              <a:avLst/>
+            </a:prstGeom>
+            <a:solidFill>
+              <a:srgbClr val="F79ED1"/>
+            </a:solidFill>
+            <a:ln w="28575">
+              <a:solidFill>
+                <a:schemeClr val="bg2">
+                  <a:lumMod val="10000"/>
+                </a:schemeClr>
+              </a:solidFill>
+            </a:ln>
+          </p:spPr>
+          <p:style>
+            <a:lnRef idx="2">
+              <a:schemeClr val="accent1">
+                <a:shade val="15000"/>
+              </a:schemeClr>
+            </a:lnRef>
+            <a:fillRef idx="1">
+              <a:schemeClr val="accent1"/>
+            </a:fillRef>
+            <a:effectRef idx="0">
+              <a:schemeClr val="accent1"/>
+            </a:effectRef>
+            <a:fontRef idx="minor">
+              <a:schemeClr val="lt1"/>
+            </a:fontRef>
+          </p:style>
+          <p:txBody>
+            <a:bodyPr rtlCol="0" anchor="ctr"/>
+            <a:lstStyle/>
+            <a:p>
+              <a:pPr algn="ctr"/>
+              <a:r>
+                <a:rPr lang="en-US" sz="3200" dirty="0">
+                  <a:solidFill>
+                    <a:schemeClr val="bg2">
+                      <a:lumMod val="10000"/>
+                    </a:schemeClr>
+                  </a:solidFill>
+                  <a:latin typeface="Consolas" panose="020B0609020204030204" pitchFamily="49" charset="0"/>
+                  <a:cs typeface="Consolas" panose="020B0609020204030204" pitchFamily="49" charset="0"/>
+                </a:rPr>
+                <a:t>R</a:t>
+              </a:r>
+            </a:p>
+          </p:txBody>
+        </p:sp>
+      </p:grpSp>
+      <p:sp>
+        <p:nvSpPr>
+          <p:cNvPr id="27" name="Rounded Rectangle 26">
+            <a:extLst>
+              <a:ext uri="{FF2B5EF4-FFF2-40B4-BE49-F238E27FC236}">
+                <a16:creationId xmlns:a16="http://schemas.microsoft.com/office/drawing/2014/main" id="{1AFCA639-6D83-FEF4-02E1-9CB10D431E6C}"/>
+              </a:ext>
+            </a:extLst>
+          </p:cNvPr>
+          <p:cNvSpPr/>
+          <p:nvPr/>
+        </p:nvSpPr>
+        <p:spPr>
+          <a:xfrm>
+            <a:off x="2344351" y="0"/>
+            <a:ext cx="2343912" cy="2018885"/>
+          </a:xfrm>
+          <a:prstGeom prst="roundRect">
+            <a:avLst/>
+          </a:prstGeom>
+          <a:solidFill>
+            <a:schemeClr val="accent3">
+              <a:lumMod val="40000"/>
+              <a:lumOff val="60000"/>
+            </a:schemeClr>
+          </a:solidFill>
+        </p:spPr>
+        <p:style>
+          <a:lnRef idx="2">
+            <a:schemeClr val="accent1">
+              <a:shade val="15000"/>
+            </a:schemeClr>
+          </a:lnRef>
+          <a:fillRef idx="1">
+            <a:schemeClr val="accent1"/>
+          </a:fillRef>
+          <a:effectRef idx="0">
+            <a:schemeClr val="accent1"/>
+          </a:effectRef>
+          <a:fontRef idx="minor">
+            <a:schemeClr val="lt1"/>
+          </a:fontRef>
+        </p:style>
+        <p:txBody>
+          <a:bodyPr rtlCol="0" anchor="ctr"/>
+          <a:lstStyle/>
+          <a:p>
+            <a:pPr algn="ctr"/>
+            <a:r>
+              <a:rPr lang="en-US" dirty="0">
+                <a:solidFill>
+                  <a:schemeClr val="bg2">
+                    <a:lumMod val="10000"/>
+                  </a:schemeClr>
+                </a:solidFill>
+                <a:latin typeface="Consolas" panose="020B0609020204030204" pitchFamily="49" charset="0"/>
+                <a:cs typeface="Consolas" panose="020B0609020204030204" pitchFamily="49" charset="0"/>
+              </a:rPr>
+              <a:t>BINARY OPERATOR</a:t>
+            </a:r>
+          </a:p>
+          <a:p>
+            <a:pPr algn="ctr"/>
+            <a:endParaRPr lang="en-US" dirty="0">
+              <a:solidFill>
+                <a:schemeClr val="bg2">
+                  <a:lumMod val="10000"/>
+                </a:schemeClr>
+              </a:solidFill>
+              <a:latin typeface="Consolas" panose="020B0609020204030204" pitchFamily="49" charset="0"/>
+              <a:cs typeface="Consolas" panose="020B0609020204030204" pitchFamily="49" charset="0"/>
+            </a:endParaRPr>
+          </a:p>
+          <a:p>
+            <a:pPr algn="ctr"/>
+            <a:endParaRPr lang="en-US" dirty="0">
+              <a:solidFill>
+                <a:schemeClr val="bg2">
+                  <a:lumMod val="10000"/>
+                </a:schemeClr>
+              </a:solidFill>
+              <a:latin typeface="Consolas" panose="020B0609020204030204" pitchFamily="49" charset="0"/>
+              <a:cs typeface="Consolas" panose="020B0609020204030204" pitchFamily="49" charset="0"/>
+            </a:endParaRPr>
+          </a:p>
+          <a:p>
+            <a:pPr algn="ctr"/>
+            <a:endParaRPr lang="en-US" dirty="0">
+              <a:solidFill>
+                <a:schemeClr val="bg2">
+                  <a:lumMod val="10000"/>
+                </a:schemeClr>
+              </a:solidFill>
+              <a:latin typeface="Consolas" panose="020B0609020204030204" pitchFamily="49" charset="0"/>
+              <a:cs typeface="Consolas" panose="020B0609020204030204" pitchFamily="49" charset="0"/>
+            </a:endParaRPr>
+          </a:p>
+          <a:p>
+            <a:pPr algn="ctr"/>
+            <a:endParaRPr lang="en-US" dirty="0">
+              <a:solidFill>
+                <a:schemeClr val="bg2">
+                  <a:lumMod val="10000"/>
+                </a:schemeClr>
+              </a:solidFill>
+              <a:latin typeface="Consolas" panose="020B0609020204030204" pitchFamily="49" charset="0"/>
+              <a:cs typeface="Consolas" panose="020B0609020204030204" pitchFamily="49" charset="0"/>
+            </a:endParaRPr>
+          </a:p>
+          <a:p>
+            <a:pPr algn="ctr"/>
+            <a:endParaRPr lang="en-US" dirty="0">
+              <a:solidFill>
+                <a:schemeClr val="bg2">
+                  <a:lumMod val="10000"/>
+                </a:schemeClr>
+              </a:solidFill>
+              <a:latin typeface="Consolas" panose="020B0609020204030204" pitchFamily="49" charset="0"/>
+              <a:cs typeface="Consolas" panose="020B0609020204030204" pitchFamily="49" charset="0"/>
+            </a:endParaRPr>
           </a:p>
         </p:txBody>
       </p:sp>
@@ -17846,7 +21206,7 @@
         </p:nvSpPr>
         <p:spPr>
           <a:xfrm>
-            <a:off x="1523664" y="2207951"/>
+            <a:off x="3156307" y="-589892"/>
             <a:ext cx="720000" cy="720000"/>
           </a:xfrm>
           <a:prstGeom prst="roundRect">
@@ -17911,12 +21271,229 @@
           </a:p>
         </p:txBody>
       </p:sp>
+      <p:grpSp>
+        <p:nvGrpSpPr>
+          <p:cNvPr id="31" name="Group 30">
+            <a:extLst>
+              <a:ext uri="{FF2B5EF4-FFF2-40B4-BE49-F238E27FC236}">
+                <a16:creationId xmlns:a16="http://schemas.microsoft.com/office/drawing/2014/main" id="{483B606E-0D89-4CC2-BF5F-1C4831E28C62}"/>
+              </a:ext>
+            </a:extLst>
+          </p:cNvPr>
+          <p:cNvGrpSpPr/>
+          <p:nvPr/>
+        </p:nvGrpSpPr>
+        <p:grpSpPr>
+          <a:xfrm>
+            <a:off x="2459413" y="1768019"/>
+            <a:ext cx="2113788" cy="518564"/>
+            <a:chOff x="2156460" y="3297006"/>
+            <a:chExt cx="2113788" cy="518564"/>
+          </a:xfrm>
+        </p:grpSpPr>
+        <p:sp>
+          <p:nvSpPr>
+            <p:cNvPr id="30" name="Rounded Rectangle 29">
+              <a:extLst>
+                <a:ext uri="{FF2B5EF4-FFF2-40B4-BE49-F238E27FC236}">
+                  <a16:creationId xmlns:a16="http://schemas.microsoft.com/office/drawing/2014/main" id="{CED091DE-8BF1-6EA6-D67C-41D20789BFE4}"/>
+                </a:ext>
+              </a:extLst>
+            </p:cNvPr>
+            <p:cNvSpPr/>
+            <p:nvPr/>
+          </p:nvSpPr>
+          <p:spPr>
+            <a:xfrm>
+              <a:off x="2468118" y="3405412"/>
+              <a:ext cx="1490472" cy="284920"/>
+            </a:xfrm>
+            <a:prstGeom prst="roundRect">
+              <a:avLst/>
+            </a:prstGeom>
+            <a:solidFill>
+              <a:schemeClr val="bg1">
+                <a:lumMod val="85000"/>
+              </a:schemeClr>
+            </a:solidFill>
+          </p:spPr>
+          <p:style>
+            <a:lnRef idx="2">
+              <a:schemeClr val="accent1">
+                <a:shade val="15000"/>
+              </a:schemeClr>
+            </a:lnRef>
+            <a:fillRef idx="1">
+              <a:schemeClr val="accent1"/>
+            </a:fillRef>
+            <a:effectRef idx="0">
+              <a:schemeClr val="accent1"/>
+            </a:effectRef>
+            <a:fontRef idx="minor">
+              <a:schemeClr val="lt1"/>
+            </a:fontRef>
+          </p:style>
+          <p:txBody>
+            <a:bodyPr rtlCol="0" anchor="ctr"/>
+            <a:lstStyle/>
+            <a:p>
+              <a:pPr algn="ctr"/>
+              <a:r>
+                <a:rPr lang="en-US" dirty="0">
+                  <a:solidFill>
+                    <a:schemeClr val="bg2">
+                      <a:lumMod val="10000"/>
+                    </a:schemeClr>
+                  </a:solidFill>
+                  <a:latin typeface="Consolas" panose="020B0609020204030204" pitchFamily="49" charset="0"/>
+                  <a:cs typeface="Consolas" panose="020B0609020204030204" pitchFamily="49" charset="0"/>
+                </a:rPr>
+                <a:t>Children</a:t>
+              </a:r>
+            </a:p>
+          </p:txBody>
+        </p:sp>
+        <p:sp>
+          <p:nvSpPr>
+            <p:cNvPr id="28" name="Rounded Rectangle 27">
+              <a:extLst>
+                <a:ext uri="{FF2B5EF4-FFF2-40B4-BE49-F238E27FC236}">
+                  <a16:creationId xmlns:a16="http://schemas.microsoft.com/office/drawing/2014/main" id="{71FA3798-204F-A86C-0FDF-7F690D8958D6}"/>
+                </a:ext>
+              </a:extLst>
+            </p:cNvPr>
+            <p:cNvSpPr/>
+            <p:nvPr/>
+          </p:nvSpPr>
+          <p:spPr>
+            <a:xfrm>
+              <a:off x="2156460" y="3297006"/>
+              <a:ext cx="501732" cy="501732"/>
+            </a:xfrm>
+            <a:prstGeom prst="roundRect">
+              <a:avLst/>
+            </a:prstGeom>
+            <a:solidFill>
+              <a:srgbClr val="F79ED1"/>
+            </a:solidFill>
+            <a:ln w="28575">
+              <a:solidFill>
+                <a:schemeClr val="bg2">
+                  <a:lumMod val="10000"/>
+                </a:schemeClr>
+              </a:solidFill>
+            </a:ln>
+          </p:spPr>
+          <p:style>
+            <a:lnRef idx="2">
+              <a:schemeClr val="accent1">
+                <a:shade val="15000"/>
+              </a:schemeClr>
+            </a:lnRef>
+            <a:fillRef idx="1">
+              <a:schemeClr val="accent1"/>
+            </a:fillRef>
+            <a:effectRef idx="0">
+              <a:schemeClr val="accent1"/>
+            </a:effectRef>
+            <a:fontRef idx="minor">
+              <a:schemeClr val="lt1"/>
+            </a:fontRef>
+          </p:style>
+          <p:txBody>
+            <a:bodyPr rtlCol="0" anchor="ctr"/>
+            <a:lstStyle/>
+            <a:p>
+              <a:pPr algn="ctr"/>
+              <a:r>
+                <a:rPr lang="en-US" sz="3200" dirty="0">
+                  <a:solidFill>
+                    <a:schemeClr val="bg2">
+                      <a:lumMod val="10000"/>
+                    </a:schemeClr>
+                  </a:solidFill>
+                  <a:latin typeface="Consolas" panose="020B0609020204030204" pitchFamily="49" charset="0"/>
+                  <a:cs typeface="Consolas" panose="020B0609020204030204" pitchFamily="49" charset="0"/>
+                </a:rPr>
+                <a:t>L</a:t>
+              </a:r>
+            </a:p>
+          </p:txBody>
+        </p:sp>
+        <p:sp>
+          <p:nvSpPr>
+            <p:cNvPr id="29" name="Rounded Rectangle 28">
+              <a:extLst>
+                <a:ext uri="{FF2B5EF4-FFF2-40B4-BE49-F238E27FC236}">
+                  <a16:creationId xmlns:a16="http://schemas.microsoft.com/office/drawing/2014/main" id="{F6123942-4988-7CB3-D457-761BA6F71E73}"/>
+                </a:ext>
+              </a:extLst>
+            </p:cNvPr>
+            <p:cNvSpPr/>
+            <p:nvPr/>
+          </p:nvSpPr>
+          <p:spPr>
+            <a:xfrm>
+              <a:off x="3768516" y="3313838"/>
+              <a:ext cx="501732" cy="501732"/>
+            </a:xfrm>
+            <a:prstGeom prst="roundRect">
+              <a:avLst/>
+            </a:prstGeom>
+            <a:solidFill>
+              <a:srgbClr val="F79ED1"/>
+            </a:solidFill>
+            <a:ln w="28575">
+              <a:solidFill>
+                <a:schemeClr val="bg2">
+                  <a:lumMod val="10000"/>
+                </a:schemeClr>
+              </a:solidFill>
+            </a:ln>
+          </p:spPr>
+          <p:style>
+            <a:lnRef idx="2">
+              <a:schemeClr val="accent1">
+                <a:shade val="15000"/>
+              </a:schemeClr>
+            </a:lnRef>
+            <a:fillRef idx="1">
+              <a:schemeClr val="accent1"/>
+            </a:fillRef>
+            <a:effectRef idx="0">
+              <a:schemeClr val="accent1"/>
+            </a:effectRef>
+            <a:fontRef idx="minor">
+              <a:schemeClr val="lt1"/>
+            </a:fontRef>
+          </p:style>
+          <p:txBody>
+            <a:bodyPr rtlCol="0" anchor="ctr"/>
+            <a:lstStyle/>
+            <a:p>
+              <a:pPr algn="ctr"/>
+              <a:r>
+                <a:rPr lang="en-US" sz="3200" dirty="0">
+                  <a:solidFill>
+                    <a:schemeClr val="bg2">
+                      <a:lumMod val="10000"/>
+                    </a:schemeClr>
+                  </a:solidFill>
+                  <a:latin typeface="Consolas" panose="020B0609020204030204" pitchFamily="49" charset="0"/>
+                  <a:cs typeface="Consolas" panose="020B0609020204030204" pitchFamily="49" charset="0"/>
+                </a:rPr>
+                <a:t>R</a:t>
+              </a:r>
+            </a:p>
+          </p:txBody>
+        </p:sp>
+      </p:grpSp>
       <p:sp>
         <p:nvSpPr>
-          <p:cNvPr id="12" name="Rounded Rectangle 11">
-            <a:extLst>
-              <a:ext uri="{FF2B5EF4-FFF2-40B4-BE49-F238E27FC236}">
-                <a16:creationId xmlns:a16="http://schemas.microsoft.com/office/drawing/2014/main" id="{F2EB5AF1-644F-A19F-A590-ACA89F0E6C23}"/>
+          <p:cNvPr id="43" name="Rounded Rectangle 42">
+            <a:extLst>
+              <a:ext uri="{FF2B5EF4-FFF2-40B4-BE49-F238E27FC236}">
+                <a16:creationId xmlns:a16="http://schemas.microsoft.com/office/drawing/2014/main" id="{C2CC7086-9013-4543-FE42-BC57319D1F42}"/>
               </a:ext>
             </a:extLst>
           </p:cNvPr>
@@ -17925,14 +21502,14 @@
         </p:nvSpPr>
         <p:spPr>
           <a:xfrm>
-            <a:off x="4779024" y="2504595"/>
-            <a:ext cx="1892808" cy="851253"/>
+            <a:off x="1224347" y="2986706"/>
+            <a:ext cx="1709167" cy="1932352"/>
           </a:xfrm>
           <a:prstGeom prst="roundRect">
             <a:avLst/>
           </a:prstGeom>
           <a:solidFill>
-            <a:schemeClr val="accent3">
+            <a:schemeClr val="accent2">
               <a:lumMod val="40000"/>
               <a:lumOff val="60000"/>
             </a:schemeClr>
@@ -17986,27 +21563,60 @@
           </a:p>
           <a:p>
             <a:pPr algn="ctr"/>
-            <a:r>
-              <a:rPr lang="en-US" dirty="0">
-                <a:solidFill>
-                  <a:schemeClr val="bg2">
-                    <a:lumMod val="10000"/>
-                  </a:schemeClr>
-                </a:solidFill>
-                <a:latin typeface="Consolas" panose="020B0609020204030204" pitchFamily="49" charset="0"/>
-                <a:cs typeface="Consolas" panose="020B0609020204030204" pitchFamily="49" charset="0"/>
-              </a:rPr>
-              <a:t>Value: 4</a:t>
-            </a:r>
+            <a:endParaRPr lang="en-US" dirty="0">
+              <a:solidFill>
+                <a:schemeClr val="bg2">
+                  <a:lumMod val="10000"/>
+                </a:schemeClr>
+              </a:solidFill>
+              <a:latin typeface="Consolas" panose="020B0609020204030204" pitchFamily="49" charset="0"/>
+              <a:cs typeface="Consolas" panose="020B0609020204030204" pitchFamily="49" charset="0"/>
+            </a:endParaRPr>
+          </a:p>
+          <a:p>
+            <a:pPr algn="ctr"/>
+            <a:endParaRPr lang="en-US" dirty="0">
+              <a:solidFill>
+                <a:schemeClr val="bg2">
+                  <a:lumMod val="10000"/>
+                </a:schemeClr>
+              </a:solidFill>
+              <a:latin typeface="Consolas" panose="020B0609020204030204" pitchFamily="49" charset="0"/>
+              <a:cs typeface="Consolas" panose="020B0609020204030204" pitchFamily="49" charset="0"/>
+            </a:endParaRPr>
+          </a:p>
+          <a:p>
+            <a:pPr algn="ctr"/>
+            <a:endParaRPr lang="en-US" dirty="0">
+              <a:solidFill>
+                <a:schemeClr val="bg2">
+                  <a:lumMod val="10000"/>
+                </a:schemeClr>
+              </a:solidFill>
+              <a:latin typeface="Consolas" panose="020B0609020204030204" pitchFamily="49" charset="0"/>
+              <a:cs typeface="Consolas" panose="020B0609020204030204" pitchFamily="49" charset="0"/>
+            </a:endParaRPr>
+          </a:p>
+          <a:p>
+            <a:pPr algn="ctr"/>
+            <a:endParaRPr lang="en-US" dirty="0">
+              <a:solidFill>
+                <a:schemeClr val="bg2">
+                  <a:lumMod val="10000"/>
+                </a:schemeClr>
+              </a:solidFill>
+              <a:latin typeface="Consolas" panose="020B0609020204030204" pitchFamily="49" charset="0"/>
+              <a:cs typeface="Consolas" panose="020B0609020204030204" pitchFamily="49" charset="0"/>
+            </a:endParaRPr>
           </a:p>
         </p:txBody>
       </p:sp>
       <p:sp>
         <p:nvSpPr>
-          <p:cNvPr id="15" name="Rounded Rectangle 14">
-            <a:extLst>
-              <a:ext uri="{FF2B5EF4-FFF2-40B4-BE49-F238E27FC236}">
-                <a16:creationId xmlns:a16="http://schemas.microsoft.com/office/drawing/2014/main" id="{D378D9DA-77A8-C62D-4760-A6D1C9C549BA}"/>
+          <p:cNvPr id="44" name="Rounded Rectangle 43">
+            <a:extLst>
+              <a:ext uri="{FF2B5EF4-FFF2-40B4-BE49-F238E27FC236}">
+                <a16:creationId xmlns:a16="http://schemas.microsoft.com/office/drawing/2014/main" id="{C37F6742-3B34-F16E-5AE5-24B9D3D856AA}"/>
               </a:ext>
             </a:extLst>
           </p:cNvPr>
@@ -18015,7 +21625,7 @@
         </p:nvSpPr>
         <p:spPr>
           <a:xfrm>
-            <a:off x="4419024" y="2144594"/>
+            <a:off x="1718930" y="2396814"/>
             <a:ext cx="720000" cy="720000"/>
           </a:xfrm>
           <a:prstGeom prst="roundRect">
@@ -18057,7 +21667,338 @@
           <a:p>
             <a:pPr algn="ctr"/>
             <a:r>
-              <a:rPr lang="en-US" sz="6000" dirty="0">
+              <a:rPr lang="en-GB" sz="5400" b="1" i="0" dirty="0">
+                <a:solidFill>
+                  <a:schemeClr val="bg2">
+                    <a:lumMod val="10000"/>
+                  </a:schemeClr>
+                </a:solidFill>
+                <a:effectLst/>
+                <a:latin typeface="arial" panose="020B0604020202020204" pitchFamily="34" charset="0"/>
+              </a:rPr>
+              <a:t>𝑥</a:t>
+            </a:r>
+            <a:endParaRPr lang="en-US" sz="2800" dirty="0">
+              <a:solidFill>
+                <a:schemeClr val="bg2">
+                  <a:lumMod val="10000"/>
+                </a:schemeClr>
+              </a:solidFill>
+              <a:latin typeface="Consolas" panose="020B0609020204030204" pitchFamily="49" charset="0"/>
+              <a:cs typeface="Consolas" panose="020B0609020204030204" pitchFamily="49" charset="0"/>
+            </a:endParaRPr>
+          </a:p>
+        </p:txBody>
+      </p:sp>
+      <p:grpSp>
+        <p:nvGrpSpPr>
+          <p:cNvPr id="45" name="Group 44">
+            <a:extLst>
+              <a:ext uri="{FF2B5EF4-FFF2-40B4-BE49-F238E27FC236}">
+                <a16:creationId xmlns:a16="http://schemas.microsoft.com/office/drawing/2014/main" id="{51CA7DE0-D3E9-D580-59A3-09D6B6B690A1}"/>
+              </a:ext>
+            </a:extLst>
+          </p:cNvPr>
+          <p:cNvGrpSpPr/>
+          <p:nvPr/>
+        </p:nvGrpSpPr>
+        <p:grpSpPr>
+          <a:xfrm>
+            <a:off x="1428097" y="4659383"/>
+            <a:ext cx="1301666" cy="501732"/>
+            <a:chOff x="3110438" y="3297006"/>
+            <a:chExt cx="1301666" cy="501732"/>
+          </a:xfrm>
+        </p:grpSpPr>
+        <p:sp>
+          <p:nvSpPr>
+            <p:cNvPr id="46" name="Rounded Rectangle 45">
+              <a:extLst>
+                <a:ext uri="{FF2B5EF4-FFF2-40B4-BE49-F238E27FC236}">
+                  <a16:creationId xmlns:a16="http://schemas.microsoft.com/office/drawing/2014/main" id="{CC55BDD5-E9A7-61A5-CBCC-E1257C3D9744}"/>
+                </a:ext>
+              </a:extLst>
+            </p:cNvPr>
+            <p:cNvSpPr/>
+            <p:nvPr/>
+          </p:nvSpPr>
+          <p:spPr>
+            <a:xfrm>
+              <a:off x="3110438" y="3405412"/>
+              <a:ext cx="848152" cy="284920"/>
+            </a:xfrm>
+            <a:prstGeom prst="roundRect">
+              <a:avLst/>
+            </a:prstGeom>
+            <a:solidFill>
+              <a:schemeClr val="bg1">
+                <a:lumMod val="85000"/>
+              </a:schemeClr>
+            </a:solidFill>
+          </p:spPr>
+          <p:style>
+            <a:lnRef idx="2">
+              <a:schemeClr val="accent1">
+                <a:shade val="15000"/>
+              </a:schemeClr>
+            </a:lnRef>
+            <a:fillRef idx="1">
+              <a:schemeClr val="accent1"/>
+            </a:fillRef>
+            <a:effectRef idx="0">
+              <a:schemeClr val="accent1"/>
+            </a:effectRef>
+            <a:fontRef idx="minor">
+              <a:schemeClr val="lt1"/>
+            </a:fontRef>
+          </p:style>
+          <p:txBody>
+            <a:bodyPr rtlCol="0" anchor="ctr"/>
+            <a:lstStyle/>
+            <a:p>
+              <a:pPr algn="ctr"/>
+              <a:r>
+                <a:rPr lang="en-US" dirty="0">
+                  <a:solidFill>
+                    <a:schemeClr val="bg2">
+                      <a:lumMod val="10000"/>
+                    </a:schemeClr>
+                  </a:solidFill>
+                  <a:latin typeface="Consolas" panose="020B0609020204030204" pitchFamily="49" charset="0"/>
+                  <a:cs typeface="Consolas" panose="020B0609020204030204" pitchFamily="49" charset="0"/>
+                </a:rPr>
+                <a:t>Value</a:t>
+              </a:r>
+            </a:p>
+          </p:txBody>
+        </p:sp>
+        <p:sp>
+          <p:nvSpPr>
+            <p:cNvPr id="48" name="Rounded Rectangle 47">
+              <a:extLst>
+                <a:ext uri="{FF2B5EF4-FFF2-40B4-BE49-F238E27FC236}">
+                  <a16:creationId xmlns:a16="http://schemas.microsoft.com/office/drawing/2014/main" id="{F6FFE1E6-D605-230B-9F97-B3A51FAF2CA1}"/>
+                </a:ext>
+              </a:extLst>
+            </p:cNvPr>
+            <p:cNvSpPr/>
+            <p:nvPr/>
+          </p:nvSpPr>
+          <p:spPr>
+            <a:xfrm>
+              <a:off x="3910372" y="3297006"/>
+              <a:ext cx="501732" cy="501732"/>
+            </a:xfrm>
+            <a:prstGeom prst="roundRect">
+              <a:avLst/>
+            </a:prstGeom>
+            <a:solidFill>
+              <a:srgbClr val="F79ED1"/>
+            </a:solidFill>
+            <a:ln w="28575">
+              <a:solidFill>
+                <a:schemeClr val="bg2">
+                  <a:lumMod val="10000"/>
+                </a:schemeClr>
+              </a:solidFill>
+            </a:ln>
+          </p:spPr>
+          <p:style>
+            <a:lnRef idx="2">
+              <a:schemeClr val="accent1">
+                <a:shade val="15000"/>
+              </a:schemeClr>
+            </a:lnRef>
+            <a:fillRef idx="1">
+              <a:schemeClr val="accent1"/>
+            </a:fillRef>
+            <a:effectRef idx="0">
+              <a:schemeClr val="accent1"/>
+            </a:effectRef>
+            <a:fontRef idx="minor">
+              <a:schemeClr val="lt1"/>
+            </a:fontRef>
+          </p:style>
+          <p:txBody>
+            <a:bodyPr rtlCol="0" anchor="ctr"/>
+            <a:lstStyle/>
+            <a:p>
+              <a:pPr algn="ctr"/>
+              <a:r>
+                <a:rPr lang="en-US" sz="3200" dirty="0">
+                  <a:solidFill>
+                    <a:schemeClr val="bg2">
+                      <a:lumMod val="10000"/>
+                    </a:schemeClr>
+                  </a:solidFill>
+                  <a:latin typeface="Consolas" panose="020B0609020204030204" pitchFamily="49" charset="0"/>
+                  <a:cs typeface="Consolas" panose="020B0609020204030204" pitchFamily="49" charset="0"/>
+                </a:rPr>
+                <a:t>4</a:t>
+              </a:r>
+            </a:p>
+          </p:txBody>
+        </p:sp>
+      </p:grpSp>
+      <p:sp>
+        <p:nvSpPr>
+          <p:cNvPr id="77" name="Bent Arrow 76">
+            <a:extLst>
+              <a:ext uri="{FF2B5EF4-FFF2-40B4-BE49-F238E27FC236}">
+                <a16:creationId xmlns:a16="http://schemas.microsoft.com/office/drawing/2014/main" id="{71132F1F-F118-B374-E846-AB193B328970}"/>
+              </a:ext>
+            </a:extLst>
+          </p:cNvPr>
+          <p:cNvSpPr/>
+          <p:nvPr/>
+        </p:nvSpPr>
+        <p:spPr>
+          <a:xfrm rot="16200000" flipH="1">
+            <a:off x="1955494" y="1938009"/>
+            <a:ext cx="501733" cy="501732"/>
+          </a:xfrm>
+          <a:prstGeom prst="bentArrow">
+            <a:avLst/>
+          </a:prstGeom>
+          <a:solidFill>
+            <a:schemeClr val="accent5"/>
+          </a:solidFill>
+          <a:ln w="28575"/>
+        </p:spPr>
+        <p:style>
+          <a:lnRef idx="2">
+            <a:schemeClr val="accent1">
+              <a:shade val="15000"/>
+            </a:schemeClr>
+          </a:lnRef>
+          <a:fillRef idx="1">
+            <a:schemeClr val="accent1"/>
+          </a:fillRef>
+          <a:effectRef idx="0">
+            <a:schemeClr val="accent1"/>
+          </a:effectRef>
+          <a:fontRef idx="minor">
+            <a:schemeClr val="lt1"/>
+          </a:fontRef>
+        </p:style>
+        <p:txBody>
+          <a:bodyPr rtlCol="0" anchor="ctr"/>
+          <a:lstStyle/>
+          <a:p>
+            <a:pPr algn="ctr"/>
+            <a:endParaRPr lang="en-US">
+              <a:solidFill>
+                <a:schemeClr val="tx1"/>
+              </a:solidFill>
+            </a:endParaRPr>
+          </a:p>
+        </p:txBody>
+      </p:sp>
+      <p:sp>
+        <p:nvSpPr>
+          <p:cNvPr id="78" name="Bent Arrow 77">
+            <a:extLst>
+              <a:ext uri="{FF2B5EF4-FFF2-40B4-BE49-F238E27FC236}">
+                <a16:creationId xmlns:a16="http://schemas.microsoft.com/office/drawing/2014/main" id="{4DDE7B00-6B40-4089-C0C2-824CC5054A28}"/>
+              </a:ext>
+            </a:extLst>
+          </p:cNvPr>
+          <p:cNvSpPr/>
+          <p:nvPr/>
+        </p:nvSpPr>
+        <p:spPr>
+          <a:xfrm rot="16200000" flipH="1" flipV="1">
+            <a:off x="4579864" y="1931218"/>
+            <a:ext cx="501733" cy="504000"/>
+          </a:xfrm>
+          <a:prstGeom prst="bentArrow">
+            <a:avLst/>
+          </a:prstGeom>
+          <a:solidFill>
+            <a:schemeClr val="accent5"/>
+          </a:solidFill>
+          <a:ln w="28575"/>
+        </p:spPr>
+        <p:style>
+          <a:lnRef idx="2">
+            <a:schemeClr val="accent1">
+              <a:shade val="15000"/>
+            </a:schemeClr>
+          </a:lnRef>
+          <a:fillRef idx="1">
+            <a:schemeClr val="accent1"/>
+          </a:fillRef>
+          <a:effectRef idx="0">
+            <a:schemeClr val="accent1"/>
+          </a:effectRef>
+          <a:fontRef idx="minor">
+            <a:schemeClr val="lt1"/>
+          </a:fontRef>
+        </p:style>
+        <p:txBody>
+          <a:bodyPr rtlCol="0" anchor="ctr"/>
+          <a:lstStyle/>
+          <a:p>
+            <a:pPr algn="ctr"/>
+            <a:endParaRPr lang="en-US">
+              <a:solidFill>
+                <a:schemeClr val="tx1"/>
+              </a:solidFill>
+            </a:endParaRPr>
+          </a:p>
+        </p:txBody>
+      </p:sp>
+      <p:sp>
+        <p:nvSpPr>
+          <p:cNvPr id="2" name="Rounded Rectangle 1">
+            <a:extLst>
+              <a:ext uri="{FF2B5EF4-FFF2-40B4-BE49-F238E27FC236}">
+                <a16:creationId xmlns:a16="http://schemas.microsoft.com/office/drawing/2014/main" id="{53BEECB9-AEEF-C32F-8429-F974BAB21C26}"/>
+              </a:ext>
+            </a:extLst>
+          </p:cNvPr>
+          <p:cNvSpPr/>
+          <p:nvPr/>
+        </p:nvSpPr>
+        <p:spPr>
+          <a:xfrm>
+            <a:off x="2151718" y="773354"/>
+            <a:ext cx="2729178" cy="919507"/>
+          </a:xfrm>
+          <a:prstGeom prst="roundRect">
+            <a:avLst/>
+          </a:prstGeom>
+          <a:solidFill>
+            <a:schemeClr val="accent4">
+              <a:lumMod val="20000"/>
+              <a:lumOff val="80000"/>
+            </a:schemeClr>
+          </a:solidFill>
+          <a:ln w="28575"/>
+        </p:spPr>
+        <p:style>
+          <a:lnRef idx="2">
+            <a:schemeClr val="accent1">
+              <a:shade val="15000"/>
+            </a:schemeClr>
+          </a:lnRef>
+          <a:fillRef idx="1">
+            <a:schemeClr val="accent1"/>
+          </a:fillRef>
+          <a:effectRef idx="0">
+            <a:schemeClr val="accent1"/>
+          </a:effectRef>
+          <a:fontRef idx="minor">
+            <a:schemeClr val="lt1"/>
+          </a:fontRef>
+        </p:style>
+        <p:txBody>
+          <a:bodyPr rtlCol="0" anchor="ctr"/>
+          <a:lstStyle/>
+          <a:p>
+            <a:pPr algn="ctr"/>
+            <a:r>
+              <a:rPr lang="en-US" dirty="0">
                 <a:solidFill>
                   <a:schemeClr val="bg2">
                     <a:lumMod val="10000"/>
@@ -18066,9 +22007,12 @@
                 <a:latin typeface="Consolas" panose="020B0609020204030204" pitchFamily="49" charset="0"/>
                 <a:cs typeface="Consolas" panose="020B0609020204030204" pitchFamily="49" charset="0"/>
               </a:rPr>
-              <a:t>4</a:t>
+              <a:t>return</a:t>
             </a:r>
-            <a:endParaRPr lang="en-US" sz="3200" dirty="0">
+          </a:p>
+          <a:p>
+            <a:pPr algn="ctr"/>
+            <a:endParaRPr lang="en-US" dirty="0">
               <a:solidFill>
                 <a:schemeClr val="bg2">
                   <a:lumMod val="10000"/>
@@ -18078,14 +22022,26 @@
               <a:cs typeface="Consolas" panose="020B0609020204030204" pitchFamily="49" charset="0"/>
             </a:endParaRPr>
           </a:p>
+          <a:p>
+            <a:pPr algn="ctr"/>
+            <a:endParaRPr lang="en-US" b="1" dirty="0">
+              <a:solidFill>
+                <a:schemeClr val="bg2">
+                  <a:lumMod val="10000"/>
+                </a:schemeClr>
+              </a:solidFill>
+              <a:latin typeface="Consolas" panose="020B0609020204030204" pitchFamily="49" charset="0"/>
+              <a:cs typeface="Consolas" panose="020B0609020204030204" pitchFamily="49" charset="0"/>
+            </a:endParaRPr>
+          </a:p>
         </p:txBody>
       </p:sp>
       <p:sp>
         <p:nvSpPr>
-          <p:cNvPr id="19" name="Rounded Rectangle 18">
-            <a:extLst>
-              <a:ext uri="{FF2B5EF4-FFF2-40B4-BE49-F238E27FC236}">
-                <a16:creationId xmlns:a16="http://schemas.microsoft.com/office/drawing/2014/main" id="{E82866EE-524F-42B0-D13E-E97D1ADF7A15}"/>
+          <p:cNvPr id="3" name="Rounded Rectangle 2">
+            <a:extLst>
+              <a:ext uri="{FF2B5EF4-FFF2-40B4-BE49-F238E27FC236}">
+                <a16:creationId xmlns:a16="http://schemas.microsoft.com/office/drawing/2014/main" id="{DB4CDDB5-F344-E3FD-7761-AF3BED9103BD}"/>
               </a:ext>
             </a:extLst>
           </p:cNvPr>
@@ -18094,14 +22050,14 @@
         </p:nvSpPr>
         <p:spPr>
           <a:xfrm>
-            <a:off x="4779024" y="4075850"/>
-            <a:ext cx="1892808" cy="1694014"/>
+            <a:off x="2771071" y="552087"/>
+            <a:ext cx="1490472" cy="284400"/>
           </a:xfrm>
           <a:prstGeom prst="roundRect">
             <a:avLst/>
           </a:prstGeom>
           <a:solidFill>
-            <a:schemeClr val="accent3">
+            <a:schemeClr val="accent5">
               <a:lumMod val="40000"/>
               <a:lumOff val="60000"/>
             </a:schemeClr>
@@ -18138,9 +22094,377 @@
                 <a:latin typeface="Consolas" panose="020B0609020204030204" pitchFamily="49" charset="0"/>
                 <a:cs typeface="Consolas" panose="020B0609020204030204" pitchFamily="49" charset="0"/>
               </a:rPr>
-              <a:t>MULTIPLY</a:t>
+              <a:t>eval()</a:t>
             </a:r>
           </a:p>
+        </p:txBody>
+      </p:sp>
+      <p:grpSp>
+        <p:nvGrpSpPr>
+          <p:cNvPr id="11" name="Group 10">
+            <a:extLst>
+              <a:ext uri="{FF2B5EF4-FFF2-40B4-BE49-F238E27FC236}">
+                <a16:creationId xmlns:a16="http://schemas.microsoft.com/office/drawing/2014/main" id="{8FC1CACC-DAB5-6EF5-3EDD-C8EDEC1C9AC3}"/>
+              </a:ext>
+            </a:extLst>
+          </p:cNvPr>
+          <p:cNvGrpSpPr/>
+          <p:nvPr/>
+        </p:nvGrpSpPr>
+        <p:grpSpPr>
+          <a:xfrm>
+            <a:off x="2201050" y="1063286"/>
+            <a:ext cx="2630514" cy="530425"/>
+            <a:chOff x="6618333" y="2032506"/>
+            <a:chExt cx="2630514" cy="530425"/>
+          </a:xfrm>
+        </p:grpSpPr>
+        <p:sp>
+          <p:nvSpPr>
+            <p:cNvPr id="4" name="Rounded Rectangle 3">
+              <a:extLst>
+                <a:ext uri="{FF2B5EF4-FFF2-40B4-BE49-F238E27FC236}">
+                  <a16:creationId xmlns:a16="http://schemas.microsoft.com/office/drawing/2014/main" id="{1A286590-CF11-8CEF-9A9E-8C45B9EC9C9F}"/>
+                </a:ext>
+              </a:extLst>
+            </p:cNvPr>
+            <p:cNvSpPr/>
+            <p:nvPr/>
+          </p:nvSpPr>
+          <p:spPr>
+            <a:xfrm>
+              <a:off x="6618333" y="2169865"/>
+              <a:ext cx="754880" cy="284400"/>
+            </a:xfrm>
+            <a:prstGeom prst="roundRect">
+              <a:avLst/>
+            </a:prstGeom>
+            <a:solidFill>
+              <a:schemeClr val="accent5">
+                <a:lumMod val="40000"/>
+                <a:lumOff val="60000"/>
+              </a:schemeClr>
+            </a:solidFill>
+          </p:spPr>
+          <p:style>
+            <a:lnRef idx="2">
+              <a:schemeClr val="accent1">
+                <a:shade val="15000"/>
+              </a:schemeClr>
+            </a:lnRef>
+            <a:fillRef idx="1">
+              <a:schemeClr val="accent1"/>
+            </a:fillRef>
+            <a:effectRef idx="0">
+              <a:schemeClr val="accent1"/>
+            </a:effectRef>
+            <a:fontRef idx="minor">
+              <a:schemeClr val="lt1"/>
+            </a:fontRef>
+          </p:style>
+          <p:txBody>
+            <a:bodyPr rtlCol="0" anchor="ctr"/>
+            <a:lstStyle/>
+            <a:p>
+              <a:pPr algn="ctr"/>
+              <a:r>
+                <a:rPr lang="en-US" dirty="0">
+                  <a:solidFill>
+                    <a:schemeClr val="bg2">
+                      <a:lumMod val="10000"/>
+                    </a:schemeClr>
+                  </a:solidFill>
+                  <a:latin typeface="Consolas" panose="020B0609020204030204" pitchFamily="49" charset="0"/>
+                  <a:cs typeface="Consolas" panose="020B0609020204030204" pitchFamily="49" charset="0"/>
+                </a:rPr>
+                <a:t>eval</a:t>
+              </a:r>
+            </a:p>
+          </p:txBody>
+        </p:sp>
+        <p:sp>
+          <p:nvSpPr>
+            <p:cNvPr id="5" name="Rounded Rectangle 4">
+              <a:extLst>
+                <a:ext uri="{FF2B5EF4-FFF2-40B4-BE49-F238E27FC236}">
+                  <a16:creationId xmlns:a16="http://schemas.microsoft.com/office/drawing/2014/main" id="{4AFC7354-FA1B-B657-D6A7-1C75E83E95A2}"/>
+                </a:ext>
+              </a:extLst>
+            </p:cNvPr>
+            <p:cNvSpPr/>
+            <p:nvPr/>
+          </p:nvSpPr>
+          <p:spPr>
+            <a:xfrm>
+              <a:off x="7300376" y="2061199"/>
+              <a:ext cx="501732" cy="501732"/>
+            </a:xfrm>
+            <a:prstGeom prst="roundRect">
+              <a:avLst/>
+            </a:prstGeom>
+            <a:solidFill>
+              <a:srgbClr val="F79ED1"/>
+            </a:solidFill>
+            <a:ln w="28575">
+              <a:solidFill>
+                <a:schemeClr val="bg2">
+                  <a:lumMod val="10000"/>
+                </a:schemeClr>
+              </a:solidFill>
+            </a:ln>
+          </p:spPr>
+          <p:style>
+            <a:lnRef idx="2">
+              <a:schemeClr val="accent1">
+                <a:shade val="15000"/>
+              </a:schemeClr>
+            </a:lnRef>
+            <a:fillRef idx="1">
+              <a:schemeClr val="accent1"/>
+            </a:fillRef>
+            <a:effectRef idx="0">
+              <a:schemeClr val="accent1"/>
+            </a:effectRef>
+            <a:fontRef idx="minor">
+              <a:schemeClr val="lt1"/>
+            </a:fontRef>
+          </p:style>
+          <p:txBody>
+            <a:bodyPr rtlCol="0" anchor="ctr"/>
+            <a:lstStyle/>
+            <a:p>
+              <a:pPr algn="ctr"/>
+              <a:r>
+                <a:rPr lang="en-US" sz="3200" dirty="0">
+                  <a:solidFill>
+                    <a:schemeClr val="bg2">
+                      <a:lumMod val="10000"/>
+                    </a:schemeClr>
+                  </a:solidFill>
+                  <a:latin typeface="Consolas" panose="020B0609020204030204" pitchFamily="49" charset="0"/>
+                  <a:cs typeface="Consolas" panose="020B0609020204030204" pitchFamily="49" charset="0"/>
+                </a:rPr>
+                <a:t>L</a:t>
+              </a:r>
+            </a:p>
+          </p:txBody>
+        </p:sp>
+        <p:sp>
+          <p:nvSpPr>
+            <p:cNvPr id="7" name="TextBox 6">
+              <a:extLst>
+                <a:ext uri="{FF2B5EF4-FFF2-40B4-BE49-F238E27FC236}">
+                  <a16:creationId xmlns:a16="http://schemas.microsoft.com/office/drawing/2014/main" id="{CD953060-9357-1E42-F56F-FFF8C6AB17BF}"/>
+                </a:ext>
+              </a:extLst>
+            </p:cNvPr>
+            <p:cNvSpPr txBox="1"/>
+            <p:nvPr/>
+          </p:nvSpPr>
+          <p:spPr>
+            <a:xfrm>
+              <a:off x="7747496" y="2032506"/>
+              <a:ext cx="342019" cy="523220"/>
+            </a:xfrm>
+            <a:prstGeom prst="rect">
+              <a:avLst/>
+            </a:prstGeom>
+            <a:noFill/>
+          </p:spPr>
+          <p:txBody>
+            <a:bodyPr wrap="square" rtlCol="0">
+              <a:spAutoFit/>
+            </a:bodyPr>
+            <a:lstStyle/>
+            <a:p>
+              <a:r>
+                <a:rPr lang="en-US" sz="2800" b="1" dirty="0">
+                  <a:latin typeface="Consolas" panose="020B0609020204030204" pitchFamily="49" charset="0"/>
+                  <a:cs typeface="Consolas" panose="020B0609020204030204" pitchFamily="49" charset="0"/>
+                </a:rPr>
+                <a:t>+</a:t>
+              </a:r>
+            </a:p>
+          </p:txBody>
+        </p:sp>
+        <p:sp>
+          <p:nvSpPr>
+            <p:cNvPr id="8" name="Rounded Rectangle 7">
+              <a:extLst>
+                <a:ext uri="{FF2B5EF4-FFF2-40B4-BE49-F238E27FC236}">
+                  <a16:creationId xmlns:a16="http://schemas.microsoft.com/office/drawing/2014/main" id="{0F22ACD0-33C1-800A-7B73-1B0FF54A171A}"/>
+                </a:ext>
+              </a:extLst>
+            </p:cNvPr>
+            <p:cNvSpPr/>
+            <p:nvPr/>
+          </p:nvSpPr>
+          <p:spPr>
+            <a:xfrm>
+              <a:off x="8065072" y="2169865"/>
+              <a:ext cx="754880" cy="284400"/>
+            </a:xfrm>
+            <a:prstGeom prst="roundRect">
+              <a:avLst/>
+            </a:prstGeom>
+            <a:solidFill>
+              <a:schemeClr val="accent5">
+                <a:lumMod val="40000"/>
+                <a:lumOff val="60000"/>
+              </a:schemeClr>
+            </a:solidFill>
+          </p:spPr>
+          <p:style>
+            <a:lnRef idx="2">
+              <a:schemeClr val="accent1">
+                <a:shade val="15000"/>
+              </a:schemeClr>
+            </a:lnRef>
+            <a:fillRef idx="1">
+              <a:schemeClr val="accent1"/>
+            </a:fillRef>
+            <a:effectRef idx="0">
+              <a:schemeClr val="accent1"/>
+            </a:effectRef>
+            <a:fontRef idx="minor">
+              <a:schemeClr val="lt1"/>
+            </a:fontRef>
+          </p:style>
+          <p:txBody>
+            <a:bodyPr rtlCol="0" anchor="ctr"/>
+            <a:lstStyle/>
+            <a:p>
+              <a:pPr algn="ctr"/>
+              <a:r>
+                <a:rPr lang="en-US" dirty="0">
+                  <a:solidFill>
+                    <a:schemeClr val="bg2">
+                      <a:lumMod val="10000"/>
+                    </a:schemeClr>
+                  </a:solidFill>
+                  <a:latin typeface="Consolas" panose="020B0609020204030204" pitchFamily="49" charset="0"/>
+                  <a:cs typeface="Consolas" panose="020B0609020204030204" pitchFamily="49" charset="0"/>
+                </a:rPr>
+                <a:t>eval</a:t>
+              </a:r>
+            </a:p>
+          </p:txBody>
+        </p:sp>
+        <p:sp>
+          <p:nvSpPr>
+            <p:cNvPr id="10" name="Rounded Rectangle 9">
+              <a:extLst>
+                <a:ext uri="{FF2B5EF4-FFF2-40B4-BE49-F238E27FC236}">
+                  <a16:creationId xmlns:a16="http://schemas.microsoft.com/office/drawing/2014/main" id="{93EF0B34-7C20-A174-2867-CA4F18092CAC}"/>
+                </a:ext>
+              </a:extLst>
+            </p:cNvPr>
+            <p:cNvSpPr/>
+            <p:nvPr/>
+          </p:nvSpPr>
+          <p:spPr>
+            <a:xfrm>
+              <a:off x="8747115" y="2061199"/>
+              <a:ext cx="501732" cy="501732"/>
+            </a:xfrm>
+            <a:prstGeom prst="roundRect">
+              <a:avLst/>
+            </a:prstGeom>
+            <a:solidFill>
+              <a:srgbClr val="F79ED1"/>
+            </a:solidFill>
+            <a:ln w="28575">
+              <a:solidFill>
+                <a:schemeClr val="bg2">
+                  <a:lumMod val="10000"/>
+                </a:schemeClr>
+              </a:solidFill>
+            </a:ln>
+          </p:spPr>
+          <p:style>
+            <a:lnRef idx="2">
+              <a:schemeClr val="accent1">
+                <a:shade val="15000"/>
+              </a:schemeClr>
+            </a:lnRef>
+            <a:fillRef idx="1">
+              <a:schemeClr val="accent1"/>
+            </a:fillRef>
+            <a:effectRef idx="0">
+              <a:schemeClr val="accent1"/>
+            </a:effectRef>
+            <a:fontRef idx="minor">
+              <a:schemeClr val="lt1"/>
+            </a:fontRef>
+          </p:style>
+          <p:txBody>
+            <a:bodyPr rtlCol="0" anchor="ctr"/>
+            <a:lstStyle/>
+            <a:p>
+              <a:pPr algn="ctr"/>
+              <a:r>
+                <a:rPr lang="en-US" sz="3200" dirty="0">
+                  <a:solidFill>
+                    <a:schemeClr val="bg2">
+                      <a:lumMod val="10000"/>
+                    </a:schemeClr>
+                  </a:solidFill>
+                  <a:latin typeface="Consolas" panose="020B0609020204030204" pitchFamily="49" charset="0"/>
+                  <a:cs typeface="Consolas" panose="020B0609020204030204" pitchFamily="49" charset="0"/>
+                </a:rPr>
+                <a:t>R</a:t>
+              </a:r>
+            </a:p>
+          </p:txBody>
+        </p:sp>
+      </p:grpSp>
+      <p:sp>
+        <p:nvSpPr>
+          <p:cNvPr id="52" name="Rounded Rectangle 51">
+            <a:extLst>
+              <a:ext uri="{FF2B5EF4-FFF2-40B4-BE49-F238E27FC236}">
+                <a16:creationId xmlns:a16="http://schemas.microsoft.com/office/drawing/2014/main" id="{148B12CB-3E31-2D53-EE09-8725101DAB7F}"/>
+              </a:ext>
+            </a:extLst>
+          </p:cNvPr>
+          <p:cNvSpPr/>
+          <p:nvPr/>
+        </p:nvSpPr>
+        <p:spPr>
+          <a:xfrm>
+            <a:off x="1055024" y="3756165"/>
+            <a:ext cx="2029734" cy="780087"/>
+          </a:xfrm>
+          <a:prstGeom prst="roundRect">
+            <a:avLst/>
+          </a:prstGeom>
+          <a:solidFill>
+            <a:schemeClr val="accent4">
+              <a:lumMod val="20000"/>
+              <a:lumOff val="80000"/>
+            </a:schemeClr>
+          </a:solidFill>
+          <a:ln w="28575"/>
+        </p:spPr>
+        <p:style>
+          <a:lnRef idx="2">
+            <a:schemeClr val="accent1">
+              <a:shade val="15000"/>
+            </a:schemeClr>
+          </a:lnRef>
+          <a:fillRef idx="1">
+            <a:schemeClr val="accent1"/>
+          </a:fillRef>
+          <a:effectRef idx="0">
+            <a:schemeClr val="accent1"/>
+          </a:effectRef>
+          <a:fontRef idx="minor">
+            <a:schemeClr val="lt1"/>
+          </a:fontRef>
+        </p:style>
+        <p:txBody>
+          <a:bodyPr rtlCol="0" anchor="ctr"/>
+          <a:lstStyle/>
           <a:p>
             <a:pPr algn="ctr"/>
             <a:r>
@@ -18153,12 +22477,12 @@
                 <a:latin typeface="Consolas" panose="020B0609020204030204" pitchFamily="49" charset="0"/>
                 <a:cs typeface="Consolas" panose="020B0609020204030204" pitchFamily="49" charset="0"/>
               </a:rPr>
-              <a:t>BINARY OPERATOR</a:t>
+              <a:t>return</a:t>
             </a:r>
           </a:p>
           <a:p>
             <a:pPr algn="ctr"/>
-            <a:endParaRPr lang="en-US" dirty="0">
+            <a:endParaRPr lang="en-US" b="1" dirty="0">
               <a:solidFill>
                 <a:schemeClr val="bg2">
                   <a:lumMod val="10000"/>
@@ -18168,44 +22492,14 @@
               <a:cs typeface="Consolas" panose="020B0609020204030204" pitchFamily="49" charset="0"/>
             </a:endParaRPr>
           </a:p>
-          <a:p>
-            <a:pPr algn="ctr"/>
-            <a:r>
-              <a:rPr lang="en-US" dirty="0">
-                <a:solidFill>
-                  <a:schemeClr val="bg2">
-                    <a:lumMod val="10000"/>
-                  </a:schemeClr>
-                </a:solidFill>
-                <a:latin typeface="Consolas" panose="020B0609020204030204" pitchFamily="49" charset="0"/>
-                <a:cs typeface="Consolas" panose="020B0609020204030204" pitchFamily="49" charset="0"/>
-              </a:rPr>
-              <a:t>Left child:</a:t>
-            </a:r>
-          </a:p>
-          <a:p>
-            <a:pPr algn="ctr"/>
-            <a:r>
-              <a:rPr lang="en-US" dirty="0">
-                <a:solidFill>
-                  <a:schemeClr val="bg2">
-                    <a:lumMod val="10000"/>
-                  </a:schemeClr>
-                </a:solidFill>
-                <a:latin typeface="Consolas" panose="020B0609020204030204" pitchFamily="49" charset="0"/>
-                <a:cs typeface="Consolas" panose="020B0609020204030204" pitchFamily="49" charset="0"/>
-              </a:rPr>
-              <a:t>Right child:</a:t>
-            </a:r>
-          </a:p>
         </p:txBody>
       </p:sp>
       <p:sp>
         <p:nvSpPr>
-          <p:cNvPr id="20" name="Rounded Rectangle 19">
-            <a:extLst>
-              <a:ext uri="{FF2B5EF4-FFF2-40B4-BE49-F238E27FC236}">
-                <a16:creationId xmlns:a16="http://schemas.microsoft.com/office/drawing/2014/main" id="{BB2E3CC2-583A-CCC5-D617-786672B0CD1B}"/>
+          <p:cNvPr id="53" name="Rounded Rectangle 52">
+            <a:extLst>
+              <a:ext uri="{FF2B5EF4-FFF2-40B4-BE49-F238E27FC236}">
+                <a16:creationId xmlns:a16="http://schemas.microsoft.com/office/drawing/2014/main" id="{E20F1AEC-BB24-54D7-D9C1-32D696869448}"/>
               </a:ext>
             </a:extLst>
           </p:cNvPr>
@@ -18214,93 +22508,14 @@
         </p:nvSpPr>
         <p:spPr>
           <a:xfrm>
-            <a:off x="4419024" y="3715849"/>
-            <a:ext cx="720000" cy="720000"/>
+            <a:off x="1322664" y="3534898"/>
+            <a:ext cx="1490472" cy="284400"/>
           </a:xfrm>
           <a:prstGeom prst="roundRect">
             <a:avLst/>
           </a:prstGeom>
           <a:solidFill>
-            <a:schemeClr val="accent4">
-              <a:lumMod val="60000"/>
-              <a:lumOff val="40000"/>
-            </a:schemeClr>
-          </a:solidFill>
-          <a:ln w="28575">
-            <a:solidFill>
-              <a:schemeClr val="bg2">
-                <a:lumMod val="10000"/>
-              </a:schemeClr>
-            </a:solidFill>
-          </a:ln>
-        </p:spPr>
-        <p:style>
-          <a:lnRef idx="2">
-            <a:schemeClr val="accent1">
-              <a:shade val="15000"/>
-            </a:schemeClr>
-          </a:lnRef>
-          <a:fillRef idx="1">
-            <a:schemeClr val="accent1"/>
-          </a:fillRef>
-          <a:effectRef idx="0">
-            <a:schemeClr val="accent1"/>
-          </a:effectRef>
-          <a:fontRef idx="minor">
-            <a:schemeClr val="lt1"/>
-          </a:fontRef>
-        </p:style>
-        <p:txBody>
-          <a:bodyPr rtlCol="0" anchor="ctr"/>
-          <a:lstStyle/>
-          <a:p>
-            <a:pPr algn="ctr"/>
-            <a:r>
-              <a:rPr lang="en-US" sz="6000" dirty="0">
-                <a:solidFill>
-                  <a:schemeClr val="bg2">
-                    <a:lumMod val="10000"/>
-                  </a:schemeClr>
-                </a:solidFill>
-                <a:latin typeface="Consolas" panose="020B0609020204030204" pitchFamily="49" charset="0"/>
-                <a:cs typeface="Consolas" panose="020B0609020204030204" pitchFamily="49" charset="0"/>
-              </a:rPr>
-              <a:t>*</a:t>
-            </a:r>
-            <a:endParaRPr lang="en-US" sz="3200" dirty="0">
-              <a:solidFill>
-                <a:schemeClr val="bg2">
-                  <a:lumMod val="10000"/>
-                </a:schemeClr>
-              </a:solidFill>
-              <a:latin typeface="Consolas" panose="020B0609020204030204" pitchFamily="49" charset="0"/>
-              <a:cs typeface="Consolas" panose="020B0609020204030204" pitchFamily="49" charset="0"/>
-            </a:endParaRPr>
-          </a:p>
-        </p:txBody>
-      </p:sp>
-      <p:sp>
-        <p:nvSpPr>
-          <p:cNvPr id="35" name="Rounded Rectangle 34">
-            <a:extLst>
-              <a:ext uri="{FF2B5EF4-FFF2-40B4-BE49-F238E27FC236}">
-                <a16:creationId xmlns:a16="http://schemas.microsoft.com/office/drawing/2014/main" id="{DBCD2BAA-7E81-A854-B339-BF25E04D8818}"/>
-              </a:ext>
-            </a:extLst>
-          </p:cNvPr>
-          <p:cNvSpPr/>
-          <p:nvPr/>
-        </p:nvSpPr>
-        <p:spPr>
-          <a:xfrm>
-            <a:off x="7602894" y="3069001"/>
-            <a:ext cx="1892808" cy="851253"/>
-          </a:xfrm>
-          <a:prstGeom prst="roundRect">
-            <a:avLst/>
-          </a:prstGeom>
-          <a:solidFill>
-            <a:schemeClr val="accent3">
+            <a:schemeClr val="accent5">
               <a:lumMod val="40000"/>
               <a:lumOff val="60000"/>
             </a:schemeClr>
@@ -18337,21 +22552,56 @@
                 <a:latin typeface="Consolas" panose="020B0609020204030204" pitchFamily="49" charset="0"/>
                 <a:cs typeface="Consolas" panose="020B0609020204030204" pitchFamily="49" charset="0"/>
               </a:rPr>
-              <a:t>INTEGER</a:t>
+              <a:t>eval()</a:t>
             </a:r>
           </a:p>
-          <a:p>
-            <a:pPr algn="ctr"/>
-            <a:endParaRPr lang="en-US" dirty="0">
-              <a:solidFill>
-                <a:schemeClr val="bg2">
-                  <a:lumMod val="10000"/>
-                </a:schemeClr>
-              </a:solidFill>
-              <a:latin typeface="Consolas" panose="020B0609020204030204" pitchFamily="49" charset="0"/>
-              <a:cs typeface="Consolas" panose="020B0609020204030204" pitchFamily="49" charset="0"/>
-            </a:endParaRPr>
-          </a:p>
+        </p:txBody>
+      </p:sp>
+      <p:sp>
+        <p:nvSpPr>
+          <p:cNvPr id="60" name="Rounded Rectangle 59">
+            <a:extLst>
+              <a:ext uri="{FF2B5EF4-FFF2-40B4-BE49-F238E27FC236}">
+                <a16:creationId xmlns:a16="http://schemas.microsoft.com/office/drawing/2014/main" id="{B752A26B-9FB7-4969-77C6-D1B065769690}"/>
+              </a:ext>
+            </a:extLst>
+          </p:cNvPr>
+          <p:cNvSpPr/>
+          <p:nvPr/>
+        </p:nvSpPr>
+        <p:spPr>
+          <a:xfrm>
+            <a:off x="1645815" y="4149143"/>
+            <a:ext cx="848152" cy="284920"/>
+          </a:xfrm>
+          <a:prstGeom prst="roundRect">
+            <a:avLst/>
+          </a:prstGeom>
+          <a:solidFill>
+            <a:schemeClr val="bg1">
+              <a:lumMod val="85000"/>
+            </a:schemeClr>
+          </a:solidFill>
+        </p:spPr>
+        <p:style>
+          <a:lnRef idx="2">
+            <a:schemeClr val="accent1">
+              <a:shade val="15000"/>
+            </a:schemeClr>
+          </a:lnRef>
+          <a:fillRef idx="1">
+            <a:schemeClr val="accent1"/>
+          </a:fillRef>
+          <a:effectRef idx="0">
+            <a:schemeClr val="accent1"/>
+          </a:effectRef>
+          <a:fontRef idx="minor">
+            <a:schemeClr val="lt1"/>
+          </a:fontRef>
+        </p:style>
+        <p:txBody>
+          <a:bodyPr rtlCol="0" anchor="ctr"/>
+          <a:lstStyle/>
           <a:p>
             <a:pPr algn="ctr"/>
             <a:r>
@@ -18364,447 +22614,15 @@
                 <a:latin typeface="Consolas" panose="020B0609020204030204" pitchFamily="49" charset="0"/>
                 <a:cs typeface="Consolas" panose="020B0609020204030204" pitchFamily="49" charset="0"/>
               </a:rPr>
-              <a:t>Value: 4</a:t>
+              <a:t>Value</a:t>
             </a:r>
           </a:p>
         </p:txBody>
       </p:sp>
-      <p:sp>
-        <p:nvSpPr>
-          <p:cNvPr id="36" name="Rounded Rectangle 35">
-            <a:extLst>
-              <a:ext uri="{FF2B5EF4-FFF2-40B4-BE49-F238E27FC236}">
-                <a16:creationId xmlns:a16="http://schemas.microsoft.com/office/drawing/2014/main" id="{75EDB15D-8983-8D58-0C81-A1C75182B18A}"/>
-              </a:ext>
-            </a:extLst>
-          </p:cNvPr>
-          <p:cNvSpPr/>
-          <p:nvPr/>
-        </p:nvSpPr>
-        <p:spPr>
-          <a:xfrm>
-            <a:off x="7242894" y="2709000"/>
-            <a:ext cx="720000" cy="720000"/>
-          </a:xfrm>
-          <a:prstGeom prst="roundRect">
-            <a:avLst/>
-          </a:prstGeom>
-          <a:solidFill>
-            <a:schemeClr val="accent4">
-              <a:lumMod val="60000"/>
-              <a:lumOff val="40000"/>
-            </a:schemeClr>
-          </a:solidFill>
-          <a:ln w="28575">
-            <a:solidFill>
-              <a:schemeClr val="bg2">
-                <a:lumMod val="10000"/>
-              </a:schemeClr>
-            </a:solidFill>
-          </a:ln>
-        </p:spPr>
-        <p:style>
-          <a:lnRef idx="2">
-            <a:schemeClr val="accent1">
-              <a:shade val="15000"/>
-            </a:schemeClr>
-          </a:lnRef>
-          <a:fillRef idx="1">
-            <a:schemeClr val="accent1"/>
-          </a:fillRef>
-          <a:effectRef idx="0">
-            <a:schemeClr val="accent1"/>
-          </a:effectRef>
-          <a:fontRef idx="minor">
-            <a:schemeClr val="lt1"/>
-          </a:fontRef>
-        </p:style>
-        <p:txBody>
-          <a:bodyPr rtlCol="0" anchor="ctr"/>
-          <a:lstStyle/>
-          <a:p>
-            <a:pPr algn="ctr"/>
-            <a:r>
-              <a:rPr lang="en-US" sz="6000" dirty="0">
-                <a:solidFill>
-                  <a:schemeClr val="bg2">
-                    <a:lumMod val="10000"/>
-                  </a:schemeClr>
-                </a:solidFill>
-                <a:latin typeface="Consolas" panose="020B0609020204030204" pitchFamily="49" charset="0"/>
-                <a:cs typeface="Consolas" panose="020B0609020204030204" pitchFamily="49" charset="0"/>
-              </a:rPr>
-              <a:t>2</a:t>
-            </a:r>
-            <a:endParaRPr lang="en-US" sz="3200" dirty="0">
-              <a:solidFill>
-                <a:schemeClr val="bg2">
-                  <a:lumMod val="10000"/>
-                </a:schemeClr>
-              </a:solidFill>
-              <a:latin typeface="Consolas" panose="020B0609020204030204" pitchFamily="49" charset="0"/>
-              <a:cs typeface="Consolas" panose="020B0609020204030204" pitchFamily="49" charset="0"/>
-            </a:endParaRPr>
-          </a:p>
-        </p:txBody>
-      </p:sp>
-      <p:sp>
-        <p:nvSpPr>
-          <p:cNvPr id="37" name="Rounded Rectangle 36">
-            <a:extLst>
-              <a:ext uri="{FF2B5EF4-FFF2-40B4-BE49-F238E27FC236}">
-                <a16:creationId xmlns:a16="http://schemas.microsoft.com/office/drawing/2014/main" id="{2D10465E-1F9C-7341-0C8C-17613210BB0D}"/>
-              </a:ext>
-            </a:extLst>
-          </p:cNvPr>
-          <p:cNvSpPr/>
-          <p:nvPr/>
-        </p:nvSpPr>
-        <p:spPr>
-          <a:xfrm>
-            <a:off x="7602894" y="4640256"/>
-            <a:ext cx="1892808" cy="851253"/>
-          </a:xfrm>
-          <a:prstGeom prst="roundRect">
-            <a:avLst/>
-          </a:prstGeom>
-          <a:solidFill>
-            <a:schemeClr val="accent3">
-              <a:lumMod val="40000"/>
-              <a:lumOff val="60000"/>
-            </a:schemeClr>
-          </a:solidFill>
-        </p:spPr>
-        <p:style>
-          <a:lnRef idx="2">
-            <a:schemeClr val="accent1">
-              <a:shade val="15000"/>
-            </a:schemeClr>
-          </a:lnRef>
-          <a:fillRef idx="1">
-            <a:schemeClr val="accent1"/>
-          </a:fillRef>
-          <a:effectRef idx="0">
-            <a:schemeClr val="accent1"/>
-          </a:effectRef>
-          <a:fontRef idx="minor">
-            <a:schemeClr val="lt1"/>
-          </a:fontRef>
-        </p:style>
-        <p:txBody>
-          <a:bodyPr rtlCol="0" anchor="ctr"/>
-          <a:lstStyle/>
-          <a:p>
-            <a:pPr algn="ctr"/>
-            <a:r>
-              <a:rPr lang="en-US" dirty="0">
-                <a:solidFill>
-                  <a:schemeClr val="bg2">
-                    <a:lumMod val="10000"/>
-                  </a:schemeClr>
-                </a:solidFill>
-                <a:latin typeface="Consolas" panose="020B0609020204030204" pitchFamily="49" charset="0"/>
-                <a:cs typeface="Consolas" panose="020B0609020204030204" pitchFamily="49" charset="0"/>
-              </a:rPr>
-              <a:t>INTEGER</a:t>
-            </a:r>
-          </a:p>
-          <a:p>
-            <a:pPr algn="ctr"/>
-            <a:endParaRPr lang="en-US" dirty="0">
-              <a:solidFill>
-                <a:schemeClr val="bg2">
-                  <a:lumMod val="10000"/>
-                </a:schemeClr>
-              </a:solidFill>
-              <a:latin typeface="Consolas" panose="020B0609020204030204" pitchFamily="49" charset="0"/>
-              <a:cs typeface="Consolas" panose="020B0609020204030204" pitchFamily="49" charset="0"/>
-            </a:endParaRPr>
-          </a:p>
-          <a:p>
-            <a:pPr algn="ctr"/>
-            <a:r>
-              <a:rPr lang="en-US" dirty="0">
-                <a:solidFill>
-                  <a:schemeClr val="bg2">
-                    <a:lumMod val="10000"/>
-                  </a:schemeClr>
-                </a:solidFill>
-                <a:latin typeface="Consolas" panose="020B0609020204030204" pitchFamily="49" charset="0"/>
-                <a:cs typeface="Consolas" panose="020B0609020204030204" pitchFamily="49" charset="0"/>
-              </a:rPr>
-              <a:t>Value: 4</a:t>
-            </a:r>
-          </a:p>
-        </p:txBody>
-      </p:sp>
-      <p:sp>
-        <p:nvSpPr>
-          <p:cNvPr id="38" name="Rounded Rectangle 37">
-            <a:extLst>
-              <a:ext uri="{FF2B5EF4-FFF2-40B4-BE49-F238E27FC236}">
-                <a16:creationId xmlns:a16="http://schemas.microsoft.com/office/drawing/2014/main" id="{14E258C9-F097-7936-2D83-45E0A89EA576}"/>
-              </a:ext>
-            </a:extLst>
-          </p:cNvPr>
-          <p:cNvSpPr/>
-          <p:nvPr/>
-        </p:nvSpPr>
-        <p:spPr>
-          <a:xfrm>
-            <a:off x="7242894" y="4280255"/>
-            <a:ext cx="720000" cy="720000"/>
-          </a:xfrm>
-          <a:prstGeom prst="roundRect">
-            <a:avLst/>
-          </a:prstGeom>
-          <a:solidFill>
-            <a:schemeClr val="accent4">
-              <a:lumMod val="60000"/>
-              <a:lumOff val="40000"/>
-            </a:schemeClr>
-          </a:solidFill>
-          <a:ln w="28575">
-            <a:solidFill>
-              <a:schemeClr val="bg2">
-                <a:lumMod val="10000"/>
-              </a:schemeClr>
-            </a:solidFill>
-          </a:ln>
-        </p:spPr>
-        <p:style>
-          <a:lnRef idx="2">
-            <a:schemeClr val="accent1">
-              <a:shade val="15000"/>
-            </a:schemeClr>
-          </a:lnRef>
-          <a:fillRef idx="1">
-            <a:schemeClr val="accent1"/>
-          </a:fillRef>
-          <a:effectRef idx="0">
-            <a:schemeClr val="accent1"/>
-          </a:effectRef>
-          <a:fontRef idx="minor">
-            <a:schemeClr val="lt1"/>
-          </a:fontRef>
-        </p:style>
-        <p:txBody>
-          <a:bodyPr rtlCol="0" anchor="ctr"/>
-          <a:lstStyle/>
-          <a:p>
-            <a:pPr algn="ctr"/>
-            <a:r>
-              <a:rPr lang="en-US" sz="6000" dirty="0">
-                <a:solidFill>
-                  <a:schemeClr val="bg2">
-                    <a:lumMod val="10000"/>
-                  </a:schemeClr>
-                </a:solidFill>
-                <a:latin typeface="Consolas" panose="020B0609020204030204" pitchFamily="49" charset="0"/>
-                <a:cs typeface="Consolas" panose="020B0609020204030204" pitchFamily="49" charset="0"/>
-              </a:rPr>
-              <a:t>3</a:t>
-            </a:r>
-            <a:endParaRPr lang="en-US" sz="3200" dirty="0">
-              <a:solidFill>
-                <a:schemeClr val="bg2">
-                  <a:lumMod val="10000"/>
-                </a:schemeClr>
-              </a:solidFill>
-              <a:latin typeface="Consolas" panose="020B0609020204030204" pitchFamily="49" charset="0"/>
-              <a:cs typeface="Consolas" panose="020B0609020204030204" pitchFamily="49" charset="0"/>
-            </a:endParaRPr>
-          </a:p>
-        </p:txBody>
-      </p:sp>
-      <p:cxnSp>
-        <p:nvCxnSpPr>
-          <p:cNvPr id="42" name="Curved Connector 41">
-            <a:extLst>
-              <a:ext uri="{FF2B5EF4-FFF2-40B4-BE49-F238E27FC236}">
-                <a16:creationId xmlns:a16="http://schemas.microsoft.com/office/drawing/2014/main" id="{B6159870-FD07-61FB-DFB3-AA514F941B72}"/>
-              </a:ext>
-            </a:extLst>
-          </p:cNvPr>
-          <p:cNvCxnSpPr>
-            <a:cxnSpLocks/>
-            <a:endCxn id="15" idx="1"/>
-          </p:cNvCxnSpPr>
-          <p:nvPr/>
-        </p:nvCxnSpPr>
-        <p:spPr>
-          <a:xfrm rot="5400000" flipH="1" flipV="1">
-            <a:off x="3335474" y="2766075"/>
-            <a:ext cx="1345030" cy="822069"/>
-          </a:xfrm>
-          <a:prstGeom prst="curvedConnector2">
-            <a:avLst/>
-          </a:prstGeom>
-          <a:ln w="38100">
-            <a:solidFill>
-              <a:schemeClr val="tx1"/>
-            </a:solidFill>
-            <a:headEnd type="oval" w="med" len="med"/>
-            <a:tailEnd type="triangle" w="med" len="med"/>
-          </a:ln>
-        </p:spPr>
-        <p:style>
-          <a:lnRef idx="1">
-            <a:schemeClr val="accent1"/>
-          </a:lnRef>
-          <a:fillRef idx="0">
-            <a:schemeClr val="accent1"/>
-          </a:fillRef>
-          <a:effectRef idx="0">
-            <a:schemeClr val="accent1"/>
-          </a:effectRef>
-          <a:fontRef idx="minor">
-            <a:schemeClr val="tx1"/>
-          </a:fontRef>
-        </p:style>
-      </p:cxnSp>
-      <p:cxnSp>
-        <p:nvCxnSpPr>
-          <p:cNvPr id="49" name="Curved Connector 48">
-            <a:extLst>
-              <a:ext uri="{FF2B5EF4-FFF2-40B4-BE49-F238E27FC236}">
-                <a16:creationId xmlns:a16="http://schemas.microsoft.com/office/drawing/2014/main" id="{E265D506-0922-0921-D773-3E81482987A6}"/>
-              </a:ext>
-            </a:extLst>
-          </p:cNvPr>
-          <p:cNvCxnSpPr>
-            <a:cxnSpLocks/>
-            <a:endCxn id="36" idx="1"/>
-          </p:cNvCxnSpPr>
-          <p:nvPr/>
-        </p:nvCxnSpPr>
-        <p:spPr>
-          <a:xfrm rot="5400000" flipH="1" flipV="1">
-            <a:off x="5704586" y="3820078"/>
-            <a:ext cx="2289386" cy="787230"/>
-          </a:xfrm>
-          <a:prstGeom prst="curvedConnector2">
-            <a:avLst/>
-          </a:prstGeom>
-          <a:ln w="38100">
-            <a:solidFill>
-              <a:schemeClr val="tx1"/>
-            </a:solidFill>
-            <a:headEnd type="oval" w="med" len="med"/>
-            <a:tailEnd type="triangle" w="med" len="med"/>
-          </a:ln>
-        </p:spPr>
-        <p:style>
-          <a:lnRef idx="1">
-            <a:schemeClr val="accent1"/>
-          </a:lnRef>
-          <a:fillRef idx="0">
-            <a:schemeClr val="accent1"/>
-          </a:fillRef>
-          <a:effectRef idx="0">
-            <a:schemeClr val="accent1"/>
-          </a:effectRef>
-          <a:fontRef idx="minor">
-            <a:schemeClr val="tx1"/>
-          </a:fontRef>
-        </p:style>
-      </p:cxnSp>
-      <p:cxnSp>
-        <p:nvCxnSpPr>
-          <p:cNvPr id="52" name="Curved Connector 51">
-            <a:extLst>
-              <a:ext uri="{FF2B5EF4-FFF2-40B4-BE49-F238E27FC236}">
-                <a16:creationId xmlns:a16="http://schemas.microsoft.com/office/drawing/2014/main" id="{7D12112D-5030-308C-5ACB-E14F42A4A753}"/>
-              </a:ext>
-            </a:extLst>
-          </p:cNvPr>
-          <p:cNvCxnSpPr>
-            <a:cxnSpLocks/>
-            <a:endCxn id="38" idx="1"/>
-          </p:cNvCxnSpPr>
-          <p:nvPr/>
-        </p:nvCxnSpPr>
-        <p:spPr>
-          <a:xfrm rot="5400000" flipH="1" flipV="1">
-            <a:off x="6386669" y="4776480"/>
-            <a:ext cx="992450" cy="720000"/>
-          </a:xfrm>
-          <a:prstGeom prst="curvedConnector2">
-            <a:avLst/>
-          </a:prstGeom>
-          <a:ln w="38100">
-            <a:solidFill>
-              <a:schemeClr val="tx1"/>
-            </a:solidFill>
-            <a:headEnd type="oval" w="med" len="med"/>
-            <a:tailEnd type="triangle" w="med" len="med"/>
-          </a:ln>
-        </p:spPr>
-        <p:style>
-          <a:lnRef idx="1">
-            <a:schemeClr val="accent1"/>
-          </a:lnRef>
-          <a:fillRef idx="0">
-            <a:schemeClr val="accent1"/>
-          </a:fillRef>
-          <a:effectRef idx="0">
-            <a:schemeClr val="accent1"/>
-          </a:effectRef>
-          <a:fontRef idx="minor">
-            <a:schemeClr val="tx1"/>
-          </a:fontRef>
-        </p:style>
-      </p:cxnSp>
-      <p:cxnSp>
-        <p:nvCxnSpPr>
-          <p:cNvPr id="63" name="Straight Arrow Connector 62">
-            <a:extLst>
-              <a:ext uri="{FF2B5EF4-FFF2-40B4-BE49-F238E27FC236}">
-                <a16:creationId xmlns:a16="http://schemas.microsoft.com/office/drawing/2014/main" id="{F2594078-E9DA-3936-F787-7895509BB53F}"/>
-              </a:ext>
-            </a:extLst>
-          </p:cNvPr>
-          <p:cNvCxnSpPr>
-            <a:cxnSpLocks/>
-            <a:endCxn id="20" idx="1"/>
-          </p:cNvCxnSpPr>
-          <p:nvPr/>
-        </p:nvCxnSpPr>
-        <p:spPr>
-          <a:xfrm flipV="1">
-            <a:off x="3596954" y="4075849"/>
-            <a:ext cx="822070" cy="58716"/>
-          </a:xfrm>
-          <a:prstGeom prst="straightConnector1">
-            <a:avLst/>
-          </a:prstGeom>
-          <a:ln w="38100">
-            <a:solidFill>
-              <a:schemeClr val="tx1"/>
-            </a:solidFill>
-            <a:headEnd type="oval" w="med" len="med"/>
-            <a:tailEnd type="triangle" w="med" len="med"/>
-          </a:ln>
-        </p:spPr>
-        <p:style>
-          <a:lnRef idx="1">
-            <a:schemeClr val="accent1"/>
-          </a:lnRef>
-          <a:fillRef idx="0">
-            <a:schemeClr val="accent1"/>
-          </a:fillRef>
-          <a:effectRef idx="0">
-            <a:schemeClr val="accent1"/>
-          </a:effectRef>
-          <a:fontRef idx="minor">
-            <a:schemeClr val="tx1"/>
-          </a:fontRef>
-        </p:style>
-      </p:cxnSp>
     </p:spTree>
     <p:extLst>
       <p:ext uri="{BB962C8B-B14F-4D97-AF65-F5344CB8AC3E}">
-        <p14:creationId xmlns:p14="http://schemas.microsoft.com/office/powerpoint/2010/main" val="2575124604"/>
+        <p14:creationId xmlns:p14="http://schemas.microsoft.com/office/powerpoint/2010/main" val="3621506901"/>
       </p:ext>
     </p:extLst>
   </p:cSld>
@@ -18814,7 +22632,7 @@
 </p:sld>
 </file>
 
-<file path=ppt/slides/slide8.xml><?xml version="1.0" encoding="utf-8"?>
+<file path=ppt/slides/slide9.xml><?xml version="1.0" encoding="utf-8"?>
 <p:sld xmlns:a="http://schemas.openxmlformats.org/drawingml/2006/main" xmlns:r="http://schemas.openxmlformats.org/officeDocument/2006/relationships" xmlns:p="http://schemas.openxmlformats.org/presentationml/2006/main">
   <p:cSld>
     <p:spTree>

--- a/diagrams.pptx
+++ b/diagrams.pptx
@@ -5,7 +5,7 @@
     <p:sldMasterId id="2147483648" r:id="rId1"/>
   </p:sldMasterIdLst>
   <p:notesMasterIdLst>
-    <p:notesMasterId r:id="rId11"/>
+    <p:notesMasterId r:id="rId16"/>
   </p:notesMasterIdLst>
   <p:sldIdLst>
     <p:sldId id="256" r:id="rId2"/>
@@ -17,6 +17,11 @@
     <p:sldId id="263" r:id="rId8"/>
     <p:sldId id="264" r:id="rId9"/>
     <p:sldId id="258" r:id="rId10"/>
+    <p:sldId id="265" r:id="rId11"/>
+    <p:sldId id="266" r:id="rId12"/>
+    <p:sldId id="267" r:id="rId13"/>
+    <p:sldId id="268" r:id="rId14"/>
+    <p:sldId id="269" r:id="rId15"/>
   </p:sldIdLst>
   <p:sldSz cx="12192000" cy="6858000"/>
   <p:notesSz cx="6858000" cy="9144000"/>
@@ -216,7 +221,7 @@
           <a:p>
             <a:fld id="{E90CDB62-1D6E-D545-843F-F79DABE7A985}" type="datetimeFigureOut">
               <a:rPr lang="en-US" smtClean="0"/>
-              <a:t>9/12/23</a:t>
+              <a:t>10/16/23</a:t>
             </a:fld>
             <a:endParaRPr lang="en-US"/>
           </a:p>
@@ -568,6 +573,90 @@
 </p:notes>
 </file>
 
+<file path=ppt/notesSlides/notesSlide2.xml><?xml version="1.0" encoding="utf-8"?>
+<p:notes xmlns:a="http://schemas.openxmlformats.org/drawingml/2006/main" xmlns:r="http://schemas.openxmlformats.org/officeDocument/2006/relationships" xmlns:p="http://schemas.openxmlformats.org/presentationml/2006/main">
+  <p:cSld>
+    <p:spTree>
+      <p:nvGrpSpPr>
+        <p:cNvPr id="1" name=""/>
+        <p:cNvGrpSpPr/>
+        <p:nvPr/>
+      </p:nvGrpSpPr>
+      <p:grpSpPr>
+        <a:xfrm>
+          <a:off x="0" y="0"/>
+          <a:ext cx="0" cy="0"/>
+          <a:chOff x="0" y="0"/>
+          <a:chExt cx="0" cy="0"/>
+        </a:xfrm>
+      </p:grpSpPr>
+      <p:sp>
+        <p:nvSpPr>
+          <p:cNvPr id="2" name="Slide Image Placeholder 1"/>
+          <p:cNvSpPr>
+            <a:spLocks noGrp="1" noRot="1" noChangeAspect="1"/>
+          </p:cNvSpPr>
+          <p:nvPr>
+            <p:ph type="sldImg"/>
+          </p:nvPr>
+        </p:nvSpPr>
+        <p:spPr/>
+      </p:sp>
+      <p:sp>
+        <p:nvSpPr>
+          <p:cNvPr id="3" name="Notes Placeholder 2"/>
+          <p:cNvSpPr>
+            <a:spLocks noGrp="1"/>
+          </p:cNvSpPr>
+          <p:nvPr>
+            <p:ph type="body" idx="1"/>
+          </p:nvPr>
+        </p:nvSpPr>
+        <p:spPr/>
+        <p:txBody>
+          <a:bodyPr/>
+          <a:lstStyle/>
+          <a:p>
+            <a:endParaRPr lang="en-US" dirty="0"/>
+          </a:p>
+        </p:txBody>
+      </p:sp>
+      <p:sp>
+        <p:nvSpPr>
+          <p:cNvPr id="4" name="Slide Number Placeholder 3"/>
+          <p:cNvSpPr>
+            <a:spLocks noGrp="1"/>
+          </p:cNvSpPr>
+          <p:nvPr>
+            <p:ph type="sldNum" sz="quarter" idx="5"/>
+          </p:nvPr>
+        </p:nvSpPr>
+        <p:spPr/>
+        <p:txBody>
+          <a:bodyPr/>
+          <a:lstStyle/>
+          <a:p>
+            <a:fld id="{EEF732B3-F9F9-D340-A93B-09801F3CCE71}" type="slidenum">
+              <a:rPr lang="en-US" smtClean="0"/>
+              <a:t>13</a:t>
+            </a:fld>
+            <a:endParaRPr lang="en-US"/>
+          </a:p>
+        </p:txBody>
+      </p:sp>
+    </p:spTree>
+    <p:extLst>
+      <p:ext uri="{BB962C8B-B14F-4D97-AF65-F5344CB8AC3E}">
+        <p14:creationId xmlns:p14="http://schemas.microsoft.com/office/powerpoint/2010/main" val="885466572"/>
+      </p:ext>
+    </p:extLst>
+  </p:cSld>
+  <p:clrMapOvr>
+    <a:masterClrMapping/>
+  </p:clrMapOvr>
+</p:notes>
+</file>
+
 <file path=ppt/slideLayouts/slideLayout1.xml><?xml version="1.0" encoding="utf-8"?>
 <p:sldLayout xmlns:a="http://schemas.openxmlformats.org/drawingml/2006/main" xmlns:r="http://schemas.openxmlformats.org/officeDocument/2006/relationships" xmlns:p="http://schemas.openxmlformats.org/presentationml/2006/main" type="title" preserve="1">
   <p:cSld name="Title Slide">
@@ -717,7 +806,7 @@
           <a:p>
             <a:fld id="{FEDB6D76-5F38-E94A-AB48-092728365E3A}" type="datetimeFigureOut">
               <a:rPr lang="en-US" smtClean="0"/>
-              <a:t>9/12/23</a:t>
+              <a:t>10/16/23</a:t>
             </a:fld>
             <a:endParaRPr lang="en-US"/>
           </a:p>
@@ -917,7 +1006,7 @@
           <a:p>
             <a:fld id="{FEDB6D76-5F38-E94A-AB48-092728365E3A}" type="datetimeFigureOut">
               <a:rPr lang="en-US" smtClean="0"/>
-              <a:t>9/12/23</a:t>
+              <a:t>10/16/23</a:t>
             </a:fld>
             <a:endParaRPr lang="en-US"/>
           </a:p>
@@ -1127,7 +1216,7 @@
           <a:p>
             <a:fld id="{FEDB6D76-5F38-E94A-AB48-092728365E3A}" type="datetimeFigureOut">
               <a:rPr lang="en-US" smtClean="0"/>
-              <a:t>9/12/23</a:t>
+              <a:t>10/16/23</a:t>
             </a:fld>
             <a:endParaRPr lang="en-US"/>
           </a:p>
@@ -1327,7 +1416,7 @@
           <a:p>
             <a:fld id="{FEDB6D76-5F38-E94A-AB48-092728365E3A}" type="datetimeFigureOut">
               <a:rPr lang="en-US" smtClean="0"/>
-              <a:t>9/12/23</a:t>
+              <a:t>10/16/23</a:t>
             </a:fld>
             <a:endParaRPr lang="en-US"/>
           </a:p>
@@ -1603,7 +1692,7 @@
           <a:p>
             <a:fld id="{FEDB6D76-5F38-E94A-AB48-092728365E3A}" type="datetimeFigureOut">
               <a:rPr lang="en-US" smtClean="0"/>
-              <a:t>9/12/23</a:t>
+              <a:t>10/16/23</a:t>
             </a:fld>
             <a:endParaRPr lang="en-US"/>
           </a:p>
@@ -1871,7 +1960,7 @@
           <a:p>
             <a:fld id="{FEDB6D76-5F38-E94A-AB48-092728365E3A}" type="datetimeFigureOut">
               <a:rPr lang="en-US" smtClean="0"/>
-              <a:t>9/12/23</a:t>
+              <a:t>10/16/23</a:t>
             </a:fld>
             <a:endParaRPr lang="en-US"/>
           </a:p>
@@ -2286,7 +2375,7 @@
           <a:p>
             <a:fld id="{FEDB6D76-5F38-E94A-AB48-092728365E3A}" type="datetimeFigureOut">
               <a:rPr lang="en-US" smtClean="0"/>
-              <a:t>9/12/23</a:t>
+              <a:t>10/16/23</a:t>
             </a:fld>
             <a:endParaRPr lang="en-US"/>
           </a:p>
@@ -2428,7 +2517,7 @@
           <a:p>
             <a:fld id="{FEDB6D76-5F38-E94A-AB48-092728365E3A}" type="datetimeFigureOut">
               <a:rPr lang="en-US" smtClean="0"/>
-              <a:t>9/12/23</a:t>
+              <a:t>10/16/23</a:t>
             </a:fld>
             <a:endParaRPr lang="en-US"/>
           </a:p>
@@ -2541,7 +2630,7 @@
           <a:p>
             <a:fld id="{FEDB6D76-5F38-E94A-AB48-092728365E3A}" type="datetimeFigureOut">
               <a:rPr lang="en-US" smtClean="0"/>
-              <a:t>9/12/23</a:t>
+              <a:t>10/16/23</a:t>
             </a:fld>
             <a:endParaRPr lang="en-US"/>
           </a:p>
@@ -2854,7 +2943,7 @@
           <a:p>
             <a:fld id="{FEDB6D76-5F38-E94A-AB48-092728365E3A}" type="datetimeFigureOut">
               <a:rPr lang="en-US" smtClean="0"/>
-              <a:t>9/12/23</a:t>
+              <a:t>10/16/23</a:t>
             </a:fld>
             <a:endParaRPr lang="en-US"/>
           </a:p>
@@ -3143,7 +3232,7 @@
           <a:p>
             <a:fld id="{FEDB6D76-5F38-E94A-AB48-092728365E3A}" type="datetimeFigureOut">
               <a:rPr lang="en-US" smtClean="0"/>
-              <a:t>9/12/23</a:t>
+              <a:t>10/16/23</a:t>
             </a:fld>
             <a:endParaRPr lang="en-US"/>
           </a:p>
@@ -3386,7 +3475,7 @@
           <a:p>
             <a:fld id="{FEDB6D76-5F38-E94A-AB48-092728365E3A}" type="datetimeFigureOut">
               <a:rPr lang="en-US" smtClean="0"/>
-              <a:t>9/12/23</a:t>
+              <a:t>10/16/23</a:t>
             </a:fld>
             <a:endParaRPr lang="en-US"/>
           </a:p>
@@ -5154,6 +5243,6820 @@
     <p:extLst>
       <p:ext uri="{BB962C8B-B14F-4D97-AF65-F5344CB8AC3E}">
         <p14:creationId xmlns:p14="http://schemas.microsoft.com/office/powerpoint/2010/main" val="1325320576"/>
+      </p:ext>
+    </p:extLst>
+  </p:cSld>
+  <p:clrMapOvr>
+    <a:masterClrMapping/>
+  </p:clrMapOvr>
+</p:sld>
+</file>
+
+<file path=ppt/slides/slide10.xml><?xml version="1.0" encoding="utf-8"?>
+<p:sld xmlns:a="http://schemas.openxmlformats.org/drawingml/2006/main" xmlns:r="http://schemas.openxmlformats.org/officeDocument/2006/relationships" xmlns:p="http://schemas.openxmlformats.org/presentationml/2006/main">
+  <p:cSld>
+    <p:spTree>
+      <p:nvGrpSpPr>
+        <p:cNvPr id="1" name=""/>
+        <p:cNvGrpSpPr/>
+        <p:nvPr/>
+      </p:nvGrpSpPr>
+      <p:grpSpPr>
+        <a:xfrm>
+          <a:off x="0" y="0"/>
+          <a:ext cx="0" cy="0"/>
+          <a:chOff x="0" y="0"/>
+          <a:chExt cx="0" cy="0"/>
+        </a:xfrm>
+      </p:grpSpPr>
+      <p:cxnSp>
+        <p:nvCxnSpPr>
+          <p:cNvPr id="31" name="Straight Arrow Connector 30">
+            <a:extLst>
+              <a:ext uri="{FF2B5EF4-FFF2-40B4-BE49-F238E27FC236}">
+                <a16:creationId xmlns:a16="http://schemas.microsoft.com/office/drawing/2014/main" id="{99CBEA98-C157-CE9A-F20C-084511D73971}"/>
+              </a:ext>
+            </a:extLst>
+          </p:cNvPr>
+          <p:cNvCxnSpPr>
+            <a:cxnSpLocks/>
+          </p:cNvCxnSpPr>
+          <p:nvPr/>
+        </p:nvCxnSpPr>
+        <p:spPr>
+          <a:xfrm>
+            <a:off x="5763442" y="2331083"/>
+            <a:ext cx="378883" cy="0"/>
+          </a:xfrm>
+          <a:prstGeom prst="straightConnector1">
+            <a:avLst/>
+          </a:prstGeom>
+          <a:ln w="38100">
+            <a:solidFill>
+              <a:schemeClr val="tx1"/>
+            </a:solidFill>
+            <a:tailEnd type="triangle"/>
+          </a:ln>
+        </p:spPr>
+        <p:style>
+          <a:lnRef idx="1">
+            <a:schemeClr val="accent1"/>
+          </a:lnRef>
+          <a:fillRef idx="0">
+            <a:schemeClr val="accent1"/>
+          </a:fillRef>
+          <a:effectRef idx="0">
+            <a:schemeClr val="accent1"/>
+          </a:effectRef>
+          <a:fontRef idx="minor">
+            <a:schemeClr val="tx1"/>
+          </a:fontRef>
+        </p:style>
+      </p:cxnSp>
+      <p:sp>
+        <p:nvSpPr>
+          <p:cNvPr id="53" name="Rounded Rectangle 52">
+            <a:extLst>
+              <a:ext uri="{FF2B5EF4-FFF2-40B4-BE49-F238E27FC236}">
+                <a16:creationId xmlns:a16="http://schemas.microsoft.com/office/drawing/2014/main" id="{DE713915-B871-E1AF-B8B5-335E9408C04D}"/>
+              </a:ext>
+            </a:extLst>
+          </p:cNvPr>
+          <p:cNvSpPr/>
+          <p:nvPr/>
+        </p:nvSpPr>
+        <p:spPr>
+          <a:xfrm>
+            <a:off x="6125178" y="2186293"/>
+            <a:ext cx="1196605" cy="289580"/>
+          </a:xfrm>
+          <a:prstGeom prst="roundRect">
+            <a:avLst/>
+          </a:prstGeom>
+          <a:solidFill>
+            <a:schemeClr val="accent2">
+              <a:lumMod val="60000"/>
+              <a:lumOff val="40000"/>
+            </a:schemeClr>
+          </a:solidFill>
+          <a:ln w="28575">
+            <a:solidFill>
+              <a:schemeClr val="bg2">
+                <a:lumMod val="10000"/>
+              </a:schemeClr>
+            </a:solidFill>
+          </a:ln>
+        </p:spPr>
+        <p:style>
+          <a:lnRef idx="2">
+            <a:schemeClr val="accent1">
+              <a:shade val="15000"/>
+            </a:schemeClr>
+          </a:lnRef>
+          <a:fillRef idx="1">
+            <a:schemeClr val="accent1"/>
+          </a:fillRef>
+          <a:effectRef idx="0">
+            <a:schemeClr val="accent1"/>
+          </a:effectRef>
+          <a:fontRef idx="minor">
+            <a:schemeClr val="lt1"/>
+          </a:fontRef>
+        </p:style>
+        <p:txBody>
+          <a:bodyPr rtlCol="0" anchor="ctr"/>
+          <a:lstStyle/>
+          <a:p>
+            <a:pPr algn="ctr"/>
+            <a:r>
+              <a:rPr lang="en-US" sz="2000" dirty="0">
+                <a:solidFill>
+                  <a:schemeClr val="bg2">
+                    <a:lumMod val="10000"/>
+                  </a:schemeClr>
+                </a:solidFill>
+                <a:latin typeface="Consolas" panose="020B0609020204030204" pitchFamily="49" charset="0"/>
+                <a:cs typeface="Consolas" panose="020B0609020204030204" pitchFamily="49" charset="0"/>
+              </a:rPr>
+              <a:t>literal</a:t>
+            </a:r>
+            <a:endParaRPr lang="en-US" sz="3200" dirty="0">
+              <a:solidFill>
+                <a:schemeClr val="bg2">
+                  <a:lumMod val="10000"/>
+                </a:schemeClr>
+              </a:solidFill>
+              <a:latin typeface="Consolas" panose="020B0609020204030204" pitchFamily="49" charset="0"/>
+              <a:cs typeface="Consolas" panose="020B0609020204030204" pitchFamily="49" charset="0"/>
+            </a:endParaRPr>
+          </a:p>
+        </p:txBody>
+      </p:sp>
+      <p:cxnSp>
+        <p:nvCxnSpPr>
+          <p:cNvPr id="101" name="Straight Arrow Connector 100">
+            <a:extLst>
+              <a:ext uri="{FF2B5EF4-FFF2-40B4-BE49-F238E27FC236}">
+                <a16:creationId xmlns:a16="http://schemas.microsoft.com/office/drawing/2014/main" id="{1947FFA9-CA21-80D8-3DA3-FF644C6721A8}"/>
+              </a:ext>
+            </a:extLst>
+          </p:cNvPr>
+          <p:cNvCxnSpPr>
+            <a:cxnSpLocks/>
+          </p:cNvCxnSpPr>
+          <p:nvPr/>
+        </p:nvCxnSpPr>
+        <p:spPr>
+          <a:xfrm>
+            <a:off x="5764672" y="3575413"/>
+            <a:ext cx="378883" cy="0"/>
+          </a:xfrm>
+          <a:prstGeom prst="straightConnector1">
+            <a:avLst/>
+          </a:prstGeom>
+          <a:ln w="38100">
+            <a:solidFill>
+              <a:schemeClr val="tx1"/>
+            </a:solidFill>
+            <a:tailEnd type="triangle"/>
+          </a:ln>
+        </p:spPr>
+        <p:style>
+          <a:lnRef idx="1">
+            <a:schemeClr val="accent1"/>
+          </a:lnRef>
+          <a:fillRef idx="0">
+            <a:schemeClr val="accent1"/>
+          </a:fillRef>
+          <a:effectRef idx="0">
+            <a:schemeClr val="accent1"/>
+          </a:effectRef>
+          <a:fontRef idx="minor">
+            <a:schemeClr val="tx1"/>
+          </a:fontRef>
+        </p:style>
+      </p:cxnSp>
+      <p:sp>
+        <p:nvSpPr>
+          <p:cNvPr id="102" name="Rounded Rectangle 101">
+            <a:extLst>
+              <a:ext uri="{FF2B5EF4-FFF2-40B4-BE49-F238E27FC236}">
+                <a16:creationId xmlns:a16="http://schemas.microsoft.com/office/drawing/2014/main" id="{F4EF489E-6A3E-23E0-F538-366A4CDD5989}"/>
+              </a:ext>
+            </a:extLst>
+          </p:cNvPr>
+          <p:cNvSpPr/>
+          <p:nvPr/>
+        </p:nvSpPr>
+        <p:spPr>
+          <a:xfrm>
+            <a:off x="6126408" y="3430623"/>
+            <a:ext cx="1196605" cy="289580"/>
+          </a:xfrm>
+          <a:prstGeom prst="roundRect">
+            <a:avLst/>
+          </a:prstGeom>
+          <a:solidFill>
+            <a:schemeClr val="accent2">
+              <a:lumMod val="60000"/>
+              <a:lumOff val="40000"/>
+            </a:schemeClr>
+          </a:solidFill>
+          <a:ln w="28575">
+            <a:solidFill>
+              <a:schemeClr val="bg2">
+                <a:lumMod val="10000"/>
+              </a:schemeClr>
+            </a:solidFill>
+          </a:ln>
+        </p:spPr>
+        <p:style>
+          <a:lnRef idx="2">
+            <a:schemeClr val="accent1">
+              <a:shade val="15000"/>
+            </a:schemeClr>
+          </a:lnRef>
+          <a:fillRef idx="1">
+            <a:schemeClr val="accent1"/>
+          </a:fillRef>
+          <a:effectRef idx="0">
+            <a:schemeClr val="accent1"/>
+          </a:effectRef>
+          <a:fontRef idx="minor">
+            <a:schemeClr val="lt1"/>
+          </a:fontRef>
+        </p:style>
+        <p:txBody>
+          <a:bodyPr rtlCol="0" anchor="ctr"/>
+          <a:lstStyle/>
+          <a:p>
+            <a:pPr algn="ctr"/>
+            <a:r>
+              <a:rPr lang="en-US" sz="2000" dirty="0">
+                <a:solidFill>
+                  <a:schemeClr val="bg2">
+                    <a:lumMod val="10000"/>
+                  </a:schemeClr>
+                </a:solidFill>
+                <a:latin typeface="Consolas" panose="020B0609020204030204" pitchFamily="49" charset="0"/>
+                <a:cs typeface="Consolas" panose="020B0609020204030204" pitchFamily="49" charset="0"/>
+              </a:rPr>
+              <a:t>literal</a:t>
+            </a:r>
+            <a:endParaRPr lang="en-US" sz="3200" dirty="0">
+              <a:solidFill>
+                <a:schemeClr val="bg2">
+                  <a:lumMod val="10000"/>
+                </a:schemeClr>
+              </a:solidFill>
+              <a:latin typeface="Consolas" panose="020B0609020204030204" pitchFamily="49" charset="0"/>
+              <a:cs typeface="Consolas" panose="020B0609020204030204" pitchFamily="49" charset="0"/>
+            </a:endParaRPr>
+          </a:p>
+        </p:txBody>
+      </p:sp>
+      <p:cxnSp>
+        <p:nvCxnSpPr>
+          <p:cNvPr id="103" name="Straight Arrow Connector 102">
+            <a:extLst>
+              <a:ext uri="{FF2B5EF4-FFF2-40B4-BE49-F238E27FC236}">
+                <a16:creationId xmlns:a16="http://schemas.microsoft.com/office/drawing/2014/main" id="{83CDECE6-04F2-D649-E1F5-559867FF9399}"/>
+              </a:ext>
+            </a:extLst>
+          </p:cNvPr>
+          <p:cNvCxnSpPr>
+            <a:cxnSpLocks/>
+          </p:cNvCxnSpPr>
+          <p:nvPr/>
+        </p:nvCxnSpPr>
+        <p:spPr>
+          <a:xfrm>
+            <a:off x="5763442" y="4819743"/>
+            <a:ext cx="378883" cy="0"/>
+          </a:xfrm>
+          <a:prstGeom prst="straightConnector1">
+            <a:avLst/>
+          </a:prstGeom>
+          <a:ln w="38100">
+            <a:solidFill>
+              <a:schemeClr val="tx1"/>
+            </a:solidFill>
+            <a:tailEnd type="triangle"/>
+          </a:ln>
+        </p:spPr>
+        <p:style>
+          <a:lnRef idx="1">
+            <a:schemeClr val="accent1"/>
+          </a:lnRef>
+          <a:fillRef idx="0">
+            <a:schemeClr val="accent1"/>
+          </a:fillRef>
+          <a:effectRef idx="0">
+            <a:schemeClr val="accent1"/>
+          </a:effectRef>
+          <a:fontRef idx="minor">
+            <a:schemeClr val="tx1"/>
+          </a:fontRef>
+        </p:style>
+      </p:cxnSp>
+      <p:sp>
+        <p:nvSpPr>
+          <p:cNvPr id="104" name="Rounded Rectangle 103">
+            <a:extLst>
+              <a:ext uri="{FF2B5EF4-FFF2-40B4-BE49-F238E27FC236}">
+                <a16:creationId xmlns:a16="http://schemas.microsoft.com/office/drawing/2014/main" id="{A23DC618-188F-5506-C3F8-895845A0C909}"/>
+              </a:ext>
+            </a:extLst>
+          </p:cNvPr>
+          <p:cNvSpPr/>
+          <p:nvPr/>
+        </p:nvSpPr>
+        <p:spPr>
+          <a:xfrm>
+            <a:off x="6125178" y="4674953"/>
+            <a:ext cx="1196605" cy="289580"/>
+          </a:xfrm>
+          <a:prstGeom prst="roundRect">
+            <a:avLst/>
+          </a:prstGeom>
+          <a:solidFill>
+            <a:schemeClr val="accent2">
+              <a:lumMod val="60000"/>
+              <a:lumOff val="40000"/>
+            </a:schemeClr>
+          </a:solidFill>
+          <a:ln w="28575">
+            <a:solidFill>
+              <a:schemeClr val="bg2">
+                <a:lumMod val="10000"/>
+              </a:schemeClr>
+            </a:solidFill>
+          </a:ln>
+        </p:spPr>
+        <p:style>
+          <a:lnRef idx="2">
+            <a:schemeClr val="accent1">
+              <a:shade val="15000"/>
+            </a:schemeClr>
+          </a:lnRef>
+          <a:fillRef idx="1">
+            <a:schemeClr val="accent1"/>
+          </a:fillRef>
+          <a:effectRef idx="0">
+            <a:schemeClr val="accent1"/>
+          </a:effectRef>
+          <a:fontRef idx="minor">
+            <a:schemeClr val="lt1"/>
+          </a:fontRef>
+        </p:style>
+        <p:txBody>
+          <a:bodyPr rtlCol="0" anchor="ctr"/>
+          <a:lstStyle/>
+          <a:p>
+            <a:pPr algn="ctr"/>
+            <a:r>
+              <a:rPr lang="en-US" sz="2000" dirty="0">
+                <a:solidFill>
+                  <a:schemeClr val="bg2">
+                    <a:lumMod val="10000"/>
+                  </a:schemeClr>
+                </a:solidFill>
+                <a:latin typeface="Consolas" panose="020B0609020204030204" pitchFamily="49" charset="0"/>
+                <a:cs typeface="Consolas" panose="020B0609020204030204" pitchFamily="49" charset="0"/>
+              </a:rPr>
+              <a:t>literal</a:t>
+            </a:r>
+            <a:endParaRPr lang="en-US" sz="3200" dirty="0">
+              <a:solidFill>
+                <a:schemeClr val="bg2">
+                  <a:lumMod val="10000"/>
+                </a:schemeClr>
+              </a:solidFill>
+              <a:latin typeface="Consolas" panose="020B0609020204030204" pitchFamily="49" charset="0"/>
+              <a:cs typeface="Consolas" panose="020B0609020204030204" pitchFamily="49" charset="0"/>
+            </a:endParaRPr>
+          </a:p>
+        </p:txBody>
+      </p:sp>
+      <p:sp>
+        <p:nvSpPr>
+          <p:cNvPr id="70" name="Rounded Rectangle 69">
+            <a:extLst>
+              <a:ext uri="{FF2B5EF4-FFF2-40B4-BE49-F238E27FC236}">
+                <a16:creationId xmlns:a16="http://schemas.microsoft.com/office/drawing/2014/main" id="{AAD8DBEE-552F-AF26-1B34-DDB998658B82}"/>
+              </a:ext>
+            </a:extLst>
+          </p:cNvPr>
+          <p:cNvSpPr/>
+          <p:nvPr/>
+        </p:nvSpPr>
+        <p:spPr>
+          <a:xfrm>
+            <a:off x="2881448" y="2186293"/>
+            <a:ext cx="1129598" cy="289580"/>
+          </a:xfrm>
+          <a:prstGeom prst="roundRect">
+            <a:avLst/>
+          </a:prstGeom>
+          <a:solidFill>
+            <a:schemeClr val="accent6">
+              <a:lumMod val="40000"/>
+              <a:lumOff val="60000"/>
+            </a:schemeClr>
+          </a:solidFill>
+          <a:ln w="28575">
+            <a:solidFill>
+              <a:schemeClr val="bg2">
+                <a:lumMod val="10000"/>
+              </a:schemeClr>
+            </a:solidFill>
+          </a:ln>
+        </p:spPr>
+        <p:style>
+          <a:lnRef idx="2">
+            <a:schemeClr val="accent1">
+              <a:shade val="15000"/>
+            </a:schemeClr>
+          </a:lnRef>
+          <a:fillRef idx="1">
+            <a:schemeClr val="accent1"/>
+          </a:fillRef>
+          <a:effectRef idx="0">
+            <a:schemeClr val="accent1"/>
+          </a:effectRef>
+          <a:fontRef idx="minor">
+            <a:schemeClr val="lt1"/>
+          </a:fontRef>
+        </p:style>
+        <p:txBody>
+          <a:bodyPr rtlCol="0" anchor="ctr"/>
+          <a:lstStyle/>
+          <a:p>
+            <a:pPr algn="ctr"/>
+            <a:r>
+              <a:rPr lang="en-US" sz="2000" dirty="0">
+                <a:solidFill>
+                  <a:schemeClr val="bg2">
+                    <a:lumMod val="10000"/>
+                  </a:schemeClr>
+                </a:solidFill>
+                <a:latin typeface="Consolas" panose="020B0609020204030204" pitchFamily="49" charset="0"/>
+                <a:cs typeface="Consolas" panose="020B0609020204030204" pitchFamily="49" charset="0"/>
+              </a:rPr>
+              <a:t>&lt;term&gt;</a:t>
+            </a:r>
+            <a:endParaRPr lang="en-US" sz="3200" dirty="0">
+              <a:solidFill>
+                <a:schemeClr val="bg2">
+                  <a:lumMod val="10000"/>
+                </a:schemeClr>
+              </a:solidFill>
+              <a:latin typeface="Consolas" panose="020B0609020204030204" pitchFamily="49" charset="0"/>
+              <a:cs typeface="Consolas" panose="020B0609020204030204" pitchFamily="49" charset="0"/>
+            </a:endParaRPr>
+          </a:p>
+        </p:txBody>
+      </p:sp>
+      <p:sp>
+        <p:nvSpPr>
+          <p:cNvPr id="32" name="Rounded Rectangle 31">
+            <a:extLst>
+              <a:ext uri="{FF2B5EF4-FFF2-40B4-BE49-F238E27FC236}">
+                <a16:creationId xmlns:a16="http://schemas.microsoft.com/office/drawing/2014/main" id="{6B13D2C2-6A9D-386F-720F-64929AFCB3C4}"/>
+              </a:ext>
+            </a:extLst>
+          </p:cNvPr>
+          <p:cNvSpPr/>
+          <p:nvPr/>
+        </p:nvSpPr>
+        <p:spPr>
+          <a:xfrm>
+            <a:off x="3075599" y="2765453"/>
+            <a:ext cx="726958" cy="361516"/>
+          </a:xfrm>
+          <a:prstGeom prst="roundRect">
+            <a:avLst/>
+          </a:prstGeom>
+          <a:solidFill>
+            <a:schemeClr val="accent3">
+              <a:lumMod val="40000"/>
+              <a:lumOff val="60000"/>
+            </a:schemeClr>
+          </a:solidFill>
+          <a:ln w="28575">
+            <a:solidFill>
+              <a:schemeClr val="bg2">
+                <a:lumMod val="10000"/>
+              </a:schemeClr>
+            </a:solidFill>
+          </a:ln>
+        </p:spPr>
+        <p:style>
+          <a:lnRef idx="2">
+            <a:schemeClr val="accent1">
+              <a:shade val="15000"/>
+            </a:schemeClr>
+          </a:lnRef>
+          <a:fillRef idx="1">
+            <a:schemeClr val="accent1"/>
+          </a:fillRef>
+          <a:effectRef idx="0">
+            <a:schemeClr val="accent1"/>
+          </a:effectRef>
+          <a:fontRef idx="minor">
+            <a:schemeClr val="lt1"/>
+          </a:fontRef>
+        </p:style>
+        <p:txBody>
+          <a:bodyPr rtlCol="0" anchor="ctr"/>
+          <a:lstStyle/>
+          <a:p>
+            <a:pPr algn="ctr"/>
+            <a:r>
+              <a:rPr lang="en-US" sz="2000" dirty="0">
+                <a:solidFill>
+                  <a:schemeClr val="bg2">
+                    <a:lumMod val="10000"/>
+                  </a:schemeClr>
+                </a:solidFill>
+                <a:latin typeface="Consolas" panose="020B0609020204030204" pitchFamily="49" charset="0"/>
+                <a:cs typeface="Consolas" panose="020B0609020204030204" pitchFamily="49" charset="0"/>
+              </a:rPr>
+              <a:t>+|-</a:t>
+            </a:r>
+            <a:endParaRPr lang="en-US" sz="1100" dirty="0">
+              <a:solidFill>
+                <a:schemeClr val="bg2">
+                  <a:lumMod val="10000"/>
+                </a:schemeClr>
+              </a:solidFill>
+              <a:latin typeface="Consolas" panose="020B0609020204030204" pitchFamily="49" charset="0"/>
+              <a:cs typeface="Consolas" panose="020B0609020204030204" pitchFamily="49" charset="0"/>
+            </a:endParaRPr>
+          </a:p>
+        </p:txBody>
+      </p:sp>
+      <p:cxnSp>
+        <p:nvCxnSpPr>
+          <p:cNvPr id="33" name="Straight Arrow Connector 32">
+            <a:extLst>
+              <a:ext uri="{FF2B5EF4-FFF2-40B4-BE49-F238E27FC236}">
+                <a16:creationId xmlns:a16="http://schemas.microsoft.com/office/drawing/2014/main" id="{22A1AFDB-5AB5-3E4E-9D9F-50F9206676CE}"/>
+              </a:ext>
+            </a:extLst>
+          </p:cNvPr>
+          <p:cNvCxnSpPr>
+            <a:cxnSpLocks/>
+          </p:cNvCxnSpPr>
+          <p:nvPr/>
+        </p:nvCxnSpPr>
+        <p:spPr>
+          <a:xfrm>
+            <a:off x="3439078" y="2475873"/>
+            <a:ext cx="0" cy="290513"/>
+          </a:xfrm>
+          <a:prstGeom prst="straightConnector1">
+            <a:avLst/>
+          </a:prstGeom>
+          <a:ln w="38100">
+            <a:solidFill>
+              <a:schemeClr val="tx1"/>
+            </a:solidFill>
+            <a:tailEnd type="triangle"/>
+          </a:ln>
+        </p:spPr>
+        <p:style>
+          <a:lnRef idx="1">
+            <a:schemeClr val="accent1"/>
+          </a:lnRef>
+          <a:fillRef idx="0">
+            <a:schemeClr val="accent1"/>
+          </a:fillRef>
+          <a:effectRef idx="0">
+            <a:schemeClr val="accent1"/>
+          </a:effectRef>
+          <a:fontRef idx="minor">
+            <a:schemeClr val="tx1"/>
+          </a:fontRef>
+        </p:style>
+      </p:cxnSp>
+      <p:cxnSp>
+        <p:nvCxnSpPr>
+          <p:cNvPr id="34" name="Straight Arrow Connector 33">
+            <a:extLst>
+              <a:ext uri="{FF2B5EF4-FFF2-40B4-BE49-F238E27FC236}">
+                <a16:creationId xmlns:a16="http://schemas.microsoft.com/office/drawing/2014/main" id="{18A783A8-86FA-8FF6-A8FA-5DB0646E36F6}"/>
+              </a:ext>
+            </a:extLst>
+          </p:cNvPr>
+          <p:cNvCxnSpPr>
+            <a:cxnSpLocks/>
+          </p:cNvCxnSpPr>
+          <p:nvPr/>
+        </p:nvCxnSpPr>
+        <p:spPr>
+          <a:xfrm>
+            <a:off x="3439078" y="3142911"/>
+            <a:ext cx="0" cy="290513"/>
+          </a:xfrm>
+          <a:prstGeom prst="straightConnector1">
+            <a:avLst/>
+          </a:prstGeom>
+          <a:ln w="38100">
+            <a:solidFill>
+              <a:schemeClr val="tx1"/>
+            </a:solidFill>
+            <a:tailEnd type="triangle"/>
+          </a:ln>
+        </p:spPr>
+        <p:style>
+          <a:lnRef idx="1">
+            <a:schemeClr val="accent1"/>
+          </a:lnRef>
+          <a:fillRef idx="0">
+            <a:schemeClr val="accent1"/>
+          </a:fillRef>
+          <a:effectRef idx="0">
+            <a:schemeClr val="accent1"/>
+          </a:effectRef>
+          <a:fontRef idx="minor">
+            <a:schemeClr val="tx1"/>
+          </a:fontRef>
+        </p:style>
+      </p:cxnSp>
+      <p:sp>
+        <p:nvSpPr>
+          <p:cNvPr id="35" name="Rounded Rectangle 34">
+            <a:extLst>
+              <a:ext uri="{FF2B5EF4-FFF2-40B4-BE49-F238E27FC236}">
+                <a16:creationId xmlns:a16="http://schemas.microsoft.com/office/drawing/2014/main" id="{4A208161-6394-BC2B-811D-6A88BC11387D}"/>
+              </a:ext>
+            </a:extLst>
+          </p:cNvPr>
+          <p:cNvSpPr/>
+          <p:nvPr/>
+        </p:nvSpPr>
+        <p:spPr>
+          <a:xfrm>
+            <a:off x="2894739" y="3416549"/>
+            <a:ext cx="1129598" cy="289580"/>
+          </a:xfrm>
+          <a:prstGeom prst="roundRect">
+            <a:avLst/>
+          </a:prstGeom>
+          <a:solidFill>
+            <a:schemeClr val="accent6">
+              <a:lumMod val="40000"/>
+              <a:lumOff val="60000"/>
+            </a:schemeClr>
+          </a:solidFill>
+          <a:ln w="28575">
+            <a:solidFill>
+              <a:schemeClr val="bg2">
+                <a:lumMod val="10000"/>
+              </a:schemeClr>
+            </a:solidFill>
+          </a:ln>
+        </p:spPr>
+        <p:style>
+          <a:lnRef idx="2">
+            <a:schemeClr val="accent1">
+              <a:shade val="15000"/>
+            </a:schemeClr>
+          </a:lnRef>
+          <a:fillRef idx="1">
+            <a:schemeClr val="accent1"/>
+          </a:fillRef>
+          <a:effectRef idx="0">
+            <a:schemeClr val="accent1"/>
+          </a:effectRef>
+          <a:fontRef idx="minor">
+            <a:schemeClr val="lt1"/>
+          </a:fontRef>
+        </p:style>
+        <p:txBody>
+          <a:bodyPr rtlCol="0" anchor="ctr"/>
+          <a:lstStyle/>
+          <a:p>
+            <a:pPr algn="ctr"/>
+            <a:r>
+              <a:rPr lang="en-US" sz="2000" dirty="0">
+                <a:solidFill>
+                  <a:schemeClr val="bg2">
+                    <a:lumMod val="10000"/>
+                  </a:schemeClr>
+                </a:solidFill>
+                <a:latin typeface="Consolas" panose="020B0609020204030204" pitchFamily="49" charset="0"/>
+                <a:cs typeface="Consolas" panose="020B0609020204030204" pitchFamily="49" charset="0"/>
+              </a:rPr>
+              <a:t>&lt;term&gt;</a:t>
+            </a:r>
+            <a:endParaRPr lang="en-US" sz="3200" dirty="0">
+              <a:solidFill>
+                <a:schemeClr val="bg2">
+                  <a:lumMod val="10000"/>
+                </a:schemeClr>
+              </a:solidFill>
+              <a:latin typeface="Consolas" panose="020B0609020204030204" pitchFamily="49" charset="0"/>
+              <a:cs typeface="Consolas" panose="020B0609020204030204" pitchFamily="49" charset="0"/>
+            </a:endParaRPr>
+          </a:p>
+        </p:txBody>
+      </p:sp>
+      <p:sp>
+        <p:nvSpPr>
+          <p:cNvPr id="36" name="Rounded Rectangle 35">
+            <a:extLst>
+              <a:ext uri="{FF2B5EF4-FFF2-40B4-BE49-F238E27FC236}">
+                <a16:creationId xmlns:a16="http://schemas.microsoft.com/office/drawing/2014/main" id="{5AE4E4D0-B1A4-F42C-4BA8-3B679338FC09}"/>
+              </a:ext>
+            </a:extLst>
+          </p:cNvPr>
+          <p:cNvSpPr/>
+          <p:nvPr/>
+        </p:nvSpPr>
+        <p:spPr>
+          <a:xfrm>
+            <a:off x="3088890" y="3995709"/>
+            <a:ext cx="726958" cy="361516"/>
+          </a:xfrm>
+          <a:prstGeom prst="roundRect">
+            <a:avLst/>
+          </a:prstGeom>
+          <a:solidFill>
+            <a:schemeClr val="accent3">
+              <a:lumMod val="40000"/>
+              <a:lumOff val="60000"/>
+            </a:schemeClr>
+          </a:solidFill>
+          <a:ln w="28575">
+            <a:solidFill>
+              <a:schemeClr val="bg2">
+                <a:lumMod val="10000"/>
+              </a:schemeClr>
+            </a:solidFill>
+          </a:ln>
+        </p:spPr>
+        <p:style>
+          <a:lnRef idx="2">
+            <a:schemeClr val="accent1">
+              <a:shade val="15000"/>
+            </a:schemeClr>
+          </a:lnRef>
+          <a:fillRef idx="1">
+            <a:schemeClr val="accent1"/>
+          </a:fillRef>
+          <a:effectRef idx="0">
+            <a:schemeClr val="accent1"/>
+          </a:effectRef>
+          <a:fontRef idx="minor">
+            <a:schemeClr val="lt1"/>
+          </a:fontRef>
+        </p:style>
+        <p:txBody>
+          <a:bodyPr rtlCol="0" anchor="ctr"/>
+          <a:lstStyle/>
+          <a:p>
+            <a:pPr algn="ctr"/>
+            <a:r>
+              <a:rPr lang="en-US" sz="2000" dirty="0">
+                <a:solidFill>
+                  <a:schemeClr val="bg2">
+                    <a:lumMod val="10000"/>
+                  </a:schemeClr>
+                </a:solidFill>
+                <a:latin typeface="Consolas" panose="020B0609020204030204" pitchFamily="49" charset="0"/>
+                <a:cs typeface="Consolas" panose="020B0609020204030204" pitchFamily="49" charset="0"/>
+              </a:rPr>
+              <a:t>+|-</a:t>
+            </a:r>
+            <a:endParaRPr lang="en-US" sz="1100" dirty="0">
+              <a:solidFill>
+                <a:schemeClr val="bg2">
+                  <a:lumMod val="10000"/>
+                </a:schemeClr>
+              </a:solidFill>
+              <a:latin typeface="Consolas" panose="020B0609020204030204" pitchFamily="49" charset="0"/>
+              <a:cs typeface="Consolas" panose="020B0609020204030204" pitchFamily="49" charset="0"/>
+            </a:endParaRPr>
+          </a:p>
+        </p:txBody>
+      </p:sp>
+      <p:cxnSp>
+        <p:nvCxnSpPr>
+          <p:cNvPr id="37" name="Straight Arrow Connector 36">
+            <a:extLst>
+              <a:ext uri="{FF2B5EF4-FFF2-40B4-BE49-F238E27FC236}">
+                <a16:creationId xmlns:a16="http://schemas.microsoft.com/office/drawing/2014/main" id="{1B6C0EFB-DC72-2890-126A-4D0062A970D5}"/>
+              </a:ext>
+            </a:extLst>
+          </p:cNvPr>
+          <p:cNvCxnSpPr>
+            <a:cxnSpLocks/>
+          </p:cNvCxnSpPr>
+          <p:nvPr/>
+        </p:nvCxnSpPr>
+        <p:spPr>
+          <a:xfrm>
+            <a:off x="3452369" y="3706129"/>
+            <a:ext cx="0" cy="290513"/>
+          </a:xfrm>
+          <a:prstGeom prst="straightConnector1">
+            <a:avLst/>
+          </a:prstGeom>
+          <a:ln w="38100">
+            <a:solidFill>
+              <a:schemeClr val="tx1"/>
+            </a:solidFill>
+            <a:tailEnd type="triangle"/>
+          </a:ln>
+        </p:spPr>
+        <p:style>
+          <a:lnRef idx="1">
+            <a:schemeClr val="accent1"/>
+          </a:lnRef>
+          <a:fillRef idx="0">
+            <a:schemeClr val="accent1"/>
+          </a:fillRef>
+          <a:effectRef idx="0">
+            <a:schemeClr val="accent1"/>
+          </a:effectRef>
+          <a:fontRef idx="minor">
+            <a:schemeClr val="tx1"/>
+          </a:fontRef>
+        </p:style>
+      </p:cxnSp>
+      <p:cxnSp>
+        <p:nvCxnSpPr>
+          <p:cNvPr id="38" name="Straight Arrow Connector 37">
+            <a:extLst>
+              <a:ext uri="{FF2B5EF4-FFF2-40B4-BE49-F238E27FC236}">
+                <a16:creationId xmlns:a16="http://schemas.microsoft.com/office/drawing/2014/main" id="{EEE4BB35-551C-6207-86C2-D71EB6D3FA44}"/>
+              </a:ext>
+            </a:extLst>
+          </p:cNvPr>
+          <p:cNvCxnSpPr>
+            <a:cxnSpLocks/>
+          </p:cNvCxnSpPr>
+          <p:nvPr/>
+        </p:nvCxnSpPr>
+        <p:spPr>
+          <a:xfrm>
+            <a:off x="3452369" y="4373167"/>
+            <a:ext cx="0" cy="290513"/>
+          </a:xfrm>
+          <a:prstGeom prst="straightConnector1">
+            <a:avLst/>
+          </a:prstGeom>
+          <a:ln w="38100">
+            <a:solidFill>
+              <a:schemeClr val="tx1"/>
+            </a:solidFill>
+            <a:tailEnd type="triangle"/>
+          </a:ln>
+        </p:spPr>
+        <p:style>
+          <a:lnRef idx="1">
+            <a:schemeClr val="accent1"/>
+          </a:lnRef>
+          <a:fillRef idx="0">
+            <a:schemeClr val="accent1"/>
+          </a:fillRef>
+          <a:effectRef idx="0">
+            <a:schemeClr val="accent1"/>
+          </a:effectRef>
+          <a:fontRef idx="minor">
+            <a:schemeClr val="tx1"/>
+          </a:fontRef>
+        </p:style>
+      </p:cxnSp>
+      <p:sp>
+        <p:nvSpPr>
+          <p:cNvPr id="40" name="Rounded Rectangle 39">
+            <a:extLst>
+              <a:ext uri="{FF2B5EF4-FFF2-40B4-BE49-F238E27FC236}">
+                <a16:creationId xmlns:a16="http://schemas.microsoft.com/office/drawing/2014/main" id="{7A9AEF5B-CA53-F921-A9F1-4E3996DE5732}"/>
+              </a:ext>
+            </a:extLst>
+          </p:cNvPr>
+          <p:cNvSpPr/>
+          <p:nvPr/>
+        </p:nvSpPr>
+        <p:spPr>
+          <a:xfrm>
+            <a:off x="2887570" y="4680555"/>
+            <a:ext cx="1129598" cy="289580"/>
+          </a:xfrm>
+          <a:prstGeom prst="roundRect">
+            <a:avLst/>
+          </a:prstGeom>
+          <a:solidFill>
+            <a:schemeClr val="accent6">
+              <a:lumMod val="40000"/>
+              <a:lumOff val="60000"/>
+            </a:schemeClr>
+          </a:solidFill>
+          <a:ln w="28575">
+            <a:solidFill>
+              <a:schemeClr val="bg2">
+                <a:lumMod val="10000"/>
+              </a:schemeClr>
+            </a:solidFill>
+          </a:ln>
+        </p:spPr>
+        <p:style>
+          <a:lnRef idx="2">
+            <a:schemeClr val="accent1">
+              <a:shade val="15000"/>
+            </a:schemeClr>
+          </a:lnRef>
+          <a:fillRef idx="1">
+            <a:schemeClr val="accent1"/>
+          </a:fillRef>
+          <a:effectRef idx="0">
+            <a:schemeClr val="accent1"/>
+          </a:effectRef>
+          <a:fontRef idx="minor">
+            <a:schemeClr val="lt1"/>
+          </a:fontRef>
+        </p:style>
+        <p:txBody>
+          <a:bodyPr rtlCol="0" anchor="ctr"/>
+          <a:lstStyle/>
+          <a:p>
+            <a:pPr algn="ctr"/>
+            <a:r>
+              <a:rPr lang="en-US" sz="2000" dirty="0">
+                <a:solidFill>
+                  <a:schemeClr val="bg2">
+                    <a:lumMod val="10000"/>
+                  </a:schemeClr>
+                </a:solidFill>
+                <a:latin typeface="Consolas" panose="020B0609020204030204" pitchFamily="49" charset="0"/>
+                <a:cs typeface="Consolas" panose="020B0609020204030204" pitchFamily="49" charset="0"/>
+              </a:rPr>
+              <a:t>&lt;term&gt;</a:t>
+            </a:r>
+            <a:endParaRPr lang="en-US" sz="3200" dirty="0">
+              <a:solidFill>
+                <a:schemeClr val="bg2">
+                  <a:lumMod val="10000"/>
+                </a:schemeClr>
+              </a:solidFill>
+              <a:latin typeface="Consolas" panose="020B0609020204030204" pitchFamily="49" charset="0"/>
+              <a:cs typeface="Consolas" panose="020B0609020204030204" pitchFamily="49" charset="0"/>
+            </a:endParaRPr>
+          </a:p>
+        </p:txBody>
+      </p:sp>
+      <p:sp>
+        <p:nvSpPr>
+          <p:cNvPr id="41" name="Rounded Rectangle 40">
+            <a:extLst>
+              <a:ext uri="{FF2B5EF4-FFF2-40B4-BE49-F238E27FC236}">
+                <a16:creationId xmlns:a16="http://schemas.microsoft.com/office/drawing/2014/main" id="{A63C57BC-7EE9-582A-9FC7-01679D06954A}"/>
+              </a:ext>
+            </a:extLst>
+          </p:cNvPr>
+          <p:cNvSpPr/>
+          <p:nvPr/>
+        </p:nvSpPr>
+        <p:spPr>
+          <a:xfrm>
+            <a:off x="3081721" y="5259715"/>
+            <a:ext cx="726958" cy="361516"/>
+          </a:xfrm>
+          <a:prstGeom prst="roundRect">
+            <a:avLst/>
+          </a:prstGeom>
+          <a:solidFill>
+            <a:schemeClr val="accent3">
+              <a:lumMod val="40000"/>
+              <a:lumOff val="60000"/>
+            </a:schemeClr>
+          </a:solidFill>
+          <a:ln w="28575">
+            <a:solidFill>
+              <a:schemeClr val="bg2">
+                <a:lumMod val="10000"/>
+              </a:schemeClr>
+            </a:solidFill>
+          </a:ln>
+        </p:spPr>
+        <p:style>
+          <a:lnRef idx="2">
+            <a:schemeClr val="accent1">
+              <a:shade val="15000"/>
+            </a:schemeClr>
+          </a:lnRef>
+          <a:fillRef idx="1">
+            <a:schemeClr val="accent1"/>
+          </a:fillRef>
+          <a:effectRef idx="0">
+            <a:schemeClr val="accent1"/>
+          </a:effectRef>
+          <a:fontRef idx="minor">
+            <a:schemeClr val="lt1"/>
+          </a:fontRef>
+        </p:style>
+        <p:txBody>
+          <a:bodyPr rtlCol="0" anchor="ctr"/>
+          <a:lstStyle/>
+          <a:p>
+            <a:pPr algn="ctr"/>
+            <a:r>
+              <a:rPr lang="en-US" sz="2000" dirty="0">
+                <a:solidFill>
+                  <a:schemeClr val="bg2">
+                    <a:lumMod val="10000"/>
+                  </a:schemeClr>
+                </a:solidFill>
+                <a:latin typeface="Consolas" panose="020B0609020204030204" pitchFamily="49" charset="0"/>
+                <a:cs typeface="Consolas" panose="020B0609020204030204" pitchFamily="49" charset="0"/>
+              </a:rPr>
+              <a:t>+|-</a:t>
+            </a:r>
+            <a:endParaRPr lang="en-US" sz="1100" dirty="0">
+              <a:solidFill>
+                <a:schemeClr val="bg2">
+                  <a:lumMod val="10000"/>
+                </a:schemeClr>
+              </a:solidFill>
+              <a:latin typeface="Consolas" panose="020B0609020204030204" pitchFamily="49" charset="0"/>
+              <a:cs typeface="Consolas" panose="020B0609020204030204" pitchFamily="49" charset="0"/>
+            </a:endParaRPr>
+          </a:p>
+        </p:txBody>
+      </p:sp>
+      <p:cxnSp>
+        <p:nvCxnSpPr>
+          <p:cNvPr id="51" name="Straight Arrow Connector 50">
+            <a:extLst>
+              <a:ext uri="{FF2B5EF4-FFF2-40B4-BE49-F238E27FC236}">
+                <a16:creationId xmlns:a16="http://schemas.microsoft.com/office/drawing/2014/main" id="{7796F9D7-448D-D5C3-E0B5-07B06AD1AB53}"/>
+              </a:ext>
+            </a:extLst>
+          </p:cNvPr>
+          <p:cNvCxnSpPr>
+            <a:cxnSpLocks/>
+          </p:cNvCxnSpPr>
+          <p:nvPr/>
+        </p:nvCxnSpPr>
+        <p:spPr>
+          <a:xfrm>
+            <a:off x="3445200" y="4970135"/>
+            <a:ext cx="0" cy="290513"/>
+          </a:xfrm>
+          <a:prstGeom prst="straightConnector1">
+            <a:avLst/>
+          </a:prstGeom>
+          <a:ln w="38100">
+            <a:solidFill>
+              <a:schemeClr val="tx1"/>
+            </a:solidFill>
+            <a:tailEnd type="triangle"/>
+          </a:ln>
+        </p:spPr>
+        <p:style>
+          <a:lnRef idx="1">
+            <a:schemeClr val="accent1"/>
+          </a:lnRef>
+          <a:fillRef idx="0">
+            <a:schemeClr val="accent1"/>
+          </a:fillRef>
+          <a:effectRef idx="0">
+            <a:schemeClr val="accent1"/>
+          </a:effectRef>
+          <a:fontRef idx="minor">
+            <a:schemeClr val="tx1"/>
+          </a:fontRef>
+        </p:style>
+      </p:cxnSp>
+      <p:cxnSp>
+        <p:nvCxnSpPr>
+          <p:cNvPr id="52" name="Straight Arrow Connector 51">
+            <a:extLst>
+              <a:ext uri="{FF2B5EF4-FFF2-40B4-BE49-F238E27FC236}">
+                <a16:creationId xmlns:a16="http://schemas.microsoft.com/office/drawing/2014/main" id="{1336AF25-4781-1754-8C99-D17D7173D10F}"/>
+              </a:ext>
+            </a:extLst>
+          </p:cNvPr>
+          <p:cNvCxnSpPr>
+            <a:cxnSpLocks/>
+          </p:cNvCxnSpPr>
+          <p:nvPr/>
+        </p:nvCxnSpPr>
+        <p:spPr>
+          <a:xfrm>
+            <a:off x="3445200" y="5637173"/>
+            <a:ext cx="0" cy="290513"/>
+          </a:xfrm>
+          <a:prstGeom prst="straightConnector1">
+            <a:avLst/>
+          </a:prstGeom>
+          <a:ln w="38100">
+            <a:solidFill>
+              <a:schemeClr val="tx1"/>
+            </a:solidFill>
+            <a:tailEnd type="triangle"/>
+          </a:ln>
+        </p:spPr>
+        <p:style>
+          <a:lnRef idx="1">
+            <a:schemeClr val="accent1"/>
+          </a:lnRef>
+          <a:fillRef idx="0">
+            <a:schemeClr val="accent1"/>
+          </a:fillRef>
+          <a:effectRef idx="0">
+            <a:schemeClr val="accent1"/>
+          </a:effectRef>
+          <a:fontRef idx="minor">
+            <a:schemeClr val="tx1"/>
+          </a:fontRef>
+        </p:style>
+      </p:cxnSp>
+      <p:sp>
+        <p:nvSpPr>
+          <p:cNvPr id="46" name="Rounded Rectangle 45">
+            <a:extLst>
+              <a:ext uri="{FF2B5EF4-FFF2-40B4-BE49-F238E27FC236}">
+                <a16:creationId xmlns:a16="http://schemas.microsoft.com/office/drawing/2014/main" id="{34225F6C-4055-0B33-2544-2BF4960B9EC5}"/>
+              </a:ext>
+            </a:extLst>
+          </p:cNvPr>
+          <p:cNvSpPr/>
+          <p:nvPr/>
+        </p:nvSpPr>
+        <p:spPr>
+          <a:xfrm>
+            <a:off x="4413639" y="2186293"/>
+            <a:ext cx="1349803" cy="289580"/>
+          </a:xfrm>
+          <a:prstGeom prst="roundRect">
+            <a:avLst/>
+          </a:prstGeom>
+          <a:solidFill>
+            <a:schemeClr val="accent1">
+              <a:lumMod val="60000"/>
+              <a:lumOff val="40000"/>
+            </a:schemeClr>
+          </a:solidFill>
+          <a:ln w="28575">
+            <a:solidFill>
+              <a:schemeClr val="bg2">
+                <a:lumMod val="10000"/>
+              </a:schemeClr>
+            </a:solidFill>
+          </a:ln>
+        </p:spPr>
+        <p:style>
+          <a:lnRef idx="2">
+            <a:schemeClr val="accent1">
+              <a:shade val="15000"/>
+            </a:schemeClr>
+          </a:lnRef>
+          <a:fillRef idx="1">
+            <a:schemeClr val="accent1"/>
+          </a:fillRef>
+          <a:effectRef idx="0">
+            <a:schemeClr val="accent1"/>
+          </a:effectRef>
+          <a:fontRef idx="minor">
+            <a:schemeClr val="lt1"/>
+          </a:fontRef>
+        </p:style>
+        <p:txBody>
+          <a:bodyPr rtlCol="0" anchor="ctr"/>
+          <a:lstStyle/>
+          <a:p>
+            <a:pPr algn="ctr"/>
+            <a:r>
+              <a:rPr lang="en-US" sz="2000" dirty="0">
+                <a:solidFill>
+                  <a:schemeClr val="bg2">
+                    <a:lumMod val="10000"/>
+                  </a:schemeClr>
+                </a:solidFill>
+                <a:latin typeface="Consolas" panose="020B0609020204030204" pitchFamily="49" charset="0"/>
+                <a:cs typeface="Consolas" panose="020B0609020204030204" pitchFamily="49" charset="0"/>
+              </a:rPr>
+              <a:t>&lt;factor&gt;</a:t>
+            </a:r>
+            <a:endParaRPr lang="en-US" sz="3200" dirty="0">
+              <a:solidFill>
+                <a:schemeClr val="bg2">
+                  <a:lumMod val="10000"/>
+                </a:schemeClr>
+              </a:solidFill>
+              <a:latin typeface="Consolas" panose="020B0609020204030204" pitchFamily="49" charset="0"/>
+              <a:cs typeface="Consolas" panose="020B0609020204030204" pitchFamily="49" charset="0"/>
+            </a:endParaRPr>
+          </a:p>
+        </p:txBody>
+      </p:sp>
+      <p:sp>
+        <p:nvSpPr>
+          <p:cNvPr id="77" name="Rounded Rectangle 76">
+            <a:extLst>
+              <a:ext uri="{FF2B5EF4-FFF2-40B4-BE49-F238E27FC236}">
+                <a16:creationId xmlns:a16="http://schemas.microsoft.com/office/drawing/2014/main" id="{8BB689B1-35B7-A046-B29E-38981E1A1456}"/>
+              </a:ext>
+            </a:extLst>
+          </p:cNvPr>
+          <p:cNvSpPr/>
+          <p:nvPr/>
+        </p:nvSpPr>
+        <p:spPr>
+          <a:xfrm>
+            <a:off x="1415265" y="2192970"/>
+            <a:ext cx="1087300" cy="289580"/>
+          </a:xfrm>
+          <a:prstGeom prst="roundRect">
+            <a:avLst/>
+          </a:prstGeom>
+          <a:solidFill>
+            <a:srgbClr val="F79ED1"/>
+          </a:solidFill>
+          <a:ln w="28575">
+            <a:solidFill>
+              <a:schemeClr val="bg2">
+                <a:lumMod val="10000"/>
+              </a:schemeClr>
+            </a:solidFill>
+          </a:ln>
+        </p:spPr>
+        <p:style>
+          <a:lnRef idx="2">
+            <a:schemeClr val="accent1">
+              <a:shade val="15000"/>
+            </a:schemeClr>
+          </a:lnRef>
+          <a:fillRef idx="1">
+            <a:schemeClr val="accent1"/>
+          </a:fillRef>
+          <a:effectRef idx="0">
+            <a:schemeClr val="accent1"/>
+          </a:effectRef>
+          <a:fontRef idx="minor">
+            <a:schemeClr val="lt1"/>
+          </a:fontRef>
+        </p:style>
+        <p:txBody>
+          <a:bodyPr rtlCol="0" anchor="ctr"/>
+          <a:lstStyle/>
+          <a:p>
+            <a:pPr algn="ctr"/>
+            <a:r>
+              <a:rPr lang="en-US" sz="2000" dirty="0">
+                <a:solidFill>
+                  <a:schemeClr val="bg2">
+                    <a:lumMod val="10000"/>
+                  </a:schemeClr>
+                </a:solidFill>
+                <a:latin typeface="Consolas" panose="020B0609020204030204" pitchFamily="49" charset="0"/>
+                <a:cs typeface="Consolas" panose="020B0609020204030204" pitchFamily="49" charset="0"/>
+              </a:rPr>
+              <a:t>&lt;expr&gt;</a:t>
+            </a:r>
+            <a:endParaRPr lang="en-US" sz="3200" dirty="0">
+              <a:solidFill>
+                <a:schemeClr val="bg2">
+                  <a:lumMod val="10000"/>
+                </a:schemeClr>
+              </a:solidFill>
+              <a:latin typeface="Consolas" panose="020B0609020204030204" pitchFamily="49" charset="0"/>
+              <a:cs typeface="Consolas" panose="020B0609020204030204" pitchFamily="49" charset="0"/>
+            </a:endParaRPr>
+          </a:p>
+        </p:txBody>
+      </p:sp>
+      <p:sp>
+        <p:nvSpPr>
+          <p:cNvPr id="2" name="Rounded Rectangle 1">
+            <a:extLst>
+              <a:ext uri="{FF2B5EF4-FFF2-40B4-BE49-F238E27FC236}">
+                <a16:creationId xmlns:a16="http://schemas.microsoft.com/office/drawing/2014/main" id="{48284695-7FBF-E9BF-6192-F62111BBEAA2}"/>
+              </a:ext>
+            </a:extLst>
+          </p:cNvPr>
+          <p:cNvSpPr/>
+          <p:nvPr/>
+        </p:nvSpPr>
+        <p:spPr>
+          <a:xfrm>
+            <a:off x="4717535" y="2765453"/>
+            <a:ext cx="726958" cy="361516"/>
+          </a:xfrm>
+          <a:prstGeom prst="roundRect">
+            <a:avLst/>
+          </a:prstGeom>
+          <a:solidFill>
+            <a:schemeClr val="accent3">
+              <a:lumMod val="40000"/>
+              <a:lumOff val="60000"/>
+            </a:schemeClr>
+          </a:solidFill>
+          <a:ln w="28575">
+            <a:solidFill>
+              <a:schemeClr val="bg2">
+                <a:lumMod val="10000"/>
+              </a:schemeClr>
+            </a:solidFill>
+          </a:ln>
+        </p:spPr>
+        <p:style>
+          <a:lnRef idx="2">
+            <a:schemeClr val="accent1">
+              <a:shade val="15000"/>
+            </a:schemeClr>
+          </a:lnRef>
+          <a:fillRef idx="1">
+            <a:schemeClr val="accent1"/>
+          </a:fillRef>
+          <a:effectRef idx="0">
+            <a:schemeClr val="accent1"/>
+          </a:effectRef>
+          <a:fontRef idx="minor">
+            <a:schemeClr val="lt1"/>
+          </a:fontRef>
+        </p:style>
+        <p:txBody>
+          <a:bodyPr rtlCol="0" anchor="ctr"/>
+          <a:lstStyle/>
+          <a:p>
+            <a:pPr algn="ctr"/>
+            <a:r>
+              <a:rPr lang="en-US" sz="2000" dirty="0">
+                <a:solidFill>
+                  <a:schemeClr val="bg2">
+                    <a:lumMod val="10000"/>
+                  </a:schemeClr>
+                </a:solidFill>
+                <a:latin typeface="Consolas" panose="020B0609020204030204" pitchFamily="49" charset="0"/>
+                <a:cs typeface="Consolas" panose="020B0609020204030204" pitchFamily="49" charset="0"/>
+              </a:rPr>
+              <a:t>*|/</a:t>
+            </a:r>
+          </a:p>
+        </p:txBody>
+      </p:sp>
+      <p:cxnSp>
+        <p:nvCxnSpPr>
+          <p:cNvPr id="3" name="Straight Arrow Connector 2">
+            <a:extLst>
+              <a:ext uri="{FF2B5EF4-FFF2-40B4-BE49-F238E27FC236}">
+                <a16:creationId xmlns:a16="http://schemas.microsoft.com/office/drawing/2014/main" id="{72E547D6-CB09-F1C7-D8FD-740EB3814F95}"/>
+              </a:ext>
+            </a:extLst>
+          </p:cNvPr>
+          <p:cNvCxnSpPr>
+            <a:cxnSpLocks/>
+          </p:cNvCxnSpPr>
+          <p:nvPr/>
+        </p:nvCxnSpPr>
+        <p:spPr>
+          <a:xfrm>
+            <a:off x="2502565" y="2331083"/>
+            <a:ext cx="378883" cy="0"/>
+          </a:xfrm>
+          <a:prstGeom prst="straightConnector1">
+            <a:avLst/>
+          </a:prstGeom>
+          <a:ln w="38100">
+            <a:solidFill>
+              <a:schemeClr val="tx1"/>
+            </a:solidFill>
+            <a:tailEnd type="triangle"/>
+          </a:ln>
+        </p:spPr>
+        <p:style>
+          <a:lnRef idx="1">
+            <a:schemeClr val="accent1"/>
+          </a:lnRef>
+          <a:fillRef idx="0">
+            <a:schemeClr val="accent1"/>
+          </a:fillRef>
+          <a:effectRef idx="0">
+            <a:schemeClr val="accent1"/>
+          </a:effectRef>
+          <a:fontRef idx="minor">
+            <a:schemeClr val="tx1"/>
+          </a:fontRef>
+        </p:style>
+      </p:cxnSp>
+      <p:cxnSp>
+        <p:nvCxnSpPr>
+          <p:cNvPr id="7" name="Straight Arrow Connector 6">
+            <a:extLst>
+              <a:ext uri="{FF2B5EF4-FFF2-40B4-BE49-F238E27FC236}">
+                <a16:creationId xmlns:a16="http://schemas.microsoft.com/office/drawing/2014/main" id="{BE088332-5BB2-0EC8-2353-E20CEBF17229}"/>
+              </a:ext>
+            </a:extLst>
+          </p:cNvPr>
+          <p:cNvCxnSpPr>
+            <a:cxnSpLocks/>
+          </p:cNvCxnSpPr>
+          <p:nvPr/>
+        </p:nvCxnSpPr>
+        <p:spPr>
+          <a:xfrm>
+            <a:off x="5081014" y="2475873"/>
+            <a:ext cx="0" cy="290513"/>
+          </a:xfrm>
+          <a:prstGeom prst="straightConnector1">
+            <a:avLst/>
+          </a:prstGeom>
+          <a:ln w="38100">
+            <a:solidFill>
+              <a:schemeClr val="tx1"/>
+            </a:solidFill>
+            <a:tailEnd type="triangle"/>
+          </a:ln>
+        </p:spPr>
+        <p:style>
+          <a:lnRef idx="1">
+            <a:schemeClr val="accent1"/>
+          </a:lnRef>
+          <a:fillRef idx="0">
+            <a:schemeClr val="accent1"/>
+          </a:fillRef>
+          <a:effectRef idx="0">
+            <a:schemeClr val="accent1"/>
+          </a:effectRef>
+          <a:fontRef idx="minor">
+            <a:schemeClr val="tx1"/>
+          </a:fontRef>
+        </p:style>
+      </p:cxnSp>
+      <p:cxnSp>
+        <p:nvCxnSpPr>
+          <p:cNvPr id="11" name="Straight Arrow Connector 10">
+            <a:extLst>
+              <a:ext uri="{FF2B5EF4-FFF2-40B4-BE49-F238E27FC236}">
+                <a16:creationId xmlns:a16="http://schemas.microsoft.com/office/drawing/2014/main" id="{59C04CD6-BEC5-B180-1F04-E52A34240D48}"/>
+              </a:ext>
+            </a:extLst>
+          </p:cNvPr>
+          <p:cNvCxnSpPr>
+            <a:cxnSpLocks/>
+          </p:cNvCxnSpPr>
+          <p:nvPr/>
+        </p:nvCxnSpPr>
+        <p:spPr>
+          <a:xfrm>
+            <a:off x="5081014" y="3126969"/>
+            <a:ext cx="0" cy="290513"/>
+          </a:xfrm>
+          <a:prstGeom prst="straightConnector1">
+            <a:avLst/>
+          </a:prstGeom>
+          <a:ln w="38100">
+            <a:solidFill>
+              <a:schemeClr val="tx1"/>
+            </a:solidFill>
+            <a:tailEnd type="triangle"/>
+          </a:ln>
+        </p:spPr>
+        <p:style>
+          <a:lnRef idx="1">
+            <a:schemeClr val="accent1"/>
+          </a:lnRef>
+          <a:fillRef idx="0">
+            <a:schemeClr val="accent1"/>
+          </a:fillRef>
+          <a:effectRef idx="0">
+            <a:schemeClr val="accent1"/>
+          </a:effectRef>
+          <a:fontRef idx="minor">
+            <a:schemeClr val="tx1"/>
+          </a:fontRef>
+        </p:style>
+      </p:cxnSp>
+      <p:sp>
+        <p:nvSpPr>
+          <p:cNvPr id="20" name="Rounded Rectangle 19">
+            <a:extLst>
+              <a:ext uri="{FF2B5EF4-FFF2-40B4-BE49-F238E27FC236}">
+                <a16:creationId xmlns:a16="http://schemas.microsoft.com/office/drawing/2014/main" id="{A62847CA-2E58-7A7A-AEEA-35D2FFB2A4A7}"/>
+              </a:ext>
+            </a:extLst>
+          </p:cNvPr>
+          <p:cNvSpPr/>
+          <p:nvPr/>
+        </p:nvSpPr>
+        <p:spPr>
+          <a:xfrm>
+            <a:off x="4413639" y="3433424"/>
+            <a:ext cx="1349803" cy="289580"/>
+          </a:xfrm>
+          <a:prstGeom prst="roundRect">
+            <a:avLst/>
+          </a:prstGeom>
+          <a:solidFill>
+            <a:schemeClr val="accent1">
+              <a:lumMod val="60000"/>
+              <a:lumOff val="40000"/>
+            </a:schemeClr>
+          </a:solidFill>
+          <a:ln w="28575">
+            <a:solidFill>
+              <a:schemeClr val="bg2">
+                <a:lumMod val="10000"/>
+              </a:schemeClr>
+            </a:solidFill>
+          </a:ln>
+        </p:spPr>
+        <p:style>
+          <a:lnRef idx="2">
+            <a:schemeClr val="accent1">
+              <a:shade val="15000"/>
+            </a:schemeClr>
+          </a:lnRef>
+          <a:fillRef idx="1">
+            <a:schemeClr val="accent1"/>
+          </a:fillRef>
+          <a:effectRef idx="0">
+            <a:schemeClr val="accent1"/>
+          </a:effectRef>
+          <a:fontRef idx="minor">
+            <a:schemeClr val="lt1"/>
+          </a:fontRef>
+        </p:style>
+        <p:txBody>
+          <a:bodyPr rtlCol="0" anchor="ctr"/>
+          <a:lstStyle/>
+          <a:p>
+            <a:pPr algn="ctr"/>
+            <a:r>
+              <a:rPr lang="en-US" sz="2000" dirty="0">
+                <a:solidFill>
+                  <a:schemeClr val="bg2">
+                    <a:lumMod val="10000"/>
+                  </a:schemeClr>
+                </a:solidFill>
+                <a:latin typeface="Consolas" panose="020B0609020204030204" pitchFamily="49" charset="0"/>
+                <a:cs typeface="Consolas" panose="020B0609020204030204" pitchFamily="49" charset="0"/>
+              </a:rPr>
+              <a:t>&lt;factor&gt;</a:t>
+            </a:r>
+            <a:endParaRPr lang="en-US" sz="3200" dirty="0">
+              <a:solidFill>
+                <a:schemeClr val="bg2">
+                  <a:lumMod val="10000"/>
+                </a:schemeClr>
+              </a:solidFill>
+              <a:latin typeface="Consolas" panose="020B0609020204030204" pitchFamily="49" charset="0"/>
+              <a:cs typeface="Consolas" panose="020B0609020204030204" pitchFamily="49" charset="0"/>
+            </a:endParaRPr>
+          </a:p>
+        </p:txBody>
+      </p:sp>
+      <p:sp>
+        <p:nvSpPr>
+          <p:cNvPr id="21" name="Rounded Rectangle 20">
+            <a:extLst>
+              <a:ext uri="{FF2B5EF4-FFF2-40B4-BE49-F238E27FC236}">
+                <a16:creationId xmlns:a16="http://schemas.microsoft.com/office/drawing/2014/main" id="{60AAB508-2F28-3222-6D7A-1D2FE6C515AB}"/>
+              </a:ext>
+            </a:extLst>
+          </p:cNvPr>
+          <p:cNvSpPr/>
+          <p:nvPr/>
+        </p:nvSpPr>
+        <p:spPr>
+          <a:xfrm>
+            <a:off x="4717535" y="4012584"/>
+            <a:ext cx="726958" cy="361516"/>
+          </a:xfrm>
+          <a:prstGeom prst="roundRect">
+            <a:avLst/>
+          </a:prstGeom>
+          <a:solidFill>
+            <a:schemeClr val="accent3">
+              <a:lumMod val="40000"/>
+              <a:lumOff val="60000"/>
+            </a:schemeClr>
+          </a:solidFill>
+          <a:ln w="28575">
+            <a:solidFill>
+              <a:schemeClr val="bg2">
+                <a:lumMod val="10000"/>
+              </a:schemeClr>
+            </a:solidFill>
+          </a:ln>
+        </p:spPr>
+        <p:style>
+          <a:lnRef idx="2">
+            <a:schemeClr val="accent1">
+              <a:shade val="15000"/>
+            </a:schemeClr>
+          </a:lnRef>
+          <a:fillRef idx="1">
+            <a:schemeClr val="accent1"/>
+          </a:fillRef>
+          <a:effectRef idx="0">
+            <a:schemeClr val="accent1"/>
+          </a:effectRef>
+          <a:fontRef idx="minor">
+            <a:schemeClr val="lt1"/>
+          </a:fontRef>
+        </p:style>
+        <p:txBody>
+          <a:bodyPr rtlCol="0" anchor="ctr"/>
+          <a:lstStyle/>
+          <a:p>
+            <a:pPr algn="ctr"/>
+            <a:r>
+              <a:rPr lang="en-US" sz="2000" dirty="0">
+                <a:solidFill>
+                  <a:schemeClr val="bg2">
+                    <a:lumMod val="10000"/>
+                  </a:schemeClr>
+                </a:solidFill>
+                <a:latin typeface="Consolas" panose="020B0609020204030204" pitchFamily="49" charset="0"/>
+                <a:cs typeface="Consolas" panose="020B0609020204030204" pitchFamily="49" charset="0"/>
+              </a:rPr>
+              <a:t>*|/</a:t>
+            </a:r>
+            <a:endParaRPr lang="en-US" sz="1100" dirty="0">
+              <a:solidFill>
+                <a:schemeClr val="bg2">
+                  <a:lumMod val="10000"/>
+                </a:schemeClr>
+              </a:solidFill>
+              <a:latin typeface="Consolas" panose="020B0609020204030204" pitchFamily="49" charset="0"/>
+              <a:cs typeface="Consolas" panose="020B0609020204030204" pitchFamily="49" charset="0"/>
+            </a:endParaRPr>
+          </a:p>
+        </p:txBody>
+      </p:sp>
+      <p:cxnSp>
+        <p:nvCxnSpPr>
+          <p:cNvPr id="24" name="Straight Arrow Connector 23">
+            <a:extLst>
+              <a:ext uri="{FF2B5EF4-FFF2-40B4-BE49-F238E27FC236}">
+                <a16:creationId xmlns:a16="http://schemas.microsoft.com/office/drawing/2014/main" id="{18144DEE-010C-D6E8-DC05-1FF9642E5CE0}"/>
+              </a:ext>
+            </a:extLst>
+          </p:cNvPr>
+          <p:cNvCxnSpPr>
+            <a:cxnSpLocks/>
+          </p:cNvCxnSpPr>
+          <p:nvPr/>
+        </p:nvCxnSpPr>
+        <p:spPr>
+          <a:xfrm>
+            <a:off x="5081014" y="3723004"/>
+            <a:ext cx="0" cy="290513"/>
+          </a:xfrm>
+          <a:prstGeom prst="straightConnector1">
+            <a:avLst/>
+          </a:prstGeom>
+          <a:ln w="38100">
+            <a:solidFill>
+              <a:schemeClr val="tx1"/>
+            </a:solidFill>
+            <a:tailEnd type="triangle"/>
+          </a:ln>
+        </p:spPr>
+        <p:style>
+          <a:lnRef idx="1">
+            <a:schemeClr val="accent1"/>
+          </a:lnRef>
+          <a:fillRef idx="0">
+            <a:schemeClr val="accent1"/>
+          </a:fillRef>
+          <a:effectRef idx="0">
+            <a:schemeClr val="accent1"/>
+          </a:effectRef>
+          <a:fontRef idx="minor">
+            <a:schemeClr val="tx1"/>
+          </a:fontRef>
+        </p:style>
+      </p:cxnSp>
+      <p:cxnSp>
+        <p:nvCxnSpPr>
+          <p:cNvPr id="25" name="Straight Arrow Connector 24">
+            <a:extLst>
+              <a:ext uri="{FF2B5EF4-FFF2-40B4-BE49-F238E27FC236}">
+                <a16:creationId xmlns:a16="http://schemas.microsoft.com/office/drawing/2014/main" id="{36FCEA36-EEBB-8D59-F0FC-7CAC63D822E9}"/>
+              </a:ext>
+            </a:extLst>
+          </p:cNvPr>
+          <p:cNvCxnSpPr>
+            <a:cxnSpLocks/>
+          </p:cNvCxnSpPr>
+          <p:nvPr/>
+        </p:nvCxnSpPr>
+        <p:spPr>
+          <a:xfrm>
+            <a:off x="5081014" y="4374100"/>
+            <a:ext cx="0" cy="290513"/>
+          </a:xfrm>
+          <a:prstGeom prst="straightConnector1">
+            <a:avLst/>
+          </a:prstGeom>
+          <a:ln w="38100">
+            <a:solidFill>
+              <a:schemeClr val="tx1"/>
+            </a:solidFill>
+            <a:tailEnd type="triangle"/>
+          </a:ln>
+        </p:spPr>
+        <p:style>
+          <a:lnRef idx="1">
+            <a:schemeClr val="accent1"/>
+          </a:lnRef>
+          <a:fillRef idx="0">
+            <a:schemeClr val="accent1"/>
+          </a:fillRef>
+          <a:effectRef idx="0">
+            <a:schemeClr val="accent1"/>
+          </a:effectRef>
+          <a:fontRef idx="minor">
+            <a:schemeClr val="tx1"/>
+          </a:fontRef>
+        </p:style>
+      </p:cxnSp>
+      <p:sp>
+        <p:nvSpPr>
+          <p:cNvPr id="26" name="Rounded Rectangle 25">
+            <a:extLst>
+              <a:ext uri="{FF2B5EF4-FFF2-40B4-BE49-F238E27FC236}">
+                <a16:creationId xmlns:a16="http://schemas.microsoft.com/office/drawing/2014/main" id="{0CDC4E9E-E2B6-3868-687E-D9E6230C2585}"/>
+              </a:ext>
+            </a:extLst>
+          </p:cNvPr>
+          <p:cNvSpPr/>
+          <p:nvPr/>
+        </p:nvSpPr>
+        <p:spPr>
+          <a:xfrm>
+            <a:off x="4413639" y="4680555"/>
+            <a:ext cx="1349803" cy="289580"/>
+          </a:xfrm>
+          <a:prstGeom prst="roundRect">
+            <a:avLst/>
+          </a:prstGeom>
+          <a:solidFill>
+            <a:schemeClr val="accent1">
+              <a:lumMod val="60000"/>
+              <a:lumOff val="40000"/>
+            </a:schemeClr>
+          </a:solidFill>
+          <a:ln w="28575">
+            <a:solidFill>
+              <a:schemeClr val="bg2">
+                <a:lumMod val="10000"/>
+              </a:schemeClr>
+            </a:solidFill>
+          </a:ln>
+        </p:spPr>
+        <p:style>
+          <a:lnRef idx="2">
+            <a:schemeClr val="accent1">
+              <a:shade val="15000"/>
+            </a:schemeClr>
+          </a:lnRef>
+          <a:fillRef idx="1">
+            <a:schemeClr val="accent1"/>
+          </a:fillRef>
+          <a:effectRef idx="0">
+            <a:schemeClr val="accent1"/>
+          </a:effectRef>
+          <a:fontRef idx="minor">
+            <a:schemeClr val="lt1"/>
+          </a:fontRef>
+        </p:style>
+        <p:txBody>
+          <a:bodyPr rtlCol="0" anchor="ctr"/>
+          <a:lstStyle/>
+          <a:p>
+            <a:pPr algn="ctr"/>
+            <a:r>
+              <a:rPr lang="en-US" sz="2000" dirty="0">
+                <a:solidFill>
+                  <a:schemeClr val="bg2">
+                    <a:lumMod val="10000"/>
+                  </a:schemeClr>
+                </a:solidFill>
+                <a:latin typeface="Consolas" panose="020B0609020204030204" pitchFamily="49" charset="0"/>
+                <a:cs typeface="Consolas" panose="020B0609020204030204" pitchFamily="49" charset="0"/>
+              </a:rPr>
+              <a:t>&lt;factor&gt;</a:t>
+            </a:r>
+            <a:endParaRPr lang="en-US" sz="3200" dirty="0">
+              <a:solidFill>
+                <a:schemeClr val="bg2">
+                  <a:lumMod val="10000"/>
+                </a:schemeClr>
+              </a:solidFill>
+              <a:latin typeface="Consolas" panose="020B0609020204030204" pitchFamily="49" charset="0"/>
+              <a:cs typeface="Consolas" panose="020B0609020204030204" pitchFamily="49" charset="0"/>
+            </a:endParaRPr>
+          </a:p>
+        </p:txBody>
+      </p:sp>
+      <p:sp>
+        <p:nvSpPr>
+          <p:cNvPr id="27" name="Rounded Rectangle 26">
+            <a:extLst>
+              <a:ext uri="{FF2B5EF4-FFF2-40B4-BE49-F238E27FC236}">
+                <a16:creationId xmlns:a16="http://schemas.microsoft.com/office/drawing/2014/main" id="{096B2CB4-EEE8-6633-35BF-610464FE2505}"/>
+              </a:ext>
+            </a:extLst>
+          </p:cNvPr>
+          <p:cNvSpPr/>
+          <p:nvPr/>
+        </p:nvSpPr>
+        <p:spPr>
+          <a:xfrm>
+            <a:off x="4717535" y="5259715"/>
+            <a:ext cx="726958" cy="361516"/>
+          </a:xfrm>
+          <a:prstGeom prst="roundRect">
+            <a:avLst/>
+          </a:prstGeom>
+          <a:solidFill>
+            <a:schemeClr val="accent3">
+              <a:lumMod val="40000"/>
+              <a:lumOff val="60000"/>
+            </a:schemeClr>
+          </a:solidFill>
+          <a:ln w="28575">
+            <a:solidFill>
+              <a:schemeClr val="bg2">
+                <a:lumMod val="10000"/>
+              </a:schemeClr>
+            </a:solidFill>
+          </a:ln>
+        </p:spPr>
+        <p:style>
+          <a:lnRef idx="2">
+            <a:schemeClr val="accent1">
+              <a:shade val="15000"/>
+            </a:schemeClr>
+          </a:lnRef>
+          <a:fillRef idx="1">
+            <a:schemeClr val="accent1"/>
+          </a:fillRef>
+          <a:effectRef idx="0">
+            <a:schemeClr val="accent1"/>
+          </a:effectRef>
+          <a:fontRef idx="minor">
+            <a:schemeClr val="lt1"/>
+          </a:fontRef>
+        </p:style>
+        <p:txBody>
+          <a:bodyPr rtlCol="0" anchor="ctr"/>
+          <a:lstStyle/>
+          <a:p>
+            <a:pPr algn="ctr"/>
+            <a:r>
+              <a:rPr lang="en-US" sz="2000" dirty="0">
+                <a:solidFill>
+                  <a:schemeClr val="bg2">
+                    <a:lumMod val="10000"/>
+                  </a:schemeClr>
+                </a:solidFill>
+                <a:latin typeface="Consolas" panose="020B0609020204030204" pitchFamily="49" charset="0"/>
+                <a:cs typeface="Consolas" panose="020B0609020204030204" pitchFamily="49" charset="0"/>
+              </a:rPr>
+              <a:t>*|/</a:t>
+            </a:r>
+            <a:endParaRPr lang="en-US" sz="1100" dirty="0">
+              <a:solidFill>
+                <a:schemeClr val="bg2">
+                  <a:lumMod val="10000"/>
+                </a:schemeClr>
+              </a:solidFill>
+              <a:latin typeface="Consolas" panose="020B0609020204030204" pitchFamily="49" charset="0"/>
+              <a:cs typeface="Consolas" panose="020B0609020204030204" pitchFamily="49" charset="0"/>
+            </a:endParaRPr>
+          </a:p>
+        </p:txBody>
+      </p:sp>
+      <p:cxnSp>
+        <p:nvCxnSpPr>
+          <p:cNvPr id="28" name="Straight Arrow Connector 27">
+            <a:extLst>
+              <a:ext uri="{FF2B5EF4-FFF2-40B4-BE49-F238E27FC236}">
+                <a16:creationId xmlns:a16="http://schemas.microsoft.com/office/drawing/2014/main" id="{7698479A-3C09-9DD2-3009-26649A71B5F7}"/>
+              </a:ext>
+            </a:extLst>
+          </p:cNvPr>
+          <p:cNvCxnSpPr>
+            <a:cxnSpLocks/>
+          </p:cNvCxnSpPr>
+          <p:nvPr/>
+        </p:nvCxnSpPr>
+        <p:spPr>
+          <a:xfrm>
+            <a:off x="5081014" y="4970135"/>
+            <a:ext cx="0" cy="290513"/>
+          </a:xfrm>
+          <a:prstGeom prst="straightConnector1">
+            <a:avLst/>
+          </a:prstGeom>
+          <a:ln w="38100">
+            <a:solidFill>
+              <a:schemeClr val="tx1"/>
+            </a:solidFill>
+            <a:tailEnd type="triangle"/>
+          </a:ln>
+        </p:spPr>
+        <p:style>
+          <a:lnRef idx="1">
+            <a:schemeClr val="accent1"/>
+          </a:lnRef>
+          <a:fillRef idx="0">
+            <a:schemeClr val="accent1"/>
+          </a:fillRef>
+          <a:effectRef idx="0">
+            <a:schemeClr val="accent1"/>
+          </a:effectRef>
+          <a:fontRef idx="minor">
+            <a:schemeClr val="tx1"/>
+          </a:fontRef>
+        </p:style>
+      </p:cxnSp>
+      <p:cxnSp>
+        <p:nvCxnSpPr>
+          <p:cNvPr id="29" name="Straight Arrow Connector 28">
+            <a:extLst>
+              <a:ext uri="{FF2B5EF4-FFF2-40B4-BE49-F238E27FC236}">
+                <a16:creationId xmlns:a16="http://schemas.microsoft.com/office/drawing/2014/main" id="{65D9186F-C702-9D0E-EDC2-2B8A29D9DED6}"/>
+              </a:ext>
+            </a:extLst>
+          </p:cNvPr>
+          <p:cNvCxnSpPr>
+            <a:cxnSpLocks/>
+          </p:cNvCxnSpPr>
+          <p:nvPr/>
+        </p:nvCxnSpPr>
+        <p:spPr>
+          <a:xfrm>
+            <a:off x="5081014" y="5621231"/>
+            <a:ext cx="0" cy="290513"/>
+          </a:xfrm>
+          <a:prstGeom prst="straightConnector1">
+            <a:avLst/>
+          </a:prstGeom>
+          <a:ln w="38100">
+            <a:solidFill>
+              <a:schemeClr val="tx1"/>
+            </a:solidFill>
+            <a:tailEnd type="triangle"/>
+          </a:ln>
+        </p:spPr>
+        <p:style>
+          <a:lnRef idx="1">
+            <a:schemeClr val="accent1"/>
+          </a:lnRef>
+          <a:fillRef idx="0">
+            <a:schemeClr val="accent1"/>
+          </a:fillRef>
+          <a:effectRef idx="0">
+            <a:schemeClr val="accent1"/>
+          </a:effectRef>
+          <a:fontRef idx="minor">
+            <a:schemeClr val="tx1"/>
+          </a:fontRef>
+        </p:style>
+      </p:cxnSp>
+      <p:cxnSp>
+        <p:nvCxnSpPr>
+          <p:cNvPr id="54" name="Straight Arrow Connector 53">
+            <a:extLst>
+              <a:ext uri="{FF2B5EF4-FFF2-40B4-BE49-F238E27FC236}">
+                <a16:creationId xmlns:a16="http://schemas.microsoft.com/office/drawing/2014/main" id="{E678A244-32C4-4DBD-2958-3FD3039D98F2}"/>
+              </a:ext>
+            </a:extLst>
+          </p:cNvPr>
+          <p:cNvCxnSpPr>
+            <a:cxnSpLocks/>
+          </p:cNvCxnSpPr>
+          <p:nvPr/>
+        </p:nvCxnSpPr>
+        <p:spPr>
+          <a:xfrm>
+            <a:off x="4024337" y="2331083"/>
+            <a:ext cx="378883" cy="0"/>
+          </a:xfrm>
+          <a:prstGeom prst="straightConnector1">
+            <a:avLst/>
+          </a:prstGeom>
+          <a:ln w="38100">
+            <a:solidFill>
+              <a:schemeClr val="tx1"/>
+            </a:solidFill>
+            <a:tailEnd type="triangle"/>
+          </a:ln>
+        </p:spPr>
+        <p:style>
+          <a:lnRef idx="1">
+            <a:schemeClr val="accent1"/>
+          </a:lnRef>
+          <a:fillRef idx="0">
+            <a:schemeClr val="accent1"/>
+          </a:fillRef>
+          <a:effectRef idx="0">
+            <a:schemeClr val="accent1"/>
+          </a:effectRef>
+          <a:fontRef idx="minor">
+            <a:schemeClr val="tx1"/>
+          </a:fontRef>
+        </p:style>
+      </p:cxnSp>
+      <p:sp>
+        <p:nvSpPr>
+          <p:cNvPr id="30" name="Rectangle 29">
+            <a:extLst>
+              <a:ext uri="{FF2B5EF4-FFF2-40B4-BE49-F238E27FC236}">
+                <a16:creationId xmlns:a16="http://schemas.microsoft.com/office/drawing/2014/main" id="{60AA81EC-92C5-9041-8D26-483B67741D78}"/>
+              </a:ext>
+            </a:extLst>
+          </p:cNvPr>
+          <p:cNvSpPr/>
+          <p:nvPr/>
+        </p:nvSpPr>
+        <p:spPr>
+          <a:xfrm rot="10800000">
+            <a:off x="2743199" y="3289850"/>
+            <a:ext cx="4969037" cy="3404585"/>
+          </a:xfrm>
+          <a:prstGeom prst="rect">
+            <a:avLst/>
+          </a:prstGeom>
+          <a:gradFill>
+            <a:gsLst>
+              <a:gs pos="0">
+                <a:schemeClr val="bg1"/>
+              </a:gs>
+              <a:gs pos="100000">
+                <a:schemeClr val="accent1">
+                  <a:lumMod val="45000"/>
+                  <a:lumOff val="55000"/>
+                  <a:alpha val="0"/>
+                </a:schemeClr>
+              </a:gs>
+              <a:gs pos="0">
+                <a:schemeClr val="bg1"/>
+              </a:gs>
+              <a:gs pos="30000">
+                <a:schemeClr val="bg1"/>
+              </a:gs>
+            </a:gsLst>
+            <a:lin ang="5400000" scaled="1"/>
+          </a:gradFill>
+          <a:ln>
+            <a:gradFill>
+              <a:gsLst>
+                <a:gs pos="0">
+                  <a:schemeClr val="bg1"/>
+                </a:gs>
+                <a:gs pos="100000">
+                  <a:schemeClr val="accent1">
+                    <a:lumMod val="45000"/>
+                    <a:lumOff val="55000"/>
+                    <a:alpha val="0"/>
+                  </a:schemeClr>
+                </a:gs>
+                <a:gs pos="0">
+                  <a:schemeClr val="bg1"/>
+                </a:gs>
+                <a:gs pos="0">
+                  <a:schemeClr val="bg1"/>
+                </a:gs>
+              </a:gsLst>
+              <a:lin ang="5400000" scaled="1"/>
+            </a:gradFill>
+          </a:ln>
+        </p:spPr>
+        <p:style>
+          <a:lnRef idx="2">
+            <a:schemeClr val="accent1">
+              <a:shade val="15000"/>
+            </a:schemeClr>
+          </a:lnRef>
+          <a:fillRef idx="1">
+            <a:schemeClr val="accent1"/>
+          </a:fillRef>
+          <a:effectRef idx="0">
+            <a:schemeClr val="accent1"/>
+          </a:effectRef>
+          <a:fontRef idx="minor">
+            <a:schemeClr val="lt1"/>
+          </a:fontRef>
+        </p:style>
+        <p:txBody>
+          <a:bodyPr rtlCol="0" anchor="ctr"/>
+          <a:lstStyle/>
+          <a:p>
+            <a:pPr algn="ctr"/>
+            <a:endParaRPr lang="en-US" dirty="0"/>
+          </a:p>
+        </p:txBody>
+      </p:sp>
+    </p:spTree>
+    <p:extLst>
+      <p:ext uri="{BB962C8B-B14F-4D97-AF65-F5344CB8AC3E}">
+        <p14:creationId xmlns:p14="http://schemas.microsoft.com/office/powerpoint/2010/main" val="3620357882"/>
+      </p:ext>
+    </p:extLst>
+  </p:cSld>
+  <p:clrMapOvr>
+    <a:masterClrMapping/>
+  </p:clrMapOvr>
+</p:sld>
+</file>
+
+<file path=ppt/slides/slide11.xml><?xml version="1.0" encoding="utf-8"?>
+<p:sld xmlns:a="http://schemas.openxmlformats.org/drawingml/2006/main" xmlns:r="http://schemas.openxmlformats.org/officeDocument/2006/relationships" xmlns:p="http://schemas.openxmlformats.org/presentationml/2006/main">
+  <p:cSld>
+    <p:spTree>
+      <p:nvGrpSpPr>
+        <p:cNvPr id="1" name=""/>
+        <p:cNvGrpSpPr/>
+        <p:nvPr/>
+      </p:nvGrpSpPr>
+      <p:grpSpPr>
+        <a:xfrm>
+          <a:off x="0" y="0"/>
+          <a:ext cx="0" cy="0"/>
+          <a:chOff x="0" y="0"/>
+          <a:chExt cx="0" cy="0"/>
+        </a:xfrm>
+      </p:grpSpPr>
+      <p:sp>
+        <p:nvSpPr>
+          <p:cNvPr id="53" name="Rounded Rectangle 52">
+            <a:extLst>
+              <a:ext uri="{FF2B5EF4-FFF2-40B4-BE49-F238E27FC236}">
+                <a16:creationId xmlns:a16="http://schemas.microsoft.com/office/drawing/2014/main" id="{DE713915-B871-E1AF-B8B5-335E9408C04D}"/>
+              </a:ext>
+            </a:extLst>
+          </p:cNvPr>
+          <p:cNvSpPr/>
+          <p:nvPr/>
+        </p:nvSpPr>
+        <p:spPr>
+          <a:xfrm>
+            <a:off x="2169404" y="962685"/>
+            <a:ext cx="3744365" cy="2117351"/>
+          </a:xfrm>
+          <a:prstGeom prst="roundRect">
+            <a:avLst/>
+          </a:prstGeom>
+          <a:solidFill>
+            <a:schemeClr val="bg1"/>
+          </a:solidFill>
+          <a:ln w="28575">
+            <a:solidFill>
+              <a:schemeClr val="bg2">
+                <a:lumMod val="10000"/>
+              </a:schemeClr>
+            </a:solidFill>
+          </a:ln>
+        </p:spPr>
+        <p:style>
+          <a:lnRef idx="2">
+            <a:schemeClr val="accent1">
+              <a:shade val="15000"/>
+            </a:schemeClr>
+          </a:lnRef>
+          <a:fillRef idx="1">
+            <a:schemeClr val="accent1"/>
+          </a:fillRef>
+          <a:effectRef idx="0">
+            <a:schemeClr val="accent1"/>
+          </a:effectRef>
+          <a:fontRef idx="minor">
+            <a:schemeClr val="lt1"/>
+          </a:fontRef>
+        </p:style>
+        <p:txBody>
+          <a:bodyPr rtlCol="0" anchor="ctr"/>
+          <a:lstStyle/>
+          <a:p>
+            <a:pPr>
+              <a:lnSpc>
+                <a:spcPct val="150000"/>
+              </a:lnSpc>
+            </a:pPr>
+            <a:r>
+              <a:rPr lang="en-US" sz="2000" dirty="0">
+                <a:solidFill>
+                  <a:schemeClr val="bg2">
+                    <a:lumMod val="10000"/>
+                  </a:schemeClr>
+                </a:solidFill>
+                <a:latin typeface="Consolas" panose="020B0609020204030204" pitchFamily="49" charset="0"/>
+                <a:cs typeface="Consolas" panose="020B0609020204030204" pitchFamily="49" charset="0"/>
+              </a:rPr>
+              <a:t>parse</a:t>
+            </a:r>
+          </a:p>
+          <a:p>
+            <a:pPr>
+              <a:lnSpc>
+                <a:spcPct val="150000"/>
+              </a:lnSpc>
+            </a:pPr>
+            <a:r>
+              <a:rPr lang="en-US" sz="2000" dirty="0">
+                <a:solidFill>
+                  <a:schemeClr val="bg2">
+                    <a:lumMod val="10000"/>
+                  </a:schemeClr>
+                </a:solidFill>
+                <a:latin typeface="Consolas" panose="020B0609020204030204" pitchFamily="49" charset="0"/>
+                <a:cs typeface="Consolas" panose="020B0609020204030204" pitchFamily="49" charset="0"/>
+              </a:rPr>
+              <a:t>while        is    or</a:t>
+            </a:r>
+          </a:p>
+          <a:p>
+            <a:pPr>
+              <a:lnSpc>
+                <a:spcPct val="150000"/>
+              </a:lnSpc>
+            </a:pPr>
+            <a:r>
+              <a:rPr lang="en-US" sz="2000" dirty="0">
+                <a:solidFill>
+                  <a:schemeClr val="bg2">
+                    <a:lumMod val="10000"/>
+                  </a:schemeClr>
+                </a:solidFill>
+                <a:latin typeface="Consolas" panose="020B0609020204030204" pitchFamily="49" charset="0"/>
+                <a:cs typeface="Consolas" panose="020B0609020204030204" pitchFamily="49" charset="0"/>
+              </a:rPr>
+              <a:t>	parse</a:t>
+            </a:r>
+          </a:p>
+          <a:p>
+            <a:pPr>
+              <a:lnSpc>
+                <a:spcPct val="150000"/>
+              </a:lnSpc>
+            </a:pPr>
+            <a:r>
+              <a:rPr lang="en-US" sz="2000" dirty="0">
+                <a:solidFill>
+                  <a:schemeClr val="bg2">
+                    <a:lumMod val="10000"/>
+                  </a:schemeClr>
+                </a:solidFill>
+                <a:latin typeface="Consolas" panose="020B0609020204030204" pitchFamily="49" charset="0"/>
+                <a:cs typeface="Consolas" panose="020B0609020204030204" pitchFamily="49" charset="0"/>
+              </a:rPr>
+              <a:t>endwhile   </a:t>
+            </a:r>
+            <a:endParaRPr lang="en-US" sz="3200" dirty="0">
+              <a:solidFill>
+                <a:schemeClr val="bg2">
+                  <a:lumMod val="10000"/>
+                </a:schemeClr>
+              </a:solidFill>
+              <a:latin typeface="Consolas" panose="020B0609020204030204" pitchFamily="49" charset="0"/>
+              <a:cs typeface="Consolas" panose="020B0609020204030204" pitchFamily="49" charset="0"/>
+            </a:endParaRPr>
+          </a:p>
+        </p:txBody>
+      </p:sp>
+      <p:sp>
+        <p:nvSpPr>
+          <p:cNvPr id="32" name="Rounded Rectangle 31">
+            <a:extLst>
+              <a:ext uri="{FF2B5EF4-FFF2-40B4-BE49-F238E27FC236}">
+                <a16:creationId xmlns:a16="http://schemas.microsoft.com/office/drawing/2014/main" id="{6B13D2C2-6A9D-386F-720F-64929AFCB3C4}"/>
+              </a:ext>
+            </a:extLst>
+          </p:cNvPr>
+          <p:cNvSpPr/>
+          <p:nvPr/>
+        </p:nvSpPr>
+        <p:spPr>
+          <a:xfrm>
+            <a:off x="4560338" y="1683278"/>
+            <a:ext cx="363469" cy="361516"/>
+          </a:xfrm>
+          <a:prstGeom prst="roundRect">
+            <a:avLst/>
+          </a:prstGeom>
+          <a:solidFill>
+            <a:schemeClr val="accent3">
+              <a:lumMod val="40000"/>
+              <a:lumOff val="60000"/>
+            </a:schemeClr>
+          </a:solidFill>
+          <a:ln w="28575">
+            <a:solidFill>
+              <a:schemeClr val="bg2">
+                <a:lumMod val="10000"/>
+              </a:schemeClr>
+            </a:solidFill>
+          </a:ln>
+        </p:spPr>
+        <p:style>
+          <a:lnRef idx="2">
+            <a:schemeClr val="accent1">
+              <a:shade val="15000"/>
+            </a:schemeClr>
+          </a:lnRef>
+          <a:fillRef idx="1">
+            <a:schemeClr val="accent1"/>
+          </a:fillRef>
+          <a:effectRef idx="0">
+            <a:schemeClr val="accent1"/>
+          </a:effectRef>
+          <a:fontRef idx="minor">
+            <a:schemeClr val="lt1"/>
+          </a:fontRef>
+        </p:style>
+        <p:txBody>
+          <a:bodyPr rtlCol="0" anchor="ctr"/>
+          <a:lstStyle/>
+          <a:p>
+            <a:pPr algn="ctr"/>
+            <a:r>
+              <a:rPr lang="en-US" sz="2800" dirty="0">
+                <a:solidFill>
+                  <a:schemeClr val="bg2">
+                    <a:lumMod val="10000"/>
+                  </a:schemeClr>
+                </a:solidFill>
+                <a:latin typeface="Consolas" panose="020B0609020204030204" pitchFamily="49" charset="0"/>
+                <a:cs typeface="Consolas" panose="020B0609020204030204" pitchFamily="49" charset="0"/>
+              </a:rPr>
+              <a:t>+</a:t>
+            </a:r>
+            <a:endParaRPr lang="en-US" sz="1400" dirty="0">
+              <a:solidFill>
+                <a:schemeClr val="bg2">
+                  <a:lumMod val="10000"/>
+                </a:schemeClr>
+              </a:solidFill>
+              <a:latin typeface="Consolas" panose="020B0609020204030204" pitchFamily="49" charset="0"/>
+              <a:cs typeface="Consolas" panose="020B0609020204030204" pitchFamily="49" charset="0"/>
+            </a:endParaRPr>
+          </a:p>
+        </p:txBody>
+      </p:sp>
+      <p:sp>
+        <p:nvSpPr>
+          <p:cNvPr id="46" name="Rounded Rectangle 45">
+            <a:extLst>
+              <a:ext uri="{FF2B5EF4-FFF2-40B4-BE49-F238E27FC236}">
+                <a16:creationId xmlns:a16="http://schemas.microsoft.com/office/drawing/2014/main" id="{34225F6C-4055-0B33-2544-2BF4960B9EC5}"/>
+              </a:ext>
+            </a:extLst>
+          </p:cNvPr>
+          <p:cNvSpPr/>
+          <p:nvPr/>
+        </p:nvSpPr>
+        <p:spPr>
+          <a:xfrm>
+            <a:off x="3151522" y="1719246"/>
+            <a:ext cx="957629" cy="289580"/>
+          </a:xfrm>
+          <a:prstGeom prst="roundRect">
+            <a:avLst/>
+          </a:prstGeom>
+          <a:solidFill>
+            <a:schemeClr val="accent4">
+              <a:lumMod val="60000"/>
+              <a:lumOff val="40000"/>
+            </a:schemeClr>
+          </a:solidFill>
+          <a:ln w="28575">
+            <a:solidFill>
+              <a:schemeClr val="tx1"/>
+            </a:solidFill>
+          </a:ln>
+        </p:spPr>
+        <p:style>
+          <a:lnRef idx="2">
+            <a:schemeClr val="accent1">
+              <a:shade val="15000"/>
+            </a:schemeClr>
+          </a:lnRef>
+          <a:fillRef idx="1">
+            <a:schemeClr val="accent1"/>
+          </a:fillRef>
+          <a:effectRef idx="0">
+            <a:schemeClr val="accent1"/>
+          </a:effectRef>
+          <a:fontRef idx="minor">
+            <a:schemeClr val="lt1"/>
+          </a:fontRef>
+        </p:style>
+        <p:txBody>
+          <a:bodyPr rtlCol="0" anchor="ctr"/>
+          <a:lstStyle/>
+          <a:p>
+            <a:pPr algn="ctr"/>
+            <a:r>
+              <a:rPr lang="en-US" sz="2000" dirty="0">
+                <a:solidFill>
+                  <a:schemeClr val="tx1"/>
+                </a:solidFill>
+                <a:latin typeface="Consolas" panose="020B0609020204030204" pitchFamily="49" charset="0"/>
+                <a:cs typeface="Consolas" panose="020B0609020204030204" pitchFamily="49" charset="0"/>
+              </a:rPr>
+              <a:t>token</a:t>
+            </a:r>
+            <a:endParaRPr lang="en-US" sz="3200" dirty="0">
+              <a:solidFill>
+                <a:schemeClr val="tx1"/>
+              </a:solidFill>
+              <a:latin typeface="Consolas" panose="020B0609020204030204" pitchFamily="49" charset="0"/>
+              <a:cs typeface="Consolas" panose="020B0609020204030204" pitchFamily="49" charset="0"/>
+            </a:endParaRPr>
+          </a:p>
+        </p:txBody>
+      </p:sp>
+      <p:sp>
+        <p:nvSpPr>
+          <p:cNvPr id="4" name="Rounded Rectangle 3">
+            <a:extLst>
+              <a:ext uri="{FF2B5EF4-FFF2-40B4-BE49-F238E27FC236}">
+                <a16:creationId xmlns:a16="http://schemas.microsoft.com/office/drawing/2014/main" id="{A6923347-BAC9-5557-F535-4C4BA20BA8CD}"/>
+              </a:ext>
+            </a:extLst>
+          </p:cNvPr>
+          <p:cNvSpPr/>
+          <p:nvPr/>
+        </p:nvSpPr>
+        <p:spPr>
+          <a:xfrm>
+            <a:off x="3433252" y="817895"/>
+            <a:ext cx="1087300" cy="289580"/>
+          </a:xfrm>
+          <a:prstGeom prst="roundRect">
+            <a:avLst/>
+          </a:prstGeom>
+          <a:solidFill>
+            <a:srgbClr val="F79ED1"/>
+          </a:solidFill>
+          <a:ln w="28575">
+            <a:solidFill>
+              <a:schemeClr val="bg2">
+                <a:lumMod val="10000"/>
+              </a:schemeClr>
+            </a:solidFill>
+          </a:ln>
+        </p:spPr>
+        <p:style>
+          <a:lnRef idx="2">
+            <a:schemeClr val="accent1">
+              <a:shade val="15000"/>
+            </a:schemeClr>
+          </a:lnRef>
+          <a:fillRef idx="1">
+            <a:schemeClr val="accent1"/>
+          </a:fillRef>
+          <a:effectRef idx="0">
+            <a:schemeClr val="accent1"/>
+          </a:effectRef>
+          <a:fontRef idx="minor">
+            <a:schemeClr val="lt1"/>
+          </a:fontRef>
+        </p:style>
+        <p:txBody>
+          <a:bodyPr rtlCol="0" anchor="ctr"/>
+          <a:lstStyle/>
+          <a:p>
+            <a:pPr algn="ctr"/>
+            <a:r>
+              <a:rPr lang="en-US" sz="2000" dirty="0">
+                <a:solidFill>
+                  <a:schemeClr val="bg2">
+                    <a:lumMod val="10000"/>
+                  </a:schemeClr>
+                </a:solidFill>
+                <a:latin typeface="Consolas" panose="020B0609020204030204" pitchFamily="49" charset="0"/>
+                <a:cs typeface="Consolas" panose="020B0609020204030204" pitchFamily="49" charset="0"/>
+              </a:rPr>
+              <a:t>&lt;expr&gt;</a:t>
+            </a:r>
+            <a:endParaRPr lang="en-US" sz="3200" dirty="0">
+              <a:solidFill>
+                <a:schemeClr val="bg2">
+                  <a:lumMod val="10000"/>
+                </a:schemeClr>
+              </a:solidFill>
+              <a:latin typeface="Consolas" panose="020B0609020204030204" pitchFamily="49" charset="0"/>
+              <a:cs typeface="Consolas" panose="020B0609020204030204" pitchFamily="49" charset="0"/>
+            </a:endParaRPr>
+          </a:p>
+        </p:txBody>
+      </p:sp>
+      <p:sp>
+        <p:nvSpPr>
+          <p:cNvPr id="9" name="Rounded Rectangle 8">
+            <a:extLst>
+              <a:ext uri="{FF2B5EF4-FFF2-40B4-BE49-F238E27FC236}">
+                <a16:creationId xmlns:a16="http://schemas.microsoft.com/office/drawing/2014/main" id="{2BED7BEC-8005-6E78-B1A0-ACD510798111}"/>
+              </a:ext>
+            </a:extLst>
+          </p:cNvPr>
+          <p:cNvSpPr/>
+          <p:nvPr/>
+        </p:nvSpPr>
+        <p:spPr>
+          <a:xfrm>
+            <a:off x="5374994" y="1683278"/>
+            <a:ext cx="363469" cy="361516"/>
+          </a:xfrm>
+          <a:prstGeom prst="roundRect">
+            <a:avLst/>
+          </a:prstGeom>
+          <a:solidFill>
+            <a:schemeClr val="accent3">
+              <a:lumMod val="40000"/>
+              <a:lumOff val="60000"/>
+            </a:schemeClr>
+          </a:solidFill>
+          <a:ln w="28575">
+            <a:solidFill>
+              <a:schemeClr val="bg2">
+                <a:lumMod val="10000"/>
+              </a:schemeClr>
+            </a:solidFill>
+          </a:ln>
+        </p:spPr>
+        <p:style>
+          <a:lnRef idx="2">
+            <a:schemeClr val="accent1">
+              <a:shade val="15000"/>
+            </a:schemeClr>
+          </a:lnRef>
+          <a:fillRef idx="1">
+            <a:schemeClr val="accent1"/>
+          </a:fillRef>
+          <a:effectRef idx="0">
+            <a:schemeClr val="accent1"/>
+          </a:effectRef>
+          <a:fontRef idx="minor">
+            <a:schemeClr val="lt1"/>
+          </a:fontRef>
+        </p:style>
+        <p:txBody>
+          <a:bodyPr rtlCol="0" anchor="ctr"/>
+          <a:lstStyle/>
+          <a:p>
+            <a:pPr algn="ctr"/>
+            <a:r>
+              <a:rPr lang="en-US" sz="2800" dirty="0">
+                <a:solidFill>
+                  <a:schemeClr val="bg2">
+                    <a:lumMod val="10000"/>
+                  </a:schemeClr>
+                </a:solidFill>
+                <a:latin typeface="Consolas" panose="020B0609020204030204" pitchFamily="49" charset="0"/>
+                <a:cs typeface="Consolas" panose="020B0609020204030204" pitchFamily="49" charset="0"/>
+              </a:rPr>
+              <a:t>-</a:t>
+            </a:r>
+          </a:p>
+        </p:txBody>
+      </p:sp>
+      <p:sp>
+        <p:nvSpPr>
+          <p:cNvPr id="10" name="Rounded Rectangle 9">
+            <a:extLst>
+              <a:ext uri="{FF2B5EF4-FFF2-40B4-BE49-F238E27FC236}">
+                <a16:creationId xmlns:a16="http://schemas.microsoft.com/office/drawing/2014/main" id="{EC511D75-E959-FE95-D98D-97AFE10583A8}"/>
+              </a:ext>
+            </a:extLst>
+          </p:cNvPr>
+          <p:cNvSpPr/>
+          <p:nvPr/>
+        </p:nvSpPr>
+        <p:spPr>
+          <a:xfrm>
+            <a:off x="3150532" y="1261138"/>
+            <a:ext cx="1129598" cy="289580"/>
+          </a:xfrm>
+          <a:prstGeom prst="roundRect">
+            <a:avLst/>
+          </a:prstGeom>
+          <a:solidFill>
+            <a:schemeClr val="accent6">
+              <a:lumMod val="40000"/>
+              <a:lumOff val="60000"/>
+            </a:schemeClr>
+          </a:solidFill>
+          <a:ln w="28575">
+            <a:solidFill>
+              <a:schemeClr val="bg2">
+                <a:lumMod val="10000"/>
+              </a:schemeClr>
+            </a:solidFill>
+          </a:ln>
+        </p:spPr>
+        <p:style>
+          <a:lnRef idx="2">
+            <a:schemeClr val="accent1">
+              <a:shade val="15000"/>
+            </a:schemeClr>
+          </a:lnRef>
+          <a:fillRef idx="1">
+            <a:schemeClr val="accent1"/>
+          </a:fillRef>
+          <a:effectRef idx="0">
+            <a:schemeClr val="accent1"/>
+          </a:effectRef>
+          <a:fontRef idx="minor">
+            <a:schemeClr val="lt1"/>
+          </a:fontRef>
+        </p:style>
+        <p:txBody>
+          <a:bodyPr rtlCol="0" anchor="ctr"/>
+          <a:lstStyle/>
+          <a:p>
+            <a:pPr algn="ctr"/>
+            <a:r>
+              <a:rPr lang="en-US" sz="2000" dirty="0">
+                <a:solidFill>
+                  <a:schemeClr val="bg2">
+                    <a:lumMod val="10000"/>
+                  </a:schemeClr>
+                </a:solidFill>
+                <a:latin typeface="Consolas" panose="020B0609020204030204" pitchFamily="49" charset="0"/>
+                <a:cs typeface="Consolas" panose="020B0609020204030204" pitchFamily="49" charset="0"/>
+              </a:rPr>
+              <a:t>&lt;term&gt;</a:t>
+            </a:r>
+            <a:endParaRPr lang="en-US" sz="3200" dirty="0">
+              <a:solidFill>
+                <a:schemeClr val="bg2">
+                  <a:lumMod val="10000"/>
+                </a:schemeClr>
+              </a:solidFill>
+              <a:latin typeface="Consolas" panose="020B0609020204030204" pitchFamily="49" charset="0"/>
+              <a:cs typeface="Consolas" panose="020B0609020204030204" pitchFamily="49" charset="0"/>
+            </a:endParaRPr>
+          </a:p>
+        </p:txBody>
+      </p:sp>
+      <p:sp>
+        <p:nvSpPr>
+          <p:cNvPr id="13" name="Rounded Rectangle 12">
+            <a:extLst>
+              <a:ext uri="{FF2B5EF4-FFF2-40B4-BE49-F238E27FC236}">
+                <a16:creationId xmlns:a16="http://schemas.microsoft.com/office/drawing/2014/main" id="{BAA5A89B-B4C2-6547-7823-72785B8B10D4}"/>
+              </a:ext>
+            </a:extLst>
+          </p:cNvPr>
+          <p:cNvSpPr/>
+          <p:nvPr/>
+        </p:nvSpPr>
+        <p:spPr>
+          <a:xfrm>
+            <a:off x="4087956" y="2181975"/>
+            <a:ext cx="1129598" cy="289580"/>
+          </a:xfrm>
+          <a:prstGeom prst="roundRect">
+            <a:avLst/>
+          </a:prstGeom>
+          <a:solidFill>
+            <a:schemeClr val="accent6">
+              <a:lumMod val="40000"/>
+              <a:lumOff val="60000"/>
+            </a:schemeClr>
+          </a:solidFill>
+          <a:ln w="28575">
+            <a:solidFill>
+              <a:schemeClr val="bg2">
+                <a:lumMod val="10000"/>
+              </a:schemeClr>
+            </a:solidFill>
+          </a:ln>
+        </p:spPr>
+        <p:style>
+          <a:lnRef idx="2">
+            <a:schemeClr val="accent1">
+              <a:shade val="15000"/>
+            </a:schemeClr>
+          </a:lnRef>
+          <a:fillRef idx="1">
+            <a:schemeClr val="accent1"/>
+          </a:fillRef>
+          <a:effectRef idx="0">
+            <a:schemeClr val="accent1"/>
+          </a:effectRef>
+          <a:fontRef idx="minor">
+            <a:schemeClr val="lt1"/>
+          </a:fontRef>
+        </p:style>
+        <p:txBody>
+          <a:bodyPr rtlCol="0" anchor="ctr"/>
+          <a:lstStyle/>
+          <a:p>
+            <a:pPr algn="ctr"/>
+            <a:r>
+              <a:rPr lang="en-US" sz="2000" dirty="0">
+                <a:solidFill>
+                  <a:schemeClr val="bg2">
+                    <a:lumMod val="10000"/>
+                  </a:schemeClr>
+                </a:solidFill>
+                <a:latin typeface="Consolas" panose="020B0609020204030204" pitchFamily="49" charset="0"/>
+                <a:cs typeface="Consolas" panose="020B0609020204030204" pitchFamily="49" charset="0"/>
+              </a:rPr>
+              <a:t>&lt;term&gt;</a:t>
+            </a:r>
+            <a:endParaRPr lang="en-US" sz="3200" dirty="0">
+              <a:solidFill>
+                <a:schemeClr val="bg2">
+                  <a:lumMod val="10000"/>
+                </a:schemeClr>
+              </a:solidFill>
+              <a:latin typeface="Consolas" panose="020B0609020204030204" pitchFamily="49" charset="0"/>
+              <a:cs typeface="Consolas" panose="020B0609020204030204" pitchFamily="49" charset="0"/>
+            </a:endParaRPr>
+          </a:p>
+        </p:txBody>
+      </p:sp>
+      <p:sp>
+        <p:nvSpPr>
+          <p:cNvPr id="14" name="Rounded Rectangle 13">
+            <a:extLst>
+              <a:ext uri="{FF2B5EF4-FFF2-40B4-BE49-F238E27FC236}">
+                <a16:creationId xmlns:a16="http://schemas.microsoft.com/office/drawing/2014/main" id="{D8E409E0-2C60-F192-ABA4-C106902E845D}"/>
+              </a:ext>
+            </a:extLst>
+          </p:cNvPr>
+          <p:cNvSpPr/>
+          <p:nvPr/>
+        </p:nvSpPr>
+        <p:spPr>
+          <a:xfrm>
+            <a:off x="6096000" y="962685"/>
+            <a:ext cx="3744365" cy="2117351"/>
+          </a:xfrm>
+          <a:prstGeom prst="roundRect">
+            <a:avLst/>
+          </a:prstGeom>
+          <a:solidFill>
+            <a:schemeClr val="bg1"/>
+          </a:solidFill>
+          <a:ln w="28575">
+            <a:solidFill>
+              <a:schemeClr val="bg2">
+                <a:lumMod val="10000"/>
+              </a:schemeClr>
+            </a:solidFill>
+          </a:ln>
+        </p:spPr>
+        <p:style>
+          <a:lnRef idx="2">
+            <a:schemeClr val="accent1">
+              <a:shade val="15000"/>
+            </a:schemeClr>
+          </a:lnRef>
+          <a:fillRef idx="1">
+            <a:schemeClr val="accent1"/>
+          </a:fillRef>
+          <a:effectRef idx="0">
+            <a:schemeClr val="accent1"/>
+          </a:effectRef>
+          <a:fontRef idx="minor">
+            <a:schemeClr val="lt1"/>
+          </a:fontRef>
+        </p:style>
+        <p:txBody>
+          <a:bodyPr rtlCol="0" anchor="ctr"/>
+          <a:lstStyle/>
+          <a:p>
+            <a:pPr>
+              <a:lnSpc>
+                <a:spcPct val="150000"/>
+              </a:lnSpc>
+            </a:pPr>
+            <a:r>
+              <a:rPr lang="en-US" sz="2000" dirty="0">
+                <a:solidFill>
+                  <a:schemeClr val="bg2">
+                    <a:lumMod val="10000"/>
+                  </a:schemeClr>
+                </a:solidFill>
+                <a:latin typeface="Consolas" panose="020B0609020204030204" pitchFamily="49" charset="0"/>
+                <a:cs typeface="Consolas" panose="020B0609020204030204" pitchFamily="49" charset="0"/>
+              </a:rPr>
+              <a:t>parse</a:t>
+            </a:r>
+          </a:p>
+          <a:p>
+            <a:pPr>
+              <a:lnSpc>
+                <a:spcPct val="150000"/>
+              </a:lnSpc>
+            </a:pPr>
+            <a:r>
+              <a:rPr lang="en-US" sz="2000" dirty="0">
+                <a:solidFill>
+                  <a:schemeClr val="bg2">
+                    <a:lumMod val="10000"/>
+                  </a:schemeClr>
+                </a:solidFill>
+                <a:latin typeface="Consolas" panose="020B0609020204030204" pitchFamily="49" charset="0"/>
+                <a:cs typeface="Consolas" panose="020B0609020204030204" pitchFamily="49" charset="0"/>
+              </a:rPr>
+              <a:t>while        is    or</a:t>
+            </a:r>
+          </a:p>
+          <a:p>
+            <a:pPr>
+              <a:lnSpc>
+                <a:spcPct val="150000"/>
+              </a:lnSpc>
+            </a:pPr>
+            <a:r>
+              <a:rPr lang="en-US" sz="2000" dirty="0">
+                <a:solidFill>
+                  <a:schemeClr val="bg2">
+                    <a:lumMod val="10000"/>
+                  </a:schemeClr>
+                </a:solidFill>
+                <a:latin typeface="Consolas" panose="020B0609020204030204" pitchFamily="49" charset="0"/>
+                <a:cs typeface="Consolas" panose="020B0609020204030204" pitchFamily="49" charset="0"/>
+              </a:rPr>
+              <a:t>	parse</a:t>
+            </a:r>
+          </a:p>
+          <a:p>
+            <a:pPr>
+              <a:lnSpc>
+                <a:spcPct val="150000"/>
+              </a:lnSpc>
+            </a:pPr>
+            <a:r>
+              <a:rPr lang="en-US" sz="2000" dirty="0">
+                <a:solidFill>
+                  <a:schemeClr val="bg2">
+                    <a:lumMod val="10000"/>
+                  </a:schemeClr>
+                </a:solidFill>
+                <a:latin typeface="Consolas" panose="020B0609020204030204" pitchFamily="49" charset="0"/>
+                <a:cs typeface="Consolas" panose="020B0609020204030204" pitchFamily="49" charset="0"/>
+              </a:rPr>
+              <a:t>endwhile   </a:t>
+            </a:r>
+            <a:endParaRPr lang="en-US" sz="3200" dirty="0">
+              <a:solidFill>
+                <a:schemeClr val="bg2">
+                  <a:lumMod val="10000"/>
+                </a:schemeClr>
+              </a:solidFill>
+              <a:latin typeface="Consolas" panose="020B0609020204030204" pitchFamily="49" charset="0"/>
+              <a:cs typeface="Consolas" panose="020B0609020204030204" pitchFamily="49" charset="0"/>
+            </a:endParaRPr>
+          </a:p>
+        </p:txBody>
+      </p:sp>
+      <p:sp>
+        <p:nvSpPr>
+          <p:cNvPr id="15" name="Rounded Rectangle 14">
+            <a:extLst>
+              <a:ext uri="{FF2B5EF4-FFF2-40B4-BE49-F238E27FC236}">
+                <a16:creationId xmlns:a16="http://schemas.microsoft.com/office/drawing/2014/main" id="{DAD13AD3-12FC-3D81-F2F2-3F76AD575CA9}"/>
+              </a:ext>
+            </a:extLst>
+          </p:cNvPr>
+          <p:cNvSpPr/>
+          <p:nvPr/>
+        </p:nvSpPr>
+        <p:spPr>
+          <a:xfrm>
+            <a:off x="8486934" y="1683278"/>
+            <a:ext cx="363469" cy="361516"/>
+          </a:xfrm>
+          <a:prstGeom prst="roundRect">
+            <a:avLst/>
+          </a:prstGeom>
+          <a:solidFill>
+            <a:schemeClr val="accent3">
+              <a:lumMod val="40000"/>
+              <a:lumOff val="60000"/>
+            </a:schemeClr>
+          </a:solidFill>
+          <a:ln w="28575">
+            <a:solidFill>
+              <a:schemeClr val="bg2">
+                <a:lumMod val="10000"/>
+              </a:schemeClr>
+            </a:solidFill>
+          </a:ln>
+        </p:spPr>
+        <p:style>
+          <a:lnRef idx="2">
+            <a:schemeClr val="accent1">
+              <a:shade val="15000"/>
+            </a:schemeClr>
+          </a:lnRef>
+          <a:fillRef idx="1">
+            <a:schemeClr val="accent1"/>
+          </a:fillRef>
+          <a:effectRef idx="0">
+            <a:schemeClr val="accent1"/>
+          </a:effectRef>
+          <a:fontRef idx="minor">
+            <a:schemeClr val="lt1"/>
+          </a:fontRef>
+        </p:style>
+        <p:txBody>
+          <a:bodyPr rtlCol="0" anchor="ctr"/>
+          <a:lstStyle/>
+          <a:p>
+            <a:pPr algn="ctr"/>
+            <a:r>
+              <a:rPr lang="en-US" sz="2800" dirty="0">
+                <a:solidFill>
+                  <a:schemeClr val="bg2">
+                    <a:lumMod val="10000"/>
+                  </a:schemeClr>
+                </a:solidFill>
+                <a:latin typeface="Consolas" panose="020B0609020204030204" pitchFamily="49" charset="0"/>
+                <a:cs typeface="Consolas" panose="020B0609020204030204" pitchFamily="49" charset="0"/>
+              </a:rPr>
+              <a:t>*</a:t>
+            </a:r>
+            <a:endParaRPr lang="en-US" sz="1400" dirty="0">
+              <a:solidFill>
+                <a:schemeClr val="bg2">
+                  <a:lumMod val="10000"/>
+                </a:schemeClr>
+              </a:solidFill>
+              <a:latin typeface="Consolas" panose="020B0609020204030204" pitchFamily="49" charset="0"/>
+              <a:cs typeface="Consolas" panose="020B0609020204030204" pitchFamily="49" charset="0"/>
+            </a:endParaRPr>
+          </a:p>
+        </p:txBody>
+      </p:sp>
+      <p:sp>
+        <p:nvSpPr>
+          <p:cNvPr id="16" name="Rounded Rectangle 15">
+            <a:extLst>
+              <a:ext uri="{FF2B5EF4-FFF2-40B4-BE49-F238E27FC236}">
+                <a16:creationId xmlns:a16="http://schemas.microsoft.com/office/drawing/2014/main" id="{7B6A9F43-17BF-DC4C-3C3D-DC3066B98FB3}"/>
+              </a:ext>
+            </a:extLst>
+          </p:cNvPr>
+          <p:cNvSpPr/>
+          <p:nvPr/>
+        </p:nvSpPr>
+        <p:spPr>
+          <a:xfrm>
+            <a:off x="7078118" y="1719246"/>
+            <a:ext cx="957629" cy="289580"/>
+          </a:xfrm>
+          <a:prstGeom prst="roundRect">
+            <a:avLst/>
+          </a:prstGeom>
+          <a:solidFill>
+            <a:schemeClr val="accent4">
+              <a:lumMod val="60000"/>
+              <a:lumOff val="40000"/>
+            </a:schemeClr>
+          </a:solidFill>
+          <a:ln w="28575">
+            <a:solidFill>
+              <a:schemeClr val="tx1"/>
+            </a:solidFill>
+          </a:ln>
+        </p:spPr>
+        <p:style>
+          <a:lnRef idx="2">
+            <a:schemeClr val="accent1">
+              <a:shade val="15000"/>
+            </a:schemeClr>
+          </a:lnRef>
+          <a:fillRef idx="1">
+            <a:schemeClr val="accent1"/>
+          </a:fillRef>
+          <a:effectRef idx="0">
+            <a:schemeClr val="accent1"/>
+          </a:effectRef>
+          <a:fontRef idx="minor">
+            <a:schemeClr val="lt1"/>
+          </a:fontRef>
+        </p:style>
+        <p:txBody>
+          <a:bodyPr rtlCol="0" anchor="ctr"/>
+          <a:lstStyle/>
+          <a:p>
+            <a:pPr algn="ctr"/>
+            <a:r>
+              <a:rPr lang="en-US" sz="2000" dirty="0">
+                <a:solidFill>
+                  <a:schemeClr val="tx1"/>
+                </a:solidFill>
+                <a:latin typeface="Consolas" panose="020B0609020204030204" pitchFamily="49" charset="0"/>
+                <a:cs typeface="Consolas" panose="020B0609020204030204" pitchFamily="49" charset="0"/>
+              </a:rPr>
+              <a:t>token</a:t>
+            </a:r>
+            <a:endParaRPr lang="en-US" sz="3200" dirty="0">
+              <a:solidFill>
+                <a:schemeClr val="tx1"/>
+              </a:solidFill>
+              <a:latin typeface="Consolas" panose="020B0609020204030204" pitchFamily="49" charset="0"/>
+              <a:cs typeface="Consolas" panose="020B0609020204030204" pitchFamily="49" charset="0"/>
+            </a:endParaRPr>
+          </a:p>
+        </p:txBody>
+      </p:sp>
+      <p:sp>
+        <p:nvSpPr>
+          <p:cNvPr id="18" name="Rounded Rectangle 17">
+            <a:extLst>
+              <a:ext uri="{FF2B5EF4-FFF2-40B4-BE49-F238E27FC236}">
+                <a16:creationId xmlns:a16="http://schemas.microsoft.com/office/drawing/2014/main" id="{58FE4702-5CDB-5FCF-52C3-8B562A1F45A3}"/>
+              </a:ext>
+            </a:extLst>
+          </p:cNvPr>
+          <p:cNvSpPr/>
+          <p:nvPr/>
+        </p:nvSpPr>
+        <p:spPr>
+          <a:xfrm>
+            <a:off x="9301590" y="1683278"/>
+            <a:ext cx="363469" cy="361516"/>
+          </a:xfrm>
+          <a:prstGeom prst="roundRect">
+            <a:avLst/>
+          </a:prstGeom>
+          <a:solidFill>
+            <a:schemeClr val="accent3">
+              <a:lumMod val="40000"/>
+              <a:lumOff val="60000"/>
+            </a:schemeClr>
+          </a:solidFill>
+          <a:ln w="28575">
+            <a:solidFill>
+              <a:schemeClr val="bg2">
+                <a:lumMod val="10000"/>
+              </a:schemeClr>
+            </a:solidFill>
+          </a:ln>
+        </p:spPr>
+        <p:style>
+          <a:lnRef idx="2">
+            <a:schemeClr val="accent1">
+              <a:shade val="15000"/>
+            </a:schemeClr>
+          </a:lnRef>
+          <a:fillRef idx="1">
+            <a:schemeClr val="accent1"/>
+          </a:fillRef>
+          <a:effectRef idx="0">
+            <a:schemeClr val="accent1"/>
+          </a:effectRef>
+          <a:fontRef idx="minor">
+            <a:schemeClr val="lt1"/>
+          </a:fontRef>
+        </p:style>
+        <p:txBody>
+          <a:bodyPr rtlCol="0" anchor="ctr"/>
+          <a:lstStyle/>
+          <a:p>
+            <a:pPr algn="ctr"/>
+            <a:r>
+              <a:rPr lang="en-US" sz="2400" dirty="0">
+                <a:solidFill>
+                  <a:schemeClr val="bg2">
+                    <a:lumMod val="10000"/>
+                  </a:schemeClr>
+                </a:solidFill>
+                <a:latin typeface="Consolas" panose="020B0609020204030204" pitchFamily="49" charset="0"/>
+                <a:cs typeface="Consolas" panose="020B0609020204030204" pitchFamily="49" charset="0"/>
+              </a:rPr>
+              <a:t>/</a:t>
+            </a:r>
+          </a:p>
+        </p:txBody>
+      </p:sp>
+      <p:sp>
+        <p:nvSpPr>
+          <p:cNvPr id="70" name="Rounded Rectangle 69">
+            <a:extLst>
+              <a:ext uri="{FF2B5EF4-FFF2-40B4-BE49-F238E27FC236}">
+                <a16:creationId xmlns:a16="http://schemas.microsoft.com/office/drawing/2014/main" id="{AAD8DBEE-552F-AF26-1B34-DDB998658B82}"/>
+              </a:ext>
+            </a:extLst>
+          </p:cNvPr>
+          <p:cNvSpPr/>
+          <p:nvPr/>
+        </p:nvSpPr>
+        <p:spPr>
+          <a:xfrm>
+            <a:off x="7313479" y="815126"/>
+            <a:ext cx="1129598" cy="289580"/>
+          </a:xfrm>
+          <a:prstGeom prst="roundRect">
+            <a:avLst/>
+          </a:prstGeom>
+          <a:solidFill>
+            <a:schemeClr val="accent6">
+              <a:lumMod val="40000"/>
+              <a:lumOff val="60000"/>
+            </a:schemeClr>
+          </a:solidFill>
+          <a:ln w="28575">
+            <a:solidFill>
+              <a:schemeClr val="bg2">
+                <a:lumMod val="10000"/>
+              </a:schemeClr>
+            </a:solidFill>
+          </a:ln>
+        </p:spPr>
+        <p:style>
+          <a:lnRef idx="2">
+            <a:schemeClr val="accent1">
+              <a:shade val="15000"/>
+            </a:schemeClr>
+          </a:lnRef>
+          <a:fillRef idx="1">
+            <a:schemeClr val="accent1"/>
+          </a:fillRef>
+          <a:effectRef idx="0">
+            <a:schemeClr val="accent1"/>
+          </a:effectRef>
+          <a:fontRef idx="minor">
+            <a:schemeClr val="lt1"/>
+          </a:fontRef>
+        </p:style>
+        <p:txBody>
+          <a:bodyPr rtlCol="0" anchor="ctr"/>
+          <a:lstStyle/>
+          <a:p>
+            <a:pPr algn="ctr"/>
+            <a:r>
+              <a:rPr lang="en-US" sz="2000" dirty="0">
+                <a:solidFill>
+                  <a:schemeClr val="bg2">
+                    <a:lumMod val="10000"/>
+                  </a:schemeClr>
+                </a:solidFill>
+                <a:latin typeface="Consolas" panose="020B0609020204030204" pitchFamily="49" charset="0"/>
+                <a:cs typeface="Consolas" panose="020B0609020204030204" pitchFamily="49" charset="0"/>
+              </a:rPr>
+              <a:t>&lt;term&gt;</a:t>
+            </a:r>
+            <a:endParaRPr lang="en-US" sz="3200" dirty="0">
+              <a:solidFill>
+                <a:schemeClr val="bg2">
+                  <a:lumMod val="10000"/>
+                </a:schemeClr>
+              </a:solidFill>
+              <a:latin typeface="Consolas" panose="020B0609020204030204" pitchFamily="49" charset="0"/>
+              <a:cs typeface="Consolas" panose="020B0609020204030204" pitchFamily="49" charset="0"/>
+            </a:endParaRPr>
+          </a:p>
+        </p:txBody>
+      </p:sp>
+      <p:sp>
+        <p:nvSpPr>
+          <p:cNvPr id="5" name="Rounded Rectangle 4">
+            <a:extLst>
+              <a:ext uri="{FF2B5EF4-FFF2-40B4-BE49-F238E27FC236}">
+                <a16:creationId xmlns:a16="http://schemas.microsoft.com/office/drawing/2014/main" id="{47CC318C-EE90-6EED-9E07-B802CD812EA7}"/>
+              </a:ext>
+            </a:extLst>
+          </p:cNvPr>
+          <p:cNvSpPr/>
+          <p:nvPr/>
+        </p:nvSpPr>
+        <p:spPr>
+          <a:xfrm>
+            <a:off x="7079662" y="1267186"/>
+            <a:ext cx="1349803" cy="289580"/>
+          </a:xfrm>
+          <a:prstGeom prst="roundRect">
+            <a:avLst/>
+          </a:prstGeom>
+          <a:solidFill>
+            <a:schemeClr val="accent1">
+              <a:lumMod val="60000"/>
+              <a:lumOff val="40000"/>
+            </a:schemeClr>
+          </a:solidFill>
+          <a:ln w="28575">
+            <a:solidFill>
+              <a:schemeClr val="bg2">
+                <a:lumMod val="10000"/>
+              </a:schemeClr>
+            </a:solidFill>
+          </a:ln>
+        </p:spPr>
+        <p:style>
+          <a:lnRef idx="2">
+            <a:schemeClr val="accent1">
+              <a:shade val="15000"/>
+            </a:schemeClr>
+          </a:lnRef>
+          <a:fillRef idx="1">
+            <a:schemeClr val="accent1"/>
+          </a:fillRef>
+          <a:effectRef idx="0">
+            <a:schemeClr val="accent1"/>
+          </a:effectRef>
+          <a:fontRef idx="minor">
+            <a:schemeClr val="lt1"/>
+          </a:fontRef>
+        </p:style>
+        <p:txBody>
+          <a:bodyPr rtlCol="0" anchor="ctr"/>
+          <a:lstStyle/>
+          <a:p>
+            <a:pPr algn="ctr"/>
+            <a:r>
+              <a:rPr lang="en-US" sz="2000" dirty="0">
+                <a:solidFill>
+                  <a:schemeClr val="bg2">
+                    <a:lumMod val="10000"/>
+                  </a:schemeClr>
+                </a:solidFill>
+                <a:latin typeface="Consolas" panose="020B0609020204030204" pitchFamily="49" charset="0"/>
+                <a:cs typeface="Consolas" panose="020B0609020204030204" pitchFamily="49" charset="0"/>
+              </a:rPr>
+              <a:t>&lt;factor&gt;</a:t>
+            </a:r>
+            <a:endParaRPr lang="en-US" sz="3200" dirty="0">
+              <a:solidFill>
+                <a:schemeClr val="bg2">
+                  <a:lumMod val="10000"/>
+                </a:schemeClr>
+              </a:solidFill>
+              <a:latin typeface="Consolas" panose="020B0609020204030204" pitchFamily="49" charset="0"/>
+              <a:cs typeface="Consolas" panose="020B0609020204030204" pitchFamily="49" charset="0"/>
+            </a:endParaRPr>
+          </a:p>
+        </p:txBody>
+      </p:sp>
+      <p:sp>
+        <p:nvSpPr>
+          <p:cNvPr id="23" name="Rounded Rectangle 22">
+            <a:extLst>
+              <a:ext uri="{FF2B5EF4-FFF2-40B4-BE49-F238E27FC236}">
+                <a16:creationId xmlns:a16="http://schemas.microsoft.com/office/drawing/2014/main" id="{A963B74A-98FE-0CC3-2037-1F10C00461F3}"/>
+              </a:ext>
+            </a:extLst>
+          </p:cNvPr>
+          <p:cNvSpPr/>
+          <p:nvPr/>
+        </p:nvSpPr>
+        <p:spPr>
+          <a:xfrm>
+            <a:off x="7988060" y="2171306"/>
+            <a:ext cx="1349803" cy="289580"/>
+          </a:xfrm>
+          <a:prstGeom prst="roundRect">
+            <a:avLst/>
+          </a:prstGeom>
+          <a:solidFill>
+            <a:schemeClr val="accent1">
+              <a:lumMod val="60000"/>
+              <a:lumOff val="40000"/>
+            </a:schemeClr>
+          </a:solidFill>
+          <a:ln w="28575">
+            <a:solidFill>
+              <a:schemeClr val="bg2">
+                <a:lumMod val="10000"/>
+              </a:schemeClr>
+            </a:solidFill>
+          </a:ln>
+        </p:spPr>
+        <p:style>
+          <a:lnRef idx="2">
+            <a:schemeClr val="accent1">
+              <a:shade val="15000"/>
+            </a:schemeClr>
+          </a:lnRef>
+          <a:fillRef idx="1">
+            <a:schemeClr val="accent1"/>
+          </a:fillRef>
+          <a:effectRef idx="0">
+            <a:schemeClr val="accent1"/>
+          </a:effectRef>
+          <a:fontRef idx="minor">
+            <a:schemeClr val="lt1"/>
+          </a:fontRef>
+        </p:style>
+        <p:txBody>
+          <a:bodyPr rtlCol="0" anchor="ctr"/>
+          <a:lstStyle/>
+          <a:p>
+            <a:pPr algn="ctr"/>
+            <a:r>
+              <a:rPr lang="en-US" sz="2000" dirty="0">
+                <a:solidFill>
+                  <a:schemeClr val="bg2">
+                    <a:lumMod val="10000"/>
+                  </a:schemeClr>
+                </a:solidFill>
+                <a:latin typeface="Consolas" panose="020B0609020204030204" pitchFamily="49" charset="0"/>
+                <a:cs typeface="Consolas" panose="020B0609020204030204" pitchFamily="49" charset="0"/>
+              </a:rPr>
+              <a:t>&lt;factor&gt;</a:t>
+            </a:r>
+            <a:endParaRPr lang="en-US" sz="3200" dirty="0">
+              <a:solidFill>
+                <a:schemeClr val="bg2">
+                  <a:lumMod val="10000"/>
+                </a:schemeClr>
+              </a:solidFill>
+              <a:latin typeface="Consolas" panose="020B0609020204030204" pitchFamily="49" charset="0"/>
+              <a:cs typeface="Consolas" panose="020B0609020204030204" pitchFamily="49" charset="0"/>
+            </a:endParaRPr>
+          </a:p>
+        </p:txBody>
+      </p:sp>
+    </p:spTree>
+    <p:extLst>
+      <p:ext uri="{BB962C8B-B14F-4D97-AF65-F5344CB8AC3E}">
+        <p14:creationId xmlns:p14="http://schemas.microsoft.com/office/powerpoint/2010/main" val="2949472408"/>
+      </p:ext>
+    </p:extLst>
+  </p:cSld>
+  <p:clrMapOvr>
+    <a:masterClrMapping/>
+  </p:clrMapOvr>
+</p:sld>
+</file>
+
+<file path=ppt/slides/slide12.xml><?xml version="1.0" encoding="utf-8"?>
+<p:sld xmlns:a="http://schemas.openxmlformats.org/drawingml/2006/main" xmlns:r="http://schemas.openxmlformats.org/officeDocument/2006/relationships" xmlns:p="http://schemas.openxmlformats.org/presentationml/2006/main">
+  <p:cSld>
+    <p:spTree>
+      <p:nvGrpSpPr>
+        <p:cNvPr id="1" name=""/>
+        <p:cNvGrpSpPr/>
+        <p:nvPr/>
+      </p:nvGrpSpPr>
+      <p:grpSpPr>
+        <a:xfrm>
+          <a:off x="0" y="0"/>
+          <a:ext cx="0" cy="0"/>
+          <a:chOff x="0" y="0"/>
+          <a:chExt cx="0" cy="0"/>
+        </a:xfrm>
+      </p:grpSpPr>
+      <p:sp>
+        <p:nvSpPr>
+          <p:cNvPr id="53" name="Rounded Rectangle 52">
+            <a:extLst>
+              <a:ext uri="{FF2B5EF4-FFF2-40B4-BE49-F238E27FC236}">
+                <a16:creationId xmlns:a16="http://schemas.microsoft.com/office/drawing/2014/main" id="{DE713915-B871-E1AF-B8B5-335E9408C04D}"/>
+              </a:ext>
+            </a:extLst>
+          </p:cNvPr>
+          <p:cNvSpPr/>
+          <p:nvPr/>
+        </p:nvSpPr>
+        <p:spPr>
+          <a:xfrm>
+            <a:off x="2169404" y="962685"/>
+            <a:ext cx="5632814" cy="3678889"/>
+          </a:xfrm>
+          <a:prstGeom prst="roundRect">
+            <a:avLst/>
+          </a:prstGeom>
+          <a:solidFill>
+            <a:schemeClr val="bg1"/>
+          </a:solidFill>
+          <a:ln w="28575">
+            <a:solidFill>
+              <a:schemeClr val="bg2">
+                <a:lumMod val="10000"/>
+              </a:schemeClr>
+            </a:solidFill>
+          </a:ln>
+        </p:spPr>
+        <p:style>
+          <a:lnRef idx="2">
+            <a:schemeClr val="accent1">
+              <a:shade val="15000"/>
+            </a:schemeClr>
+          </a:lnRef>
+          <a:fillRef idx="1">
+            <a:schemeClr val="accent1"/>
+          </a:fillRef>
+          <a:effectRef idx="0">
+            <a:schemeClr val="accent1"/>
+          </a:effectRef>
+          <a:fontRef idx="minor">
+            <a:schemeClr val="lt1"/>
+          </a:fontRef>
+        </p:style>
+        <p:txBody>
+          <a:bodyPr rtlCol="0" anchor="ctr"/>
+          <a:lstStyle/>
+          <a:p>
+            <a:pPr>
+              <a:lnSpc>
+                <a:spcPct val="150000"/>
+              </a:lnSpc>
+            </a:pPr>
+            <a:r>
+              <a:rPr lang="en-US" sz="2000" dirty="0">
+                <a:solidFill>
+                  <a:schemeClr val="bg2">
+                    <a:lumMod val="10000"/>
+                  </a:schemeClr>
+                </a:solidFill>
+                <a:latin typeface="Consolas" panose="020B0609020204030204" pitchFamily="49" charset="0"/>
+                <a:cs typeface="Consolas" panose="020B0609020204030204" pitchFamily="49" charset="0"/>
+              </a:rPr>
+              <a:t>        = parse</a:t>
+            </a:r>
+          </a:p>
+          <a:p>
+            <a:pPr>
+              <a:lnSpc>
+                <a:spcPct val="150000"/>
+              </a:lnSpc>
+            </a:pPr>
+            <a:r>
+              <a:rPr lang="en-US" sz="2000" dirty="0">
+                <a:solidFill>
+                  <a:schemeClr val="bg2">
+                    <a:lumMod val="10000"/>
+                  </a:schemeClr>
+                </a:solidFill>
+                <a:latin typeface="Consolas" panose="020B0609020204030204" pitchFamily="49" charset="0"/>
+                <a:cs typeface="Consolas" panose="020B0609020204030204" pitchFamily="49" charset="0"/>
+              </a:rPr>
+              <a:t>while        is    or</a:t>
+            </a:r>
+          </a:p>
+          <a:p>
+            <a:pPr>
+              <a:lnSpc>
+                <a:spcPct val="150000"/>
+              </a:lnSpc>
+            </a:pPr>
+            <a:r>
+              <a:rPr lang="en-US" sz="2000" dirty="0">
+                <a:solidFill>
+                  <a:schemeClr val="bg2">
+                    <a:lumMod val="10000"/>
+                  </a:schemeClr>
+                </a:solidFill>
+                <a:latin typeface="Consolas" panose="020B0609020204030204" pitchFamily="49" charset="0"/>
+                <a:cs typeface="Consolas" panose="020B0609020204030204" pitchFamily="49" charset="0"/>
+              </a:rPr>
+              <a:t>	       .left =</a:t>
+            </a:r>
+            <a:br>
+              <a:rPr lang="en-US" sz="2000" dirty="0">
+                <a:solidFill>
+                  <a:schemeClr val="bg2">
+                    <a:lumMod val="10000"/>
+                  </a:schemeClr>
+                </a:solidFill>
+                <a:latin typeface="Consolas" panose="020B0609020204030204" pitchFamily="49" charset="0"/>
+                <a:cs typeface="Consolas" panose="020B0609020204030204" pitchFamily="49" charset="0"/>
+              </a:rPr>
+            </a:br>
+            <a:r>
+              <a:rPr lang="en-US" sz="2000" dirty="0">
+                <a:solidFill>
+                  <a:schemeClr val="bg2">
+                    <a:lumMod val="10000"/>
+                  </a:schemeClr>
+                </a:solidFill>
+                <a:latin typeface="Consolas" panose="020B0609020204030204" pitchFamily="49" charset="0"/>
+                <a:cs typeface="Consolas" panose="020B0609020204030204" pitchFamily="49" charset="0"/>
+              </a:rPr>
+              <a:t>	         =</a:t>
+            </a:r>
+          </a:p>
+          <a:p>
+            <a:pPr>
+              <a:lnSpc>
+                <a:spcPct val="150000"/>
+              </a:lnSpc>
+            </a:pPr>
+            <a:r>
+              <a:rPr lang="en-US" sz="2000" dirty="0">
+                <a:solidFill>
+                  <a:schemeClr val="bg2">
+                    <a:lumMod val="10000"/>
+                  </a:schemeClr>
+                </a:solidFill>
+                <a:latin typeface="Consolas" panose="020B0609020204030204" pitchFamily="49" charset="0"/>
+                <a:cs typeface="Consolas" panose="020B0609020204030204" pitchFamily="49" charset="0"/>
+              </a:rPr>
+              <a:t>	        .right = parse </a:t>
+            </a:r>
+          </a:p>
+          <a:p>
+            <a:pPr>
+              <a:lnSpc>
+                <a:spcPct val="150000"/>
+              </a:lnSpc>
+            </a:pPr>
+            <a:r>
+              <a:rPr lang="en-US" sz="2000" dirty="0">
+                <a:solidFill>
+                  <a:schemeClr val="bg2">
+                    <a:lumMod val="10000"/>
+                  </a:schemeClr>
+                </a:solidFill>
+                <a:latin typeface="Consolas" panose="020B0609020204030204" pitchFamily="49" charset="0"/>
+                <a:cs typeface="Consolas" panose="020B0609020204030204" pitchFamily="49" charset="0"/>
+              </a:rPr>
+              <a:t>endwhile</a:t>
+            </a:r>
+            <a:br>
+              <a:rPr lang="en-US" sz="3200" dirty="0">
+                <a:solidFill>
+                  <a:schemeClr val="bg2">
+                    <a:lumMod val="10000"/>
+                  </a:schemeClr>
+                </a:solidFill>
+                <a:latin typeface="Consolas" panose="020B0609020204030204" pitchFamily="49" charset="0"/>
+                <a:cs typeface="Consolas" panose="020B0609020204030204" pitchFamily="49" charset="0"/>
+              </a:rPr>
+            </a:br>
+            <a:r>
+              <a:rPr lang="en-US" sz="2000" dirty="0">
+                <a:solidFill>
+                  <a:schemeClr val="bg2">
+                    <a:lumMod val="10000"/>
+                  </a:schemeClr>
+                </a:solidFill>
+                <a:latin typeface="Consolas" panose="020B0609020204030204" pitchFamily="49" charset="0"/>
+                <a:cs typeface="Consolas" panose="020B0609020204030204" pitchFamily="49" charset="0"/>
+              </a:rPr>
+              <a:t>return</a:t>
+            </a:r>
+          </a:p>
+        </p:txBody>
+      </p:sp>
+      <p:sp>
+        <p:nvSpPr>
+          <p:cNvPr id="32" name="Rounded Rectangle 31">
+            <a:extLst>
+              <a:ext uri="{FF2B5EF4-FFF2-40B4-BE49-F238E27FC236}">
+                <a16:creationId xmlns:a16="http://schemas.microsoft.com/office/drawing/2014/main" id="{6B13D2C2-6A9D-386F-720F-64929AFCB3C4}"/>
+              </a:ext>
+            </a:extLst>
+          </p:cNvPr>
+          <p:cNvSpPr/>
+          <p:nvPr/>
+        </p:nvSpPr>
+        <p:spPr>
+          <a:xfrm>
+            <a:off x="4621854" y="1755214"/>
+            <a:ext cx="363469" cy="361516"/>
+          </a:xfrm>
+          <a:prstGeom prst="roundRect">
+            <a:avLst/>
+          </a:prstGeom>
+          <a:solidFill>
+            <a:schemeClr val="accent3">
+              <a:lumMod val="40000"/>
+              <a:lumOff val="60000"/>
+            </a:schemeClr>
+          </a:solidFill>
+          <a:ln w="28575">
+            <a:solidFill>
+              <a:schemeClr val="bg2">
+                <a:lumMod val="10000"/>
+              </a:schemeClr>
+            </a:solidFill>
+          </a:ln>
+        </p:spPr>
+        <p:style>
+          <a:lnRef idx="2">
+            <a:schemeClr val="accent1">
+              <a:shade val="15000"/>
+            </a:schemeClr>
+          </a:lnRef>
+          <a:fillRef idx="1">
+            <a:schemeClr val="accent1"/>
+          </a:fillRef>
+          <a:effectRef idx="0">
+            <a:schemeClr val="accent1"/>
+          </a:effectRef>
+          <a:fontRef idx="minor">
+            <a:schemeClr val="lt1"/>
+          </a:fontRef>
+        </p:style>
+        <p:txBody>
+          <a:bodyPr rtlCol="0" anchor="ctr"/>
+          <a:lstStyle/>
+          <a:p>
+            <a:pPr algn="ctr"/>
+            <a:r>
+              <a:rPr lang="en-US" sz="2800" dirty="0">
+                <a:solidFill>
+                  <a:schemeClr val="bg2">
+                    <a:lumMod val="10000"/>
+                  </a:schemeClr>
+                </a:solidFill>
+                <a:latin typeface="Consolas" panose="020B0609020204030204" pitchFamily="49" charset="0"/>
+                <a:cs typeface="Consolas" panose="020B0609020204030204" pitchFamily="49" charset="0"/>
+              </a:rPr>
+              <a:t>+</a:t>
+            </a:r>
+            <a:endParaRPr lang="en-US" sz="1400" dirty="0">
+              <a:solidFill>
+                <a:schemeClr val="bg2">
+                  <a:lumMod val="10000"/>
+                </a:schemeClr>
+              </a:solidFill>
+              <a:latin typeface="Consolas" panose="020B0609020204030204" pitchFamily="49" charset="0"/>
+              <a:cs typeface="Consolas" panose="020B0609020204030204" pitchFamily="49" charset="0"/>
+            </a:endParaRPr>
+          </a:p>
+        </p:txBody>
+      </p:sp>
+      <p:sp>
+        <p:nvSpPr>
+          <p:cNvPr id="46" name="Rounded Rectangle 45">
+            <a:extLst>
+              <a:ext uri="{FF2B5EF4-FFF2-40B4-BE49-F238E27FC236}">
+                <a16:creationId xmlns:a16="http://schemas.microsoft.com/office/drawing/2014/main" id="{34225F6C-4055-0B33-2544-2BF4960B9EC5}"/>
+              </a:ext>
+            </a:extLst>
+          </p:cNvPr>
+          <p:cNvSpPr/>
+          <p:nvPr/>
+        </p:nvSpPr>
+        <p:spPr>
+          <a:xfrm>
+            <a:off x="3253818" y="1791182"/>
+            <a:ext cx="957629" cy="289580"/>
+          </a:xfrm>
+          <a:prstGeom prst="roundRect">
+            <a:avLst/>
+          </a:prstGeom>
+          <a:solidFill>
+            <a:schemeClr val="accent4">
+              <a:lumMod val="60000"/>
+              <a:lumOff val="40000"/>
+            </a:schemeClr>
+          </a:solidFill>
+          <a:ln w="28575">
+            <a:solidFill>
+              <a:schemeClr val="tx1"/>
+            </a:solidFill>
+          </a:ln>
+        </p:spPr>
+        <p:style>
+          <a:lnRef idx="2">
+            <a:schemeClr val="accent1">
+              <a:shade val="15000"/>
+            </a:schemeClr>
+          </a:lnRef>
+          <a:fillRef idx="1">
+            <a:schemeClr val="accent1"/>
+          </a:fillRef>
+          <a:effectRef idx="0">
+            <a:schemeClr val="accent1"/>
+          </a:effectRef>
+          <a:fontRef idx="minor">
+            <a:schemeClr val="lt1"/>
+          </a:fontRef>
+        </p:style>
+        <p:txBody>
+          <a:bodyPr rtlCol="0" anchor="ctr"/>
+          <a:lstStyle/>
+          <a:p>
+            <a:pPr algn="ctr"/>
+            <a:r>
+              <a:rPr lang="en-US" sz="2000" dirty="0">
+                <a:solidFill>
+                  <a:schemeClr val="tx1"/>
+                </a:solidFill>
+                <a:latin typeface="Consolas" panose="020B0609020204030204" pitchFamily="49" charset="0"/>
+                <a:cs typeface="Consolas" panose="020B0609020204030204" pitchFamily="49" charset="0"/>
+              </a:rPr>
+              <a:t>token</a:t>
+            </a:r>
+            <a:endParaRPr lang="en-US" sz="3200" dirty="0">
+              <a:solidFill>
+                <a:schemeClr val="tx1"/>
+              </a:solidFill>
+              <a:latin typeface="Consolas" panose="020B0609020204030204" pitchFamily="49" charset="0"/>
+              <a:cs typeface="Consolas" panose="020B0609020204030204" pitchFamily="49" charset="0"/>
+            </a:endParaRPr>
+          </a:p>
+        </p:txBody>
+      </p:sp>
+      <p:sp>
+        <p:nvSpPr>
+          <p:cNvPr id="4" name="Rounded Rectangle 3">
+            <a:extLst>
+              <a:ext uri="{FF2B5EF4-FFF2-40B4-BE49-F238E27FC236}">
+                <a16:creationId xmlns:a16="http://schemas.microsoft.com/office/drawing/2014/main" id="{A6923347-BAC9-5557-F535-4C4BA20BA8CD}"/>
+              </a:ext>
+            </a:extLst>
+          </p:cNvPr>
+          <p:cNvSpPr/>
+          <p:nvPr/>
+        </p:nvSpPr>
+        <p:spPr>
+          <a:xfrm>
+            <a:off x="4441673" y="818477"/>
+            <a:ext cx="1087300" cy="289580"/>
+          </a:xfrm>
+          <a:prstGeom prst="roundRect">
+            <a:avLst/>
+          </a:prstGeom>
+          <a:solidFill>
+            <a:srgbClr val="F79ED1"/>
+          </a:solidFill>
+          <a:ln w="28575">
+            <a:solidFill>
+              <a:schemeClr val="bg2">
+                <a:lumMod val="10000"/>
+              </a:schemeClr>
+            </a:solidFill>
+          </a:ln>
+        </p:spPr>
+        <p:style>
+          <a:lnRef idx="2">
+            <a:schemeClr val="accent1">
+              <a:shade val="15000"/>
+            </a:schemeClr>
+          </a:lnRef>
+          <a:fillRef idx="1">
+            <a:schemeClr val="accent1"/>
+          </a:fillRef>
+          <a:effectRef idx="0">
+            <a:schemeClr val="accent1"/>
+          </a:effectRef>
+          <a:fontRef idx="minor">
+            <a:schemeClr val="lt1"/>
+          </a:fontRef>
+        </p:style>
+        <p:txBody>
+          <a:bodyPr rtlCol="0" anchor="ctr"/>
+          <a:lstStyle/>
+          <a:p>
+            <a:pPr algn="ctr"/>
+            <a:r>
+              <a:rPr lang="en-US" sz="2000" dirty="0">
+                <a:solidFill>
+                  <a:schemeClr val="bg2">
+                    <a:lumMod val="10000"/>
+                  </a:schemeClr>
+                </a:solidFill>
+                <a:latin typeface="Consolas" panose="020B0609020204030204" pitchFamily="49" charset="0"/>
+                <a:cs typeface="Consolas" panose="020B0609020204030204" pitchFamily="49" charset="0"/>
+              </a:rPr>
+              <a:t>&lt;expr&gt;</a:t>
+            </a:r>
+            <a:endParaRPr lang="en-US" sz="3200" dirty="0">
+              <a:solidFill>
+                <a:schemeClr val="bg2">
+                  <a:lumMod val="10000"/>
+                </a:schemeClr>
+              </a:solidFill>
+              <a:latin typeface="Consolas" panose="020B0609020204030204" pitchFamily="49" charset="0"/>
+              <a:cs typeface="Consolas" panose="020B0609020204030204" pitchFamily="49" charset="0"/>
+            </a:endParaRPr>
+          </a:p>
+        </p:txBody>
+      </p:sp>
+      <p:sp>
+        <p:nvSpPr>
+          <p:cNvPr id="9" name="Rounded Rectangle 8">
+            <a:extLst>
+              <a:ext uri="{FF2B5EF4-FFF2-40B4-BE49-F238E27FC236}">
+                <a16:creationId xmlns:a16="http://schemas.microsoft.com/office/drawing/2014/main" id="{2BED7BEC-8005-6E78-B1A0-ACD510798111}"/>
+              </a:ext>
+            </a:extLst>
+          </p:cNvPr>
+          <p:cNvSpPr/>
+          <p:nvPr/>
+        </p:nvSpPr>
+        <p:spPr>
+          <a:xfrm>
+            <a:off x="5426406" y="1755214"/>
+            <a:ext cx="363469" cy="361516"/>
+          </a:xfrm>
+          <a:prstGeom prst="roundRect">
+            <a:avLst/>
+          </a:prstGeom>
+          <a:solidFill>
+            <a:schemeClr val="accent3">
+              <a:lumMod val="40000"/>
+              <a:lumOff val="60000"/>
+            </a:schemeClr>
+          </a:solidFill>
+          <a:ln w="28575">
+            <a:solidFill>
+              <a:schemeClr val="bg2">
+                <a:lumMod val="10000"/>
+              </a:schemeClr>
+            </a:solidFill>
+          </a:ln>
+        </p:spPr>
+        <p:style>
+          <a:lnRef idx="2">
+            <a:schemeClr val="accent1">
+              <a:shade val="15000"/>
+            </a:schemeClr>
+          </a:lnRef>
+          <a:fillRef idx="1">
+            <a:schemeClr val="accent1"/>
+          </a:fillRef>
+          <a:effectRef idx="0">
+            <a:schemeClr val="accent1"/>
+          </a:effectRef>
+          <a:fontRef idx="minor">
+            <a:schemeClr val="lt1"/>
+          </a:fontRef>
+        </p:style>
+        <p:txBody>
+          <a:bodyPr rtlCol="0" anchor="ctr"/>
+          <a:lstStyle/>
+          <a:p>
+            <a:pPr algn="ctr"/>
+            <a:r>
+              <a:rPr lang="en-US" sz="2800" dirty="0">
+                <a:solidFill>
+                  <a:schemeClr val="bg2">
+                    <a:lumMod val="10000"/>
+                  </a:schemeClr>
+                </a:solidFill>
+                <a:latin typeface="Consolas" panose="020B0609020204030204" pitchFamily="49" charset="0"/>
+                <a:cs typeface="Consolas" panose="020B0609020204030204" pitchFamily="49" charset="0"/>
+              </a:rPr>
+              <a:t>-</a:t>
+            </a:r>
+          </a:p>
+        </p:txBody>
+      </p:sp>
+      <p:sp>
+        <p:nvSpPr>
+          <p:cNvPr id="10" name="Rounded Rectangle 9">
+            <a:extLst>
+              <a:ext uri="{FF2B5EF4-FFF2-40B4-BE49-F238E27FC236}">
+                <a16:creationId xmlns:a16="http://schemas.microsoft.com/office/drawing/2014/main" id="{EC511D75-E959-FE95-D98D-97AFE10583A8}"/>
+              </a:ext>
+            </a:extLst>
+          </p:cNvPr>
+          <p:cNvSpPr/>
+          <p:nvPr/>
+        </p:nvSpPr>
+        <p:spPr>
+          <a:xfrm>
+            <a:off x="4646753" y="1355145"/>
+            <a:ext cx="1129598" cy="289580"/>
+          </a:xfrm>
+          <a:prstGeom prst="roundRect">
+            <a:avLst/>
+          </a:prstGeom>
+          <a:solidFill>
+            <a:schemeClr val="accent6">
+              <a:lumMod val="40000"/>
+              <a:lumOff val="60000"/>
+            </a:schemeClr>
+          </a:solidFill>
+          <a:ln w="28575">
+            <a:solidFill>
+              <a:schemeClr val="bg2">
+                <a:lumMod val="10000"/>
+              </a:schemeClr>
+            </a:solidFill>
+          </a:ln>
+        </p:spPr>
+        <p:style>
+          <a:lnRef idx="2">
+            <a:schemeClr val="accent1">
+              <a:shade val="15000"/>
+            </a:schemeClr>
+          </a:lnRef>
+          <a:fillRef idx="1">
+            <a:schemeClr val="accent1"/>
+          </a:fillRef>
+          <a:effectRef idx="0">
+            <a:schemeClr val="accent1"/>
+          </a:effectRef>
+          <a:fontRef idx="minor">
+            <a:schemeClr val="lt1"/>
+          </a:fontRef>
+        </p:style>
+        <p:txBody>
+          <a:bodyPr rtlCol="0" anchor="ctr"/>
+          <a:lstStyle/>
+          <a:p>
+            <a:pPr algn="ctr"/>
+            <a:r>
+              <a:rPr lang="en-US" sz="2000" dirty="0">
+                <a:solidFill>
+                  <a:schemeClr val="bg2">
+                    <a:lumMod val="10000"/>
+                  </a:schemeClr>
+                </a:solidFill>
+                <a:latin typeface="Consolas" panose="020B0609020204030204" pitchFamily="49" charset="0"/>
+                <a:cs typeface="Consolas" panose="020B0609020204030204" pitchFamily="49" charset="0"/>
+              </a:rPr>
+              <a:t>&lt;term&gt;</a:t>
+            </a:r>
+            <a:endParaRPr lang="en-US" sz="3200" dirty="0">
+              <a:solidFill>
+                <a:schemeClr val="bg2">
+                  <a:lumMod val="10000"/>
+                </a:schemeClr>
+              </a:solidFill>
+              <a:latin typeface="Consolas" panose="020B0609020204030204" pitchFamily="49" charset="0"/>
+              <a:cs typeface="Consolas" panose="020B0609020204030204" pitchFamily="49" charset="0"/>
+            </a:endParaRPr>
+          </a:p>
+        </p:txBody>
+      </p:sp>
+      <p:sp>
+        <p:nvSpPr>
+          <p:cNvPr id="2" name="Rounded Rectangle 1">
+            <a:extLst>
+              <a:ext uri="{FF2B5EF4-FFF2-40B4-BE49-F238E27FC236}">
+                <a16:creationId xmlns:a16="http://schemas.microsoft.com/office/drawing/2014/main" id="{3E7FD11E-0131-8A54-C182-9F586CBE031F}"/>
+              </a:ext>
+            </a:extLst>
+          </p:cNvPr>
+          <p:cNvSpPr/>
+          <p:nvPr/>
+        </p:nvSpPr>
+        <p:spPr>
+          <a:xfrm>
+            <a:off x="2366333" y="1355145"/>
+            <a:ext cx="1081110" cy="289580"/>
+          </a:xfrm>
+          <a:prstGeom prst="roundRect">
+            <a:avLst/>
+          </a:prstGeom>
+          <a:solidFill>
+            <a:schemeClr val="accent1">
+              <a:lumMod val="40000"/>
+              <a:lumOff val="60000"/>
+            </a:schemeClr>
+          </a:solidFill>
+          <a:ln w="28575">
+            <a:solidFill>
+              <a:schemeClr val="tx1"/>
+            </a:solidFill>
+          </a:ln>
+        </p:spPr>
+        <p:style>
+          <a:lnRef idx="2">
+            <a:schemeClr val="accent1">
+              <a:shade val="15000"/>
+            </a:schemeClr>
+          </a:lnRef>
+          <a:fillRef idx="1">
+            <a:schemeClr val="accent1"/>
+          </a:fillRef>
+          <a:effectRef idx="0">
+            <a:schemeClr val="accent1"/>
+          </a:effectRef>
+          <a:fontRef idx="minor">
+            <a:schemeClr val="lt1"/>
+          </a:fontRef>
+        </p:style>
+        <p:txBody>
+          <a:bodyPr rtlCol="0" anchor="ctr"/>
+          <a:lstStyle/>
+          <a:p>
+            <a:pPr algn="ctr"/>
+            <a:r>
+              <a:rPr lang="en-US" sz="2000" dirty="0">
+                <a:solidFill>
+                  <a:schemeClr val="tx1"/>
+                </a:solidFill>
+                <a:latin typeface="Consolas" panose="020B0609020204030204" pitchFamily="49" charset="0"/>
+                <a:cs typeface="Consolas" panose="020B0609020204030204" pitchFamily="49" charset="0"/>
+              </a:rPr>
+              <a:t>result</a:t>
+            </a:r>
+            <a:endParaRPr lang="en-US" sz="3200" dirty="0">
+              <a:solidFill>
+                <a:schemeClr val="tx1"/>
+              </a:solidFill>
+              <a:latin typeface="Consolas" panose="020B0609020204030204" pitchFamily="49" charset="0"/>
+              <a:cs typeface="Consolas" panose="020B0609020204030204" pitchFamily="49" charset="0"/>
+            </a:endParaRPr>
+          </a:p>
+        </p:txBody>
+      </p:sp>
+      <p:sp>
+        <p:nvSpPr>
+          <p:cNvPr id="3" name="Rounded Rectangle 2">
+            <a:extLst>
+              <a:ext uri="{FF2B5EF4-FFF2-40B4-BE49-F238E27FC236}">
+                <a16:creationId xmlns:a16="http://schemas.microsoft.com/office/drawing/2014/main" id="{36CCAB6A-6FB6-6EA3-019A-2BF1944F116A}"/>
+              </a:ext>
+            </a:extLst>
+          </p:cNvPr>
+          <p:cNvSpPr/>
+          <p:nvPr/>
+        </p:nvSpPr>
+        <p:spPr>
+          <a:xfrm>
+            <a:off x="3343140" y="2717725"/>
+            <a:ext cx="1081110" cy="289580"/>
+          </a:xfrm>
+          <a:prstGeom prst="roundRect">
+            <a:avLst/>
+          </a:prstGeom>
+          <a:solidFill>
+            <a:schemeClr val="accent1">
+              <a:lumMod val="40000"/>
+              <a:lumOff val="60000"/>
+            </a:schemeClr>
+          </a:solidFill>
+          <a:ln w="28575">
+            <a:solidFill>
+              <a:schemeClr val="tx1"/>
+            </a:solidFill>
+          </a:ln>
+        </p:spPr>
+        <p:style>
+          <a:lnRef idx="2">
+            <a:schemeClr val="accent1">
+              <a:shade val="15000"/>
+            </a:schemeClr>
+          </a:lnRef>
+          <a:fillRef idx="1">
+            <a:schemeClr val="accent1"/>
+          </a:fillRef>
+          <a:effectRef idx="0">
+            <a:schemeClr val="accent1"/>
+          </a:effectRef>
+          <a:fontRef idx="minor">
+            <a:schemeClr val="lt1"/>
+          </a:fontRef>
+        </p:style>
+        <p:txBody>
+          <a:bodyPr rtlCol="0" anchor="ctr"/>
+          <a:lstStyle/>
+          <a:p>
+            <a:pPr algn="ctr"/>
+            <a:r>
+              <a:rPr lang="en-US" sz="2000" dirty="0">
+                <a:solidFill>
+                  <a:schemeClr val="tx1"/>
+                </a:solidFill>
+                <a:latin typeface="Consolas" panose="020B0609020204030204" pitchFamily="49" charset="0"/>
+                <a:cs typeface="Consolas" panose="020B0609020204030204" pitchFamily="49" charset="0"/>
+              </a:rPr>
+              <a:t>result</a:t>
+            </a:r>
+            <a:endParaRPr lang="en-US" sz="3200" dirty="0">
+              <a:solidFill>
+                <a:schemeClr val="tx1"/>
+              </a:solidFill>
+              <a:latin typeface="Consolas" panose="020B0609020204030204" pitchFamily="49" charset="0"/>
+              <a:cs typeface="Consolas" panose="020B0609020204030204" pitchFamily="49" charset="0"/>
+            </a:endParaRPr>
+          </a:p>
+        </p:txBody>
+      </p:sp>
+      <p:sp>
+        <p:nvSpPr>
+          <p:cNvPr id="6" name="Rounded Rectangle 5">
+            <a:extLst>
+              <a:ext uri="{FF2B5EF4-FFF2-40B4-BE49-F238E27FC236}">
+                <a16:creationId xmlns:a16="http://schemas.microsoft.com/office/drawing/2014/main" id="{7608C03B-A7D6-DB0E-46E2-91EAABEC8F24}"/>
+              </a:ext>
+            </a:extLst>
+          </p:cNvPr>
+          <p:cNvSpPr/>
+          <p:nvPr/>
+        </p:nvSpPr>
+        <p:spPr>
+          <a:xfrm>
+            <a:off x="3343868" y="2243091"/>
+            <a:ext cx="957629" cy="289580"/>
+          </a:xfrm>
+          <a:prstGeom prst="roundRect">
+            <a:avLst/>
+          </a:prstGeom>
+          <a:solidFill>
+            <a:schemeClr val="accent4">
+              <a:lumMod val="60000"/>
+              <a:lumOff val="40000"/>
+            </a:schemeClr>
+          </a:solidFill>
+          <a:ln w="28575">
+            <a:solidFill>
+              <a:schemeClr val="tx1"/>
+            </a:solidFill>
+          </a:ln>
+        </p:spPr>
+        <p:style>
+          <a:lnRef idx="2">
+            <a:schemeClr val="accent1">
+              <a:shade val="15000"/>
+            </a:schemeClr>
+          </a:lnRef>
+          <a:fillRef idx="1">
+            <a:schemeClr val="accent1"/>
+          </a:fillRef>
+          <a:effectRef idx="0">
+            <a:schemeClr val="accent1"/>
+          </a:effectRef>
+          <a:fontRef idx="minor">
+            <a:schemeClr val="lt1"/>
+          </a:fontRef>
+        </p:style>
+        <p:txBody>
+          <a:bodyPr rtlCol="0" anchor="ctr"/>
+          <a:lstStyle/>
+          <a:p>
+            <a:pPr algn="ctr"/>
+            <a:r>
+              <a:rPr lang="en-US" sz="2000" dirty="0">
+                <a:solidFill>
+                  <a:schemeClr val="tx1"/>
+                </a:solidFill>
+                <a:latin typeface="Consolas" panose="020B0609020204030204" pitchFamily="49" charset="0"/>
+                <a:cs typeface="Consolas" panose="020B0609020204030204" pitchFamily="49" charset="0"/>
+              </a:rPr>
+              <a:t>token</a:t>
+            </a:r>
+            <a:endParaRPr lang="en-US" sz="3200" dirty="0">
+              <a:solidFill>
+                <a:schemeClr val="tx1"/>
+              </a:solidFill>
+              <a:latin typeface="Consolas" panose="020B0609020204030204" pitchFamily="49" charset="0"/>
+              <a:cs typeface="Consolas" panose="020B0609020204030204" pitchFamily="49" charset="0"/>
+            </a:endParaRPr>
+          </a:p>
+        </p:txBody>
+      </p:sp>
+      <p:sp>
+        <p:nvSpPr>
+          <p:cNvPr id="7" name="Rounded Rectangle 6">
+            <a:extLst>
+              <a:ext uri="{FF2B5EF4-FFF2-40B4-BE49-F238E27FC236}">
+                <a16:creationId xmlns:a16="http://schemas.microsoft.com/office/drawing/2014/main" id="{BB04911F-631A-AB29-6C67-B120BA6F41CA}"/>
+              </a:ext>
+            </a:extLst>
+          </p:cNvPr>
+          <p:cNvSpPr/>
+          <p:nvPr/>
+        </p:nvSpPr>
+        <p:spPr>
+          <a:xfrm>
+            <a:off x="5426406" y="2243091"/>
+            <a:ext cx="1081110" cy="289580"/>
+          </a:xfrm>
+          <a:prstGeom prst="roundRect">
+            <a:avLst/>
+          </a:prstGeom>
+          <a:solidFill>
+            <a:schemeClr val="accent1">
+              <a:lumMod val="40000"/>
+              <a:lumOff val="60000"/>
+            </a:schemeClr>
+          </a:solidFill>
+          <a:ln w="28575">
+            <a:solidFill>
+              <a:schemeClr val="tx1"/>
+            </a:solidFill>
+          </a:ln>
+        </p:spPr>
+        <p:style>
+          <a:lnRef idx="2">
+            <a:schemeClr val="accent1">
+              <a:shade val="15000"/>
+            </a:schemeClr>
+          </a:lnRef>
+          <a:fillRef idx="1">
+            <a:schemeClr val="accent1"/>
+          </a:fillRef>
+          <a:effectRef idx="0">
+            <a:schemeClr val="accent1"/>
+          </a:effectRef>
+          <a:fontRef idx="minor">
+            <a:schemeClr val="lt1"/>
+          </a:fontRef>
+        </p:style>
+        <p:txBody>
+          <a:bodyPr rtlCol="0" anchor="ctr"/>
+          <a:lstStyle/>
+          <a:p>
+            <a:pPr algn="ctr"/>
+            <a:r>
+              <a:rPr lang="en-US" sz="2000" dirty="0">
+                <a:solidFill>
+                  <a:schemeClr val="tx1"/>
+                </a:solidFill>
+                <a:latin typeface="Consolas" panose="020B0609020204030204" pitchFamily="49" charset="0"/>
+                <a:cs typeface="Consolas" panose="020B0609020204030204" pitchFamily="49" charset="0"/>
+              </a:rPr>
+              <a:t>result</a:t>
+            </a:r>
+            <a:endParaRPr lang="en-US" sz="3200" dirty="0">
+              <a:solidFill>
+                <a:schemeClr val="tx1"/>
+              </a:solidFill>
+              <a:latin typeface="Consolas" panose="020B0609020204030204" pitchFamily="49" charset="0"/>
+              <a:cs typeface="Consolas" panose="020B0609020204030204" pitchFamily="49" charset="0"/>
+            </a:endParaRPr>
+          </a:p>
+        </p:txBody>
+      </p:sp>
+      <p:sp>
+        <p:nvSpPr>
+          <p:cNvPr id="8" name="Rounded Rectangle 7">
+            <a:extLst>
+              <a:ext uri="{FF2B5EF4-FFF2-40B4-BE49-F238E27FC236}">
+                <a16:creationId xmlns:a16="http://schemas.microsoft.com/office/drawing/2014/main" id="{9803F470-5574-4D48-C027-1AB870714C99}"/>
+              </a:ext>
+            </a:extLst>
+          </p:cNvPr>
+          <p:cNvSpPr/>
+          <p:nvPr/>
+        </p:nvSpPr>
+        <p:spPr>
+          <a:xfrm>
+            <a:off x="4928159" y="2716933"/>
+            <a:ext cx="957629" cy="289580"/>
+          </a:xfrm>
+          <a:prstGeom prst="roundRect">
+            <a:avLst/>
+          </a:prstGeom>
+          <a:solidFill>
+            <a:schemeClr val="accent4">
+              <a:lumMod val="60000"/>
+              <a:lumOff val="40000"/>
+            </a:schemeClr>
+          </a:solidFill>
+          <a:ln w="28575">
+            <a:solidFill>
+              <a:schemeClr val="tx1"/>
+            </a:solidFill>
+          </a:ln>
+        </p:spPr>
+        <p:style>
+          <a:lnRef idx="2">
+            <a:schemeClr val="accent1">
+              <a:shade val="15000"/>
+            </a:schemeClr>
+          </a:lnRef>
+          <a:fillRef idx="1">
+            <a:schemeClr val="accent1"/>
+          </a:fillRef>
+          <a:effectRef idx="0">
+            <a:schemeClr val="accent1"/>
+          </a:effectRef>
+          <a:fontRef idx="minor">
+            <a:schemeClr val="lt1"/>
+          </a:fontRef>
+        </p:style>
+        <p:txBody>
+          <a:bodyPr rtlCol="0" anchor="ctr"/>
+          <a:lstStyle/>
+          <a:p>
+            <a:pPr algn="ctr"/>
+            <a:r>
+              <a:rPr lang="en-US" sz="2000" dirty="0">
+                <a:solidFill>
+                  <a:schemeClr val="tx1"/>
+                </a:solidFill>
+                <a:latin typeface="Consolas" panose="020B0609020204030204" pitchFamily="49" charset="0"/>
+                <a:cs typeface="Consolas" panose="020B0609020204030204" pitchFamily="49" charset="0"/>
+              </a:rPr>
+              <a:t>token</a:t>
+            </a:r>
+            <a:endParaRPr lang="en-US" sz="3200" dirty="0">
+              <a:solidFill>
+                <a:schemeClr val="tx1"/>
+              </a:solidFill>
+              <a:latin typeface="Consolas" panose="020B0609020204030204" pitchFamily="49" charset="0"/>
+              <a:cs typeface="Consolas" panose="020B0609020204030204" pitchFamily="49" charset="0"/>
+            </a:endParaRPr>
+          </a:p>
+        </p:txBody>
+      </p:sp>
+      <p:sp>
+        <p:nvSpPr>
+          <p:cNvPr id="11" name="Rounded Rectangle 10">
+            <a:extLst>
+              <a:ext uri="{FF2B5EF4-FFF2-40B4-BE49-F238E27FC236}">
+                <a16:creationId xmlns:a16="http://schemas.microsoft.com/office/drawing/2014/main" id="{DBD58F74-3173-54EF-5FD5-23FCBA79AF19}"/>
+              </a:ext>
+            </a:extLst>
+          </p:cNvPr>
+          <p:cNvSpPr/>
+          <p:nvPr/>
+        </p:nvSpPr>
+        <p:spPr>
+          <a:xfrm>
+            <a:off x="3343140" y="3169634"/>
+            <a:ext cx="1081110" cy="289580"/>
+          </a:xfrm>
+          <a:prstGeom prst="roundRect">
+            <a:avLst/>
+          </a:prstGeom>
+          <a:solidFill>
+            <a:schemeClr val="accent1">
+              <a:lumMod val="40000"/>
+              <a:lumOff val="60000"/>
+            </a:schemeClr>
+          </a:solidFill>
+          <a:ln w="28575">
+            <a:solidFill>
+              <a:schemeClr val="tx1"/>
+            </a:solidFill>
+          </a:ln>
+        </p:spPr>
+        <p:style>
+          <a:lnRef idx="2">
+            <a:schemeClr val="accent1">
+              <a:shade val="15000"/>
+            </a:schemeClr>
+          </a:lnRef>
+          <a:fillRef idx="1">
+            <a:schemeClr val="accent1"/>
+          </a:fillRef>
+          <a:effectRef idx="0">
+            <a:schemeClr val="accent1"/>
+          </a:effectRef>
+          <a:fontRef idx="minor">
+            <a:schemeClr val="lt1"/>
+          </a:fontRef>
+        </p:style>
+        <p:txBody>
+          <a:bodyPr rtlCol="0" anchor="ctr"/>
+          <a:lstStyle/>
+          <a:p>
+            <a:pPr algn="ctr"/>
+            <a:r>
+              <a:rPr lang="en-US" sz="2000" dirty="0">
+                <a:solidFill>
+                  <a:schemeClr val="tx1"/>
+                </a:solidFill>
+                <a:latin typeface="Consolas" panose="020B0609020204030204" pitchFamily="49" charset="0"/>
+                <a:cs typeface="Consolas" panose="020B0609020204030204" pitchFamily="49" charset="0"/>
+              </a:rPr>
+              <a:t>result</a:t>
+            </a:r>
+            <a:endParaRPr lang="en-US" sz="3200" dirty="0">
+              <a:solidFill>
+                <a:schemeClr val="tx1"/>
+              </a:solidFill>
+              <a:latin typeface="Consolas" panose="020B0609020204030204" pitchFamily="49" charset="0"/>
+              <a:cs typeface="Consolas" panose="020B0609020204030204" pitchFamily="49" charset="0"/>
+            </a:endParaRPr>
+          </a:p>
+        </p:txBody>
+      </p:sp>
+      <p:sp>
+        <p:nvSpPr>
+          <p:cNvPr id="12" name="Rounded Rectangle 11">
+            <a:extLst>
+              <a:ext uri="{FF2B5EF4-FFF2-40B4-BE49-F238E27FC236}">
+                <a16:creationId xmlns:a16="http://schemas.microsoft.com/office/drawing/2014/main" id="{1B829297-55CF-2B5E-0DBC-32C00BEF608F}"/>
+              </a:ext>
+            </a:extLst>
+          </p:cNvPr>
+          <p:cNvSpPr/>
+          <p:nvPr/>
+        </p:nvSpPr>
+        <p:spPr>
+          <a:xfrm>
+            <a:off x="6507516" y="3199451"/>
+            <a:ext cx="1129598" cy="289580"/>
+          </a:xfrm>
+          <a:prstGeom prst="roundRect">
+            <a:avLst/>
+          </a:prstGeom>
+          <a:solidFill>
+            <a:schemeClr val="accent6">
+              <a:lumMod val="40000"/>
+              <a:lumOff val="60000"/>
+            </a:schemeClr>
+          </a:solidFill>
+          <a:ln w="28575">
+            <a:solidFill>
+              <a:schemeClr val="bg2">
+                <a:lumMod val="10000"/>
+              </a:schemeClr>
+            </a:solidFill>
+          </a:ln>
+        </p:spPr>
+        <p:style>
+          <a:lnRef idx="2">
+            <a:schemeClr val="accent1">
+              <a:shade val="15000"/>
+            </a:schemeClr>
+          </a:lnRef>
+          <a:fillRef idx="1">
+            <a:schemeClr val="accent1"/>
+          </a:fillRef>
+          <a:effectRef idx="0">
+            <a:schemeClr val="accent1"/>
+          </a:effectRef>
+          <a:fontRef idx="minor">
+            <a:schemeClr val="lt1"/>
+          </a:fontRef>
+        </p:style>
+        <p:txBody>
+          <a:bodyPr rtlCol="0" anchor="ctr"/>
+          <a:lstStyle/>
+          <a:p>
+            <a:pPr algn="ctr"/>
+            <a:r>
+              <a:rPr lang="en-US" sz="2000" dirty="0">
+                <a:solidFill>
+                  <a:schemeClr val="bg2">
+                    <a:lumMod val="10000"/>
+                  </a:schemeClr>
+                </a:solidFill>
+                <a:latin typeface="Consolas" panose="020B0609020204030204" pitchFamily="49" charset="0"/>
+                <a:cs typeface="Consolas" panose="020B0609020204030204" pitchFamily="49" charset="0"/>
+              </a:rPr>
+              <a:t>&lt;term&gt;</a:t>
+            </a:r>
+            <a:endParaRPr lang="en-US" sz="3200" dirty="0">
+              <a:solidFill>
+                <a:schemeClr val="bg2">
+                  <a:lumMod val="10000"/>
+                </a:schemeClr>
+              </a:solidFill>
+              <a:latin typeface="Consolas" panose="020B0609020204030204" pitchFamily="49" charset="0"/>
+              <a:cs typeface="Consolas" panose="020B0609020204030204" pitchFamily="49" charset="0"/>
+            </a:endParaRPr>
+          </a:p>
+        </p:txBody>
+      </p:sp>
+      <p:sp>
+        <p:nvSpPr>
+          <p:cNvPr id="17" name="Rounded Rectangle 16">
+            <a:extLst>
+              <a:ext uri="{FF2B5EF4-FFF2-40B4-BE49-F238E27FC236}">
+                <a16:creationId xmlns:a16="http://schemas.microsoft.com/office/drawing/2014/main" id="{60EB0B2E-0DC8-3FDC-D9D8-012AEA5BDE4C}"/>
+              </a:ext>
+            </a:extLst>
+          </p:cNvPr>
+          <p:cNvSpPr/>
+          <p:nvPr/>
+        </p:nvSpPr>
+        <p:spPr>
+          <a:xfrm>
+            <a:off x="3439442" y="4101658"/>
+            <a:ext cx="1081110" cy="289580"/>
+          </a:xfrm>
+          <a:prstGeom prst="roundRect">
+            <a:avLst/>
+          </a:prstGeom>
+          <a:solidFill>
+            <a:schemeClr val="accent1">
+              <a:lumMod val="40000"/>
+              <a:lumOff val="60000"/>
+            </a:schemeClr>
+          </a:solidFill>
+          <a:ln w="28575">
+            <a:solidFill>
+              <a:schemeClr val="tx1"/>
+            </a:solidFill>
+          </a:ln>
+        </p:spPr>
+        <p:style>
+          <a:lnRef idx="2">
+            <a:schemeClr val="accent1">
+              <a:shade val="15000"/>
+            </a:schemeClr>
+          </a:lnRef>
+          <a:fillRef idx="1">
+            <a:schemeClr val="accent1"/>
+          </a:fillRef>
+          <a:effectRef idx="0">
+            <a:schemeClr val="accent1"/>
+          </a:effectRef>
+          <a:fontRef idx="minor">
+            <a:schemeClr val="lt1"/>
+          </a:fontRef>
+        </p:style>
+        <p:txBody>
+          <a:bodyPr rtlCol="0" anchor="ctr"/>
+          <a:lstStyle/>
+          <a:p>
+            <a:pPr algn="ctr"/>
+            <a:r>
+              <a:rPr lang="en-US" sz="2000" dirty="0">
+                <a:solidFill>
+                  <a:schemeClr val="tx1"/>
+                </a:solidFill>
+                <a:latin typeface="Consolas" panose="020B0609020204030204" pitchFamily="49" charset="0"/>
+                <a:cs typeface="Consolas" panose="020B0609020204030204" pitchFamily="49" charset="0"/>
+              </a:rPr>
+              <a:t>result</a:t>
+            </a:r>
+            <a:endParaRPr lang="en-US" sz="3200" dirty="0">
+              <a:solidFill>
+                <a:schemeClr val="tx1"/>
+              </a:solidFill>
+              <a:latin typeface="Consolas" panose="020B0609020204030204" pitchFamily="49" charset="0"/>
+              <a:cs typeface="Consolas" panose="020B0609020204030204" pitchFamily="49" charset="0"/>
+            </a:endParaRPr>
+          </a:p>
+        </p:txBody>
+      </p:sp>
+    </p:spTree>
+    <p:extLst>
+      <p:ext uri="{BB962C8B-B14F-4D97-AF65-F5344CB8AC3E}">
+        <p14:creationId xmlns:p14="http://schemas.microsoft.com/office/powerpoint/2010/main" val="3547536513"/>
+      </p:ext>
+    </p:extLst>
+  </p:cSld>
+  <p:clrMapOvr>
+    <a:masterClrMapping/>
+  </p:clrMapOvr>
+</p:sld>
+</file>
+
+<file path=ppt/slides/slide13.xml><?xml version="1.0" encoding="utf-8"?>
+<p:sld xmlns:a="http://schemas.openxmlformats.org/drawingml/2006/main" xmlns:r="http://schemas.openxmlformats.org/officeDocument/2006/relationships" xmlns:p="http://schemas.openxmlformats.org/presentationml/2006/main">
+  <p:cSld>
+    <p:spTree>
+      <p:nvGrpSpPr>
+        <p:cNvPr id="1" name=""/>
+        <p:cNvGrpSpPr/>
+        <p:nvPr/>
+      </p:nvGrpSpPr>
+      <p:grpSpPr>
+        <a:xfrm>
+          <a:off x="0" y="0"/>
+          <a:ext cx="0" cy="0"/>
+          <a:chOff x="0" y="0"/>
+          <a:chExt cx="0" cy="0"/>
+        </a:xfrm>
+      </p:grpSpPr>
+      <p:sp>
+        <p:nvSpPr>
+          <p:cNvPr id="61" name="Notched Right Arrow 60">
+            <a:extLst>
+              <a:ext uri="{FF2B5EF4-FFF2-40B4-BE49-F238E27FC236}">
+                <a16:creationId xmlns:a16="http://schemas.microsoft.com/office/drawing/2014/main" id="{26504702-DFAF-6A7B-9E45-97BDCEFF76ED}"/>
+              </a:ext>
+            </a:extLst>
+          </p:cNvPr>
+          <p:cNvSpPr/>
+          <p:nvPr/>
+        </p:nvSpPr>
+        <p:spPr>
+          <a:xfrm rot="20208811">
+            <a:off x="2090717" y="2729688"/>
+            <a:ext cx="6009275" cy="753265"/>
+          </a:xfrm>
+          <a:prstGeom prst="notchedRightArrow">
+            <a:avLst>
+              <a:gd name="adj1" fmla="val 50000"/>
+              <a:gd name="adj2" fmla="val 84696"/>
+            </a:avLst>
+          </a:prstGeom>
+          <a:solidFill>
+            <a:schemeClr val="accent6">
+              <a:lumMod val="20000"/>
+              <a:lumOff val="80000"/>
+            </a:schemeClr>
+          </a:solidFill>
+          <a:ln>
+            <a:noFill/>
+          </a:ln>
+        </p:spPr>
+        <p:style>
+          <a:lnRef idx="2">
+            <a:schemeClr val="accent1">
+              <a:shade val="15000"/>
+            </a:schemeClr>
+          </a:lnRef>
+          <a:fillRef idx="1">
+            <a:schemeClr val="accent1"/>
+          </a:fillRef>
+          <a:effectRef idx="0">
+            <a:schemeClr val="accent1"/>
+          </a:effectRef>
+          <a:fontRef idx="minor">
+            <a:schemeClr val="lt1"/>
+          </a:fontRef>
+        </p:style>
+        <p:txBody>
+          <a:bodyPr rtlCol="0" anchor="ctr"/>
+          <a:lstStyle/>
+          <a:p>
+            <a:pPr algn="ctr"/>
+            <a:endParaRPr lang="en-US"/>
+          </a:p>
+        </p:txBody>
+      </p:sp>
+      <p:sp>
+        <p:nvSpPr>
+          <p:cNvPr id="5" name="Rounded Rectangle 4">
+            <a:extLst>
+              <a:ext uri="{FF2B5EF4-FFF2-40B4-BE49-F238E27FC236}">
+                <a16:creationId xmlns:a16="http://schemas.microsoft.com/office/drawing/2014/main" id="{2100D45F-F1A6-FFB6-E03F-E4D45373670D}"/>
+              </a:ext>
+            </a:extLst>
+          </p:cNvPr>
+          <p:cNvSpPr/>
+          <p:nvPr/>
+        </p:nvSpPr>
+        <p:spPr>
+          <a:xfrm>
+            <a:off x="2935354" y="3519250"/>
+            <a:ext cx="720000" cy="720000"/>
+          </a:xfrm>
+          <a:prstGeom prst="roundRect">
+            <a:avLst/>
+          </a:prstGeom>
+          <a:solidFill>
+            <a:schemeClr val="accent2">
+              <a:lumMod val="60000"/>
+              <a:lumOff val="40000"/>
+            </a:schemeClr>
+          </a:solidFill>
+          <a:ln w="28575">
+            <a:solidFill>
+              <a:schemeClr val="bg2">
+                <a:lumMod val="10000"/>
+              </a:schemeClr>
+            </a:solidFill>
+          </a:ln>
+        </p:spPr>
+        <p:style>
+          <a:lnRef idx="2">
+            <a:schemeClr val="accent1">
+              <a:shade val="15000"/>
+            </a:schemeClr>
+          </a:lnRef>
+          <a:fillRef idx="1">
+            <a:schemeClr val="accent1"/>
+          </a:fillRef>
+          <a:effectRef idx="0">
+            <a:schemeClr val="accent1"/>
+          </a:effectRef>
+          <a:fontRef idx="minor">
+            <a:schemeClr val="lt1"/>
+          </a:fontRef>
+        </p:style>
+        <p:txBody>
+          <a:bodyPr rtlCol="0" anchor="ctr"/>
+          <a:lstStyle/>
+          <a:p>
+            <a:pPr algn="ctr"/>
+            <a:r>
+              <a:rPr lang="en-US" sz="6000" dirty="0">
+                <a:solidFill>
+                  <a:schemeClr val="bg2">
+                    <a:lumMod val="10000"/>
+                  </a:schemeClr>
+                </a:solidFill>
+                <a:latin typeface="Consolas" panose="020B0609020204030204" pitchFamily="49" charset="0"/>
+                <a:cs typeface="Consolas" panose="020B0609020204030204" pitchFamily="49" charset="0"/>
+              </a:rPr>
+              <a:t>2</a:t>
+            </a:r>
+            <a:endParaRPr lang="en-US" sz="3200" dirty="0">
+              <a:solidFill>
+                <a:schemeClr val="bg2">
+                  <a:lumMod val="10000"/>
+                </a:schemeClr>
+              </a:solidFill>
+              <a:latin typeface="Consolas" panose="020B0609020204030204" pitchFamily="49" charset="0"/>
+              <a:cs typeface="Consolas" panose="020B0609020204030204" pitchFamily="49" charset="0"/>
+            </a:endParaRPr>
+          </a:p>
+        </p:txBody>
+      </p:sp>
+      <p:sp>
+        <p:nvSpPr>
+          <p:cNvPr id="6" name="Rounded Rectangle 5">
+            <a:extLst>
+              <a:ext uri="{FF2B5EF4-FFF2-40B4-BE49-F238E27FC236}">
+                <a16:creationId xmlns:a16="http://schemas.microsoft.com/office/drawing/2014/main" id="{EB473275-D283-FB0B-CD71-DF359549A004}"/>
+              </a:ext>
+            </a:extLst>
+          </p:cNvPr>
+          <p:cNvSpPr/>
+          <p:nvPr/>
+        </p:nvSpPr>
+        <p:spPr>
+          <a:xfrm>
+            <a:off x="5016001" y="1789843"/>
+            <a:ext cx="720000" cy="720000"/>
+          </a:xfrm>
+          <a:prstGeom prst="roundRect">
+            <a:avLst/>
+          </a:prstGeom>
+          <a:solidFill>
+            <a:schemeClr val="accent3">
+              <a:lumMod val="40000"/>
+              <a:lumOff val="60000"/>
+            </a:schemeClr>
+          </a:solidFill>
+          <a:ln w="28575">
+            <a:solidFill>
+              <a:schemeClr val="bg2">
+                <a:lumMod val="10000"/>
+              </a:schemeClr>
+            </a:solidFill>
+          </a:ln>
+        </p:spPr>
+        <p:style>
+          <a:lnRef idx="2">
+            <a:schemeClr val="accent1">
+              <a:shade val="15000"/>
+            </a:schemeClr>
+          </a:lnRef>
+          <a:fillRef idx="1">
+            <a:schemeClr val="accent1"/>
+          </a:fillRef>
+          <a:effectRef idx="0">
+            <a:schemeClr val="accent1"/>
+          </a:effectRef>
+          <a:fontRef idx="minor">
+            <a:schemeClr val="lt1"/>
+          </a:fontRef>
+        </p:style>
+        <p:txBody>
+          <a:bodyPr rtlCol="0" anchor="ctr"/>
+          <a:lstStyle/>
+          <a:p>
+            <a:pPr algn="ctr"/>
+            <a:r>
+              <a:rPr lang="en-US" sz="6000" dirty="0">
+                <a:solidFill>
+                  <a:schemeClr val="bg2">
+                    <a:lumMod val="10000"/>
+                  </a:schemeClr>
+                </a:solidFill>
+                <a:latin typeface="Consolas" panose="020B0609020204030204" pitchFamily="49" charset="0"/>
+                <a:cs typeface="Consolas" panose="020B0609020204030204" pitchFamily="49" charset="0"/>
+              </a:rPr>
+              <a:t>-</a:t>
+            </a:r>
+            <a:endParaRPr lang="en-US" sz="3200" dirty="0">
+              <a:solidFill>
+                <a:schemeClr val="bg2">
+                  <a:lumMod val="10000"/>
+                </a:schemeClr>
+              </a:solidFill>
+              <a:latin typeface="Consolas" panose="020B0609020204030204" pitchFamily="49" charset="0"/>
+              <a:cs typeface="Consolas" panose="020B0609020204030204" pitchFamily="49" charset="0"/>
+            </a:endParaRPr>
+          </a:p>
+        </p:txBody>
+      </p:sp>
+      <p:sp>
+        <p:nvSpPr>
+          <p:cNvPr id="7" name="Rounded Rectangle 6">
+            <a:extLst>
+              <a:ext uri="{FF2B5EF4-FFF2-40B4-BE49-F238E27FC236}">
+                <a16:creationId xmlns:a16="http://schemas.microsoft.com/office/drawing/2014/main" id="{5D06D2C0-9BE7-D755-7BAA-45C0022E4F4F}"/>
+              </a:ext>
+            </a:extLst>
+          </p:cNvPr>
+          <p:cNvSpPr/>
+          <p:nvPr/>
+        </p:nvSpPr>
+        <p:spPr>
+          <a:xfrm>
+            <a:off x="4375354" y="3519250"/>
+            <a:ext cx="720000" cy="720000"/>
+          </a:xfrm>
+          <a:prstGeom prst="roundRect">
+            <a:avLst/>
+          </a:prstGeom>
+          <a:solidFill>
+            <a:schemeClr val="accent2">
+              <a:lumMod val="60000"/>
+              <a:lumOff val="40000"/>
+            </a:schemeClr>
+          </a:solidFill>
+          <a:ln w="28575">
+            <a:solidFill>
+              <a:schemeClr val="bg2">
+                <a:lumMod val="10000"/>
+              </a:schemeClr>
+            </a:solidFill>
+          </a:ln>
+        </p:spPr>
+        <p:style>
+          <a:lnRef idx="2">
+            <a:schemeClr val="accent1">
+              <a:shade val="15000"/>
+            </a:schemeClr>
+          </a:lnRef>
+          <a:fillRef idx="1">
+            <a:schemeClr val="accent1"/>
+          </a:fillRef>
+          <a:effectRef idx="0">
+            <a:schemeClr val="accent1"/>
+          </a:effectRef>
+          <a:fontRef idx="minor">
+            <a:schemeClr val="lt1"/>
+          </a:fontRef>
+        </p:style>
+        <p:txBody>
+          <a:bodyPr rtlCol="0" anchor="ctr"/>
+          <a:lstStyle/>
+          <a:p>
+            <a:pPr algn="ctr"/>
+            <a:r>
+              <a:rPr lang="en-US" sz="6000" dirty="0">
+                <a:solidFill>
+                  <a:schemeClr val="bg2">
+                    <a:lumMod val="10000"/>
+                  </a:schemeClr>
+                </a:solidFill>
+                <a:latin typeface="Consolas" panose="020B0609020204030204" pitchFamily="49" charset="0"/>
+                <a:cs typeface="Consolas" panose="020B0609020204030204" pitchFamily="49" charset="0"/>
+              </a:rPr>
+              <a:t>5</a:t>
+            </a:r>
+            <a:endParaRPr lang="en-US" sz="3200" dirty="0">
+              <a:solidFill>
+                <a:schemeClr val="bg2">
+                  <a:lumMod val="10000"/>
+                </a:schemeClr>
+              </a:solidFill>
+              <a:latin typeface="Consolas" panose="020B0609020204030204" pitchFamily="49" charset="0"/>
+              <a:cs typeface="Consolas" panose="020B0609020204030204" pitchFamily="49" charset="0"/>
+            </a:endParaRPr>
+          </a:p>
+        </p:txBody>
+      </p:sp>
+      <p:sp>
+        <p:nvSpPr>
+          <p:cNvPr id="8" name="Rounded Rectangle 7">
+            <a:extLst>
+              <a:ext uri="{FF2B5EF4-FFF2-40B4-BE49-F238E27FC236}">
+                <a16:creationId xmlns:a16="http://schemas.microsoft.com/office/drawing/2014/main" id="{5194F96D-015B-A474-468F-06354D738F18}"/>
+              </a:ext>
+            </a:extLst>
+          </p:cNvPr>
+          <p:cNvSpPr/>
+          <p:nvPr/>
+        </p:nvSpPr>
+        <p:spPr>
+          <a:xfrm>
+            <a:off x="3655354" y="2521205"/>
+            <a:ext cx="720000" cy="720000"/>
+          </a:xfrm>
+          <a:prstGeom prst="roundRect">
+            <a:avLst/>
+          </a:prstGeom>
+          <a:solidFill>
+            <a:schemeClr val="accent3">
+              <a:lumMod val="40000"/>
+              <a:lumOff val="60000"/>
+            </a:schemeClr>
+          </a:solidFill>
+          <a:ln w="28575">
+            <a:solidFill>
+              <a:schemeClr val="bg2">
+                <a:lumMod val="10000"/>
+              </a:schemeClr>
+            </a:solidFill>
+          </a:ln>
+        </p:spPr>
+        <p:style>
+          <a:lnRef idx="2">
+            <a:schemeClr val="accent1">
+              <a:shade val="15000"/>
+            </a:schemeClr>
+          </a:lnRef>
+          <a:fillRef idx="1">
+            <a:schemeClr val="accent1"/>
+          </a:fillRef>
+          <a:effectRef idx="0">
+            <a:schemeClr val="accent1"/>
+          </a:effectRef>
+          <a:fontRef idx="minor">
+            <a:schemeClr val="lt1"/>
+          </a:fontRef>
+        </p:style>
+        <p:txBody>
+          <a:bodyPr rtlCol="0" anchor="ctr"/>
+          <a:lstStyle/>
+          <a:p>
+            <a:pPr algn="ctr"/>
+            <a:r>
+              <a:rPr lang="en-US" sz="6000" dirty="0">
+                <a:solidFill>
+                  <a:schemeClr val="bg2">
+                    <a:lumMod val="10000"/>
+                  </a:schemeClr>
+                </a:solidFill>
+                <a:latin typeface="Consolas" panose="020B0609020204030204" pitchFamily="49" charset="0"/>
+                <a:cs typeface="Consolas" panose="020B0609020204030204" pitchFamily="49" charset="0"/>
+              </a:rPr>
+              <a:t>+</a:t>
+            </a:r>
+            <a:endParaRPr lang="en-US" sz="3200" dirty="0">
+              <a:solidFill>
+                <a:schemeClr val="bg2">
+                  <a:lumMod val="10000"/>
+                </a:schemeClr>
+              </a:solidFill>
+              <a:latin typeface="Consolas" panose="020B0609020204030204" pitchFamily="49" charset="0"/>
+              <a:cs typeface="Consolas" panose="020B0609020204030204" pitchFamily="49" charset="0"/>
+            </a:endParaRPr>
+          </a:p>
+        </p:txBody>
+      </p:sp>
+      <p:sp>
+        <p:nvSpPr>
+          <p:cNvPr id="9" name="Rounded Rectangle 8">
+            <a:extLst>
+              <a:ext uri="{FF2B5EF4-FFF2-40B4-BE49-F238E27FC236}">
+                <a16:creationId xmlns:a16="http://schemas.microsoft.com/office/drawing/2014/main" id="{51C016C6-584E-C250-BA86-5D86835B973D}"/>
+              </a:ext>
+            </a:extLst>
+          </p:cNvPr>
+          <p:cNvSpPr/>
+          <p:nvPr/>
+        </p:nvSpPr>
+        <p:spPr>
+          <a:xfrm>
+            <a:off x="5656649" y="3519250"/>
+            <a:ext cx="720000" cy="720000"/>
+          </a:xfrm>
+          <a:prstGeom prst="roundRect">
+            <a:avLst/>
+          </a:prstGeom>
+          <a:solidFill>
+            <a:schemeClr val="accent2">
+              <a:lumMod val="60000"/>
+              <a:lumOff val="40000"/>
+            </a:schemeClr>
+          </a:solidFill>
+          <a:ln w="28575">
+            <a:solidFill>
+              <a:schemeClr val="bg2">
+                <a:lumMod val="10000"/>
+              </a:schemeClr>
+            </a:solidFill>
+          </a:ln>
+        </p:spPr>
+        <p:style>
+          <a:lnRef idx="2">
+            <a:schemeClr val="accent1">
+              <a:shade val="15000"/>
+            </a:schemeClr>
+          </a:lnRef>
+          <a:fillRef idx="1">
+            <a:schemeClr val="accent1"/>
+          </a:fillRef>
+          <a:effectRef idx="0">
+            <a:schemeClr val="accent1"/>
+          </a:effectRef>
+          <a:fontRef idx="minor">
+            <a:schemeClr val="lt1"/>
+          </a:fontRef>
+        </p:style>
+        <p:txBody>
+          <a:bodyPr rtlCol="0" anchor="ctr"/>
+          <a:lstStyle/>
+          <a:p>
+            <a:pPr algn="ctr"/>
+            <a:r>
+              <a:rPr lang="en-US" sz="6000" dirty="0">
+                <a:solidFill>
+                  <a:schemeClr val="bg2">
+                    <a:lumMod val="10000"/>
+                  </a:schemeClr>
+                </a:solidFill>
+                <a:latin typeface="Consolas" panose="020B0609020204030204" pitchFamily="49" charset="0"/>
+                <a:cs typeface="Consolas" panose="020B0609020204030204" pitchFamily="49" charset="0"/>
+              </a:rPr>
+              <a:t>2</a:t>
+            </a:r>
+            <a:endParaRPr lang="en-US" sz="3200" dirty="0">
+              <a:solidFill>
+                <a:schemeClr val="bg2">
+                  <a:lumMod val="10000"/>
+                </a:schemeClr>
+              </a:solidFill>
+              <a:latin typeface="Consolas" panose="020B0609020204030204" pitchFamily="49" charset="0"/>
+              <a:cs typeface="Consolas" panose="020B0609020204030204" pitchFamily="49" charset="0"/>
+            </a:endParaRPr>
+          </a:p>
+        </p:txBody>
+      </p:sp>
+      <p:sp>
+        <p:nvSpPr>
+          <p:cNvPr id="10" name="Rounded Rectangle 9">
+            <a:extLst>
+              <a:ext uri="{FF2B5EF4-FFF2-40B4-BE49-F238E27FC236}">
+                <a16:creationId xmlns:a16="http://schemas.microsoft.com/office/drawing/2014/main" id="{26551913-7C62-2C66-6160-934B963415D0}"/>
+              </a:ext>
+            </a:extLst>
+          </p:cNvPr>
+          <p:cNvSpPr/>
+          <p:nvPr/>
+        </p:nvSpPr>
+        <p:spPr>
+          <a:xfrm>
+            <a:off x="6376648" y="2521205"/>
+            <a:ext cx="720000" cy="720000"/>
+          </a:xfrm>
+          <a:prstGeom prst="roundRect">
+            <a:avLst/>
+          </a:prstGeom>
+          <a:solidFill>
+            <a:schemeClr val="accent3">
+              <a:lumMod val="40000"/>
+              <a:lumOff val="60000"/>
+            </a:schemeClr>
+          </a:solidFill>
+          <a:ln w="28575">
+            <a:solidFill>
+              <a:schemeClr val="bg2">
+                <a:lumMod val="10000"/>
+              </a:schemeClr>
+            </a:solidFill>
+          </a:ln>
+        </p:spPr>
+        <p:style>
+          <a:lnRef idx="2">
+            <a:schemeClr val="accent1">
+              <a:shade val="15000"/>
+            </a:schemeClr>
+          </a:lnRef>
+          <a:fillRef idx="1">
+            <a:schemeClr val="accent1"/>
+          </a:fillRef>
+          <a:effectRef idx="0">
+            <a:schemeClr val="accent1"/>
+          </a:effectRef>
+          <a:fontRef idx="minor">
+            <a:schemeClr val="lt1"/>
+          </a:fontRef>
+        </p:style>
+        <p:txBody>
+          <a:bodyPr rtlCol="0" anchor="ctr"/>
+          <a:lstStyle/>
+          <a:p>
+            <a:pPr algn="ctr"/>
+            <a:r>
+              <a:rPr lang="en-US" sz="6000" dirty="0">
+                <a:solidFill>
+                  <a:schemeClr val="bg2">
+                    <a:lumMod val="10000"/>
+                  </a:schemeClr>
+                </a:solidFill>
+                <a:latin typeface="Consolas" panose="020B0609020204030204" pitchFamily="49" charset="0"/>
+                <a:cs typeface="Consolas" panose="020B0609020204030204" pitchFamily="49" charset="0"/>
+              </a:rPr>
+              <a:t>*</a:t>
+            </a:r>
+            <a:endParaRPr lang="en-US" sz="3200" dirty="0">
+              <a:solidFill>
+                <a:schemeClr val="bg2">
+                  <a:lumMod val="10000"/>
+                </a:schemeClr>
+              </a:solidFill>
+              <a:latin typeface="Consolas" panose="020B0609020204030204" pitchFamily="49" charset="0"/>
+              <a:cs typeface="Consolas" panose="020B0609020204030204" pitchFamily="49" charset="0"/>
+            </a:endParaRPr>
+          </a:p>
+        </p:txBody>
+      </p:sp>
+      <p:sp>
+        <p:nvSpPr>
+          <p:cNvPr id="11" name="Rounded Rectangle 10">
+            <a:extLst>
+              <a:ext uri="{FF2B5EF4-FFF2-40B4-BE49-F238E27FC236}">
+                <a16:creationId xmlns:a16="http://schemas.microsoft.com/office/drawing/2014/main" id="{93FA9A70-2D9D-1363-38CE-7A52AF6F9E13}"/>
+              </a:ext>
+            </a:extLst>
+          </p:cNvPr>
+          <p:cNvSpPr/>
+          <p:nvPr/>
+        </p:nvSpPr>
+        <p:spPr>
+          <a:xfrm>
+            <a:off x="7096648" y="3519250"/>
+            <a:ext cx="720000" cy="720000"/>
+          </a:xfrm>
+          <a:prstGeom prst="roundRect">
+            <a:avLst/>
+          </a:prstGeom>
+          <a:solidFill>
+            <a:schemeClr val="accent2">
+              <a:lumMod val="60000"/>
+              <a:lumOff val="40000"/>
+            </a:schemeClr>
+          </a:solidFill>
+          <a:ln w="28575">
+            <a:solidFill>
+              <a:schemeClr val="bg2">
+                <a:lumMod val="10000"/>
+              </a:schemeClr>
+            </a:solidFill>
+          </a:ln>
+        </p:spPr>
+        <p:style>
+          <a:lnRef idx="2">
+            <a:schemeClr val="accent1">
+              <a:shade val="15000"/>
+            </a:schemeClr>
+          </a:lnRef>
+          <a:fillRef idx="1">
+            <a:schemeClr val="accent1"/>
+          </a:fillRef>
+          <a:effectRef idx="0">
+            <a:schemeClr val="accent1"/>
+          </a:effectRef>
+          <a:fontRef idx="minor">
+            <a:schemeClr val="lt1"/>
+          </a:fontRef>
+        </p:style>
+        <p:txBody>
+          <a:bodyPr rtlCol="0" anchor="ctr"/>
+          <a:lstStyle/>
+          <a:p>
+            <a:pPr algn="ctr"/>
+            <a:r>
+              <a:rPr lang="en-US" sz="6000" dirty="0">
+                <a:solidFill>
+                  <a:schemeClr val="bg2">
+                    <a:lumMod val="10000"/>
+                  </a:schemeClr>
+                </a:solidFill>
+                <a:latin typeface="Consolas" panose="020B0609020204030204" pitchFamily="49" charset="0"/>
+                <a:cs typeface="Consolas" panose="020B0609020204030204" pitchFamily="49" charset="0"/>
+              </a:rPr>
+              <a:t>3</a:t>
+            </a:r>
+            <a:endParaRPr lang="en-US" sz="3200" dirty="0">
+              <a:solidFill>
+                <a:schemeClr val="bg2">
+                  <a:lumMod val="10000"/>
+                </a:schemeClr>
+              </a:solidFill>
+              <a:latin typeface="Consolas" panose="020B0609020204030204" pitchFamily="49" charset="0"/>
+              <a:cs typeface="Consolas" panose="020B0609020204030204" pitchFamily="49" charset="0"/>
+            </a:endParaRPr>
+          </a:p>
+        </p:txBody>
+      </p:sp>
+      <p:cxnSp>
+        <p:nvCxnSpPr>
+          <p:cNvPr id="13" name="Elbow Connector 12">
+            <a:extLst>
+              <a:ext uri="{FF2B5EF4-FFF2-40B4-BE49-F238E27FC236}">
+                <a16:creationId xmlns:a16="http://schemas.microsoft.com/office/drawing/2014/main" id="{5AFA1B1B-AC4D-B7E1-72DC-26090796196D}"/>
+              </a:ext>
+            </a:extLst>
+          </p:cNvPr>
+          <p:cNvCxnSpPr>
+            <a:cxnSpLocks/>
+            <a:stCxn id="10" idx="3"/>
+            <a:endCxn id="11" idx="0"/>
+          </p:cNvCxnSpPr>
+          <p:nvPr/>
+        </p:nvCxnSpPr>
+        <p:spPr>
+          <a:xfrm>
+            <a:off x="7096648" y="2881205"/>
+            <a:ext cx="360000" cy="638045"/>
+          </a:xfrm>
+          <a:prstGeom prst="bentConnector2">
+            <a:avLst/>
+          </a:prstGeom>
+          <a:ln w="38100">
+            <a:solidFill>
+              <a:schemeClr val="bg2">
+                <a:lumMod val="10000"/>
+              </a:schemeClr>
+            </a:solidFill>
+            <a:tailEnd type="triangle"/>
+          </a:ln>
+        </p:spPr>
+        <p:style>
+          <a:lnRef idx="1">
+            <a:schemeClr val="accent2"/>
+          </a:lnRef>
+          <a:fillRef idx="0">
+            <a:schemeClr val="accent2"/>
+          </a:fillRef>
+          <a:effectRef idx="0">
+            <a:schemeClr val="accent2"/>
+          </a:effectRef>
+          <a:fontRef idx="minor">
+            <a:schemeClr val="tx1"/>
+          </a:fontRef>
+        </p:style>
+      </p:cxnSp>
+      <p:cxnSp>
+        <p:nvCxnSpPr>
+          <p:cNvPr id="18" name="Elbow Connector 17">
+            <a:extLst>
+              <a:ext uri="{FF2B5EF4-FFF2-40B4-BE49-F238E27FC236}">
+                <a16:creationId xmlns:a16="http://schemas.microsoft.com/office/drawing/2014/main" id="{A405AAD7-10F1-593E-7D09-7BB09CDCB6AF}"/>
+              </a:ext>
+            </a:extLst>
+          </p:cNvPr>
+          <p:cNvCxnSpPr>
+            <a:cxnSpLocks/>
+            <a:stCxn id="10" idx="1"/>
+            <a:endCxn id="9" idx="0"/>
+          </p:cNvCxnSpPr>
+          <p:nvPr/>
+        </p:nvCxnSpPr>
+        <p:spPr>
+          <a:xfrm rot="10800000" flipV="1">
+            <a:off x="6016650" y="2881204"/>
+            <a:ext cx="359999" cy="638045"/>
+          </a:xfrm>
+          <a:prstGeom prst="bentConnector2">
+            <a:avLst/>
+          </a:prstGeom>
+          <a:ln w="38100">
+            <a:solidFill>
+              <a:schemeClr val="bg2">
+                <a:lumMod val="10000"/>
+              </a:schemeClr>
+            </a:solidFill>
+            <a:tailEnd type="triangle"/>
+          </a:ln>
+        </p:spPr>
+        <p:style>
+          <a:lnRef idx="1">
+            <a:schemeClr val="accent2"/>
+          </a:lnRef>
+          <a:fillRef idx="0">
+            <a:schemeClr val="accent2"/>
+          </a:fillRef>
+          <a:effectRef idx="0">
+            <a:schemeClr val="accent2"/>
+          </a:effectRef>
+          <a:fontRef idx="minor">
+            <a:schemeClr val="tx1"/>
+          </a:fontRef>
+        </p:style>
+      </p:cxnSp>
+      <p:cxnSp>
+        <p:nvCxnSpPr>
+          <p:cNvPr id="30" name="Elbow Connector 29">
+            <a:extLst>
+              <a:ext uri="{FF2B5EF4-FFF2-40B4-BE49-F238E27FC236}">
+                <a16:creationId xmlns:a16="http://schemas.microsoft.com/office/drawing/2014/main" id="{9AA9077B-85ED-228E-FC7A-D83BB86C4080}"/>
+              </a:ext>
+            </a:extLst>
+          </p:cNvPr>
+          <p:cNvCxnSpPr>
+            <a:cxnSpLocks/>
+            <a:stCxn id="8" idx="3"/>
+            <a:endCxn id="7" idx="0"/>
+          </p:cNvCxnSpPr>
+          <p:nvPr/>
+        </p:nvCxnSpPr>
+        <p:spPr>
+          <a:xfrm>
+            <a:off x="4375354" y="2881205"/>
+            <a:ext cx="360000" cy="638045"/>
+          </a:xfrm>
+          <a:prstGeom prst="bentConnector2">
+            <a:avLst/>
+          </a:prstGeom>
+          <a:ln w="38100">
+            <a:solidFill>
+              <a:schemeClr val="bg2">
+                <a:lumMod val="10000"/>
+              </a:schemeClr>
+            </a:solidFill>
+            <a:tailEnd type="triangle"/>
+          </a:ln>
+        </p:spPr>
+        <p:style>
+          <a:lnRef idx="1">
+            <a:schemeClr val="accent2"/>
+          </a:lnRef>
+          <a:fillRef idx="0">
+            <a:schemeClr val="accent2"/>
+          </a:fillRef>
+          <a:effectRef idx="0">
+            <a:schemeClr val="accent2"/>
+          </a:effectRef>
+          <a:fontRef idx="minor">
+            <a:schemeClr val="tx1"/>
+          </a:fontRef>
+        </p:style>
+      </p:cxnSp>
+      <p:cxnSp>
+        <p:nvCxnSpPr>
+          <p:cNvPr id="33" name="Elbow Connector 32">
+            <a:extLst>
+              <a:ext uri="{FF2B5EF4-FFF2-40B4-BE49-F238E27FC236}">
+                <a16:creationId xmlns:a16="http://schemas.microsoft.com/office/drawing/2014/main" id="{7395BACD-333D-A308-B7B4-6E2A1E0A015A}"/>
+              </a:ext>
+            </a:extLst>
+          </p:cNvPr>
+          <p:cNvCxnSpPr>
+            <a:cxnSpLocks/>
+            <a:stCxn id="8" idx="1"/>
+            <a:endCxn id="5" idx="0"/>
+          </p:cNvCxnSpPr>
+          <p:nvPr/>
+        </p:nvCxnSpPr>
+        <p:spPr>
+          <a:xfrm rot="10800000" flipV="1">
+            <a:off x="3295354" y="2881204"/>
+            <a:ext cx="360000" cy="638045"/>
+          </a:xfrm>
+          <a:prstGeom prst="bentConnector2">
+            <a:avLst/>
+          </a:prstGeom>
+          <a:ln w="38100">
+            <a:solidFill>
+              <a:schemeClr val="bg2">
+                <a:lumMod val="10000"/>
+              </a:schemeClr>
+            </a:solidFill>
+            <a:tailEnd type="triangle"/>
+          </a:ln>
+        </p:spPr>
+        <p:style>
+          <a:lnRef idx="1">
+            <a:schemeClr val="accent2"/>
+          </a:lnRef>
+          <a:fillRef idx="0">
+            <a:schemeClr val="accent2"/>
+          </a:fillRef>
+          <a:effectRef idx="0">
+            <a:schemeClr val="accent2"/>
+          </a:effectRef>
+          <a:fontRef idx="minor">
+            <a:schemeClr val="tx1"/>
+          </a:fontRef>
+        </p:style>
+      </p:cxnSp>
+      <p:cxnSp>
+        <p:nvCxnSpPr>
+          <p:cNvPr id="36" name="Elbow Connector 35">
+            <a:extLst>
+              <a:ext uri="{FF2B5EF4-FFF2-40B4-BE49-F238E27FC236}">
+                <a16:creationId xmlns:a16="http://schemas.microsoft.com/office/drawing/2014/main" id="{E51E6050-867F-0061-51DE-A53260FEFD88}"/>
+              </a:ext>
+            </a:extLst>
+          </p:cNvPr>
+          <p:cNvCxnSpPr>
+            <a:cxnSpLocks/>
+            <a:stCxn id="6" idx="1"/>
+            <a:endCxn id="8" idx="0"/>
+          </p:cNvCxnSpPr>
+          <p:nvPr/>
+        </p:nvCxnSpPr>
+        <p:spPr>
+          <a:xfrm rot="10800000" flipV="1">
+            <a:off x="4015355" y="2149843"/>
+            <a:ext cx="1000647" cy="371362"/>
+          </a:xfrm>
+          <a:prstGeom prst="bentConnector2">
+            <a:avLst/>
+          </a:prstGeom>
+          <a:ln w="38100">
+            <a:solidFill>
+              <a:schemeClr val="bg2">
+                <a:lumMod val="10000"/>
+              </a:schemeClr>
+            </a:solidFill>
+            <a:tailEnd type="triangle"/>
+          </a:ln>
+        </p:spPr>
+        <p:style>
+          <a:lnRef idx="1">
+            <a:schemeClr val="accent2"/>
+          </a:lnRef>
+          <a:fillRef idx="0">
+            <a:schemeClr val="accent2"/>
+          </a:fillRef>
+          <a:effectRef idx="0">
+            <a:schemeClr val="accent2"/>
+          </a:effectRef>
+          <a:fontRef idx="minor">
+            <a:schemeClr val="tx1"/>
+          </a:fontRef>
+        </p:style>
+      </p:cxnSp>
+      <p:cxnSp>
+        <p:nvCxnSpPr>
+          <p:cNvPr id="39" name="Elbow Connector 38">
+            <a:extLst>
+              <a:ext uri="{FF2B5EF4-FFF2-40B4-BE49-F238E27FC236}">
+                <a16:creationId xmlns:a16="http://schemas.microsoft.com/office/drawing/2014/main" id="{948A51B4-9752-85DB-9B4D-D58F5E6BB061}"/>
+              </a:ext>
+            </a:extLst>
+          </p:cNvPr>
+          <p:cNvCxnSpPr>
+            <a:cxnSpLocks/>
+            <a:stCxn id="6" idx="3"/>
+            <a:endCxn id="10" idx="0"/>
+          </p:cNvCxnSpPr>
+          <p:nvPr/>
+        </p:nvCxnSpPr>
+        <p:spPr>
+          <a:xfrm>
+            <a:off x="5736001" y="2149843"/>
+            <a:ext cx="1000647" cy="371362"/>
+          </a:xfrm>
+          <a:prstGeom prst="bentConnector2">
+            <a:avLst/>
+          </a:prstGeom>
+          <a:ln w="38100">
+            <a:solidFill>
+              <a:schemeClr val="bg2">
+                <a:lumMod val="10000"/>
+              </a:schemeClr>
+            </a:solidFill>
+            <a:tailEnd type="triangle"/>
+          </a:ln>
+        </p:spPr>
+        <p:style>
+          <a:lnRef idx="1">
+            <a:schemeClr val="accent2"/>
+          </a:lnRef>
+          <a:fillRef idx="0">
+            <a:schemeClr val="accent2"/>
+          </a:fillRef>
+          <a:effectRef idx="0">
+            <a:schemeClr val="accent2"/>
+          </a:effectRef>
+          <a:fontRef idx="minor">
+            <a:schemeClr val="tx1"/>
+          </a:fontRef>
+        </p:style>
+      </p:cxnSp>
+    </p:spTree>
+    <p:extLst>
+      <p:ext uri="{BB962C8B-B14F-4D97-AF65-F5344CB8AC3E}">
+        <p14:creationId xmlns:p14="http://schemas.microsoft.com/office/powerpoint/2010/main" val="4117837920"/>
+      </p:ext>
+    </p:extLst>
+  </p:cSld>
+  <p:clrMapOvr>
+    <a:masterClrMapping/>
+  </p:clrMapOvr>
+</p:sld>
+</file>
+
+<file path=ppt/slides/slide14.xml><?xml version="1.0" encoding="utf-8"?>
+<p:sld xmlns:a="http://schemas.openxmlformats.org/drawingml/2006/main" xmlns:r="http://schemas.openxmlformats.org/officeDocument/2006/relationships" xmlns:p="http://schemas.openxmlformats.org/presentationml/2006/main">
+  <p:cSld>
+    <p:spTree>
+      <p:nvGrpSpPr>
+        <p:cNvPr id="1" name=""/>
+        <p:cNvGrpSpPr/>
+        <p:nvPr/>
+      </p:nvGrpSpPr>
+      <p:grpSpPr>
+        <a:xfrm>
+          <a:off x="0" y="0"/>
+          <a:ext cx="0" cy="0"/>
+          <a:chOff x="0" y="0"/>
+          <a:chExt cx="0" cy="0"/>
+        </a:xfrm>
+      </p:grpSpPr>
+      <p:sp>
+        <p:nvSpPr>
+          <p:cNvPr id="53" name="Rounded Rectangle 52">
+            <a:extLst>
+              <a:ext uri="{FF2B5EF4-FFF2-40B4-BE49-F238E27FC236}">
+                <a16:creationId xmlns:a16="http://schemas.microsoft.com/office/drawing/2014/main" id="{DE713915-B871-E1AF-B8B5-335E9408C04D}"/>
+              </a:ext>
+            </a:extLst>
+          </p:cNvPr>
+          <p:cNvSpPr/>
+          <p:nvPr/>
+        </p:nvSpPr>
+        <p:spPr>
+          <a:xfrm>
+            <a:off x="2169404" y="962685"/>
+            <a:ext cx="5297223" cy="3678889"/>
+          </a:xfrm>
+          <a:prstGeom prst="roundRect">
+            <a:avLst/>
+          </a:prstGeom>
+          <a:solidFill>
+            <a:schemeClr val="bg1"/>
+          </a:solidFill>
+          <a:ln w="28575">
+            <a:solidFill>
+              <a:schemeClr val="bg2">
+                <a:lumMod val="10000"/>
+              </a:schemeClr>
+            </a:solidFill>
+          </a:ln>
+        </p:spPr>
+        <p:style>
+          <a:lnRef idx="2">
+            <a:schemeClr val="accent1">
+              <a:shade val="15000"/>
+            </a:schemeClr>
+          </a:lnRef>
+          <a:fillRef idx="1">
+            <a:schemeClr val="accent1"/>
+          </a:fillRef>
+          <a:effectRef idx="0">
+            <a:schemeClr val="accent1"/>
+          </a:effectRef>
+          <a:fontRef idx="minor">
+            <a:schemeClr val="lt1"/>
+          </a:fontRef>
+        </p:style>
+        <p:txBody>
+          <a:bodyPr rtlCol="0" anchor="ctr"/>
+          <a:lstStyle/>
+          <a:p>
+            <a:pPr>
+              <a:lnSpc>
+                <a:spcPct val="150000"/>
+              </a:lnSpc>
+            </a:pPr>
+            <a:r>
+              <a:rPr lang="en-US" sz="2000" dirty="0">
+                <a:solidFill>
+                  <a:schemeClr val="bg2">
+                    <a:lumMod val="10000"/>
+                  </a:schemeClr>
+                </a:solidFill>
+                <a:latin typeface="Consolas" panose="020B0609020204030204" pitchFamily="49" charset="0"/>
+                <a:cs typeface="Consolas" panose="020B0609020204030204" pitchFamily="49" charset="0"/>
+              </a:rPr>
+              <a:t>        = parse</a:t>
+            </a:r>
+          </a:p>
+          <a:p>
+            <a:pPr>
+              <a:lnSpc>
+                <a:spcPct val="150000"/>
+              </a:lnSpc>
+            </a:pPr>
+            <a:r>
+              <a:rPr lang="en-US" sz="2000" dirty="0">
+                <a:solidFill>
+                  <a:schemeClr val="bg2">
+                    <a:lumMod val="10000"/>
+                  </a:schemeClr>
+                </a:solidFill>
+                <a:latin typeface="Consolas" panose="020B0609020204030204" pitchFamily="49" charset="0"/>
+                <a:cs typeface="Consolas" panose="020B0609020204030204" pitchFamily="49" charset="0"/>
+              </a:rPr>
+              <a:t>while        is in</a:t>
+            </a:r>
+          </a:p>
+          <a:p>
+            <a:pPr>
+              <a:lnSpc>
+                <a:spcPct val="150000"/>
+              </a:lnSpc>
+            </a:pPr>
+            <a:r>
+              <a:rPr lang="en-US" sz="2000" dirty="0">
+                <a:solidFill>
+                  <a:schemeClr val="bg2">
+                    <a:lumMod val="10000"/>
+                  </a:schemeClr>
+                </a:solidFill>
+                <a:latin typeface="Consolas" panose="020B0609020204030204" pitchFamily="49" charset="0"/>
+                <a:cs typeface="Consolas" panose="020B0609020204030204" pitchFamily="49" charset="0"/>
+              </a:rPr>
+              <a:t>	       .left =</a:t>
+            </a:r>
+            <a:br>
+              <a:rPr lang="en-US" sz="2000" dirty="0">
+                <a:solidFill>
+                  <a:schemeClr val="bg2">
+                    <a:lumMod val="10000"/>
+                  </a:schemeClr>
+                </a:solidFill>
+                <a:latin typeface="Consolas" panose="020B0609020204030204" pitchFamily="49" charset="0"/>
+                <a:cs typeface="Consolas" panose="020B0609020204030204" pitchFamily="49" charset="0"/>
+              </a:rPr>
+            </a:br>
+            <a:r>
+              <a:rPr lang="en-US" sz="2000" dirty="0">
+                <a:solidFill>
+                  <a:schemeClr val="bg2">
+                    <a:lumMod val="10000"/>
+                  </a:schemeClr>
+                </a:solidFill>
+                <a:latin typeface="Consolas" panose="020B0609020204030204" pitchFamily="49" charset="0"/>
+                <a:cs typeface="Consolas" panose="020B0609020204030204" pitchFamily="49" charset="0"/>
+              </a:rPr>
+              <a:t>	         =</a:t>
+            </a:r>
+          </a:p>
+          <a:p>
+            <a:pPr>
+              <a:lnSpc>
+                <a:spcPct val="150000"/>
+              </a:lnSpc>
+            </a:pPr>
+            <a:r>
+              <a:rPr lang="en-US" sz="2000" dirty="0">
+                <a:solidFill>
+                  <a:schemeClr val="bg2">
+                    <a:lumMod val="10000"/>
+                  </a:schemeClr>
+                </a:solidFill>
+                <a:latin typeface="Consolas" panose="020B0609020204030204" pitchFamily="49" charset="0"/>
+                <a:cs typeface="Consolas" panose="020B0609020204030204" pitchFamily="49" charset="0"/>
+              </a:rPr>
+              <a:t>	        .right = parse </a:t>
+            </a:r>
+          </a:p>
+          <a:p>
+            <a:pPr>
+              <a:lnSpc>
+                <a:spcPct val="150000"/>
+              </a:lnSpc>
+            </a:pPr>
+            <a:r>
+              <a:rPr lang="en-US" sz="2000" dirty="0">
+                <a:solidFill>
+                  <a:schemeClr val="bg2">
+                    <a:lumMod val="10000"/>
+                  </a:schemeClr>
+                </a:solidFill>
+                <a:latin typeface="Consolas" panose="020B0609020204030204" pitchFamily="49" charset="0"/>
+                <a:cs typeface="Consolas" panose="020B0609020204030204" pitchFamily="49" charset="0"/>
+              </a:rPr>
+              <a:t>endwhile</a:t>
+            </a:r>
+            <a:br>
+              <a:rPr lang="en-US" sz="3200" dirty="0">
+                <a:solidFill>
+                  <a:schemeClr val="bg2">
+                    <a:lumMod val="10000"/>
+                  </a:schemeClr>
+                </a:solidFill>
+                <a:latin typeface="Consolas" panose="020B0609020204030204" pitchFamily="49" charset="0"/>
+                <a:cs typeface="Consolas" panose="020B0609020204030204" pitchFamily="49" charset="0"/>
+              </a:rPr>
+            </a:br>
+            <a:r>
+              <a:rPr lang="en-US" sz="2000" dirty="0">
+                <a:solidFill>
+                  <a:schemeClr val="bg2">
+                    <a:lumMod val="10000"/>
+                  </a:schemeClr>
+                </a:solidFill>
+                <a:latin typeface="Consolas" panose="020B0609020204030204" pitchFamily="49" charset="0"/>
+                <a:cs typeface="Consolas" panose="020B0609020204030204" pitchFamily="49" charset="0"/>
+              </a:rPr>
+              <a:t>return</a:t>
+            </a:r>
+          </a:p>
+        </p:txBody>
+      </p:sp>
+      <p:sp>
+        <p:nvSpPr>
+          <p:cNvPr id="46" name="Rounded Rectangle 45">
+            <a:extLst>
+              <a:ext uri="{FF2B5EF4-FFF2-40B4-BE49-F238E27FC236}">
+                <a16:creationId xmlns:a16="http://schemas.microsoft.com/office/drawing/2014/main" id="{34225F6C-4055-0B33-2544-2BF4960B9EC5}"/>
+              </a:ext>
+            </a:extLst>
+          </p:cNvPr>
+          <p:cNvSpPr/>
+          <p:nvPr/>
+        </p:nvSpPr>
+        <p:spPr>
+          <a:xfrm>
+            <a:off x="3253818" y="1791182"/>
+            <a:ext cx="957629" cy="289580"/>
+          </a:xfrm>
+          <a:prstGeom prst="roundRect">
+            <a:avLst/>
+          </a:prstGeom>
+          <a:solidFill>
+            <a:schemeClr val="accent4">
+              <a:lumMod val="60000"/>
+              <a:lumOff val="40000"/>
+            </a:schemeClr>
+          </a:solidFill>
+          <a:ln w="28575">
+            <a:solidFill>
+              <a:schemeClr val="tx1"/>
+            </a:solidFill>
+          </a:ln>
+        </p:spPr>
+        <p:style>
+          <a:lnRef idx="2">
+            <a:schemeClr val="accent1">
+              <a:shade val="15000"/>
+            </a:schemeClr>
+          </a:lnRef>
+          <a:fillRef idx="1">
+            <a:schemeClr val="accent1"/>
+          </a:fillRef>
+          <a:effectRef idx="0">
+            <a:schemeClr val="accent1"/>
+          </a:effectRef>
+          <a:fontRef idx="minor">
+            <a:schemeClr val="lt1"/>
+          </a:fontRef>
+        </p:style>
+        <p:txBody>
+          <a:bodyPr rtlCol="0" anchor="ctr"/>
+          <a:lstStyle/>
+          <a:p>
+            <a:pPr algn="ctr"/>
+            <a:r>
+              <a:rPr lang="en-US" sz="2000" dirty="0">
+                <a:solidFill>
+                  <a:schemeClr val="tx1"/>
+                </a:solidFill>
+                <a:latin typeface="Consolas" panose="020B0609020204030204" pitchFamily="49" charset="0"/>
+                <a:cs typeface="Consolas" panose="020B0609020204030204" pitchFamily="49" charset="0"/>
+              </a:rPr>
+              <a:t>token</a:t>
+            </a:r>
+            <a:endParaRPr lang="en-US" sz="3200" dirty="0">
+              <a:solidFill>
+                <a:schemeClr val="tx1"/>
+              </a:solidFill>
+              <a:latin typeface="Consolas" panose="020B0609020204030204" pitchFamily="49" charset="0"/>
+              <a:cs typeface="Consolas" panose="020B0609020204030204" pitchFamily="49" charset="0"/>
+            </a:endParaRPr>
+          </a:p>
+        </p:txBody>
+      </p:sp>
+      <p:sp>
+        <p:nvSpPr>
+          <p:cNvPr id="4" name="Rounded Rectangle 3">
+            <a:extLst>
+              <a:ext uri="{FF2B5EF4-FFF2-40B4-BE49-F238E27FC236}">
+                <a16:creationId xmlns:a16="http://schemas.microsoft.com/office/drawing/2014/main" id="{A6923347-BAC9-5557-F535-4C4BA20BA8CD}"/>
+              </a:ext>
+            </a:extLst>
+          </p:cNvPr>
+          <p:cNvSpPr/>
+          <p:nvPr/>
+        </p:nvSpPr>
+        <p:spPr>
+          <a:xfrm>
+            <a:off x="2132459" y="847547"/>
+            <a:ext cx="3195441" cy="322544"/>
+          </a:xfrm>
+          <a:prstGeom prst="roundRect">
+            <a:avLst/>
+          </a:prstGeom>
+          <a:solidFill>
+            <a:schemeClr val="accent6">
+              <a:lumMod val="40000"/>
+              <a:lumOff val="60000"/>
+            </a:schemeClr>
+          </a:solidFill>
+          <a:ln w="28575">
+            <a:solidFill>
+              <a:schemeClr val="bg2">
+                <a:lumMod val="10000"/>
+              </a:schemeClr>
+            </a:solidFill>
+          </a:ln>
+        </p:spPr>
+        <p:style>
+          <a:lnRef idx="2">
+            <a:schemeClr val="accent1">
+              <a:shade val="15000"/>
+            </a:schemeClr>
+          </a:lnRef>
+          <a:fillRef idx="1">
+            <a:schemeClr val="accent1"/>
+          </a:fillRef>
+          <a:effectRef idx="0">
+            <a:schemeClr val="accent1"/>
+          </a:effectRef>
+          <a:fontRef idx="minor">
+            <a:schemeClr val="lt1"/>
+          </a:fontRef>
+        </p:style>
+        <p:txBody>
+          <a:bodyPr rtlCol="0" anchor="ctr"/>
+          <a:lstStyle/>
+          <a:p>
+            <a:pPr algn="ctr"/>
+            <a:r>
+              <a:rPr lang="en-US" sz="2000" dirty="0">
+                <a:solidFill>
+                  <a:schemeClr val="bg2">
+                    <a:lumMod val="10000"/>
+                  </a:schemeClr>
+                </a:solidFill>
+                <a:latin typeface="Consolas" panose="020B0609020204030204" pitchFamily="49" charset="0"/>
+                <a:cs typeface="Consolas" panose="020B0609020204030204" pitchFamily="49" charset="0"/>
+              </a:rPr>
+              <a:t>parse_binary_operator</a:t>
+            </a:r>
+          </a:p>
+        </p:txBody>
+      </p:sp>
+      <p:sp>
+        <p:nvSpPr>
+          <p:cNvPr id="10" name="Rounded Rectangle 9">
+            <a:extLst>
+              <a:ext uri="{FF2B5EF4-FFF2-40B4-BE49-F238E27FC236}">
+                <a16:creationId xmlns:a16="http://schemas.microsoft.com/office/drawing/2014/main" id="{EC511D75-E959-FE95-D98D-97AFE10583A8}"/>
+              </a:ext>
+            </a:extLst>
+          </p:cNvPr>
+          <p:cNvSpPr/>
+          <p:nvPr/>
+        </p:nvSpPr>
+        <p:spPr>
+          <a:xfrm>
+            <a:off x="4646753" y="1355145"/>
+            <a:ext cx="779653" cy="289580"/>
+          </a:xfrm>
+          <a:prstGeom prst="roundRect">
+            <a:avLst/>
+          </a:prstGeom>
+          <a:solidFill>
+            <a:srgbClr val="F79ED1"/>
+          </a:solidFill>
+          <a:ln w="28575">
+            <a:solidFill>
+              <a:schemeClr val="bg2">
+                <a:lumMod val="10000"/>
+              </a:schemeClr>
+            </a:solidFill>
+          </a:ln>
+        </p:spPr>
+        <p:style>
+          <a:lnRef idx="2">
+            <a:schemeClr val="accent1">
+              <a:shade val="15000"/>
+            </a:schemeClr>
+          </a:lnRef>
+          <a:fillRef idx="1">
+            <a:schemeClr val="accent1"/>
+          </a:fillRef>
+          <a:effectRef idx="0">
+            <a:schemeClr val="accent1"/>
+          </a:effectRef>
+          <a:fontRef idx="minor">
+            <a:schemeClr val="lt1"/>
+          </a:fontRef>
+        </p:style>
+        <p:txBody>
+          <a:bodyPr rtlCol="0" anchor="ctr"/>
+          <a:lstStyle/>
+          <a:p>
+            <a:pPr algn="ctr"/>
+            <a:r>
+              <a:rPr lang="en-US" sz="2000" dirty="0">
+                <a:solidFill>
+                  <a:schemeClr val="bg2">
+                    <a:lumMod val="10000"/>
+                  </a:schemeClr>
+                </a:solidFill>
+                <a:latin typeface="Consolas" panose="020B0609020204030204" pitchFamily="49" charset="0"/>
+                <a:cs typeface="Consolas" panose="020B0609020204030204" pitchFamily="49" charset="0"/>
+              </a:rPr>
+              <a:t>next</a:t>
+            </a:r>
+          </a:p>
+        </p:txBody>
+      </p:sp>
+      <p:sp>
+        <p:nvSpPr>
+          <p:cNvPr id="2" name="Rounded Rectangle 1">
+            <a:extLst>
+              <a:ext uri="{FF2B5EF4-FFF2-40B4-BE49-F238E27FC236}">
+                <a16:creationId xmlns:a16="http://schemas.microsoft.com/office/drawing/2014/main" id="{3E7FD11E-0131-8A54-C182-9F586CBE031F}"/>
+              </a:ext>
+            </a:extLst>
+          </p:cNvPr>
+          <p:cNvSpPr/>
+          <p:nvPr/>
+        </p:nvSpPr>
+        <p:spPr>
+          <a:xfrm>
+            <a:off x="2366333" y="1355145"/>
+            <a:ext cx="1081110" cy="289580"/>
+          </a:xfrm>
+          <a:prstGeom prst="roundRect">
+            <a:avLst/>
+          </a:prstGeom>
+          <a:solidFill>
+            <a:schemeClr val="accent1">
+              <a:lumMod val="40000"/>
+              <a:lumOff val="60000"/>
+            </a:schemeClr>
+          </a:solidFill>
+          <a:ln w="28575">
+            <a:solidFill>
+              <a:schemeClr val="tx1"/>
+            </a:solidFill>
+          </a:ln>
+        </p:spPr>
+        <p:style>
+          <a:lnRef idx="2">
+            <a:schemeClr val="accent1">
+              <a:shade val="15000"/>
+            </a:schemeClr>
+          </a:lnRef>
+          <a:fillRef idx="1">
+            <a:schemeClr val="accent1"/>
+          </a:fillRef>
+          <a:effectRef idx="0">
+            <a:schemeClr val="accent1"/>
+          </a:effectRef>
+          <a:fontRef idx="minor">
+            <a:schemeClr val="lt1"/>
+          </a:fontRef>
+        </p:style>
+        <p:txBody>
+          <a:bodyPr rtlCol="0" anchor="ctr"/>
+          <a:lstStyle/>
+          <a:p>
+            <a:pPr algn="ctr"/>
+            <a:r>
+              <a:rPr lang="en-US" sz="2000" dirty="0">
+                <a:solidFill>
+                  <a:schemeClr val="tx1"/>
+                </a:solidFill>
+                <a:latin typeface="Consolas" panose="020B0609020204030204" pitchFamily="49" charset="0"/>
+                <a:cs typeface="Consolas" panose="020B0609020204030204" pitchFamily="49" charset="0"/>
+              </a:rPr>
+              <a:t>result</a:t>
+            </a:r>
+            <a:endParaRPr lang="en-US" sz="3200" dirty="0">
+              <a:solidFill>
+                <a:schemeClr val="tx1"/>
+              </a:solidFill>
+              <a:latin typeface="Consolas" panose="020B0609020204030204" pitchFamily="49" charset="0"/>
+              <a:cs typeface="Consolas" panose="020B0609020204030204" pitchFamily="49" charset="0"/>
+            </a:endParaRPr>
+          </a:p>
+        </p:txBody>
+      </p:sp>
+      <p:sp>
+        <p:nvSpPr>
+          <p:cNvPr id="3" name="Rounded Rectangle 2">
+            <a:extLst>
+              <a:ext uri="{FF2B5EF4-FFF2-40B4-BE49-F238E27FC236}">
+                <a16:creationId xmlns:a16="http://schemas.microsoft.com/office/drawing/2014/main" id="{36CCAB6A-6FB6-6EA3-019A-2BF1944F116A}"/>
+              </a:ext>
+            </a:extLst>
+          </p:cNvPr>
+          <p:cNvSpPr/>
+          <p:nvPr/>
+        </p:nvSpPr>
+        <p:spPr>
+          <a:xfrm>
+            <a:off x="3343140" y="2717725"/>
+            <a:ext cx="1081110" cy="289580"/>
+          </a:xfrm>
+          <a:prstGeom prst="roundRect">
+            <a:avLst/>
+          </a:prstGeom>
+          <a:solidFill>
+            <a:schemeClr val="accent1">
+              <a:lumMod val="40000"/>
+              <a:lumOff val="60000"/>
+            </a:schemeClr>
+          </a:solidFill>
+          <a:ln w="28575">
+            <a:solidFill>
+              <a:schemeClr val="tx1"/>
+            </a:solidFill>
+          </a:ln>
+        </p:spPr>
+        <p:style>
+          <a:lnRef idx="2">
+            <a:schemeClr val="accent1">
+              <a:shade val="15000"/>
+            </a:schemeClr>
+          </a:lnRef>
+          <a:fillRef idx="1">
+            <a:schemeClr val="accent1"/>
+          </a:fillRef>
+          <a:effectRef idx="0">
+            <a:schemeClr val="accent1"/>
+          </a:effectRef>
+          <a:fontRef idx="minor">
+            <a:schemeClr val="lt1"/>
+          </a:fontRef>
+        </p:style>
+        <p:txBody>
+          <a:bodyPr rtlCol="0" anchor="ctr"/>
+          <a:lstStyle/>
+          <a:p>
+            <a:pPr algn="ctr"/>
+            <a:r>
+              <a:rPr lang="en-US" sz="2000" dirty="0">
+                <a:solidFill>
+                  <a:schemeClr val="tx1"/>
+                </a:solidFill>
+                <a:latin typeface="Consolas" panose="020B0609020204030204" pitchFamily="49" charset="0"/>
+                <a:cs typeface="Consolas" panose="020B0609020204030204" pitchFamily="49" charset="0"/>
+              </a:rPr>
+              <a:t>result</a:t>
+            </a:r>
+            <a:endParaRPr lang="en-US" sz="3200" dirty="0">
+              <a:solidFill>
+                <a:schemeClr val="tx1"/>
+              </a:solidFill>
+              <a:latin typeface="Consolas" panose="020B0609020204030204" pitchFamily="49" charset="0"/>
+              <a:cs typeface="Consolas" panose="020B0609020204030204" pitchFamily="49" charset="0"/>
+            </a:endParaRPr>
+          </a:p>
+        </p:txBody>
+      </p:sp>
+      <p:sp>
+        <p:nvSpPr>
+          <p:cNvPr id="6" name="Rounded Rectangle 5">
+            <a:extLst>
+              <a:ext uri="{FF2B5EF4-FFF2-40B4-BE49-F238E27FC236}">
+                <a16:creationId xmlns:a16="http://schemas.microsoft.com/office/drawing/2014/main" id="{7608C03B-A7D6-DB0E-46E2-91EAABEC8F24}"/>
+              </a:ext>
+            </a:extLst>
+          </p:cNvPr>
+          <p:cNvSpPr/>
+          <p:nvPr/>
+        </p:nvSpPr>
+        <p:spPr>
+          <a:xfrm>
+            <a:off x="3343868" y="2243091"/>
+            <a:ext cx="957629" cy="289580"/>
+          </a:xfrm>
+          <a:prstGeom prst="roundRect">
+            <a:avLst/>
+          </a:prstGeom>
+          <a:solidFill>
+            <a:schemeClr val="accent4">
+              <a:lumMod val="60000"/>
+              <a:lumOff val="40000"/>
+            </a:schemeClr>
+          </a:solidFill>
+          <a:ln w="28575">
+            <a:solidFill>
+              <a:schemeClr val="tx1"/>
+            </a:solidFill>
+          </a:ln>
+        </p:spPr>
+        <p:style>
+          <a:lnRef idx="2">
+            <a:schemeClr val="accent1">
+              <a:shade val="15000"/>
+            </a:schemeClr>
+          </a:lnRef>
+          <a:fillRef idx="1">
+            <a:schemeClr val="accent1"/>
+          </a:fillRef>
+          <a:effectRef idx="0">
+            <a:schemeClr val="accent1"/>
+          </a:effectRef>
+          <a:fontRef idx="minor">
+            <a:schemeClr val="lt1"/>
+          </a:fontRef>
+        </p:style>
+        <p:txBody>
+          <a:bodyPr rtlCol="0" anchor="ctr"/>
+          <a:lstStyle/>
+          <a:p>
+            <a:pPr algn="ctr"/>
+            <a:r>
+              <a:rPr lang="en-US" sz="2000" dirty="0">
+                <a:solidFill>
+                  <a:schemeClr val="tx1"/>
+                </a:solidFill>
+                <a:latin typeface="Consolas" panose="020B0609020204030204" pitchFamily="49" charset="0"/>
+                <a:cs typeface="Consolas" panose="020B0609020204030204" pitchFamily="49" charset="0"/>
+              </a:rPr>
+              <a:t>token</a:t>
+            </a:r>
+            <a:endParaRPr lang="en-US" sz="3200" dirty="0">
+              <a:solidFill>
+                <a:schemeClr val="tx1"/>
+              </a:solidFill>
+              <a:latin typeface="Consolas" panose="020B0609020204030204" pitchFamily="49" charset="0"/>
+              <a:cs typeface="Consolas" panose="020B0609020204030204" pitchFamily="49" charset="0"/>
+            </a:endParaRPr>
+          </a:p>
+        </p:txBody>
+      </p:sp>
+      <p:sp>
+        <p:nvSpPr>
+          <p:cNvPr id="7" name="Rounded Rectangle 6">
+            <a:extLst>
+              <a:ext uri="{FF2B5EF4-FFF2-40B4-BE49-F238E27FC236}">
+                <a16:creationId xmlns:a16="http://schemas.microsoft.com/office/drawing/2014/main" id="{BB04911F-631A-AB29-6C67-B120BA6F41CA}"/>
+              </a:ext>
+            </a:extLst>
+          </p:cNvPr>
+          <p:cNvSpPr/>
+          <p:nvPr/>
+        </p:nvSpPr>
+        <p:spPr>
+          <a:xfrm>
+            <a:off x="5426406" y="2243091"/>
+            <a:ext cx="1081110" cy="289580"/>
+          </a:xfrm>
+          <a:prstGeom prst="roundRect">
+            <a:avLst/>
+          </a:prstGeom>
+          <a:solidFill>
+            <a:schemeClr val="accent1">
+              <a:lumMod val="40000"/>
+              <a:lumOff val="60000"/>
+            </a:schemeClr>
+          </a:solidFill>
+          <a:ln w="28575">
+            <a:solidFill>
+              <a:schemeClr val="tx1"/>
+            </a:solidFill>
+          </a:ln>
+        </p:spPr>
+        <p:style>
+          <a:lnRef idx="2">
+            <a:schemeClr val="accent1">
+              <a:shade val="15000"/>
+            </a:schemeClr>
+          </a:lnRef>
+          <a:fillRef idx="1">
+            <a:schemeClr val="accent1"/>
+          </a:fillRef>
+          <a:effectRef idx="0">
+            <a:schemeClr val="accent1"/>
+          </a:effectRef>
+          <a:fontRef idx="minor">
+            <a:schemeClr val="lt1"/>
+          </a:fontRef>
+        </p:style>
+        <p:txBody>
+          <a:bodyPr rtlCol="0" anchor="ctr"/>
+          <a:lstStyle/>
+          <a:p>
+            <a:pPr algn="ctr"/>
+            <a:r>
+              <a:rPr lang="en-US" sz="2000" dirty="0">
+                <a:solidFill>
+                  <a:schemeClr val="tx1"/>
+                </a:solidFill>
+                <a:latin typeface="Consolas" panose="020B0609020204030204" pitchFamily="49" charset="0"/>
+                <a:cs typeface="Consolas" panose="020B0609020204030204" pitchFamily="49" charset="0"/>
+              </a:rPr>
+              <a:t>result</a:t>
+            </a:r>
+            <a:endParaRPr lang="en-US" sz="3200" dirty="0">
+              <a:solidFill>
+                <a:schemeClr val="tx1"/>
+              </a:solidFill>
+              <a:latin typeface="Consolas" panose="020B0609020204030204" pitchFamily="49" charset="0"/>
+              <a:cs typeface="Consolas" panose="020B0609020204030204" pitchFamily="49" charset="0"/>
+            </a:endParaRPr>
+          </a:p>
+        </p:txBody>
+      </p:sp>
+      <p:sp>
+        <p:nvSpPr>
+          <p:cNvPr id="8" name="Rounded Rectangle 7">
+            <a:extLst>
+              <a:ext uri="{FF2B5EF4-FFF2-40B4-BE49-F238E27FC236}">
+                <a16:creationId xmlns:a16="http://schemas.microsoft.com/office/drawing/2014/main" id="{9803F470-5574-4D48-C027-1AB870714C99}"/>
+              </a:ext>
+            </a:extLst>
+          </p:cNvPr>
+          <p:cNvSpPr/>
+          <p:nvPr/>
+        </p:nvSpPr>
+        <p:spPr>
+          <a:xfrm>
+            <a:off x="4928159" y="2716933"/>
+            <a:ext cx="957629" cy="289580"/>
+          </a:xfrm>
+          <a:prstGeom prst="roundRect">
+            <a:avLst/>
+          </a:prstGeom>
+          <a:solidFill>
+            <a:schemeClr val="accent4">
+              <a:lumMod val="60000"/>
+              <a:lumOff val="40000"/>
+            </a:schemeClr>
+          </a:solidFill>
+          <a:ln w="28575">
+            <a:solidFill>
+              <a:schemeClr val="tx1"/>
+            </a:solidFill>
+          </a:ln>
+        </p:spPr>
+        <p:style>
+          <a:lnRef idx="2">
+            <a:schemeClr val="accent1">
+              <a:shade val="15000"/>
+            </a:schemeClr>
+          </a:lnRef>
+          <a:fillRef idx="1">
+            <a:schemeClr val="accent1"/>
+          </a:fillRef>
+          <a:effectRef idx="0">
+            <a:schemeClr val="accent1"/>
+          </a:effectRef>
+          <a:fontRef idx="minor">
+            <a:schemeClr val="lt1"/>
+          </a:fontRef>
+        </p:style>
+        <p:txBody>
+          <a:bodyPr rtlCol="0" anchor="ctr"/>
+          <a:lstStyle/>
+          <a:p>
+            <a:pPr algn="ctr"/>
+            <a:r>
+              <a:rPr lang="en-US" sz="2000" dirty="0">
+                <a:solidFill>
+                  <a:schemeClr val="tx1"/>
+                </a:solidFill>
+                <a:latin typeface="Consolas" panose="020B0609020204030204" pitchFamily="49" charset="0"/>
+                <a:cs typeface="Consolas" panose="020B0609020204030204" pitchFamily="49" charset="0"/>
+              </a:rPr>
+              <a:t>token</a:t>
+            </a:r>
+            <a:endParaRPr lang="en-US" sz="3200" dirty="0">
+              <a:solidFill>
+                <a:schemeClr val="tx1"/>
+              </a:solidFill>
+              <a:latin typeface="Consolas" panose="020B0609020204030204" pitchFamily="49" charset="0"/>
+              <a:cs typeface="Consolas" panose="020B0609020204030204" pitchFamily="49" charset="0"/>
+            </a:endParaRPr>
+          </a:p>
+        </p:txBody>
+      </p:sp>
+      <p:sp>
+        <p:nvSpPr>
+          <p:cNvPr id="11" name="Rounded Rectangle 10">
+            <a:extLst>
+              <a:ext uri="{FF2B5EF4-FFF2-40B4-BE49-F238E27FC236}">
+                <a16:creationId xmlns:a16="http://schemas.microsoft.com/office/drawing/2014/main" id="{DBD58F74-3173-54EF-5FD5-23FCBA79AF19}"/>
+              </a:ext>
+            </a:extLst>
+          </p:cNvPr>
+          <p:cNvSpPr/>
+          <p:nvPr/>
+        </p:nvSpPr>
+        <p:spPr>
+          <a:xfrm>
+            <a:off x="3343140" y="3169634"/>
+            <a:ext cx="1081110" cy="289580"/>
+          </a:xfrm>
+          <a:prstGeom prst="roundRect">
+            <a:avLst/>
+          </a:prstGeom>
+          <a:solidFill>
+            <a:schemeClr val="accent1">
+              <a:lumMod val="40000"/>
+              <a:lumOff val="60000"/>
+            </a:schemeClr>
+          </a:solidFill>
+          <a:ln w="28575">
+            <a:solidFill>
+              <a:schemeClr val="tx1"/>
+            </a:solidFill>
+          </a:ln>
+        </p:spPr>
+        <p:style>
+          <a:lnRef idx="2">
+            <a:schemeClr val="accent1">
+              <a:shade val="15000"/>
+            </a:schemeClr>
+          </a:lnRef>
+          <a:fillRef idx="1">
+            <a:schemeClr val="accent1"/>
+          </a:fillRef>
+          <a:effectRef idx="0">
+            <a:schemeClr val="accent1"/>
+          </a:effectRef>
+          <a:fontRef idx="minor">
+            <a:schemeClr val="lt1"/>
+          </a:fontRef>
+        </p:style>
+        <p:txBody>
+          <a:bodyPr rtlCol="0" anchor="ctr"/>
+          <a:lstStyle/>
+          <a:p>
+            <a:pPr algn="ctr"/>
+            <a:r>
+              <a:rPr lang="en-US" sz="2000" dirty="0">
+                <a:solidFill>
+                  <a:schemeClr val="tx1"/>
+                </a:solidFill>
+                <a:latin typeface="Consolas" panose="020B0609020204030204" pitchFamily="49" charset="0"/>
+                <a:cs typeface="Consolas" panose="020B0609020204030204" pitchFamily="49" charset="0"/>
+              </a:rPr>
+              <a:t>result</a:t>
+            </a:r>
+            <a:endParaRPr lang="en-US" sz="3200" dirty="0">
+              <a:solidFill>
+                <a:schemeClr val="tx1"/>
+              </a:solidFill>
+              <a:latin typeface="Consolas" panose="020B0609020204030204" pitchFamily="49" charset="0"/>
+              <a:cs typeface="Consolas" panose="020B0609020204030204" pitchFamily="49" charset="0"/>
+            </a:endParaRPr>
+          </a:p>
+        </p:txBody>
+      </p:sp>
+      <p:sp>
+        <p:nvSpPr>
+          <p:cNvPr id="17" name="Rounded Rectangle 16">
+            <a:extLst>
+              <a:ext uri="{FF2B5EF4-FFF2-40B4-BE49-F238E27FC236}">
+                <a16:creationId xmlns:a16="http://schemas.microsoft.com/office/drawing/2014/main" id="{60EB0B2E-0DC8-3FDC-D9D8-012AEA5BDE4C}"/>
+              </a:ext>
+            </a:extLst>
+          </p:cNvPr>
+          <p:cNvSpPr/>
+          <p:nvPr/>
+        </p:nvSpPr>
+        <p:spPr>
+          <a:xfrm>
+            <a:off x="3439442" y="4101658"/>
+            <a:ext cx="1081110" cy="289580"/>
+          </a:xfrm>
+          <a:prstGeom prst="roundRect">
+            <a:avLst/>
+          </a:prstGeom>
+          <a:solidFill>
+            <a:schemeClr val="accent1">
+              <a:lumMod val="40000"/>
+              <a:lumOff val="60000"/>
+            </a:schemeClr>
+          </a:solidFill>
+          <a:ln w="28575">
+            <a:solidFill>
+              <a:schemeClr val="tx1"/>
+            </a:solidFill>
+          </a:ln>
+        </p:spPr>
+        <p:style>
+          <a:lnRef idx="2">
+            <a:schemeClr val="accent1">
+              <a:shade val="15000"/>
+            </a:schemeClr>
+          </a:lnRef>
+          <a:fillRef idx="1">
+            <a:schemeClr val="accent1"/>
+          </a:fillRef>
+          <a:effectRef idx="0">
+            <a:schemeClr val="accent1"/>
+          </a:effectRef>
+          <a:fontRef idx="minor">
+            <a:schemeClr val="lt1"/>
+          </a:fontRef>
+        </p:style>
+        <p:txBody>
+          <a:bodyPr rtlCol="0" anchor="ctr"/>
+          <a:lstStyle/>
+          <a:p>
+            <a:pPr algn="ctr"/>
+            <a:r>
+              <a:rPr lang="en-US" sz="2000" dirty="0">
+                <a:solidFill>
+                  <a:schemeClr val="tx1"/>
+                </a:solidFill>
+                <a:latin typeface="Consolas" panose="020B0609020204030204" pitchFamily="49" charset="0"/>
+                <a:cs typeface="Consolas" panose="020B0609020204030204" pitchFamily="49" charset="0"/>
+              </a:rPr>
+              <a:t>result</a:t>
+            </a:r>
+            <a:endParaRPr lang="en-US" sz="3200" dirty="0">
+              <a:solidFill>
+                <a:schemeClr val="tx1"/>
+              </a:solidFill>
+              <a:latin typeface="Consolas" panose="020B0609020204030204" pitchFamily="49" charset="0"/>
+              <a:cs typeface="Consolas" panose="020B0609020204030204" pitchFamily="49" charset="0"/>
+            </a:endParaRPr>
+          </a:p>
+        </p:txBody>
+      </p:sp>
+      <p:sp>
+        <p:nvSpPr>
+          <p:cNvPr id="16" name="Rounded Rectangle 15">
+            <a:extLst>
+              <a:ext uri="{FF2B5EF4-FFF2-40B4-BE49-F238E27FC236}">
+                <a16:creationId xmlns:a16="http://schemas.microsoft.com/office/drawing/2014/main" id="{08FF5284-5342-F8C5-7A05-E7E049DCC4E6}"/>
+              </a:ext>
+            </a:extLst>
+          </p:cNvPr>
+          <p:cNvSpPr/>
+          <p:nvPr/>
+        </p:nvSpPr>
+        <p:spPr>
+          <a:xfrm>
+            <a:off x="5535168" y="791088"/>
+            <a:ext cx="2489085" cy="872189"/>
+          </a:xfrm>
+          <a:prstGeom prst="roundRect">
+            <a:avLst/>
+          </a:prstGeom>
+          <a:solidFill>
+            <a:schemeClr val="bg1"/>
+          </a:solidFill>
+          <a:ln w="28575">
+            <a:solidFill>
+              <a:schemeClr val="bg2">
+                <a:lumMod val="10000"/>
+              </a:schemeClr>
+            </a:solidFill>
+          </a:ln>
+        </p:spPr>
+        <p:style>
+          <a:lnRef idx="2">
+            <a:schemeClr val="accent1">
+              <a:shade val="15000"/>
+            </a:schemeClr>
+          </a:lnRef>
+          <a:fillRef idx="1">
+            <a:schemeClr val="accent1"/>
+          </a:fillRef>
+          <a:effectRef idx="0">
+            <a:schemeClr val="accent1"/>
+          </a:effectRef>
+          <a:fontRef idx="minor">
+            <a:schemeClr val="lt1"/>
+          </a:fontRef>
+        </p:style>
+        <p:txBody>
+          <a:bodyPr rtlCol="0" anchor="ctr"/>
+          <a:lstStyle/>
+          <a:p>
+            <a:pPr>
+              <a:lnSpc>
+                <a:spcPct val="150000"/>
+              </a:lnSpc>
+            </a:pPr>
+            <a:endParaRPr lang="en-US" sz="4000" dirty="0">
+              <a:solidFill>
+                <a:schemeClr val="bg2">
+                  <a:lumMod val="10000"/>
+                </a:schemeClr>
+              </a:solidFill>
+              <a:latin typeface="Consolas" panose="020B0609020204030204" pitchFamily="49" charset="0"/>
+              <a:cs typeface="Consolas" panose="020B0609020204030204" pitchFamily="49" charset="0"/>
+            </a:endParaRPr>
+          </a:p>
+        </p:txBody>
+      </p:sp>
+      <p:sp>
+        <p:nvSpPr>
+          <p:cNvPr id="14" name="Rounded Rectangle 13">
+            <a:extLst>
+              <a:ext uri="{FF2B5EF4-FFF2-40B4-BE49-F238E27FC236}">
+                <a16:creationId xmlns:a16="http://schemas.microsoft.com/office/drawing/2014/main" id="{F5485F29-0AEA-E722-8A57-29438CCB283D}"/>
+              </a:ext>
+            </a:extLst>
+          </p:cNvPr>
+          <p:cNvSpPr/>
+          <p:nvPr/>
+        </p:nvSpPr>
+        <p:spPr>
+          <a:xfrm>
+            <a:off x="5794129" y="1082392"/>
+            <a:ext cx="779653" cy="289580"/>
+          </a:xfrm>
+          <a:prstGeom prst="roundRect">
+            <a:avLst/>
+          </a:prstGeom>
+          <a:solidFill>
+            <a:srgbClr val="F79ED1"/>
+          </a:solidFill>
+          <a:ln w="28575">
+            <a:solidFill>
+              <a:schemeClr val="bg2">
+                <a:lumMod val="10000"/>
+              </a:schemeClr>
+            </a:solidFill>
+          </a:ln>
+        </p:spPr>
+        <p:style>
+          <a:lnRef idx="2">
+            <a:schemeClr val="accent1">
+              <a:shade val="15000"/>
+            </a:schemeClr>
+          </a:lnRef>
+          <a:fillRef idx="1">
+            <a:schemeClr val="accent1"/>
+          </a:fillRef>
+          <a:effectRef idx="0">
+            <a:schemeClr val="accent1"/>
+          </a:effectRef>
+          <a:fontRef idx="minor">
+            <a:schemeClr val="lt1"/>
+          </a:fontRef>
+        </p:style>
+        <p:txBody>
+          <a:bodyPr rtlCol="0" anchor="ctr"/>
+          <a:lstStyle/>
+          <a:p>
+            <a:pPr algn="ctr"/>
+            <a:r>
+              <a:rPr lang="en-US" sz="2000" dirty="0">
+                <a:solidFill>
+                  <a:schemeClr val="bg2">
+                    <a:lumMod val="10000"/>
+                  </a:schemeClr>
+                </a:solidFill>
+                <a:latin typeface="Consolas" panose="020B0609020204030204" pitchFamily="49" charset="0"/>
+                <a:cs typeface="Consolas" panose="020B0609020204030204" pitchFamily="49" charset="0"/>
+              </a:rPr>
+              <a:t>next</a:t>
+            </a:r>
+          </a:p>
+        </p:txBody>
+      </p:sp>
+      <p:sp>
+        <p:nvSpPr>
+          <p:cNvPr id="15" name="Rounded Rectangle 14">
+            <a:extLst>
+              <a:ext uri="{FF2B5EF4-FFF2-40B4-BE49-F238E27FC236}">
+                <a16:creationId xmlns:a16="http://schemas.microsoft.com/office/drawing/2014/main" id="{FB833FCF-572D-2A25-0178-02EE7776296F}"/>
+              </a:ext>
+            </a:extLst>
+          </p:cNvPr>
+          <p:cNvSpPr/>
+          <p:nvPr/>
+        </p:nvSpPr>
+        <p:spPr>
+          <a:xfrm>
+            <a:off x="6639893" y="1082392"/>
+            <a:ext cx="1129597" cy="289580"/>
+          </a:xfrm>
+          <a:prstGeom prst="roundRect">
+            <a:avLst/>
+          </a:prstGeom>
+          <a:solidFill>
+            <a:schemeClr val="accent3">
+              <a:lumMod val="40000"/>
+              <a:lumOff val="60000"/>
+            </a:schemeClr>
+          </a:solidFill>
+          <a:ln w="28575">
+            <a:solidFill>
+              <a:schemeClr val="bg2">
+                <a:lumMod val="10000"/>
+              </a:schemeClr>
+            </a:solidFill>
+          </a:ln>
+        </p:spPr>
+        <p:style>
+          <a:lnRef idx="2">
+            <a:schemeClr val="accent1">
+              <a:shade val="15000"/>
+            </a:schemeClr>
+          </a:lnRef>
+          <a:fillRef idx="1">
+            <a:schemeClr val="accent1"/>
+          </a:fillRef>
+          <a:effectRef idx="0">
+            <a:schemeClr val="accent1"/>
+          </a:effectRef>
+          <a:fontRef idx="minor">
+            <a:schemeClr val="lt1"/>
+          </a:fontRef>
+        </p:style>
+        <p:txBody>
+          <a:bodyPr rtlCol="0" anchor="ctr"/>
+          <a:lstStyle/>
+          <a:p>
+            <a:pPr algn="ctr"/>
+            <a:r>
+              <a:rPr lang="en-US" sz="2000" dirty="0">
+                <a:solidFill>
+                  <a:schemeClr val="bg2">
+                    <a:lumMod val="10000"/>
+                  </a:schemeClr>
+                </a:solidFill>
+                <a:latin typeface="Consolas" panose="020B0609020204030204" pitchFamily="49" charset="0"/>
+                <a:cs typeface="Consolas" panose="020B0609020204030204" pitchFamily="49" charset="0"/>
+              </a:rPr>
+              <a:t>tokens</a:t>
+            </a:r>
+          </a:p>
+        </p:txBody>
+      </p:sp>
+      <p:sp>
+        <p:nvSpPr>
+          <p:cNvPr id="18" name="TextBox 17">
+            <a:extLst>
+              <a:ext uri="{FF2B5EF4-FFF2-40B4-BE49-F238E27FC236}">
+                <a16:creationId xmlns:a16="http://schemas.microsoft.com/office/drawing/2014/main" id="{B9DE1AE2-A47C-20E6-B3B7-E687B7FE62FF}"/>
+              </a:ext>
+            </a:extLst>
+          </p:cNvPr>
+          <p:cNvSpPr txBox="1"/>
+          <p:nvPr/>
+        </p:nvSpPr>
+        <p:spPr>
+          <a:xfrm>
+            <a:off x="5495413" y="739947"/>
+            <a:ext cx="394660" cy="923330"/>
+          </a:xfrm>
+          <a:prstGeom prst="rect">
+            <a:avLst/>
+          </a:prstGeom>
+          <a:noFill/>
+        </p:spPr>
+        <p:txBody>
+          <a:bodyPr wrap="none" rtlCol="0">
+            <a:spAutoFit/>
+          </a:bodyPr>
+          <a:lstStyle/>
+          <a:p>
+            <a:r>
+              <a:rPr lang="en-US" sz="5400" dirty="0"/>
+              <a:t>(</a:t>
+            </a:r>
+          </a:p>
+        </p:txBody>
+      </p:sp>
+      <p:sp>
+        <p:nvSpPr>
+          <p:cNvPr id="19" name="TextBox 18">
+            <a:extLst>
+              <a:ext uri="{FF2B5EF4-FFF2-40B4-BE49-F238E27FC236}">
+                <a16:creationId xmlns:a16="http://schemas.microsoft.com/office/drawing/2014/main" id="{FD0DCF4B-0CA2-2C3C-0E97-1FBD98B8D326}"/>
+              </a:ext>
+            </a:extLst>
+          </p:cNvPr>
+          <p:cNvSpPr txBox="1"/>
+          <p:nvPr/>
+        </p:nvSpPr>
+        <p:spPr>
+          <a:xfrm>
+            <a:off x="7673895" y="744597"/>
+            <a:ext cx="394660" cy="923330"/>
+          </a:xfrm>
+          <a:prstGeom prst="rect">
+            <a:avLst/>
+          </a:prstGeom>
+          <a:noFill/>
+        </p:spPr>
+        <p:txBody>
+          <a:bodyPr wrap="none" rtlCol="0">
+            <a:spAutoFit/>
+          </a:bodyPr>
+          <a:lstStyle/>
+          <a:p>
+            <a:r>
+              <a:rPr lang="en-US" sz="5400" dirty="0"/>
+              <a:t>)</a:t>
+            </a:r>
+          </a:p>
+        </p:txBody>
+      </p:sp>
+      <p:sp>
+        <p:nvSpPr>
+          <p:cNvPr id="20" name="Rounded Rectangle 19">
+            <a:extLst>
+              <a:ext uri="{FF2B5EF4-FFF2-40B4-BE49-F238E27FC236}">
+                <a16:creationId xmlns:a16="http://schemas.microsoft.com/office/drawing/2014/main" id="{94E1EC85-3CD9-76D7-E849-AB74EBF82791}"/>
+              </a:ext>
+            </a:extLst>
+          </p:cNvPr>
+          <p:cNvSpPr/>
+          <p:nvPr/>
+        </p:nvSpPr>
+        <p:spPr>
+          <a:xfrm>
+            <a:off x="5045204" y="1791182"/>
+            <a:ext cx="1129597" cy="289580"/>
+          </a:xfrm>
+          <a:prstGeom prst="roundRect">
+            <a:avLst/>
+          </a:prstGeom>
+          <a:solidFill>
+            <a:schemeClr val="accent3">
+              <a:lumMod val="40000"/>
+              <a:lumOff val="60000"/>
+            </a:schemeClr>
+          </a:solidFill>
+          <a:ln w="28575">
+            <a:solidFill>
+              <a:schemeClr val="bg2">
+                <a:lumMod val="10000"/>
+              </a:schemeClr>
+            </a:solidFill>
+          </a:ln>
+        </p:spPr>
+        <p:style>
+          <a:lnRef idx="2">
+            <a:schemeClr val="accent1">
+              <a:shade val="15000"/>
+            </a:schemeClr>
+          </a:lnRef>
+          <a:fillRef idx="1">
+            <a:schemeClr val="accent1"/>
+          </a:fillRef>
+          <a:effectRef idx="0">
+            <a:schemeClr val="accent1"/>
+          </a:effectRef>
+          <a:fontRef idx="minor">
+            <a:schemeClr val="lt1"/>
+          </a:fontRef>
+        </p:style>
+        <p:txBody>
+          <a:bodyPr rtlCol="0" anchor="ctr"/>
+          <a:lstStyle/>
+          <a:p>
+            <a:pPr algn="ctr"/>
+            <a:r>
+              <a:rPr lang="en-US" sz="2000" dirty="0">
+                <a:solidFill>
+                  <a:schemeClr val="bg2">
+                    <a:lumMod val="10000"/>
+                  </a:schemeClr>
+                </a:solidFill>
+                <a:latin typeface="Consolas" panose="020B0609020204030204" pitchFamily="49" charset="0"/>
+                <a:cs typeface="Consolas" panose="020B0609020204030204" pitchFamily="49" charset="0"/>
+              </a:rPr>
+              <a:t>tokens</a:t>
+            </a:r>
+          </a:p>
+        </p:txBody>
+      </p:sp>
+      <p:sp>
+        <p:nvSpPr>
+          <p:cNvPr id="21" name="Rounded Rectangle 20">
+            <a:extLst>
+              <a:ext uri="{FF2B5EF4-FFF2-40B4-BE49-F238E27FC236}">
+                <a16:creationId xmlns:a16="http://schemas.microsoft.com/office/drawing/2014/main" id="{573DC9FB-FEBA-EBA7-A765-509007DE4F18}"/>
+              </a:ext>
+            </a:extLst>
+          </p:cNvPr>
+          <p:cNvSpPr/>
+          <p:nvPr/>
+        </p:nvSpPr>
+        <p:spPr>
+          <a:xfrm>
+            <a:off x="6507516" y="3174402"/>
+            <a:ext cx="779653" cy="289580"/>
+          </a:xfrm>
+          <a:prstGeom prst="roundRect">
+            <a:avLst/>
+          </a:prstGeom>
+          <a:solidFill>
+            <a:srgbClr val="F79ED1"/>
+          </a:solidFill>
+          <a:ln w="28575">
+            <a:solidFill>
+              <a:schemeClr val="bg2">
+                <a:lumMod val="10000"/>
+              </a:schemeClr>
+            </a:solidFill>
+          </a:ln>
+        </p:spPr>
+        <p:style>
+          <a:lnRef idx="2">
+            <a:schemeClr val="accent1">
+              <a:shade val="15000"/>
+            </a:schemeClr>
+          </a:lnRef>
+          <a:fillRef idx="1">
+            <a:schemeClr val="accent1"/>
+          </a:fillRef>
+          <a:effectRef idx="0">
+            <a:schemeClr val="accent1"/>
+          </a:effectRef>
+          <a:fontRef idx="minor">
+            <a:schemeClr val="lt1"/>
+          </a:fontRef>
+        </p:style>
+        <p:txBody>
+          <a:bodyPr rtlCol="0" anchor="ctr"/>
+          <a:lstStyle/>
+          <a:p>
+            <a:pPr algn="ctr"/>
+            <a:r>
+              <a:rPr lang="en-US" sz="2000" dirty="0">
+                <a:solidFill>
+                  <a:schemeClr val="bg2">
+                    <a:lumMod val="10000"/>
+                  </a:schemeClr>
+                </a:solidFill>
+                <a:latin typeface="Consolas" panose="020B0609020204030204" pitchFamily="49" charset="0"/>
+                <a:cs typeface="Consolas" panose="020B0609020204030204" pitchFamily="49" charset="0"/>
+              </a:rPr>
+              <a:t>next</a:t>
+            </a:r>
+          </a:p>
+        </p:txBody>
+      </p:sp>
+    </p:spTree>
+    <p:extLst>
+      <p:ext uri="{BB962C8B-B14F-4D97-AF65-F5344CB8AC3E}">
+        <p14:creationId xmlns:p14="http://schemas.microsoft.com/office/powerpoint/2010/main" val="1664153735"/>
       </p:ext>
     </p:extLst>
   </p:cSld>
